--- a/House Price Prediction.pptx
+++ b/House Price Prediction.pptx
@@ -123,7 +123,7 @@
   </p:defaultTextStyle>
   <p:extLst>
     <p:ext uri="{EFAFB233-063F-42B5-8137-9DF3F51BA10A}">
-      <p15:sldGuideLst xmlns="" xmlns:p15="http://schemas.microsoft.com/office/powerpoint/2012/main">
+      <p15:sldGuideLst xmlns:p15="http://schemas.microsoft.com/office/powerpoint/2012/main" xmlns="">
         <p15:guide id="1" orient="horz" pos="2160" userDrawn="1">
           <p15:clr>
             <a:srgbClr val="A4A3A4"/>
@@ -137,7 +137,7 @@
       </p15:sldGuideLst>
     </p:ext>
     <p:ext uri="{2D200454-40CA-4A62-9FC3-DE9A4176ACB9}">
-      <p15:notesGuideLst xmlns="" xmlns:p15="http://schemas.microsoft.com/office/powerpoint/2012/main"/>
+      <p15:notesGuideLst xmlns:p15="http://schemas.microsoft.com/office/powerpoint/2012/main" xmlns=""/>
     </p:ext>
   </p:extLst>
 </p:presentation>
@@ -170,7 +170,7 @@
           <p:cNvPr id="2" name="Header Placeholder 1">
             <a:extLst>
               <a:ext uri="{FF2B5EF4-FFF2-40B4-BE49-F238E27FC236}">
-                <a16:creationId xmlns="" xmlns:a16="http://schemas.microsoft.com/office/drawing/2014/main" id="{E62FF6B6-4F8A-40F7-B5F4-FC3996824D73}"/>
+                <a16:creationId xmlns:a16="http://schemas.microsoft.com/office/drawing/2014/main" xmlns="" id="{E62FF6B6-4F8A-40F7-B5F4-FC3996824D73}"/>
               </a:ext>
             </a:extLst>
           </p:cNvPr>
@@ -207,7 +207,7 @@
           <p:cNvPr id="3" name="Date Placeholder 2">
             <a:extLst>
               <a:ext uri="{FF2B5EF4-FFF2-40B4-BE49-F238E27FC236}">
-                <a16:creationId xmlns="" xmlns:a16="http://schemas.microsoft.com/office/drawing/2014/main" id="{8910A999-F365-48DF-976A-0517FE045440}"/>
+                <a16:creationId xmlns:a16="http://schemas.microsoft.com/office/drawing/2014/main" xmlns="" id="{8910A999-F365-48DF-976A-0517FE045440}"/>
               </a:ext>
             </a:extLst>
           </p:cNvPr>
@@ -249,7 +249,7 @@
           <p:cNvPr id="4" name="Footer Placeholder 3">
             <a:extLst>
               <a:ext uri="{FF2B5EF4-FFF2-40B4-BE49-F238E27FC236}">
-                <a16:creationId xmlns="" xmlns:a16="http://schemas.microsoft.com/office/drawing/2014/main" id="{F8735C90-ADBF-4B9E-BE88-E1C8F83EB4D2}"/>
+                <a16:creationId xmlns:a16="http://schemas.microsoft.com/office/drawing/2014/main" xmlns="" id="{F8735C90-ADBF-4B9E-BE88-E1C8F83EB4D2}"/>
               </a:ext>
             </a:extLst>
           </p:cNvPr>
@@ -286,7 +286,7 @@
           <p:cNvPr id="5" name="Slide Number Placeholder 4">
             <a:extLst>
               <a:ext uri="{FF2B5EF4-FFF2-40B4-BE49-F238E27FC236}">
-                <a16:creationId xmlns="" xmlns:a16="http://schemas.microsoft.com/office/drawing/2014/main" id="{82506A01-6D0A-45EF-A584-05A3361D66F7}"/>
+                <a16:creationId xmlns:a16="http://schemas.microsoft.com/office/drawing/2014/main" xmlns="" id="{82506A01-6D0A-45EF-A584-05A3361D66F7}"/>
               </a:ext>
             </a:extLst>
           </p:cNvPr>
@@ -326,7 +326,7 @@
     </p:spTree>
     <p:extLst>
       <p:ext uri="{BB962C8B-B14F-4D97-AF65-F5344CB8AC3E}">
-        <p14:creationId xmlns="" xmlns:p14="http://schemas.microsoft.com/office/powerpoint/2010/main" val="1059900972"/>
+        <p14:creationId xmlns:p14="http://schemas.microsoft.com/office/powerpoint/2010/main" xmlns="" val="1059900972"/>
       </p:ext>
     </p:extLst>
   </p:cSld>
@@ -585,7 +585,7 @@
     </p:spTree>
     <p:extLst>
       <p:ext uri="{BB962C8B-B14F-4D97-AF65-F5344CB8AC3E}">
-        <p14:creationId xmlns="" xmlns:p14="http://schemas.microsoft.com/office/powerpoint/2010/main" val="3827727106"/>
+        <p14:creationId xmlns:p14="http://schemas.microsoft.com/office/powerpoint/2010/main" xmlns="" val="3827727106"/>
       </p:ext>
     </p:extLst>
   </p:cSld>
@@ -707,7 +707,7 @@
           <p:cNvPr id="21" name="Rectangle 20">
             <a:extLst>
               <a:ext uri="{FF2B5EF4-FFF2-40B4-BE49-F238E27FC236}">
-                <a16:creationId xmlns="" xmlns:a16="http://schemas.microsoft.com/office/drawing/2014/main" id="{6E739168-A5E8-443A-B392-7AD4CF8977AD}"/>
+                <a16:creationId xmlns:a16="http://schemas.microsoft.com/office/drawing/2014/main" xmlns="" id="{6E739168-A5E8-443A-B392-7AD4CF8977AD}"/>
               </a:ext>
             </a:extLst>
           </p:cNvPr>
@@ -759,7 +759,7 @@
           <p:cNvPr id="7" name="Group 6">
             <a:extLst>
               <a:ext uri="{FF2B5EF4-FFF2-40B4-BE49-F238E27FC236}">
-                <a16:creationId xmlns="" xmlns:a16="http://schemas.microsoft.com/office/drawing/2014/main" id="{4CA15AFD-4983-47DD-9ED0-D3B27E5A096F}"/>
+                <a16:creationId xmlns:a16="http://schemas.microsoft.com/office/drawing/2014/main" xmlns="" id="{4CA15AFD-4983-47DD-9ED0-D3B27E5A096F}"/>
               </a:ext>
             </a:extLst>
           </p:cNvPr>
@@ -779,7 +779,7 @@
             <p:cNvPr id="8" name="Group 7">
               <a:extLst>
                 <a:ext uri="{FF2B5EF4-FFF2-40B4-BE49-F238E27FC236}">
-                  <a16:creationId xmlns="" xmlns:a16="http://schemas.microsoft.com/office/drawing/2014/main" id="{2222D5E2-E9B4-4180-98B8-4E514C9ADB28}"/>
+                  <a16:creationId xmlns:a16="http://schemas.microsoft.com/office/drawing/2014/main" xmlns="" id="{2222D5E2-E9B4-4180-98B8-4E514C9ADB28}"/>
                 </a:ext>
               </a:extLst>
             </p:cNvPr>
@@ -799,7 +799,7 @@
               <p:cNvPr id="15" name="Freeform: Shape 14">
                 <a:extLst>
                   <a:ext uri="{FF2B5EF4-FFF2-40B4-BE49-F238E27FC236}">
-                    <a16:creationId xmlns="" xmlns:a16="http://schemas.microsoft.com/office/drawing/2014/main" id="{41E10E1E-5268-4F03-BA64-07E19DE26739}"/>
+                    <a16:creationId xmlns:a16="http://schemas.microsoft.com/office/drawing/2014/main" xmlns="" id="{41E10E1E-5268-4F03-BA64-07E19DE26739}"/>
                   </a:ext>
                 </a:extLst>
               </p:cNvPr>
@@ -936,7 +936,7 @@
               <p:cNvPr id="16" name="Freeform: Shape 15">
                 <a:extLst>
                   <a:ext uri="{FF2B5EF4-FFF2-40B4-BE49-F238E27FC236}">
-                    <a16:creationId xmlns="" xmlns:a16="http://schemas.microsoft.com/office/drawing/2014/main" id="{B989C45D-BDFF-418F-BE79-03FF70015770}"/>
+                    <a16:creationId xmlns:a16="http://schemas.microsoft.com/office/drawing/2014/main" xmlns="" id="{B989C45D-BDFF-418F-BE79-03FF70015770}"/>
                   </a:ext>
                 </a:extLst>
               </p:cNvPr>
@@ -1100,7 +1100,7 @@
               <p:cNvPr id="17" name="Right Triangle 16">
                 <a:extLst>
                   <a:ext uri="{FF2B5EF4-FFF2-40B4-BE49-F238E27FC236}">
-                    <a16:creationId xmlns="" xmlns:a16="http://schemas.microsoft.com/office/drawing/2014/main" id="{8DCD5806-2A2F-4ABF-8057-245681C498E6}"/>
+                    <a16:creationId xmlns:a16="http://schemas.microsoft.com/office/drawing/2014/main" xmlns="" id="{8DCD5806-2A2F-4ABF-8057-245681C498E6}"/>
                   </a:ext>
                 </a:extLst>
               </p:cNvPr>
@@ -1154,7 +1154,7 @@
               <p:cNvPr id="18" name="Right Triangle 17">
                 <a:extLst>
                   <a:ext uri="{FF2B5EF4-FFF2-40B4-BE49-F238E27FC236}">
-                    <a16:creationId xmlns="" xmlns:a16="http://schemas.microsoft.com/office/drawing/2014/main" id="{3A93038F-E9E4-4FFD-B3DF-28DB7C2C1490}"/>
+                    <a16:creationId xmlns:a16="http://schemas.microsoft.com/office/drawing/2014/main" xmlns="" id="{3A93038F-E9E4-4FFD-B3DF-28DB7C2C1490}"/>
                   </a:ext>
                 </a:extLst>
               </p:cNvPr>
@@ -1211,7 +1211,7 @@
               <p:cNvPr id="19" name="Right Triangle 18">
                 <a:extLst>
                   <a:ext uri="{FF2B5EF4-FFF2-40B4-BE49-F238E27FC236}">
-                    <a16:creationId xmlns="" xmlns:a16="http://schemas.microsoft.com/office/drawing/2014/main" id="{5DEA1E02-BBD0-4AE3-AF22-433B90272178}"/>
+                    <a16:creationId xmlns:a16="http://schemas.microsoft.com/office/drawing/2014/main" xmlns="" id="{5DEA1E02-BBD0-4AE3-AF22-433B90272178}"/>
                   </a:ext>
                 </a:extLst>
               </p:cNvPr>
@@ -1265,7 +1265,7 @@
               <p:cNvPr id="20" name="Freeform: Shape 19">
                 <a:extLst>
                   <a:ext uri="{FF2B5EF4-FFF2-40B4-BE49-F238E27FC236}">
-                    <a16:creationId xmlns="" xmlns:a16="http://schemas.microsoft.com/office/drawing/2014/main" id="{0027A677-9ACB-4264-B148-4806678FB83F}"/>
+                    <a16:creationId xmlns:a16="http://schemas.microsoft.com/office/drawing/2014/main" xmlns="" id="{0027A677-9ACB-4264-B148-4806678FB83F}"/>
                   </a:ext>
                 </a:extLst>
               </p:cNvPr>
@@ -1428,7 +1428,7 @@
             <p:cNvPr id="9" name="Freeform: Shape 12">
               <a:extLst>
                 <a:ext uri="{FF2B5EF4-FFF2-40B4-BE49-F238E27FC236}">
-                  <a16:creationId xmlns="" xmlns:a16="http://schemas.microsoft.com/office/drawing/2014/main" id="{E3AAB79D-382D-4A95-965E-526B6A681DA7}"/>
+                  <a16:creationId xmlns:a16="http://schemas.microsoft.com/office/drawing/2014/main" xmlns="" id="{E3AAB79D-382D-4A95-965E-526B6A681DA7}"/>
                 </a:ext>
               </a:extLst>
             </p:cNvPr>
@@ -1518,7 +1518,7 @@
             <p:cNvPr id="10" name="Freeform: Shape 9">
               <a:extLst>
                 <a:ext uri="{FF2B5EF4-FFF2-40B4-BE49-F238E27FC236}">
-                  <a16:creationId xmlns="" xmlns:a16="http://schemas.microsoft.com/office/drawing/2014/main" id="{C0A22127-2B4A-4B15-B0A9-F019A30347A1}"/>
+                  <a16:creationId xmlns:a16="http://schemas.microsoft.com/office/drawing/2014/main" xmlns="" id="{C0A22127-2B4A-4B15-B0A9-F019A30347A1}"/>
                 </a:ext>
               </a:extLst>
             </p:cNvPr>
@@ -1621,7 +1621,7 @@
             <p:cNvPr id="11" name="Freeform: Shape 12">
               <a:extLst>
                 <a:ext uri="{FF2B5EF4-FFF2-40B4-BE49-F238E27FC236}">
-                  <a16:creationId xmlns="" xmlns:a16="http://schemas.microsoft.com/office/drawing/2014/main" id="{F04D9FDC-1B67-4254-9535-CD32E81F0C3E}"/>
+                  <a16:creationId xmlns:a16="http://schemas.microsoft.com/office/drawing/2014/main" xmlns="" id="{F04D9FDC-1B67-4254-9535-CD32E81F0C3E}"/>
                 </a:ext>
               </a:extLst>
             </p:cNvPr>
@@ -1719,7 +1719,7 @@
             <p:cNvPr id="12" name="Group 11">
               <a:extLst>
                 <a:ext uri="{FF2B5EF4-FFF2-40B4-BE49-F238E27FC236}">
-                  <a16:creationId xmlns="" xmlns:a16="http://schemas.microsoft.com/office/drawing/2014/main" id="{0A86C4EA-4CF8-4531-845D-4FCB1E2F7422}"/>
+                  <a16:creationId xmlns:a16="http://schemas.microsoft.com/office/drawing/2014/main" xmlns="" id="{0A86C4EA-4CF8-4531-845D-4FCB1E2F7422}"/>
                 </a:ext>
               </a:extLst>
             </p:cNvPr>
@@ -1739,7 +1739,7 @@
               <p:cNvPr id="13" name="Freeform: Shape 12">
                 <a:extLst>
                   <a:ext uri="{FF2B5EF4-FFF2-40B4-BE49-F238E27FC236}">
-                    <a16:creationId xmlns="" xmlns:a16="http://schemas.microsoft.com/office/drawing/2014/main" id="{1101B195-C112-4D20-8D19-4D22479B150D}"/>
+                    <a16:creationId xmlns:a16="http://schemas.microsoft.com/office/drawing/2014/main" xmlns="" id="{1101B195-C112-4D20-8D19-4D22479B150D}"/>
                   </a:ext>
                 </a:extLst>
               </p:cNvPr>
@@ -1829,7 +1829,7 @@
               <p:cNvPr id="14" name="Freeform: Shape 12">
                 <a:extLst>
                   <a:ext uri="{FF2B5EF4-FFF2-40B4-BE49-F238E27FC236}">
-                    <a16:creationId xmlns="" xmlns:a16="http://schemas.microsoft.com/office/drawing/2014/main" id="{CA755F1F-9955-4CBB-8F34-F7801CA44CE7}"/>
+                    <a16:creationId xmlns:a16="http://schemas.microsoft.com/office/drawing/2014/main" xmlns="" id="{CA755F1F-9955-4CBB-8F34-F7801CA44CE7}"/>
                   </a:ext>
                 </a:extLst>
               </p:cNvPr>
@@ -1929,7 +1929,7 @@
           <p:cNvPr id="2" name="Title 1">
             <a:extLst>
               <a:ext uri="{FF2B5EF4-FFF2-40B4-BE49-F238E27FC236}">
-                <a16:creationId xmlns="" xmlns:a16="http://schemas.microsoft.com/office/drawing/2014/main" id="{9E597736-C478-4C26-9BAF-205FE31E977C}"/>
+                <a16:creationId xmlns:a16="http://schemas.microsoft.com/office/drawing/2014/main" xmlns="" id="{9E597736-C478-4C26-9BAF-205FE31E977C}"/>
               </a:ext>
             </a:extLst>
           </p:cNvPr>
@@ -1976,7 +1976,7 @@
           <p:cNvPr id="3" name="Subtitle 2">
             <a:extLst>
               <a:ext uri="{FF2B5EF4-FFF2-40B4-BE49-F238E27FC236}">
-                <a16:creationId xmlns="" xmlns:a16="http://schemas.microsoft.com/office/drawing/2014/main" id="{C3D2DEF0-A0B0-4CFE-B67D-A9D75E2368DC}"/>
+                <a16:creationId xmlns:a16="http://schemas.microsoft.com/office/drawing/2014/main" xmlns="" id="{C3D2DEF0-A0B0-4CFE-B67D-A9D75E2368DC}"/>
               </a:ext>
             </a:extLst>
           </p:cNvPr>
@@ -2021,7 +2021,7 @@
     </p:spTree>
     <p:extLst>
       <p:ext uri="{BB962C8B-B14F-4D97-AF65-F5344CB8AC3E}">
-        <p14:creationId xmlns="" xmlns:p14="http://schemas.microsoft.com/office/powerpoint/2010/main" val="436959625"/>
+        <p14:creationId xmlns:p14="http://schemas.microsoft.com/office/powerpoint/2010/main" xmlns="" val="436959625"/>
       </p:ext>
     </p:extLst>
   </p:cSld>
@@ -2061,7 +2061,7 @@
           <p:cNvPr id="11" name="Rectangle 10">
             <a:extLst>
               <a:ext uri="{FF2B5EF4-FFF2-40B4-BE49-F238E27FC236}">
-                <a16:creationId xmlns="" xmlns:a16="http://schemas.microsoft.com/office/drawing/2014/main" id="{EB3E033F-4449-40FA-BC85-BD2712D313DD}"/>
+                <a16:creationId xmlns:a16="http://schemas.microsoft.com/office/drawing/2014/main" xmlns="" id="{EB3E033F-4449-40FA-BC85-BD2712D313DD}"/>
               </a:ext>
             </a:extLst>
           </p:cNvPr>
@@ -2115,7 +2115,7 @@
           <p:cNvPr id="10" name="Freeform: Shape 9">
             <a:extLst>
               <a:ext uri="{FF2B5EF4-FFF2-40B4-BE49-F238E27FC236}">
-                <a16:creationId xmlns="" xmlns:a16="http://schemas.microsoft.com/office/drawing/2014/main" id="{63D26743-0505-444C-80B3-E88EE87DF72B}"/>
+                <a16:creationId xmlns:a16="http://schemas.microsoft.com/office/drawing/2014/main" xmlns="" id="{63D26743-0505-444C-80B3-E88EE87DF72B}"/>
               </a:ext>
             </a:extLst>
           </p:cNvPr>
@@ -2238,7 +2238,7 @@
           <p:cNvPr id="18" name="Freeform: Shape 17">
             <a:extLst>
               <a:ext uri="{FF2B5EF4-FFF2-40B4-BE49-F238E27FC236}">
-                <a16:creationId xmlns="" xmlns:a16="http://schemas.microsoft.com/office/drawing/2014/main" id="{E37145E9-AC61-47D5-9288-8789940F81B6}"/>
+                <a16:creationId xmlns:a16="http://schemas.microsoft.com/office/drawing/2014/main" xmlns="" id="{E37145E9-AC61-47D5-9288-8789940F81B6}"/>
               </a:ext>
             </a:extLst>
           </p:cNvPr>
@@ -2390,7 +2390,7 @@
           <p:cNvPr id="12" name="Freeform: Shape 11">
             <a:extLst>
               <a:ext uri="{FF2B5EF4-FFF2-40B4-BE49-F238E27FC236}">
-                <a16:creationId xmlns="" xmlns:a16="http://schemas.microsoft.com/office/drawing/2014/main" id="{A5E2B3ED-9A49-40A7-B8A3-62595FE513F9}"/>
+                <a16:creationId xmlns:a16="http://schemas.microsoft.com/office/drawing/2014/main" xmlns="" id="{A5E2B3ED-9A49-40A7-B8A3-62595FE513F9}"/>
               </a:ext>
             </a:extLst>
           </p:cNvPr>
@@ -2540,7 +2540,7 @@
           <p:cNvPr id="8" name="Freeform: Shape 7">
             <a:extLst>
               <a:ext uri="{FF2B5EF4-FFF2-40B4-BE49-F238E27FC236}">
-                <a16:creationId xmlns="" xmlns:a16="http://schemas.microsoft.com/office/drawing/2014/main" id="{1599AF7E-3E34-4597-AA72-9373A7FDB020}"/>
+                <a16:creationId xmlns:a16="http://schemas.microsoft.com/office/drawing/2014/main" xmlns="" id="{1599AF7E-3E34-4597-AA72-9373A7FDB020}"/>
               </a:ext>
             </a:extLst>
           </p:cNvPr>
@@ -2686,7 +2686,7 @@
           <p:cNvPr id="2" name="Title 1">
             <a:extLst>
               <a:ext uri="{FF2B5EF4-FFF2-40B4-BE49-F238E27FC236}">
-                <a16:creationId xmlns="" xmlns:a16="http://schemas.microsoft.com/office/drawing/2014/main" id="{4A2DF563-7FAC-46B3-B24C-7E45CD89DA2B}"/>
+                <a16:creationId xmlns:a16="http://schemas.microsoft.com/office/drawing/2014/main" xmlns="" id="{4A2DF563-7FAC-46B3-B24C-7E45CD89DA2B}"/>
               </a:ext>
             </a:extLst>
           </p:cNvPr>
@@ -2731,7 +2731,7 @@
           <p:cNvPr id="15" name="Group 14">
             <a:extLst>
               <a:ext uri="{FF2B5EF4-FFF2-40B4-BE49-F238E27FC236}">
-                <a16:creationId xmlns="" xmlns:a16="http://schemas.microsoft.com/office/drawing/2014/main" id="{7732E1E7-45E3-4264-8F26-66758696DD1E}"/>
+                <a16:creationId xmlns:a16="http://schemas.microsoft.com/office/drawing/2014/main" xmlns="" id="{7732E1E7-45E3-4264-8F26-66758696DD1E}"/>
               </a:ext>
             </a:extLst>
           </p:cNvPr>
@@ -2751,7 +2751,7 @@
             <p:cNvPr id="16" name="Freeform: Shape 15">
               <a:extLst>
                 <a:ext uri="{FF2B5EF4-FFF2-40B4-BE49-F238E27FC236}">
-                  <a16:creationId xmlns="" xmlns:a16="http://schemas.microsoft.com/office/drawing/2014/main" id="{2E3DF883-8093-49FA-81E1-E5D77F086A25}"/>
+                  <a16:creationId xmlns:a16="http://schemas.microsoft.com/office/drawing/2014/main" xmlns="" id="{2E3DF883-8093-49FA-81E1-E5D77F086A25}"/>
                 </a:ext>
               </a:extLst>
             </p:cNvPr>
@@ -2841,7 +2841,7 @@
             <p:cNvPr id="17" name="Freeform: Shape 16">
               <a:extLst>
                 <a:ext uri="{FF2B5EF4-FFF2-40B4-BE49-F238E27FC236}">
-                  <a16:creationId xmlns="" xmlns:a16="http://schemas.microsoft.com/office/drawing/2014/main" id="{18944C90-37E5-4BBE-89FF-060627168050}"/>
+                  <a16:creationId xmlns:a16="http://schemas.microsoft.com/office/drawing/2014/main" xmlns="" id="{18944C90-37E5-4BBE-89FF-060627168050}"/>
                 </a:ext>
               </a:extLst>
             </p:cNvPr>
@@ -2940,7 +2940,7 @@
           <p:cNvPr id="6" name="Group 5">
             <a:extLst>
               <a:ext uri="{FF2B5EF4-FFF2-40B4-BE49-F238E27FC236}">
-                <a16:creationId xmlns="" xmlns:a16="http://schemas.microsoft.com/office/drawing/2014/main" id="{D9EBF8BB-A805-4DDB-B459-082F99815B95}"/>
+                <a16:creationId xmlns:a16="http://schemas.microsoft.com/office/drawing/2014/main" xmlns="" id="{D9EBF8BB-A805-4DDB-B459-082F99815B95}"/>
               </a:ext>
             </a:extLst>
           </p:cNvPr>
@@ -2960,7 +2960,7 @@
             <p:cNvPr id="19" name="Rectangle: Single Corner Snipped 18">
               <a:extLst>
                 <a:ext uri="{FF2B5EF4-FFF2-40B4-BE49-F238E27FC236}">
-                  <a16:creationId xmlns="" xmlns:a16="http://schemas.microsoft.com/office/drawing/2014/main" id="{5D638788-DD47-45E7-939A-FA108A818173}"/>
+                  <a16:creationId xmlns:a16="http://schemas.microsoft.com/office/drawing/2014/main" xmlns="" id="{5D638788-DD47-45E7-939A-FA108A818173}"/>
                 </a:ext>
               </a:extLst>
             </p:cNvPr>
@@ -3026,7 +3026,7 @@
             <p:cNvPr id="3" name="Rectangle: Single Corner Snipped 2">
               <a:extLst>
                 <a:ext uri="{FF2B5EF4-FFF2-40B4-BE49-F238E27FC236}">
-                  <a16:creationId xmlns="" xmlns:a16="http://schemas.microsoft.com/office/drawing/2014/main" id="{74BDECEF-EEFE-4332-B3B2-BDE4F82C10FC}"/>
+                  <a16:creationId xmlns:a16="http://schemas.microsoft.com/office/drawing/2014/main" xmlns="" id="{74BDECEF-EEFE-4332-B3B2-BDE4F82C10FC}"/>
                 </a:ext>
               </a:extLst>
             </p:cNvPr>
@@ -3083,7 +3083,7 @@
           <p:cNvPr id="24" name="Freeform: Shape 23">
             <a:extLst>
               <a:ext uri="{FF2B5EF4-FFF2-40B4-BE49-F238E27FC236}">
-                <a16:creationId xmlns="" xmlns:a16="http://schemas.microsoft.com/office/drawing/2014/main" id="{18103E00-7E4A-44CD-81AC-06433CAE1110}"/>
+                <a16:creationId xmlns:a16="http://schemas.microsoft.com/office/drawing/2014/main" xmlns="" id="{18103E00-7E4A-44CD-81AC-06433CAE1110}"/>
               </a:ext>
             </a:extLst>
           </p:cNvPr>
@@ -3178,7 +3178,7 @@
           <p:cNvPr id="5" name="Slide Number Placeholder 4">
             <a:extLst>
               <a:ext uri="{FF2B5EF4-FFF2-40B4-BE49-F238E27FC236}">
-                <a16:creationId xmlns="" xmlns:a16="http://schemas.microsoft.com/office/drawing/2014/main" id="{87B51822-97FF-47A7-8E4E-A0F79B4EB237}"/>
+                <a16:creationId xmlns:a16="http://schemas.microsoft.com/office/drawing/2014/main" xmlns="" id="{87B51822-97FF-47A7-8E4E-A0F79B4EB237}"/>
               </a:ext>
             </a:extLst>
           </p:cNvPr>
@@ -3222,7 +3222,7 @@
           <p:cNvPr id="20" name="Content Placeholder 2">
             <a:extLst>
               <a:ext uri="{FF2B5EF4-FFF2-40B4-BE49-F238E27FC236}">
-                <a16:creationId xmlns="" xmlns:a16="http://schemas.microsoft.com/office/drawing/2014/main" id="{FE796BFF-6E5F-4DE7-B193-F501FC094D63}"/>
+                <a16:creationId xmlns:a16="http://schemas.microsoft.com/office/drawing/2014/main" xmlns="" id="{FE796BFF-6E5F-4DE7-B193-F501FC094D63}"/>
               </a:ext>
             </a:extLst>
           </p:cNvPr>
@@ -3332,7 +3332,7 @@
           <p:cNvPr id="21" name="Content Placeholder 3">
             <a:extLst>
               <a:ext uri="{FF2B5EF4-FFF2-40B4-BE49-F238E27FC236}">
-                <a16:creationId xmlns="" xmlns:a16="http://schemas.microsoft.com/office/drawing/2014/main" id="{78622754-CA4D-4C27-A37F-B26E7B4C9CA2}"/>
+                <a16:creationId xmlns:a16="http://schemas.microsoft.com/office/drawing/2014/main" xmlns="" id="{78622754-CA4D-4C27-A37F-B26E7B4C9CA2}"/>
               </a:ext>
             </a:extLst>
           </p:cNvPr>
@@ -3430,7 +3430,7 @@
     </p:spTree>
     <p:extLst>
       <p:ext uri="{BB962C8B-B14F-4D97-AF65-F5344CB8AC3E}">
-        <p14:creationId xmlns="" xmlns:p14="http://schemas.microsoft.com/office/powerpoint/2010/main" val="999597857"/>
+        <p14:creationId xmlns:p14="http://schemas.microsoft.com/office/powerpoint/2010/main" xmlns="" val="999597857"/>
       </p:ext>
     </p:extLst>
   </p:cSld>
@@ -3470,7 +3470,7 @@
           <p:cNvPr id="11" name="Rectangle 10">
             <a:extLst>
               <a:ext uri="{FF2B5EF4-FFF2-40B4-BE49-F238E27FC236}">
-                <a16:creationId xmlns="" xmlns:a16="http://schemas.microsoft.com/office/drawing/2014/main" id="{EB3E033F-4449-40FA-BC85-BD2712D313DD}"/>
+                <a16:creationId xmlns:a16="http://schemas.microsoft.com/office/drawing/2014/main" xmlns="" id="{EB3E033F-4449-40FA-BC85-BD2712D313DD}"/>
               </a:ext>
             </a:extLst>
           </p:cNvPr>
@@ -3524,7 +3524,7 @@
           <p:cNvPr id="10" name="Freeform: Shape 9">
             <a:extLst>
               <a:ext uri="{FF2B5EF4-FFF2-40B4-BE49-F238E27FC236}">
-                <a16:creationId xmlns="" xmlns:a16="http://schemas.microsoft.com/office/drawing/2014/main" id="{63D26743-0505-444C-80B3-E88EE87DF72B}"/>
+                <a16:creationId xmlns:a16="http://schemas.microsoft.com/office/drawing/2014/main" xmlns="" id="{63D26743-0505-444C-80B3-E88EE87DF72B}"/>
               </a:ext>
             </a:extLst>
           </p:cNvPr>
@@ -3647,7 +3647,7 @@
           <p:cNvPr id="18" name="Freeform: Shape 17">
             <a:extLst>
               <a:ext uri="{FF2B5EF4-FFF2-40B4-BE49-F238E27FC236}">
-                <a16:creationId xmlns="" xmlns:a16="http://schemas.microsoft.com/office/drawing/2014/main" id="{E37145E9-AC61-47D5-9288-8789940F81B6}"/>
+                <a16:creationId xmlns:a16="http://schemas.microsoft.com/office/drawing/2014/main" xmlns="" id="{E37145E9-AC61-47D5-9288-8789940F81B6}"/>
               </a:ext>
             </a:extLst>
           </p:cNvPr>
@@ -3799,7 +3799,7 @@
           <p:cNvPr id="12" name="Freeform: Shape 11">
             <a:extLst>
               <a:ext uri="{FF2B5EF4-FFF2-40B4-BE49-F238E27FC236}">
-                <a16:creationId xmlns="" xmlns:a16="http://schemas.microsoft.com/office/drawing/2014/main" id="{A5E2B3ED-9A49-40A7-B8A3-62595FE513F9}"/>
+                <a16:creationId xmlns:a16="http://schemas.microsoft.com/office/drawing/2014/main" xmlns="" id="{A5E2B3ED-9A49-40A7-B8A3-62595FE513F9}"/>
               </a:ext>
             </a:extLst>
           </p:cNvPr>
@@ -3949,7 +3949,7 @@
           <p:cNvPr id="8" name="Freeform: Shape 7">
             <a:extLst>
               <a:ext uri="{FF2B5EF4-FFF2-40B4-BE49-F238E27FC236}">
-                <a16:creationId xmlns="" xmlns:a16="http://schemas.microsoft.com/office/drawing/2014/main" id="{1599AF7E-3E34-4597-AA72-9373A7FDB020}"/>
+                <a16:creationId xmlns:a16="http://schemas.microsoft.com/office/drawing/2014/main" xmlns="" id="{1599AF7E-3E34-4597-AA72-9373A7FDB020}"/>
               </a:ext>
             </a:extLst>
           </p:cNvPr>
@@ -4095,7 +4095,7 @@
           <p:cNvPr id="2" name="Title 1">
             <a:extLst>
               <a:ext uri="{FF2B5EF4-FFF2-40B4-BE49-F238E27FC236}">
-                <a16:creationId xmlns="" xmlns:a16="http://schemas.microsoft.com/office/drawing/2014/main" id="{4A2DF563-7FAC-46B3-B24C-7E45CD89DA2B}"/>
+                <a16:creationId xmlns:a16="http://schemas.microsoft.com/office/drawing/2014/main" xmlns="" id="{4A2DF563-7FAC-46B3-B24C-7E45CD89DA2B}"/>
               </a:ext>
             </a:extLst>
           </p:cNvPr>
@@ -4140,7 +4140,7 @@
           <p:cNvPr id="15" name="Group 14">
             <a:extLst>
               <a:ext uri="{FF2B5EF4-FFF2-40B4-BE49-F238E27FC236}">
-                <a16:creationId xmlns="" xmlns:a16="http://schemas.microsoft.com/office/drawing/2014/main" id="{7732E1E7-45E3-4264-8F26-66758696DD1E}"/>
+                <a16:creationId xmlns:a16="http://schemas.microsoft.com/office/drawing/2014/main" xmlns="" id="{7732E1E7-45E3-4264-8F26-66758696DD1E}"/>
               </a:ext>
             </a:extLst>
           </p:cNvPr>
@@ -4160,7 +4160,7 @@
             <p:cNvPr id="16" name="Freeform: Shape 15">
               <a:extLst>
                 <a:ext uri="{FF2B5EF4-FFF2-40B4-BE49-F238E27FC236}">
-                  <a16:creationId xmlns="" xmlns:a16="http://schemas.microsoft.com/office/drawing/2014/main" id="{2E3DF883-8093-49FA-81E1-E5D77F086A25}"/>
+                  <a16:creationId xmlns:a16="http://schemas.microsoft.com/office/drawing/2014/main" xmlns="" id="{2E3DF883-8093-49FA-81E1-E5D77F086A25}"/>
                 </a:ext>
               </a:extLst>
             </p:cNvPr>
@@ -4250,7 +4250,7 @@
             <p:cNvPr id="17" name="Freeform: Shape 16">
               <a:extLst>
                 <a:ext uri="{FF2B5EF4-FFF2-40B4-BE49-F238E27FC236}">
-                  <a16:creationId xmlns="" xmlns:a16="http://schemas.microsoft.com/office/drawing/2014/main" id="{18944C90-37E5-4BBE-89FF-060627168050}"/>
+                  <a16:creationId xmlns:a16="http://schemas.microsoft.com/office/drawing/2014/main" xmlns="" id="{18944C90-37E5-4BBE-89FF-060627168050}"/>
                 </a:ext>
               </a:extLst>
             </p:cNvPr>
@@ -4349,7 +4349,7 @@
           <p:cNvPr id="6" name="Group 5">
             <a:extLst>
               <a:ext uri="{FF2B5EF4-FFF2-40B4-BE49-F238E27FC236}">
-                <a16:creationId xmlns="" xmlns:a16="http://schemas.microsoft.com/office/drawing/2014/main" id="{D9EBF8BB-A805-4DDB-B459-082F99815B95}"/>
+                <a16:creationId xmlns:a16="http://schemas.microsoft.com/office/drawing/2014/main" xmlns="" id="{D9EBF8BB-A805-4DDB-B459-082F99815B95}"/>
               </a:ext>
             </a:extLst>
           </p:cNvPr>
@@ -4369,7 +4369,7 @@
             <p:cNvPr id="19" name="Rectangle: Single Corner Snipped 18">
               <a:extLst>
                 <a:ext uri="{FF2B5EF4-FFF2-40B4-BE49-F238E27FC236}">
-                  <a16:creationId xmlns="" xmlns:a16="http://schemas.microsoft.com/office/drawing/2014/main" id="{5D638788-DD47-45E7-939A-FA108A818173}"/>
+                  <a16:creationId xmlns:a16="http://schemas.microsoft.com/office/drawing/2014/main" xmlns="" id="{5D638788-DD47-45E7-939A-FA108A818173}"/>
                 </a:ext>
               </a:extLst>
             </p:cNvPr>
@@ -4430,7 +4430,7 @@
             <p:cNvPr id="3" name="Rectangle: Single Corner Snipped 2">
               <a:extLst>
                 <a:ext uri="{FF2B5EF4-FFF2-40B4-BE49-F238E27FC236}">
-                  <a16:creationId xmlns="" xmlns:a16="http://schemas.microsoft.com/office/drawing/2014/main" id="{74BDECEF-EEFE-4332-B3B2-BDE4F82C10FC}"/>
+                  <a16:creationId xmlns:a16="http://schemas.microsoft.com/office/drawing/2014/main" xmlns="" id="{74BDECEF-EEFE-4332-B3B2-BDE4F82C10FC}"/>
                 </a:ext>
               </a:extLst>
             </p:cNvPr>
@@ -4487,7 +4487,7 @@
           <p:cNvPr id="20" name="Picture Placeholder 8">
             <a:extLst>
               <a:ext uri="{FF2B5EF4-FFF2-40B4-BE49-F238E27FC236}">
-                <a16:creationId xmlns="" xmlns:a16="http://schemas.microsoft.com/office/drawing/2014/main" id="{6D00E6B4-1CBE-404E-B943-5F1832320C1C}"/>
+                <a16:creationId xmlns:a16="http://schemas.microsoft.com/office/drawing/2014/main" xmlns="" id="{6D00E6B4-1CBE-404E-B943-5F1832320C1C}"/>
               </a:ext>
             </a:extLst>
           </p:cNvPr>
@@ -4549,7 +4549,7 @@
           <p:cNvPr id="21" name="Picture Placeholder 8">
             <a:extLst>
               <a:ext uri="{FF2B5EF4-FFF2-40B4-BE49-F238E27FC236}">
-                <a16:creationId xmlns="" xmlns:a16="http://schemas.microsoft.com/office/drawing/2014/main" id="{7CD59BFD-62BE-4E33-92A5-B84A2A9A8D3B}"/>
+                <a16:creationId xmlns:a16="http://schemas.microsoft.com/office/drawing/2014/main" xmlns="" id="{7CD59BFD-62BE-4E33-92A5-B84A2A9A8D3B}"/>
               </a:ext>
             </a:extLst>
           </p:cNvPr>
@@ -4611,7 +4611,7 @@
           <p:cNvPr id="22" name="Picture Placeholder 8">
             <a:extLst>
               <a:ext uri="{FF2B5EF4-FFF2-40B4-BE49-F238E27FC236}">
-                <a16:creationId xmlns="" xmlns:a16="http://schemas.microsoft.com/office/drawing/2014/main" id="{60DC5978-55B8-421D-91B4-29F8210A7B2C}"/>
+                <a16:creationId xmlns:a16="http://schemas.microsoft.com/office/drawing/2014/main" xmlns="" id="{60DC5978-55B8-421D-91B4-29F8210A7B2C}"/>
               </a:ext>
             </a:extLst>
           </p:cNvPr>
@@ -4673,7 +4673,7 @@
           <p:cNvPr id="23" name="Picture Placeholder 8">
             <a:extLst>
               <a:ext uri="{FF2B5EF4-FFF2-40B4-BE49-F238E27FC236}">
-                <a16:creationId xmlns="" xmlns:a16="http://schemas.microsoft.com/office/drawing/2014/main" id="{BE3FB8C3-2C7E-4C59-8BD5-53FA2772DB56}"/>
+                <a16:creationId xmlns:a16="http://schemas.microsoft.com/office/drawing/2014/main" xmlns="" id="{BE3FB8C3-2C7E-4C59-8BD5-53FA2772DB56}"/>
               </a:ext>
             </a:extLst>
           </p:cNvPr>
@@ -4735,7 +4735,7 @@
           <p:cNvPr id="24" name="Picture Placeholder 8">
             <a:extLst>
               <a:ext uri="{FF2B5EF4-FFF2-40B4-BE49-F238E27FC236}">
-                <a16:creationId xmlns="" xmlns:a16="http://schemas.microsoft.com/office/drawing/2014/main" id="{FD8FA9DA-C36B-4889-B88F-28B5829E53E2}"/>
+                <a16:creationId xmlns:a16="http://schemas.microsoft.com/office/drawing/2014/main" xmlns="" id="{FD8FA9DA-C36B-4889-B88F-28B5829E53E2}"/>
               </a:ext>
             </a:extLst>
           </p:cNvPr>
@@ -4797,7 +4797,7 @@
           <p:cNvPr id="26" name="Text Placeholder 22">
             <a:extLst>
               <a:ext uri="{FF2B5EF4-FFF2-40B4-BE49-F238E27FC236}">
-                <a16:creationId xmlns="" xmlns:a16="http://schemas.microsoft.com/office/drawing/2014/main" id="{2A19101D-7C37-42BF-8167-5391EA65EC3A}"/>
+                <a16:creationId xmlns:a16="http://schemas.microsoft.com/office/drawing/2014/main" xmlns="" id="{2A19101D-7C37-42BF-8167-5391EA65EC3A}"/>
               </a:ext>
             </a:extLst>
           </p:cNvPr>
@@ -4907,7 +4907,7 @@
           <p:cNvPr id="27" name="Text Placeholder 22">
             <a:extLst>
               <a:ext uri="{FF2B5EF4-FFF2-40B4-BE49-F238E27FC236}">
-                <a16:creationId xmlns="" xmlns:a16="http://schemas.microsoft.com/office/drawing/2014/main" id="{05F72315-51A9-431C-B80A-45E4FB1D6BD6}"/>
+                <a16:creationId xmlns:a16="http://schemas.microsoft.com/office/drawing/2014/main" xmlns="" id="{05F72315-51A9-431C-B80A-45E4FB1D6BD6}"/>
               </a:ext>
             </a:extLst>
           </p:cNvPr>
@@ -5017,7 +5017,7 @@
           <p:cNvPr id="28" name="Text Placeholder 22">
             <a:extLst>
               <a:ext uri="{FF2B5EF4-FFF2-40B4-BE49-F238E27FC236}">
-                <a16:creationId xmlns="" xmlns:a16="http://schemas.microsoft.com/office/drawing/2014/main" id="{883D1F0C-34F1-46E1-B178-E4AB82B14631}"/>
+                <a16:creationId xmlns:a16="http://schemas.microsoft.com/office/drawing/2014/main" xmlns="" id="{883D1F0C-34F1-46E1-B178-E4AB82B14631}"/>
               </a:ext>
             </a:extLst>
           </p:cNvPr>
@@ -5127,7 +5127,7 @@
           <p:cNvPr id="29" name="Text Placeholder 22">
             <a:extLst>
               <a:ext uri="{FF2B5EF4-FFF2-40B4-BE49-F238E27FC236}">
-                <a16:creationId xmlns="" xmlns:a16="http://schemas.microsoft.com/office/drawing/2014/main" id="{7202A849-DF14-40E7-B38D-1185F72603EC}"/>
+                <a16:creationId xmlns:a16="http://schemas.microsoft.com/office/drawing/2014/main" xmlns="" id="{7202A849-DF14-40E7-B38D-1185F72603EC}"/>
               </a:ext>
             </a:extLst>
           </p:cNvPr>
@@ -5237,7 +5237,7 @@
           <p:cNvPr id="30" name="Text Placeholder 22">
             <a:extLst>
               <a:ext uri="{FF2B5EF4-FFF2-40B4-BE49-F238E27FC236}">
-                <a16:creationId xmlns="" xmlns:a16="http://schemas.microsoft.com/office/drawing/2014/main" id="{CCFC1ADF-AC11-4CCD-AC2D-478B6FFEA5EA}"/>
+                <a16:creationId xmlns:a16="http://schemas.microsoft.com/office/drawing/2014/main" xmlns="" id="{CCFC1ADF-AC11-4CCD-AC2D-478B6FFEA5EA}"/>
               </a:ext>
             </a:extLst>
           </p:cNvPr>
@@ -5347,7 +5347,7 @@
           <p:cNvPr id="7" name="Straight Connector 6">
             <a:extLst>
               <a:ext uri="{FF2B5EF4-FFF2-40B4-BE49-F238E27FC236}">
-                <a16:creationId xmlns="" xmlns:a16="http://schemas.microsoft.com/office/drawing/2014/main" id="{2B4CB326-DA0E-488E-B236-7017E8438FBB}"/>
+                <a16:creationId xmlns:a16="http://schemas.microsoft.com/office/drawing/2014/main" xmlns="" id="{2B4CB326-DA0E-488E-B236-7017E8438FBB}"/>
               </a:ext>
             </a:extLst>
           </p:cNvPr>
@@ -5388,7 +5388,7 @@
           <p:cNvPr id="31" name="Straight Connector 30">
             <a:extLst>
               <a:ext uri="{FF2B5EF4-FFF2-40B4-BE49-F238E27FC236}">
-                <a16:creationId xmlns="" xmlns:a16="http://schemas.microsoft.com/office/drawing/2014/main" id="{9366B533-7212-4A36-9CE2-D6302E721F8F}"/>
+                <a16:creationId xmlns:a16="http://schemas.microsoft.com/office/drawing/2014/main" xmlns="" id="{9366B533-7212-4A36-9CE2-D6302E721F8F}"/>
               </a:ext>
             </a:extLst>
           </p:cNvPr>
@@ -5429,7 +5429,7 @@
           <p:cNvPr id="32" name="Straight Connector 31">
             <a:extLst>
               <a:ext uri="{FF2B5EF4-FFF2-40B4-BE49-F238E27FC236}">
-                <a16:creationId xmlns="" xmlns:a16="http://schemas.microsoft.com/office/drawing/2014/main" id="{AD7474CD-E230-4E14-8274-5E20F673F401}"/>
+                <a16:creationId xmlns:a16="http://schemas.microsoft.com/office/drawing/2014/main" xmlns="" id="{AD7474CD-E230-4E14-8274-5E20F673F401}"/>
               </a:ext>
             </a:extLst>
           </p:cNvPr>
@@ -5470,7 +5470,7 @@
           <p:cNvPr id="33" name="Straight Connector 32">
             <a:extLst>
               <a:ext uri="{FF2B5EF4-FFF2-40B4-BE49-F238E27FC236}">
-                <a16:creationId xmlns="" xmlns:a16="http://schemas.microsoft.com/office/drawing/2014/main" id="{6BF71FCE-6F39-4D2F-82BE-7D9F1D2ED59F}"/>
+                <a16:creationId xmlns:a16="http://schemas.microsoft.com/office/drawing/2014/main" xmlns="" id="{6BF71FCE-6F39-4D2F-82BE-7D9F1D2ED59F}"/>
               </a:ext>
             </a:extLst>
           </p:cNvPr>
@@ -5511,7 +5511,7 @@
           <p:cNvPr id="34" name="Straight Connector 33">
             <a:extLst>
               <a:ext uri="{FF2B5EF4-FFF2-40B4-BE49-F238E27FC236}">
-                <a16:creationId xmlns="" xmlns:a16="http://schemas.microsoft.com/office/drawing/2014/main" id="{AE97AC7A-17D9-4F42-9DD0-94FE4FC6BF19}"/>
+                <a16:creationId xmlns:a16="http://schemas.microsoft.com/office/drawing/2014/main" xmlns="" id="{AE97AC7A-17D9-4F42-9DD0-94FE4FC6BF19}"/>
               </a:ext>
             </a:extLst>
           </p:cNvPr>
@@ -5552,7 +5552,7 @@
           <p:cNvPr id="35" name="Freeform: Shape 34">
             <a:extLst>
               <a:ext uri="{FF2B5EF4-FFF2-40B4-BE49-F238E27FC236}">
-                <a16:creationId xmlns="" xmlns:a16="http://schemas.microsoft.com/office/drawing/2014/main" id="{62EEBF51-DCAD-4335-85E9-52801031A1BF}"/>
+                <a16:creationId xmlns:a16="http://schemas.microsoft.com/office/drawing/2014/main" xmlns="" id="{62EEBF51-DCAD-4335-85E9-52801031A1BF}"/>
               </a:ext>
             </a:extLst>
           </p:cNvPr>
@@ -5647,7 +5647,7 @@
           <p:cNvPr id="5" name="Slide Number Placeholder 4">
             <a:extLst>
               <a:ext uri="{FF2B5EF4-FFF2-40B4-BE49-F238E27FC236}">
-                <a16:creationId xmlns="" xmlns:a16="http://schemas.microsoft.com/office/drawing/2014/main" id="{87B51822-97FF-47A7-8E4E-A0F79B4EB237}"/>
+                <a16:creationId xmlns:a16="http://schemas.microsoft.com/office/drawing/2014/main" xmlns="" id="{87B51822-97FF-47A7-8E4E-A0F79B4EB237}"/>
               </a:ext>
             </a:extLst>
           </p:cNvPr>
@@ -5689,7 +5689,7 @@
     </p:spTree>
     <p:extLst>
       <p:ext uri="{BB962C8B-B14F-4D97-AF65-F5344CB8AC3E}">
-        <p14:creationId xmlns="" xmlns:p14="http://schemas.microsoft.com/office/powerpoint/2010/main" val="476266371"/>
+        <p14:creationId xmlns:p14="http://schemas.microsoft.com/office/powerpoint/2010/main" xmlns="" val="476266371"/>
       </p:ext>
     </p:extLst>
   </p:cSld>
@@ -5729,7 +5729,7 @@
           <p:cNvPr id="11" name="Rectangle 10">
             <a:extLst>
               <a:ext uri="{FF2B5EF4-FFF2-40B4-BE49-F238E27FC236}">
-                <a16:creationId xmlns="" xmlns:a16="http://schemas.microsoft.com/office/drawing/2014/main" id="{EB3E033F-4449-40FA-BC85-BD2712D313DD}"/>
+                <a16:creationId xmlns:a16="http://schemas.microsoft.com/office/drawing/2014/main" xmlns="" id="{EB3E033F-4449-40FA-BC85-BD2712D313DD}"/>
               </a:ext>
             </a:extLst>
           </p:cNvPr>
@@ -5783,7 +5783,7 @@
           <p:cNvPr id="10" name="Freeform: Shape 9">
             <a:extLst>
               <a:ext uri="{FF2B5EF4-FFF2-40B4-BE49-F238E27FC236}">
-                <a16:creationId xmlns="" xmlns:a16="http://schemas.microsoft.com/office/drawing/2014/main" id="{63D26743-0505-444C-80B3-E88EE87DF72B}"/>
+                <a16:creationId xmlns:a16="http://schemas.microsoft.com/office/drawing/2014/main" xmlns="" id="{63D26743-0505-444C-80B3-E88EE87DF72B}"/>
               </a:ext>
             </a:extLst>
           </p:cNvPr>
@@ -5906,7 +5906,7 @@
           <p:cNvPr id="18" name="Freeform: Shape 17">
             <a:extLst>
               <a:ext uri="{FF2B5EF4-FFF2-40B4-BE49-F238E27FC236}">
-                <a16:creationId xmlns="" xmlns:a16="http://schemas.microsoft.com/office/drawing/2014/main" id="{E37145E9-AC61-47D5-9288-8789940F81B6}"/>
+                <a16:creationId xmlns:a16="http://schemas.microsoft.com/office/drawing/2014/main" xmlns="" id="{E37145E9-AC61-47D5-9288-8789940F81B6}"/>
               </a:ext>
             </a:extLst>
           </p:cNvPr>
@@ -6058,7 +6058,7 @@
           <p:cNvPr id="12" name="Freeform: Shape 11">
             <a:extLst>
               <a:ext uri="{FF2B5EF4-FFF2-40B4-BE49-F238E27FC236}">
-                <a16:creationId xmlns="" xmlns:a16="http://schemas.microsoft.com/office/drawing/2014/main" id="{A5E2B3ED-9A49-40A7-B8A3-62595FE513F9}"/>
+                <a16:creationId xmlns:a16="http://schemas.microsoft.com/office/drawing/2014/main" xmlns="" id="{A5E2B3ED-9A49-40A7-B8A3-62595FE513F9}"/>
               </a:ext>
             </a:extLst>
           </p:cNvPr>
@@ -6208,7 +6208,7 @@
           <p:cNvPr id="8" name="Freeform: Shape 7">
             <a:extLst>
               <a:ext uri="{FF2B5EF4-FFF2-40B4-BE49-F238E27FC236}">
-                <a16:creationId xmlns="" xmlns:a16="http://schemas.microsoft.com/office/drawing/2014/main" id="{1599AF7E-3E34-4597-AA72-9373A7FDB020}"/>
+                <a16:creationId xmlns:a16="http://schemas.microsoft.com/office/drawing/2014/main" xmlns="" id="{1599AF7E-3E34-4597-AA72-9373A7FDB020}"/>
               </a:ext>
             </a:extLst>
           </p:cNvPr>
@@ -6354,7 +6354,7 @@
           <p:cNvPr id="2" name="Title 1">
             <a:extLst>
               <a:ext uri="{FF2B5EF4-FFF2-40B4-BE49-F238E27FC236}">
-                <a16:creationId xmlns="" xmlns:a16="http://schemas.microsoft.com/office/drawing/2014/main" id="{4A2DF563-7FAC-46B3-B24C-7E45CD89DA2B}"/>
+                <a16:creationId xmlns:a16="http://schemas.microsoft.com/office/drawing/2014/main" xmlns="" id="{4A2DF563-7FAC-46B3-B24C-7E45CD89DA2B}"/>
               </a:ext>
             </a:extLst>
           </p:cNvPr>
@@ -6399,7 +6399,7 @@
           <p:cNvPr id="15" name="Group 14">
             <a:extLst>
               <a:ext uri="{FF2B5EF4-FFF2-40B4-BE49-F238E27FC236}">
-                <a16:creationId xmlns="" xmlns:a16="http://schemas.microsoft.com/office/drawing/2014/main" id="{7732E1E7-45E3-4264-8F26-66758696DD1E}"/>
+                <a16:creationId xmlns:a16="http://schemas.microsoft.com/office/drawing/2014/main" xmlns="" id="{7732E1E7-45E3-4264-8F26-66758696DD1E}"/>
               </a:ext>
             </a:extLst>
           </p:cNvPr>
@@ -6419,7 +6419,7 @@
             <p:cNvPr id="16" name="Freeform: Shape 15">
               <a:extLst>
                 <a:ext uri="{FF2B5EF4-FFF2-40B4-BE49-F238E27FC236}">
-                  <a16:creationId xmlns="" xmlns:a16="http://schemas.microsoft.com/office/drawing/2014/main" id="{2E3DF883-8093-49FA-81E1-E5D77F086A25}"/>
+                  <a16:creationId xmlns:a16="http://schemas.microsoft.com/office/drawing/2014/main" xmlns="" id="{2E3DF883-8093-49FA-81E1-E5D77F086A25}"/>
                 </a:ext>
               </a:extLst>
             </p:cNvPr>
@@ -6509,7 +6509,7 @@
             <p:cNvPr id="17" name="Freeform: Shape 16">
               <a:extLst>
                 <a:ext uri="{FF2B5EF4-FFF2-40B4-BE49-F238E27FC236}">
-                  <a16:creationId xmlns="" xmlns:a16="http://schemas.microsoft.com/office/drawing/2014/main" id="{18944C90-37E5-4BBE-89FF-060627168050}"/>
+                  <a16:creationId xmlns:a16="http://schemas.microsoft.com/office/drawing/2014/main" xmlns="" id="{18944C90-37E5-4BBE-89FF-060627168050}"/>
                 </a:ext>
               </a:extLst>
             </p:cNvPr>
@@ -6608,7 +6608,7 @@
           <p:cNvPr id="6" name="Group 5">
             <a:extLst>
               <a:ext uri="{FF2B5EF4-FFF2-40B4-BE49-F238E27FC236}">
-                <a16:creationId xmlns="" xmlns:a16="http://schemas.microsoft.com/office/drawing/2014/main" id="{D9EBF8BB-A805-4DDB-B459-082F99815B95}"/>
+                <a16:creationId xmlns:a16="http://schemas.microsoft.com/office/drawing/2014/main" xmlns="" id="{D9EBF8BB-A805-4DDB-B459-082F99815B95}"/>
               </a:ext>
             </a:extLst>
           </p:cNvPr>
@@ -6628,7 +6628,7 @@
             <p:cNvPr id="19" name="Rectangle: Single Corner Snipped 18">
               <a:extLst>
                 <a:ext uri="{FF2B5EF4-FFF2-40B4-BE49-F238E27FC236}">
-                  <a16:creationId xmlns="" xmlns:a16="http://schemas.microsoft.com/office/drawing/2014/main" id="{5D638788-DD47-45E7-939A-FA108A818173}"/>
+                  <a16:creationId xmlns:a16="http://schemas.microsoft.com/office/drawing/2014/main" xmlns="" id="{5D638788-DD47-45E7-939A-FA108A818173}"/>
                 </a:ext>
               </a:extLst>
             </p:cNvPr>
@@ -6689,7 +6689,7 @@
             <p:cNvPr id="3" name="Rectangle: Single Corner Snipped 2">
               <a:extLst>
                 <a:ext uri="{FF2B5EF4-FFF2-40B4-BE49-F238E27FC236}">
-                  <a16:creationId xmlns="" xmlns:a16="http://schemas.microsoft.com/office/drawing/2014/main" id="{74BDECEF-EEFE-4332-B3B2-BDE4F82C10FC}"/>
+                  <a16:creationId xmlns:a16="http://schemas.microsoft.com/office/drawing/2014/main" xmlns="" id="{74BDECEF-EEFE-4332-B3B2-BDE4F82C10FC}"/>
                 </a:ext>
               </a:extLst>
             </p:cNvPr>
@@ -6746,7 +6746,7 @@
           <p:cNvPr id="26" name="Text Placeholder 22">
             <a:extLst>
               <a:ext uri="{FF2B5EF4-FFF2-40B4-BE49-F238E27FC236}">
-                <a16:creationId xmlns="" xmlns:a16="http://schemas.microsoft.com/office/drawing/2014/main" id="{2A19101D-7C37-42BF-8167-5391EA65EC3A}"/>
+                <a16:creationId xmlns:a16="http://schemas.microsoft.com/office/drawing/2014/main" xmlns="" id="{2A19101D-7C37-42BF-8167-5391EA65EC3A}"/>
               </a:ext>
             </a:extLst>
           </p:cNvPr>
@@ -6856,7 +6856,7 @@
           <p:cNvPr id="35" name="Freeform: Shape 34">
             <a:extLst>
               <a:ext uri="{FF2B5EF4-FFF2-40B4-BE49-F238E27FC236}">
-                <a16:creationId xmlns="" xmlns:a16="http://schemas.microsoft.com/office/drawing/2014/main" id="{62EEBF51-DCAD-4335-85E9-52801031A1BF}"/>
+                <a16:creationId xmlns:a16="http://schemas.microsoft.com/office/drawing/2014/main" xmlns="" id="{62EEBF51-DCAD-4335-85E9-52801031A1BF}"/>
               </a:ext>
             </a:extLst>
           </p:cNvPr>
@@ -6951,7 +6951,7 @@
           <p:cNvPr id="5" name="Slide Number Placeholder 4">
             <a:extLst>
               <a:ext uri="{FF2B5EF4-FFF2-40B4-BE49-F238E27FC236}">
-                <a16:creationId xmlns="" xmlns:a16="http://schemas.microsoft.com/office/drawing/2014/main" id="{87B51822-97FF-47A7-8E4E-A0F79B4EB237}"/>
+                <a16:creationId xmlns:a16="http://schemas.microsoft.com/office/drawing/2014/main" xmlns="" id="{87B51822-97FF-47A7-8E4E-A0F79B4EB237}"/>
               </a:ext>
             </a:extLst>
           </p:cNvPr>
@@ -6995,7 +6995,7 @@
           <p:cNvPr id="13" name="Picture Placeholder 12">
             <a:extLst>
               <a:ext uri="{FF2B5EF4-FFF2-40B4-BE49-F238E27FC236}">
-                <a16:creationId xmlns="" xmlns:a16="http://schemas.microsoft.com/office/drawing/2014/main" id="{231B97CF-FD24-4932-8459-893B1AC73D33}"/>
+                <a16:creationId xmlns:a16="http://schemas.microsoft.com/office/drawing/2014/main" xmlns="" id="{231B97CF-FD24-4932-8459-893B1AC73D33}"/>
               </a:ext>
             </a:extLst>
           </p:cNvPr>
@@ -7040,7 +7040,7 @@
           <p:cNvPr id="36" name="Text Placeholder 22">
             <a:extLst>
               <a:ext uri="{FF2B5EF4-FFF2-40B4-BE49-F238E27FC236}">
-                <a16:creationId xmlns="" xmlns:a16="http://schemas.microsoft.com/office/drawing/2014/main" id="{642D3CE0-C3B4-4F3F-A650-AB452B3AD4BA}"/>
+                <a16:creationId xmlns:a16="http://schemas.microsoft.com/office/drawing/2014/main" xmlns="" id="{642D3CE0-C3B4-4F3F-A650-AB452B3AD4BA}"/>
               </a:ext>
             </a:extLst>
           </p:cNvPr>
@@ -7150,7 +7150,7 @@
           <p:cNvPr id="37" name="Text Placeholder 22">
             <a:extLst>
               <a:ext uri="{FF2B5EF4-FFF2-40B4-BE49-F238E27FC236}">
-                <a16:creationId xmlns="" xmlns:a16="http://schemas.microsoft.com/office/drawing/2014/main" id="{DBED2BB0-CDAD-40EE-8B35-C66DF45EE29D}"/>
+                <a16:creationId xmlns:a16="http://schemas.microsoft.com/office/drawing/2014/main" xmlns="" id="{DBED2BB0-CDAD-40EE-8B35-C66DF45EE29D}"/>
               </a:ext>
             </a:extLst>
           </p:cNvPr>
@@ -7258,7 +7258,7 @@
     </p:spTree>
     <p:extLst>
       <p:ext uri="{BB962C8B-B14F-4D97-AF65-F5344CB8AC3E}">
-        <p14:creationId xmlns="" xmlns:p14="http://schemas.microsoft.com/office/powerpoint/2010/main" val="1544745716"/>
+        <p14:creationId xmlns:p14="http://schemas.microsoft.com/office/powerpoint/2010/main" xmlns="" val="1544745716"/>
       </p:ext>
     </p:extLst>
   </p:cSld>
@@ -7298,7 +7298,7 @@
           <p:cNvPr id="11" name="Rectangle 10">
             <a:extLst>
               <a:ext uri="{FF2B5EF4-FFF2-40B4-BE49-F238E27FC236}">
-                <a16:creationId xmlns="" xmlns:a16="http://schemas.microsoft.com/office/drawing/2014/main" id="{EB3E033F-4449-40FA-BC85-BD2712D313DD}"/>
+                <a16:creationId xmlns:a16="http://schemas.microsoft.com/office/drawing/2014/main" xmlns="" id="{EB3E033F-4449-40FA-BC85-BD2712D313DD}"/>
               </a:ext>
             </a:extLst>
           </p:cNvPr>
@@ -7352,7 +7352,7 @@
           <p:cNvPr id="10" name="Freeform: Shape 9">
             <a:extLst>
               <a:ext uri="{FF2B5EF4-FFF2-40B4-BE49-F238E27FC236}">
-                <a16:creationId xmlns="" xmlns:a16="http://schemas.microsoft.com/office/drawing/2014/main" id="{63D26743-0505-444C-80B3-E88EE87DF72B}"/>
+                <a16:creationId xmlns:a16="http://schemas.microsoft.com/office/drawing/2014/main" xmlns="" id="{63D26743-0505-444C-80B3-E88EE87DF72B}"/>
               </a:ext>
             </a:extLst>
           </p:cNvPr>
@@ -7475,7 +7475,7 @@
           <p:cNvPr id="18" name="Freeform: Shape 17">
             <a:extLst>
               <a:ext uri="{FF2B5EF4-FFF2-40B4-BE49-F238E27FC236}">
-                <a16:creationId xmlns="" xmlns:a16="http://schemas.microsoft.com/office/drawing/2014/main" id="{E37145E9-AC61-47D5-9288-8789940F81B6}"/>
+                <a16:creationId xmlns:a16="http://schemas.microsoft.com/office/drawing/2014/main" xmlns="" id="{E37145E9-AC61-47D5-9288-8789940F81B6}"/>
               </a:ext>
             </a:extLst>
           </p:cNvPr>
@@ -7627,7 +7627,7 @@
           <p:cNvPr id="12" name="Freeform: Shape 11">
             <a:extLst>
               <a:ext uri="{FF2B5EF4-FFF2-40B4-BE49-F238E27FC236}">
-                <a16:creationId xmlns="" xmlns:a16="http://schemas.microsoft.com/office/drawing/2014/main" id="{A5E2B3ED-9A49-40A7-B8A3-62595FE513F9}"/>
+                <a16:creationId xmlns:a16="http://schemas.microsoft.com/office/drawing/2014/main" xmlns="" id="{A5E2B3ED-9A49-40A7-B8A3-62595FE513F9}"/>
               </a:ext>
             </a:extLst>
           </p:cNvPr>
@@ -7777,7 +7777,7 @@
           <p:cNvPr id="8" name="Freeform: Shape 7">
             <a:extLst>
               <a:ext uri="{FF2B5EF4-FFF2-40B4-BE49-F238E27FC236}">
-                <a16:creationId xmlns="" xmlns:a16="http://schemas.microsoft.com/office/drawing/2014/main" id="{1599AF7E-3E34-4597-AA72-9373A7FDB020}"/>
+                <a16:creationId xmlns:a16="http://schemas.microsoft.com/office/drawing/2014/main" xmlns="" id="{1599AF7E-3E34-4597-AA72-9373A7FDB020}"/>
               </a:ext>
             </a:extLst>
           </p:cNvPr>
@@ -7923,7 +7923,7 @@
           <p:cNvPr id="2" name="Title 1">
             <a:extLst>
               <a:ext uri="{FF2B5EF4-FFF2-40B4-BE49-F238E27FC236}">
-                <a16:creationId xmlns="" xmlns:a16="http://schemas.microsoft.com/office/drawing/2014/main" id="{4A2DF563-7FAC-46B3-B24C-7E45CD89DA2B}"/>
+                <a16:creationId xmlns:a16="http://schemas.microsoft.com/office/drawing/2014/main" xmlns="" id="{4A2DF563-7FAC-46B3-B24C-7E45CD89DA2B}"/>
               </a:ext>
             </a:extLst>
           </p:cNvPr>
@@ -7968,7 +7968,7 @@
           <p:cNvPr id="15" name="Group 14">
             <a:extLst>
               <a:ext uri="{FF2B5EF4-FFF2-40B4-BE49-F238E27FC236}">
-                <a16:creationId xmlns="" xmlns:a16="http://schemas.microsoft.com/office/drawing/2014/main" id="{7732E1E7-45E3-4264-8F26-66758696DD1E}"/>
+                <a16:creationId xmlns:a16="http://schemas.microsoft.com/office/drawing/2014/main" xmlns="" id="{7732E1E7-45E3-4264-8F26-66758696DD1E}"/>
               </a:ext>
             </a:extLst>
           </p:cNvPr>
@@ -7988,7 +7988,7 @@
             <p:cNvPr id="16" name="Freeform: Shape 15">
               <a:extLst>
                 <a:ext uri="{FF2B5EF4-FFF2-40B4-BE49-F238E27FC236}">
-                  <a16:creationId xmlns="" xmlns:a16="http://schemas.microsoft.com/office/drawing/2014/main" id="{2E3DF883-8093-49FA-81E1-E5D77F086A25}"/>
+                  <a16:creationId xmlns:a16="http://schemas.microsoft.com/office/drawing/2014/main" xmlns="" id="{2E3DF883-8093-49FA-81E1-E5D77F086A25}"/>
                 </a:ext>
               </a:extLst>
             </p:cNvPr>
@@ -8078,7 +8078,7 @@
             <p:cNvPr id="17" name="Freeform: Shape 16">
               <a:extLst>
                 <a:ext uri="{FF2B5EF4-FFF2-40B4-BE49-F238E27FC236}">
-                  <a16:creationId xmlns="" xmlns:a16="http://schemas.microsoft.com/office/drawing/2014/main" id="{18944C90-37E5-4BBE-89FF-060627168050}"/>
+                  <a16:creationId xmlns:a16="http://schemas.microsoft.com/office/drawing/2014/main" xmlns="" id="{18944C90-37E5-4BBE-89FF-060627168050}"/>
                 </a:ext>
               </a:extLst>
             </p:cNvPr>
@@ -8177,7 +8177,7 @@
           <p:cNvPr id="6" name="Group 5">
             <a:extLst>
               <a:ext uri="{FF2B5EF4-FFF2-40B4-BE49-F238E27FC236}">
-                <a16:creationId xmlns="" xmlns:a16="http://schemas.microsoft.com/office/drawing/2014/main" id="{D9EBF8BB-A805-4DDB-B459-082F99815B95}"/>
+                <a16:creationId xmlns:a16="http://schemas.microsoft.com/office/drawing/2014/main" xmlns="" id="{D9EBF8BB-A805-4DDB-B459-082F99815B95}"/>
               </a:ext>
             </a:extLst>
           </p:cNvPr>
@@ -8197,7 +8197,7 @@
             <p:cNvPr id="19" name="Rectangle: Single Corner Snipped 18">
               <a:extLst>
                 <a:ext uri="{FF2B5EF4-FFF2-40B4-BE49-F238E27FC236}">
-                  <a16:creationId xmlns="" xmlns:a16="http://schemas.microsoft.com/office/drawing/2014/main" id="{5D638788-DD47-45E7-939A-FA108A818173}"/>
+                  <a16:creationId xmlns:a16="http://schemas.microsoft.com/office/drawing/2014/main" xmlns="" id="{5D638788-DD47-45E7-939A-FA108A818173}"/>
                 </a:ext>
               </a:extLst>
             </p:cNvPr>
@@ -8258,7 +8258,7 @@
             <p:cNvPr id="3" name="Rectangle: Single Corner Snipped 2">
               <a:extLst>
                 <a:ext uri="{FF2B5EF4-FFF2-40B4-BE49-F238E27FC236}">
-                  <a16:creationId xmlns="" xmlns:a16="http://schemas.microsoft.com/office/drawing/2014/main" id="{74BDECEF-EEFE-4332-B3B2-BDE4F82C10FC}"/>
+                  <a16:creationId xmlns:a16="http://schemas.microsoft.com/office/drawing/2014/main" xmlns="" id="{74BDECEF-EEFE-4332-B3B2-BDE4F82C10FC}"/>
                 </a:ext>
               </a:extLst>
             </p:cNvPr>
@@ -8315,7 +8315,7 @@
           <p:cNvPr id="26" name="Text Placeholder 22">
             <a:extLst>
               <a:ext uri="{FF2B5EF4-FFF2-40B4-BE49-F238E27FC236}">
-                <a16:creationId xmlns="" xmlns:a16="http://schemas.microsoft.com/office/drawing/2014/main" id="{2A19101D-7C37-42BF-8167-5391EA65EC3A}"/>
+                <a16:creationId xmlns:a16="http://schemas.microsoft.com/office/drawing/2014/main" xmlns="" id="{2A19101D-7C37-42BF-8167-5391EA65EC3A}"/>
               </a:ext>
             </a:extLst>
           </p:cNvPr>
@@ -8425,7 +8425,7 @@
           <p:cNvPr id="35" name="Freeform: Shape 34">
             <a:extLst>
               <a:ext uri="{FF2B5EF4-FFF2-40B4-BE49-F238E27FC236}">
-                <a16:creationId xmlns="" xmlns:a16="http://schemas.microsoft.com/office/drawing/2014/main" id="{62EEBF51-DCAD-4335-85E9-52801031A1BF}"/>
+                <a16:creationId xmlns:a16="http://schemas.microsoft.com/office/drawing/2014/main" xmlns="" id="{62EEBF51-DCAD-4335-85E9-52801031A1BF}"/>
               </a:ext>
             </a:extLst>
           </p:cNvPr>
@@ -8520,7 +8520,7 @@
           <p:cNvPr id="5" name="Slide Number Placeholder 4">
             <a:extLst>
               <a:ext uri="{FF2B5EF4-FFF2-40B4-BE49-F238E27FC236}">
-                <a16:creationId xmlns="" xmlns:a16="http://schemas.microsoft.com/office/drawing/2014/main" id="{87B51822-97FF-47A7-8E4E-A0F79B4EB237}"/>
+                <a16:creationId xmlns:a16="http://schemas.microsoft.com/office/drawing/2014/main" xmlns="" id="{87B51822-97FF-47A7-8E4E-A0F79B4EB237}"/>
               </a:ext>
             </a:extLst>
           </p:cNvPr>
@@ -8564,7 +8564,7 @@
           <p:cNvPr id="13" name="Picture Placeholder 12">
             <a:extLst>
               <a:ext uri="{FF2B5EF4-FFF2-40B4-BE49-F238E27FC236}">
-                <a16:creationId xmlns="" xmlns:a16="http://schemas.microsoft.com/office/drawing/2014/main" id="{231B97CF-FD24-4932-8459-893B1AC73D33}"/>
+                <a16:creationId xmlns:a16="http://schemas.microsoft.com/office/drawing/2014/main" xmlns="" id="{231B97CF-FD24-4932-8459-893B1AC73D33}"/>
               </a:ext>
             </a:extLst>
           </p:cNvPr>
@@ -8607,7 +8607,7 @@
     </p:spTree>
     <p:extLst>
       <p:ext uri="{BB962C8B-B14F-4D97-AF65-F5344CB8AC3E}">
-        <p14:creationId xmlns="" xmlns:p14="http://schemas.microsoft.com/office/powerpoint/2010/main" val="2486826778"/>
+        <p14:creationId xmlns:p14="http://schemas.microsoft.com/office/powerpoint/2010/main" xmlns="" val="2486826778"/>
       </p:ext>
     </p:extLst>
   </p:cSld>
@@ -8647,7 +8647,7 @@
           <p:cNvPr id="11" name="Rectangle 10">
             <a:extLst>
               <a:ext uri="{FF2B5EF4-FFF2-40B4-BE49-F238E27FC236}">
-                <a16:creationId xmlns="" xmlns:a16="http://schemas.microsoft.com/office/drawing/2014/main" id="{EB3E033F-4449-40FA-BC85-BD2712D313DD}"/>
+                <a16:creationId xmlns:a16="http://schemas.microsoft.com/office/drawing/2014/main" xmlns="" id="{EB3E033F-4449-40FA-BC85-BD2712D313DD}"/>
               </a:ext>
             </a:extLst>
           </p:cNvPr>
@@ -8701,7 +8701,7 @@
           <p:cNvPr id="10" name="Freeform: Shape 9">
             <a:extLst>
               <a:ext uri="{FF2B5EF4-FFF2-40B4-BE49-F238E27FC236}">
-                <a16:creationId xmlns="" xmlns:a16="http://schemas.microsoft.com/office/drawing/2014/main" id="{63D26743-0505-444C-80B3-E88EE87DF72B}"/>
+                <a16:creationId xmlns:a16="http://schemas.microsoft.com/office/drawing/2014/main" xmlns="" id="{63D26743-0505-444C-80B3-E88EE87DF72B}"/>
               </a:ext>
             </a:extLst>
           </p:cNvPr>
@@ -8824,7 +8824,7 @@
           <p:cNvPr id="18" name="Freeform: Shape 17">
             <a:extLst>
               <a:ext uri="{FF2B5EF4-FFF2-40B4-BE49-F238E27FC236}">
-                <a16:creationId xmlns="" xmlns:a16="http://schemas.microsoft.com/office/drawing/2014/main" id="{E37145E9-AC61-47D5-9288-8789940F81B6}"/>
+                <a16:creationId xmlns:a16="http://schemas.microsoft.com/office/drawing/2014/main" xmlns="" id="{E37145E9-AC61-47D5-9288-8789940F81B6}"/>
               </a:ext>
             </a:extLst>
           </p:cNvPr>
@@ -8976,7 +8976,7 @@
           <p:cNvPr id="12" name="Freeform: Shape 11">
             <a:extLst>
               <a:ext uri="{FF2B5EF4-FFF2-40B4-BE49-F238E27FC236}">
-                <a16:creationId xmlns="" xmlns:a16="http://schemas.microsoft.com/office/drawing/2014/main" id="{A5E2B3ED-9A49-40A7-B8A3-62595FE513F9}"/>
+                <a16:creationId xmlns:a16="http://schemas.microsoft.com/office/drawing/2014/main" xmlns="" id="{A5E2B3ED-9A49-40A7-B8A3-62595FE513F9}"/>
               </a:ext>
             </a:extLst>
           </p:cNvPr>
@@ -9126,7 +9126,7 @@
           <p:cNvPr id="8" name="Freeform: Shape 7">
             <a:extLst>
               <a:ext uri="{FF2B5EF4-FFF2-40B4-BE49-F238E27FC236}">
-                <a16:creationId xmlns="" xmlns:a16="http://schemas.microsoft.com/office/drawing/2014/main" id="{1599AF7E-3E34-4597-AA72-9373A7FDB020}"/>
+                <a16:creationId xmlns:a16="http://schemas.microsoft.com/office/drawing/2014/main" xmlns="" id="{1599AF7E-3E34-4597-AA72-9373A7FDB020}"/>
               </a:ext>
             </a:extLst>
           </p:cNvPr>
@@ -9272,7 +9272,7 @@
           <p:cNvPr id="2" name="Title 1">
             <a:extLst>
               <a:ext uri="{FF2B5EF4-FFF2-40B4-BE49-F238E27FC236}">
-                <a16:creationId xmlns="" xmlns:a16="http://schemas.microsoft.com/office/drawing/2014/main" id="{4A2DF563-7FAC-46B3-B24C-7E45CD89DA2B}"/>
+                <a16:creationId xmlns:a16="http://schemas.microsoft.com/office/drawing/2014/main" xmlns="" id="{4A2DF563-7FAC-46B3-B24C-7E45CD89DA2B}"/>
               </a:ext>
             </a:extLst>
           </p:cNvPr>
@@ -9317,7 +9317,7 @@
           <p:cNvPr id="15" name="Group 14">
             <a:extLst>
               <a:ext uri="{FF2B5EF4-FFF2-40B4-BE49-F238E27FC236}">
-                <a16:creationId xmlns="" xmlns:a16="http://schemas.microsoft.com/office/drawing/2014/main" id="{7732E1E7-45E3-4264-8F26-66758696DD1E}"/>
+                <a16:creationId xmlns:a16="http://schemas.microsoft.com/office/drawing/2014/main" xmlns="" id="{7732E1E7-45E3-4264-8F26-66758696DD1E}"/>
               </a:ext>
             </a:extLst>
           </p:cNvPr>
@@ -9337,7 +9337,7 @@
             <p:cNvPr id="16" name="Freeform: Shape 15">
               <a:extLst>
                 <a:ext uri="{FF2B5EF4-FFF2-40B4-BE49-F238E27FC236}">
-                  <a16:creationId xmlns="" xmlns:a16="http://schemas.microsoft.com/office/drawing/2014/main" id="{2E3DF883-8093-49FA-81E1-E5D77F086A25}"/>
+                  <a16:creationId xmlns:a16="http://schemas.microsoft.com/office/drawing/2014/main" xmlns="" id="{2E3DF883-8093-49FA-81E1-E5D77F086A25}"/>
                 </a:ext>
               </a:extLst>
             </p:cNvPr>
@@ -9427,7 +9427,7 @@
             <p:cNvPr id="17" name="Freeform: Shape 16">
               <a:extLst>
                 <a:ext uri="{FF2B5EF4-FFF2-40B4-BE49-F238E27FC236}">
-                  <a16:creationId xmlns="" xmlns:a16="http://schemas.microsoft.com/office/drawing/2014/main" id="{18944C90-37E5-4BBE-89FF-060627168050}"/>
+                  <a16:creationId xmlns:a16="http://schemas.microsoft.com/office/drawing/2014/main" xmlns="" id="{18944C90-37E5-4BBE-89FF-060627168050}"/>
                 </a:ext>
               </a:extLst>
             </p:cNvPr>
@@ -9526,7 +9526,7 @@
           <p:cNvPr id="6" name="Group 5">
             <a:extLst>
               <a:ext uri="{FF2B5EF4-FFF2-40B4-BE49-F238E27FC236}">
-                <a16:creationId xmlns="" xmlns:a16="http://schemas.microsoft.com/office/drawing/2014/main" id="{D9EBF8BB-A805-4DDB-B459-082F99815B95}"/>
+                <a16:creationId xmlns:a16="http://schemas.microsoft.com/office/drawing/2014/main" xmlns="" id="{D9EBF8BB-A805-4DDB-B459-082F99815B95}"/>
               </a:ext>
             </a:extLst>
           </p:cNvPr>
@@ -9546,7 +9546,7 @@
             <p:cNvPr id="19" name="Rectangle: Single Corner Snipped 18">
               <a:extLst>
                 <a:ext uri="{FF2B5EF4-FFF2-40B4-BE49-F238E27FC236}">
-                  <a16:creationId xmlns="" xmlns:a16="http://schemas.microsoft.com/office/drawing/2014/main" id="{5D638788-DD47-45E7-939A-FA108A818173}"/>
+                  <a16:creationId xmlns:a16="http://schemas.microsoft.com/office/drawing/2014/main" xmlns="" id="{5D638788-DD47-45E7-939A-FA108A818173}"/>
                 </a:ext>
               </a:extLst>
             </p:cNvPr>
@@ -9607,7 +9607,7 @@
             <p:cNvPr id="3" name="Rectangle: Single Corner Snipped 2">
               <a:extLst>
                 <a:ext uri="{FF2B5EF4-FFF2-40B4-BE49-F238E27FC236}">
-                  <a16:creationId xmlns="" xmlns:a16="http://schemas.microsoft.com/office/drawing/2014/main" id="{74BDECEF-EEFE-4332-B3B2-BDE4F82C10FC}"/>
+                  <a16:creationId xmlns:a16="http://schemas.microsoft.com/office/drawing/2014/main" xmlns="" id="{74BDECEF-EEFE-4332-B3B2-BDE4F82C10FC}"/>
                 </a:ext>
               </a:extLst>
             </p:cNvPr>
@@ -9664,7 +9664,7 @@
           <p:cNvPr id="35" name="Freeform: Shape 34">
             <a:extLst>
               <a:ext uri="{FF2B5EF4-FFF2-40B4-BE49-F238E27FC236}">
-                <a16:creationId xmlns="" xmlns:a16="http://schemas.microsoft.com/office/drawing/2014/main" id="{62EEBF51-DCAD-4335-85E9-52801031A1BF}"/>
+                <a16:creationId xmlns:a16="http://schemas.microsoft.com/office/drawing/2014/main" xmlns="" id="{62EEBF51-DCAD-4335-85E9-52801031A1BF}"/>
               </a:ext>
             </a:extLst>
           </p:cNvPr>
@@ -9759,7 +9759,7 @@
           <p:cNvPr id="5" name="Slide Number Placeholder 4">
             <a:extLst>
               <a:ext uri="{FF2B5EF4-FFF2-40B4-BE49-F238E27FC236}">
-                <a16:creationId xmlns="" xmlns:a16="http://schemas.microsoft.com/office/drawing/2014/main" id="{87B51822-97FF-47A7-8E4E-A0F79B4EB237}"/>
+                <a16:creationId xmlns:a16="http://schemas.microsoft.com/office/drawing/2014/main" xmlns="" id="{87B51822-97FF-47A7-8E4E-A0F79B4EB237}"/>
               </a:ext>
             </a:extLst>
           </p:cNvPr>
@@ -9803,7 +9803,7 @@
           <p:cNvPr id="20" name="Picture Placeholder 2">
             <a:extLst>
               <a:ext uri="{FF2B5EF4-FFF2-40B4-BE49-F238E27FC236}">
-                <a16:creationId xmlns="" xmlns:a16="http://schemas.microsoft.com/office/drawing/2014/main" id="{30B3A574-7940-4E35-857E-5CA35A5910E5}"/>
+                <a16:creationId xmlns:a16="http://schemas.microsoft.com/office/drawing/2014/main" xmlns="" id="{30B3A574-7940-4E35-857E-5CA35A5910E5}"/>
               </a:ext>
             </a:extLst>
           </p:cNvPr>
@@ -9879,7 +9879,7 @@
           <p:cNvPr id="21" name="Text Placeholder 3">
             <a:extLst>
               <a:ext uri="{FF2B5EF4-FFF2-40B4-BE49-F238E27FC236}">
-                <a16:creationId xmlns="" xmlns:a16="http://schemas.microsoft.com/office/drawing/2014/main" id="{912B51EA-3E6F-4BF6-BE48-62128AF32B85}"/>
+                <a16:creationId xmlns:a16="http://schemas.microsoft.com/office/drawing/2014/main" xmlns="" id="{912B51EA-3E6F-4BF6-BE48-62128AF32B85}"/>
               </a:ext>
             </a:extLst>
           </p:cNvPr>
@@ -9953,7 +9953,7 @@
     </p:spTree>
     <p:extLst>
       <p:ext uri="{BB962C8B-B14F-4D97-AF65-F5344CB8AC3E}">
-        <p14:creationId xmlns="" xmlns:p14="http://schemas.microsoft.com/office/powerpoint/2010/main" val="1540650178"/>
+        <p14:creationId xmlns:p14="http://schemas.microsoft.com/office/powerpoint/2010/main" xmlns="" val="1540650178"/>
       </p:ext>
     </p:extLst>
   </p:cSld>
@@ -9993,7 +9993,7 @@
           <p:cNvPr id="11" name="Rectangle 10">
             <a:extLst>
               <a:ext uri="{FF2B5EF4-FFF2-40B4-BE49-F238E27FC236}">
-                <a16:creationId xmlns="" xmlns:a16="http://schemas.microsoft.com/office/drawing/2014/main" id="{EB3E033F-4449-40FA-BC85-BD2712D313DD}"/>
+                <a16:creationId xmlns:a16="http://schemas.microsoft.com/office/drawing/2014/main" xmlns="" id="{EB3E033F-4449-40FA-BC85-BD2712D313DD}"/>
               </a:ext>
             </a:extLst>
           </p:cNvPr>
@@ -10047,7 +10047,7 @@
           <p:cNvPr id="10" name="Freeform: Shape 9">
             <a:extLst>
               <a:ext uri="{FF2B5EF4-FFF2-40B4-BE49-F238E27FC236}">
-                <a16:creationId xmlns="" xmlns:a16="http://schemas.microsoft.com/office/drawing/2014/main" id="{63D26743-0505-444C-80B3-E88EE87DF72B}"/>
+                <a16:creationId xmlns:a16="http://schemas.microsoft.com/office/drawing/2014/main" xmlns="" id="{63D26743-0505-444C-80B3-E88EE87DF72B}"/>
               </a:ext>
             </a:extLst>
           </p:cNvPr>
@@ -10170,7 +10170,7 @@
           <p:cNvPr id="18" name="Freeform: Shape 17">
             <a:extLst>
               <a:ext uri="{FF2B5EF4-FFF2-40B4-BE49-F238E27FC236}">
-                <a16:creationId xmlns="" xmlns:a16="http://schemas.microsoft.com/office/drawing/2014/main" id="{E37145E9-AC61-47D5-9288-8789940F81B6}"/>
+                <a16:creationId xmlns:a16="http://schemas.microsoft.com/office/drawing/2014/main" xmlns="" id="{E37145E9-AC61-47D5-9288-8789940F81B6}"/>
               </a:ext>
             </a:extLst>
           </p:cNvPr>
@@ -10322,7 +10322,7 @@
           <p:cNvPr id="12" name="Freeform: Shape 11">
             <a:extLst>
               <a:ext uri="{FF2B5EF4-FFF2-40B4-BE49-F238E27FC236}">
-                <a16:creationId xmlns="" xmlns:a16="http://schemas.microsoft.com/office/drawing/2014/main" id="{A5E2B3ED-9A49-40A7-B8A3-62595FE513F9}"/>
+                <a16:creationId xmlns:a16="http://schemas.microsoft.com/office/drawing/2014/main" xmlns="" id="{A5E2B3ED-9A49-40A7-B8A3-62595FE513F9}"/>
               </a:ext>
             </a:extLst>
           </p:cNvPr>
@@ -10472,7 +10472,7 @@
           <p:cNvPr id="8" name="Freeform: Shape 7">
             <a:extLst>
               <a:ext uri="{FF2B5EF4-FFF2-40B4-BE49-F238E27FC236}">
-                <a16:creationId xmlns="" xmlns:a16="http://schemas.microsoft.com/office/drawing/2014/main" id="{1599AF7E-3E34-4597-AA72-9373A7FDB020}"/>
+                <a16:creationId xmlns:a16="http://schemas.microsoft.com/office/drawing/2014/main" xmlns="" id="{1599AF7E-3E34-4597-AA72-9373A7FDB020}"/>
               </a:ext>
             </a:extLst>
           </p:cNvPr>
@@ -10618,7 +10618,7 @@
           <p:cNvPr id="2" name="Title 1">
             <a:extLst>
               <a:ext uri="{FF2B5EF4-FFF2-40B4-BE49-F238E27FC236}">
-                <a16:creationId xmlns="" xmlns:a16="http://schemas.microsoft.com/office/drawing/2014/main" id="{4A2DF563-7FAC-46B3-B24C-7E45CD89DA2B}"/>
+                <a16:creationId xmlns:a16="http://schemas.microsoft.com/office/drawing/2014/main" xmlns="" id="{4A2DF563-7FAC-46B3-B24C-7E45CD89DA2B}"/>
               </a:ext>
             </a:extLst>
           </p:cNvPr>
@@ -10663,7 +10663,7 @@
           <p:cNvPr id="15" name="Group 14">
             <a:extLst>
               <a:ext uri="{FF2B5EF4-FFF2-40B4-BE49-F238E27FC236}">
-                <a16:creationId xmlns="" xmlns:a16="http://schemas.microsoft.com/office/drawing/2014/main" id="{7732E1E7-45E3-4264-8F26-66758696DD1E}"/>
+                <a16:creationId xmlns:a16="http://schemas.microsoft.com/office/drawing/2014/main" xmlns="" id="{7732E1E7-45E3-4264-8F26-66758696DD1E}"/>
               </a:ext>
             </a:extLst>
           </p:cNvPr>
@@ -10683,7 +10683,7 @@
             <p:cNvPr id="16" name="Freeform: Shape 15">
               <a:extLst>
                 <a:ext uri="{FF2B5EF4-FFF2-40B4-BE49-F238E27FC236}">
-                  <a16:creationId xmlns="" xmlns:a16="http://schemas.microsoft.com/office/drawing/2014/main" id="{2E3DF883-8093-49FA-81E1-E5D77F086A25}"/>
+                  <a16:creationId xmlns:a16="http://schemas.microsoft.com/office/drawing/2014/main" xmlns="" id="{2E3DF883-8093-49FA-81E1-E5D77F086A25}"/>
                 </a:ext>
               </a:extLst>
             </p:cNvPr>
@@ -10773,7 +10773,7 @@
             <p:cNvPr id="17" name="Freeform: Shape 16">
               <a:extLst>
                 <a:ext uri="{FF2B5EF4-FFF2-40B4-BE49-F238E27FC236}">
-                  <a16:creationId xmlns="" xmlns:a16="http://schemas.microsoft.com/office/drawing/2014/main" id="{18944C90-37E5-4BBE-89FF-060627168050}"/>
+                  <a16:creationId xmlns:a16="http://schemas.microsoft.com/office/drawing/2014/main" xmlns="" id="{18944C90-37E5-4BBE-89FF-060627168050}"/>
                 </a:ext>
               </a:extLst>
             </p:cNvPr>
@@ -10872,7 +10872,7 @@
           <p:cNvPr id="6" name="Group 5">
             <a:extLst>
               <a:ext uri="{FF2B5EF4-FFF2-40B4-BE49-F238E27FC236}">
-                <a16:creationId xmlns="" xmlns:a16="http://schemas.microsoft.com/office/drawing/2014/main" id="{D9EBF8BB-A805-4DDB-B459-082F99815B95}"/>
+                <a16:creationId xmlns:a16="http://schemas.microsoft.com/office/drawing/2014/main" xmlns="" id="{D9EBF8BB-A805-4DDB-B459-082F99815B95}"/>
               </a:ext>
             </a:extLst>
           </p:cNvPr>
@@ -10892,7 +10892,7 @@
             <p:cNvPr id="19" name="Rectangle: Single Corner Snipped 18">
               <a:extLst>
                 <a:ext uri="{FF2B5EF4-FFF2-40B4-BE49-F238E27FC236}">
-                  <a16:creationId xmlns="" xmlns:a16="http://schemas.microsoft.com/office/drawing/2014/main" id="{5D638788-DD47-45E7-939A-FA108A818173}"/>
+                  <a16:creationId xmlns:a16="http://schemas.microsoft.com/office/drawing/2014/main" xmlns="" id="{5D638788-DD47-45E7-939A-FA108A818173}"/>
                 </a:ext>
               </a:extLst>
             </p:cNvPr>
@@ -10953,7 +10953,7 @@
             <p:cNvPr id="3" name="Rectangle: Single Corner Snipped 2">
               <a:extLst>
                 <a:ext uri="{FF2B5EF4-FFF2-40B4-BE49-F238E27FC236}">
-                  <a16:creationId xmlns="" xmlns:a16="http://schemas.microsoft.com/office/drawing/2014/main" id="{74BDECEF-EEFE-4332-B3B2-BDE4F82C10FC}"/>
+                  <a16:creationId xmlns:a16="http://schemas.microsoft.com/office/drawing/2014/main" xmlns="" id="{74BDECEF-EEFE-4332-B3B2-BDE4F82C10FC}"/>
                 </a:ext>
               </a:extLst>
             </p:cNvPr>
@@ -11010,7 +11010,7 @@
           <p:cNvPr id="35" name="Freeform: Shape 34">
             <a:extLst>
               <a:ext uri="{FF2B5EF4-FFF2-40B4-BE49-F238E27FC236}">
-                <a16:creationId xmlns="" xmlns:a16="http://schemas.microsoft.com/office/drawing/2014/main" id="{62EEBF51-DCAD-4335-85E9-52801031A1BF}"/>
+                <a16:creationId xmlns:a16="http://schemas.microsoft.com/office/drawing/2014/main" xmlns="" id="{62EEBF51-DCAD-4335-85E9-52801031A1BF}"/>
               </a:ext>
             </a:extLst>
           </p:cNvPr>
@@ -11105,7 +11105,7 @@
           <p:cNvPr id="5" name="Slide Number Placeholder 4">
             <a:extLst>
               <a:ext uri="{FF2B5EF4-FFF2-40B4-BE49-F238E27FC236}">
-                <a16:creationId xmlns="" xmlns:a16="http://schemas.microsoft.com/office/drawing/2014/main" id="{87B51822-97FF-47A7-8E4E-A0F79B4EB237}"/>
+                <a16:creationId xmlns:a16="http://schemas.microsoft.com/office/drawing/2014/main" xmlns="" id="{87B51822-97FF-47A7-8E4E-A0F79B4EB237}"/>
               </a:ext>
             </a:extLst>
           </p:cNvPr>
@@ -11149,7 +11149,7 @@
           <p:cNvPr id="21" name="Text Placeholder 3">
             <a:extLst>
               <a:ext uri="{FF2B5EF4-FFF2-40B4-BE49-F238E27FC236}">
-                <a16:creationId xmlns="" xmlns:a16="http://schemas.microsoft.com/office/drawing/2014/main" id="{912B51EA-3E6F-4BF6-BE48-62128AF32B85}"/>
+                <a16:creationId xmlns:a16="http://schemas.microsoft.com/office/drawing/2014/main" xmlns="" id="{912B51EA-3E6F-4BF6-BE48-62128AF32B85}"/>
               </a:ext>
             </a:extLst>
           </p:cNvPr>
@@ -11225,7 +11225,7 @@
           <p:cNvPr id="22" name="Content Placeholder 2">
             <a:extLst>
               <a:ext uri="{FF2B5EF4-FFF2-40B4-BE49-F238E27FC236}">
-                <a16:creationId xmlns="" xmlns:a16="http://schemas.microsoft.com/office/drawing/2014/main" id="{A015C605-1D30-48BC-A0D6-3B11AF56CC53}"/>
+                <a16:creationId xmlns:a16="http://schemas.microsoft.com/office/drawing/2014/main" xmlns="" id="{A015C605-1D30-48BC-A0D6-3B11AF56CC53}"/>
               </a:ext>
             </a:extLst>
           </p:cNvPr>
@@ -11335,7 +11335,7 @@
     </p:spTree>
     <p:extLst>
       <p:ext uri="{BB962C8B-B14F-4D97-AF65-F5344CB8AC3E}">
-        <p14:creationId xmlns="" xmlns:p14="http://schemas.microsoft.com/office/powerpoint/2010/main" val="1212989540"/>
+        <p14:creationId xmlns:p14="http://schemas.microsoft.com/office/powerpoint/2010/main" xmlns="" val="1212989540"/>
       </p:ext>
     </p:extLst>
   </p:cSld>
@@ -11367,7 +11367,7 @@
           <p:cNvPr id="18" name="Rectangle 17">
             <a:extLst>
               <a:ext uri="{FF2B5EF4-FFF2-40B4-BE49-F238E27FC236}">
-                <a16:creationId xmlns="" xmlns:a16="http://schemas.microsoft.com/office/drawing/2014/main" id="{D4494CD2-CCDD-0248-96F8-741002C44255}"/>
+                <a16:creationId xmlns:a16="http://schemas.microsoft.com/office/drawing/2014/main" xmlns="" id="{D4494CD2-CCDD-0248-96F8-741002C44255}"/>
               </a:ext>
             </a:extLst>
           </p:cNvPr>
@@ -11421,7 +11421,7 @@
           <p:cNvPr id="19" name="Freeform: Shape 9">
             <a:extLst>
               <a:ext uri="{FF2B5EF4-FFF2-40B4-BE49-F238E27FC236}">
-                <a16:creationId xmlns="" xmlns:a16="http://schemas.microsoft.com/office/drawing/2014/main" id="{07077B00-C1EE-7241-B441-7814F92A7EDF}"/>
+                <a16:creationId xmlns:a16="http://schemas.microsoft.com/office/drawing/2014/main" xmlns="" id="{07077B00-C1EE-7241-B441-7814F92A7EDF}"/>
               </a:ext>
             </a:extLst>
           </p:cNvPr>
@@ -11544,7 +11544,7 @@
           <p:cNvPr id="20" name="Freeform: Shape 17">
             <a:extLst>
               <a:ext uri="{FF2B5EF4-FFF2-40B4-BE49-F238E27FC236}">
-                <a16:creationId xmlns="" xmlns:a16="http://schemas.microsoft.com/office/drawing/2014/main" id="{3A1AEBC4-637E-F64C-9192-69AC4BB26D0C}"/>
+                <a16:creationId xmlns:a16="http://schemas.microsoft.com/office/drawing/2014/main" xmlns="" id="{3A1AEBC4-637E-F64C-9192-69AC4BB26D0C}"/>
               </a:ext>
             </a:extLst>
           </p:cNvPr>
@@ -11696,7 +11696,7 @@
           <p:cNvPr id="21" name="Freeform: Shape 11">
             <a:extLst>
               <a:ext uri="{FF2B5EF4-FFF2-40B4-BE49-F238E27FC236}">
-                <a16:creationId xmlns="" xmlns:a16="http://schemas.microsoft.com/office/drawing/2014/main" id="{669A7039-C54C-8E46-9A8B-DDB2547D989C}"/>
+                <a16:creationId xmlns:a16="http://schemas.microsoft.com/office/drawing/2014/main" xmlns="" id="{669A7039-C54C-8E46-9A8B-DDB2547D989C}"/>
               </a:ext>
             </a:extLst>
           </p:cNvPr>
@@ -11846,7 +11846,7 @@
           <p:cNvPr id="22" name="Freeform: Shape 7">
             <a:extLst>
               <a:ext uri="{FF2B5EF4-FFF2-40B4-BE49-F238E27FC236}">
-                <a16:creationId xmlns="" xmlns:a16="http://schemas.microsoft.com/office/drawing/2014/main" id="{4F173B32-87BB-9A40-8C91-4C1EED2B7ABF}"/>
+                <a16:creationId xmlns:a16="http://schemas.microsoft.com/office/drawing/2014/main" xmlns="" id="{4F173B32-87BB-9A40-8C91-4C1EED2B7ABF}"/>
               </a:ext>
             </a:extLst>
           </p:cNvPr>
@@ -11992,7 +11992,7 @@
           <p:cNvPr id="24" name="Group 23">
             <a:extLst>
               <a:ext uri="{FF2B5EF4-FFF2-40B4-BE49-F238E27FC236}">
-                <a16:creationId xmlns="" xmlns:a16="http://schemas.microsoft.com/office/drawing/2014/main" id="{4AC87F4E-12B5-1B42-AFD2-4DB39B7645C9}"/>
+                <a16:creationId xmlns:a16="http://schemas.microsoft.com/office/drawing/2014/main" xmlns="" id="{4AC87F4E-12B5-1B42-AFD2-4DB39B7645C9}"/>
               </a:ext>
             </a:extLst>
           </p:cNvPr>
@@ -12012,7 +12012,7 @@
             <p:cNvPr id="25" name="Freeform: Shape 15">
               <a:extLst>
                 <a:ext uri="{FF2B5EF4-FFF2-40B4-BE49-F238E27FC236}">
-                  <a16:creationId xmlns="" xmlns:a16="http://schemas.microsoft.com/office/drawing/2014/main" id="{03DD8765-59DF-A045-ADB5-E39FAEE153A0}"/>
+                  <a16:creationId xmlns:a16="http://schemas.microsoft.com/office/drawing/2014/main" xmlns="" id="{03DD8765-59DF-A045-ADB5-E39FAEE153A0}"/>
                 </a:ext>
               </a:extLst>
             </p:cNvPr>
@@ -12102,7 +12102,7 @@
             <p:cNvPr id="26" name="Freeform: Shape 16">
               <a:extLst>
                 <a:ext uri="{FF2B5EF4-FFF2-40B4-BE49-F238E27FC236}">
-                  <a16:creationId xmlns="" xmlns:a16="http://schemas.microsoft.com/office/drawing/2014/main" id="{B34B796C-A407-7B4D-B4F0-E58A44FE8DB4}"/>
+                  <a16:creationId xmlns:a16="http://schemas.microsoft.com/office/drawing/2014/main" xmlns="" id="{B34B796C-A407-7B4D-B4F0-E58A44FE8DB4}"/>
                 </a:ext>
               </a:extLst>
             </p:cNvPr>
@@ -12201,7 +12201,7 @@
           <p:cNvPr id="30" name="Freeform: Shape 23">
             <a:extLst>
               <a:ext uri="{FF2B5EF4-FFF2-40B4-BE49-F238E27FC236}">
-                <a16:creationId xmlns="" xmlns:a16="http://schemas.microsoft.com/office/drawing/2014/main" id="{CBE3FDC9-67CB-FA42-B127-A36BFF4678BB}"/>
+                <a16:creationId xmlns:a16="http://schemas.microsoft.com/office/drawing/2014/main" xmlns="" id="{CBE3FDC9-67CB-FA42-B127-A36BFF4678BB}"/>
               </a:ext>
             </a:extLst>
           </p:cNvPr>
@@ -12296,7 +12296,7 @@
           <p:cNvPr id="31" name="Slide Number Placeholder 4">
             <a:extLst>
               <a:ext uri="{FF2B5EF4-FFF2-40B4-BE49-F238E27FC236}">
-                <a16:creationId xmlns="" xmlns:a16="http://schemas.microsoft.com/office/drawing/2014/main" id="{1E902BFF-CA8F-D745-A819-A7BB38B30ED9}"/>
+                <a16:creationId xmlns:a16="http://schemas.microsoft.com/office/drawing/2014/main" xmlns="" id="{1E902BFF-CA8F-D745-A819-A7BB38B30ED9}"/>
               </a:ext>
             </a:extLst>
           </p:cNvPr>
@@ -12338,7 +12338,7 @@
     </p:spTree>
     <p:extLst>
       <p:ext uri="{BB962C8B-B14F-4D97-AF65-F5344CB8AC3E}">
-        <p14:creationId xmlns="" xmlns:p14="http://schemas.microsoft.com/office/powerpoint/2010/main" val="2672304746"/>
+        <p14:creationId xmlns:p14="http://schemas.microsoft.com/office/powerpoint/2010/main" xmlns="" val="2672304746"/>
       </p:ext>
     </p:extLst>
   </p:cSld>
@@ -12370,7 +12370,7 @@
           <p:cNvPr id="21" name="Rectangle 20">
             <a:extLst>
               <a:ext uri="{FF2B5EF4-FFF2-40B4-BE49-F238E27FC236}">
-                <a16:creationId xmlns="" xmlns:a16="http://schemas.microsoft.com/office/drawing/2014/main" id="{6E739168-A5E8-443A-B392-7AD4CF8977AD}"/>
+                <a16:creationId xmlns:a16="http://schemas.microsoft.com/office/drawing/2014/main" xmlns="" id="{6E739168-A5E8-443A-B392-7AD4CF8977AD}"/>
               </a:ext>
             </a:extLst>
           </p:cNvPr>
@@ -12422,7 +12422,7 @@
           <p:cNvPr id="15" name="Freeform: Shape 14">
             <a:extLst>
               <a:ext uri="{FF2B5EF4-FFF2-40B4-BE49-F238E27FC236}">
-                <a16:creationId xmlns="" xmlns:a16="http://schemas.microsoft.com/office/drawing/2014/main" id="{41E10E1E-5268-4F03-BA64-07E19DE26739}"/>
+                <a16:creationId xmlns:a16="http://schemas.microsoft.com/office/drawing/2014/main" xmlns="" id="{41E10E1E-5268-4F03-BA64-07E19DE26739}"/>
               </a:ext>
             </a:extLst>
           </p:cNvPr>
@@ -12559,7 +12559,7 @@
           <p:cNvPr id="16" name="Freeform: Shape 15">
             <a:extLst>
               <a:ext uri="{FF2B5EF4-FFF2-40B4-BE49-F238E27FC236}">
-                <a16:creationId xmlns="" xmlns:a16="http://schemas.microsoft.com/office/drawing/2014/main" id="{B989C45D-BDFF-418F-BE79-03FF70015770}"/>
+                <a16:creationId xmlns:a16="http://schemas.microsoft.com/office/drawing/2014/main" xmlns="" id="{B989C45D-BDFF-418F-BE79-03FF70015770}"/>
               </a:ext>
             </a:extLst>
           </p:cNvPr>
@@ -12723,7 +12723,7 @@
           <p:cNvPr id="20" name="Freeform: Shape 19">
             <a:extLst>
               <a:ext uri="{FF2B5EF4-FFF2-40B4-BE49-F238E27FC236}">
-                <a16:creationId xmlns="" xmlns:a16="http://schemas.microsoft.com/office/drawing/2014/main" id="{0027A677-9ACB-4264-B148-4806678FB83F}"/>
+                <a16:creationId xmlns:a16="http://schemas.microsoft.com/office/drawing/2014/main" xmlns="" id="{0027A677-9ACB-4264-B148-4806678FB83F}"/>
               </a:ext>
             </a:extLst>
           </p:cNvPr>
@@ -12885,7 +12885,7 @@
           <p:cNvPr id="6" name="Group 5">
             <a:extLst>
               <a:ext uri="{FF2B5EF4-FFF2-40B4-BE49-F238E27FC236}">
-                <a16:creationId xmlns="" xmlns:a16="http://schemas.microsoft.com/office/drawing/2014/main" id="{EA7FF9D7-8545-4547-AC77-A0421EEB9B99}"/>
+                <a16:creationId xmlns:a16="http://schemas.microsoft.com/office/drawing/2014/main" xmlns="" id="{EA7FF9D7-8545-4547-AC77-A0421EEB9B99}"/>
               </a:ext>
             </a:extLst>
           </p:cNvPr>
@@ -12905,7 +12905,7 @@
             <p:cNvPr id="17" name="Right Triangle 16">
               <a:extLst>
                 <a:ext uri="{FF2B5EF4-FFF2-40B4-BE49-F238E27FC236}">
-                  <a16:creationId xmlns="" xmlns:a16="http://schemas.microsoft.com/office/drawing/2014/main" id="{8DCD5806-2A2F-4ABF-8057-245681C498E6}"/>
+                  <a16:creationId xmlns:a16="http://schemas.microsoft.com/office/drawing/2014/main" xmlns="" id="{8DCD5806-2A2F-4ABF-8057-245681C498E6}"/>
                 </a:ext>
               </a:extLst>
             </p:cNvPr>
@@ -12959,7 +12959,7 @@
             <p:cNvPr id="18" name="Right Triangle 17">
               <a:extLst>
                 <a:ext uri="{FF2B5EF4-FFF2-40B4-BE49-F238E27FC236}">
-                  <a16:creationId xmlns="" xmlns:a16="http://schemas.microsoft.com/office/drawing/2014/main" id="{3A93038F-E9E4-4FFD-B3DF-28DB7C2C1490}"/>
+                  <a16:creationId xmlns:a16="http://schemas.microsoft.com/office/drawing/2014/main" xmlns="" id="{3A93038F-E9E4-4FFD-B3DF-28DB7C2C1490}"/>
                 </a:ext>
               </a:extLst>
             </p:cNvPr>
@@ -13016,7 +13016,7 @@
             <p:cNvPr id="19" name="Right Triangle 18">
               <a:extLst>
                 <a:ext uri="{FF2B5EF4-FFF2-40B4-BE49-F238E27FC236}">
-                  <a16:creationId xmlns="" xmlns:a16="http://schemas.microsoft.com/office/drawing/2014/main" id="{5DEA1E02-BBD0-4AE3-AF22-433B90272178}"/>
+                  <a16:creationId xmlns:a16="http://schemas.microsoft.com/office/drawing/2014/main" xmlns="" id="{5DEA1E02-BBD0-4AE3-AF22-433B90272178}"/>
                 </a:ext>
               </a:extLst>
             </p:cNvPr>
@@ -13071,7 +13071,7 @@
           <p:cNvPr id="2" name="Title 1">
             <a:extLst>
               <a:ext uri="{FF2B5EF4-FFF2-40B4-BE49-F238E27FC236}">
-                <a16:creationId xmlns="" xmlns:a16="http://schemas.microsoft.com/office/drawing/2014/main" id="{9E597736-C478-4C26-9BAF-205FE31E977C}"/>
+                <a16:creationId xmlns:a16="http://schemas.microsoft.com/office/drawing/2014/main" xmlns="" id="{9E597736-C478-4C26-9BAF-205FE31E977C}"/>
               </a:ext>
             </a:extLst>
           </p:cNvPr>
@@ -13116,7 +13116,7 @@
     </p:spTree>
     <p:extLst>
       <p:ext uri="{BB962C8B-B14F-4D97-AF65-F5344CB8AC3E}">
-        <p14:creationId xmlns="" xmlns:p14="http://schemas.microsoft.com/office/powerpoint/2010/main" val="2236386145"/>
+        <p14:creationId xmlns:p14="http://schemas.microsoft.com/office/powerpoint/2010/main" xmlns="" val="2236386145"/>
       </p:ext>
     </p:extLst>
   </p:cSld>
@@ -13148,7 +13148,7 @@
           <p:cNvPr id="21" name="Rectangle 20">
             <a:extLst>
               <a:ext uri="{FF2B5EF4-FFF2-40B4-BE49-F238E27FC236}">
-                <a16:creationId xmlns="" xmlns:a16="http://schemas.microsoft.com/office/drawing/2014/main" id="{6E739168-A5E8-443A-B392-7AD4CF8977AD}"/>
+                <a16:creationId xmlns:a16="http://schemas.microsoft.com/office/drawing/2014/main" xmlns="" id="{6E739168-A5E8-443A-B392-7AD4CF8977AD}"/>
               </a:ext>
             </a:extLst>
           </p:cNvPr>
@@ -13200,7 +13200,7 @@
           <p:cNvPr id="15" name="Freeform: Shape 14">
             <a:extLst>
               <a:ext uri="{FF2B5EF4-FFF2-40B4-BE49-F238E27FC236}">
-                <a16:creationId xmlns="" xmlns:a16="http://schemas.microsoft.com/office/drawing/2014/main" id="{41E10E1E-5268-4F03-BA64-07E19DE26739}"/>
+                <a16:creationId xmlns:a16="http://schemas.microsoft.com/office/drawing/2014/main" xmlns="" id="{41E10E1E-5268-4F03-BA64-07E19DE26739}"/>
               </a:ext>
             </a:extLst>
           </p:cNvPr>
@@ -13337,7 +13337,7 @@
           <p:cNvPr id="16" name="Freeform: Shape 15">
             <a:extLst>
               <a:ext uri="{FF2B5EF4-FFF2-40B4-BE49-F238E27FC236}">
-                <a16:creationId xmlns="" xmlns:a16="http://schemas.microsoft.com/office/drawing/2014/main" id="{B989C45D-BDFF-418F-BE79-03FF70015770}"/>
+                <a16:creationId xmlns:a16="http://schemas.microsoft.com/office/drawing/2014/main" xmlns="" id="{B989C45D-BDFF-418F-BE79-03FF70015770}"/>
               </a:ext>
             </a:extLst>
           </p:cNvPr>
@@ -13501,7 +13501,7 @@
           <p:cNvPr id="20" name="Freeform: Shape 19">
             <a:extLst>
               <a:ext uri="{FF2B5EF4-FFF2-40B4-BE49-F238E27FC236}">
-                <a16:creationId xmlns="" xmlns:a16="http://schemas.microsoft.com/office/drawing/2014/main" id="{0027A677-9ACB-4264-B148-4806678FB83F}"/>
+                <a16:creationId xmlns:a16="http://schemas.microsoft.com/office/drawing/2014/main" xmlns="" id="{0027A677-9ACB-4264-B148-4806678FB83F}"/>
               </a:ext>
             </a:extLst>
           </p:cNvPr>
@@ -13663,7 +13663,7 @@
           <p:cNvPr id="2" name="Title 1">
             <a:extLst>
               <a:ext uri="{FF2B5EF4-FFF2-40B4-BE49-F238E27FC236}">
-                <a16:creationId xmlns="" xmlns:a16="http://schemas.microsoft.com/office/drawing/2014/main" id="{9E597736-C478-4C26-9BAF-205FE31E977C}"/>
+                <a16:creationId xmlns:a16="http://schemas.microsoft.com/office/drawing/2014/main" xmlns="" id="{9E597736-C478-4C26-9BAF-205FE31E977C}"/>
               </a:ext>
             </a:extLst>
           </p:cNvPr>
@@ -13710,7 +13710,7 @@
           <p:cNvPr id="35" name="Freeform: Shape 34">
             <a:extLst>
               <a:ext uri="{FF2B5EF4-FFF2-40B4-BE49-F238E27FC236}">
-                <a16:creationId xmlns="" xmlns:a16="http://schemas.microsoft.com/office/drawing/2014/main" id="{C024DCDB-C6BF-455E-AAB8-EAF9DAB302A1}"/>
+                <a16:creationId xmlns:a16="http://schemas.microsoft.com/office/drawing/2014/main" xmlns="" id="{C024DCDB-C6BF-455E-AAB8-EAF9DAB302A1}"/>
               </a:ext>
             </a:extLst>
           </p:cNvPr>
@@ -13818,7 +13818,7 @@
           <p:cNvPr id="32" name="Freeform: Shape 31">
             <a:extLst>
               <a:ext uri="{FF2B5EF4-FFF2-40B4-BE49-F238E27FC236}">
-                <a16:creationId xmlns="" xmlns:a16="http://schemas.microsoft.com/office/drawing/2014/main" id="{26AFB47A-5D51-4F9C-B01B-977CE5E3C093}"/>
+                <a16:creationId xmlns:a16="http://schemas.microsoft.com/office/drawing/2014/main" xmlns="" id="{26AFB47A-5D51-4F9C-B01B-977CE5E3C093}"/>
               </a:ext>
             </a:extLst>
           </p:cNvPr>
@@ -13934,7 +13934,7 @@
           <p:cNvPr id="30" name="Freeform: Shape 29">
             <a:extLst>
               <a:ext uri="{FF2B5EF4-FFF2-40B4-BE49-F238E27FC236}">
-                <a16:creationId xmlns="" xmlns:a16="http://schemas.microsoft.com/office/drawing/2014/main" id="{6997A4FF-7390-4173-8ACD-6CF7145AACEC}"/>
+                <a16:creationId xmlns:a16="http://schemas.microsoft.com/office/drawing/2014/main" xmlns="" id="{6997A4FF-7390-4173-8ACD-6CF7145AACEC}"/>
               </a:ext>
             </a:extLst>
           </p:cNvPr>
@@ -14041,7 +14041,7 @@
     </p:spTree>
     <p:extLst>
       <p:ext uri="{BB962C8B-B14F-4D97-AF65-F5344CB8AC3E}">
-        <p14:creationId xmlns="" xmlns:p14="http://schemas.microsoft.com/office/powerpoint/2010/main" val="1218518015"/>
+        <p14:creationId xmlns:p14="http://schemas.microsoft.com/office/powerpoint/2010/main" xmlns="" val="1218518015"/>
       </p:ext>
     </p:extLst>
   </p:cSld>
@@ -14073,7 +14073,7 @@
           <p:cNvPr id="7" name="Rectangle 6">
             <a:extLst>
               <a:ext uri="{FF2B5EF4-FFF2-40B4-BE49-F238E27FC236}">
-                <a16:creationId xmlns="" xmlns:a16="http://schemas.microsoft.com/office/drawing/2014/main" id="{B2838D16-809E-4EB1-8C0C-0E63D8139112}"/>
+                <a16:creationId xmlns:a16="http://schemas.microsoft.com/office/drawing/2014/main" xmlns="" id="{B2838D16-809E-4EB1-8C0C-0E63D8139112}"/>
               </a:ext>
             </a:extLst>
           </p:cNvPr>
@@ -14125,7 +14125,7 @@
           <p:cNvPr id="8" name="Freeform: Shape 7">
             <a:extLst>
               <a:ext uri="{FF2B5EF4-FFF2-40B4-BE49-F238E27FC236}">
-                <a16:creationId xmlns="" xmlns:a16="http://schemas.microsoft.com/office/drawing/2014/main" id="{01FEB333-94B4-4E53-9019-D584810903BB}"/>
+                <a16:creationId xmlns:a16="http://schemas.microsoft.com/office/drawing/2014/main" xmlns="" id="{01FEB333-94B4-4E53-9019-D584810903BB}"/>
               </a:ext>
             </a:extLst>
           </p:cNvPr>
@@ -14246,7 +14246,7 @@
           <p:cNvPr id="9" name="Freeform: Shape 8">
             <a:extLst>
               <a:ext uri="{FF2B5EF4-FFF2-40B4-BE49-F238E27FC236}">
-                <a16:creationId xmlns="" xmlns:a16="http://schemas.microsoft.com/office/drawing/2014/main" id="{A59B9489-0CD9-4DB7-AC82-6E7867F91403}"/>
+                <a16:creationId xmlns:a16="http://schemas.microsoft.com/office/drawing/2014/main" xmlns="" id="{A59B9489-0CD9-4DB7-AC82-6E7867F91403}"/>
               </a:ext>
             </a:extLst>
           </p:cNvPr>
@@ -14386,7 +14386,7 @@
           <p:cNvPr id="10" name="Right Triangle 9">
             <a:extLst>
               <a:ext uri="{FF2B5EF4-FFF2-40B4-BE49-F238E27FC236}">
-                <a16:creationId xmlns="" xmlns:a16="http://schemas.microsoft.com/office/drawing/2014/main" id="{A55D1C76-C591-4FA5-9780-87AB6B37C0FA}"/>
+                <a16:creationId xmlns:a16="http://schemas.microsoft.com/office/drawing/2014/main" xmlns="" id="{A55D1C76-C591-4FA5-9780-87AB6B37C0FA}"/>
               </a:ext>
             </a:extLst>
           </p:cNvPr>
@@ -14440,7 +14440,7 @@
           <p:cNvPr id="11" name="Freeform: Shape 10">
             <a:extLst>
               <a:ext uri="{FF2B5EF4-FFF2-40B4-BE49-F238E27FC236}">
-                <a16:creationId xmlns="" xmlns:a16="http://schemas.microsoft.com/office/drawing/2014/main" id="{A7DC1D12-670F-4235-8791-FA8C2B330871}"/>
+                <a16:creationId xmlns:a16="http://schemas.microsoft.com/office/drawing/2014/main" xmlns="" id="{A7DC1D12-670F-4235-8791-FA8C2B330871}"/>
               </a:ext>
             </a:extLst>
           </p:cNvPr>
@@ -14586,7 +14586,7 @@
           <p:cNvPr id="12" name="Freeform: Shape 11">
             <a:extLst>
               <a:ext uri="{FF2B5EF4-FFF2-40B4-BE49-F238E27FC236}">
-                <a16:creationId xmlns="" xmlns:a16="http://schemas.microsoft.com/office/drawing/2014/main" id="{859569CF-FDAC-47C4-A0F5-296F7117C398}"/>
+                <a16:creationId xmlns:a16="http://schemas.microsoft.com/office/drawing/2014/main" xmlns="" id="{859569CF-FDAC-47C4-A0F5-296F7117C398}"/>
               </a:ext>
             </a:extLst>
           </p:cNvPr>
@@ -14686,7 +14686,7 @@
           <p:cNvPr id="13" name="Freeform: Shape 12">
             <a:extLst>
               <a:ext uri="{FF2B5EF4-FFF2-40B4-BE49-F238E27FC236}">
-                <a16:creationId xmlns="" xmlns:a16="http://schemas.microsoft.com/office/drawing/2014/main" id="{D68D0C72-2B2C-4C85-A091-157853C71784}"/>
+                <a16:creationId xmlns:a16="http://schemas.microsoft.com/office/drawing/2014/main" xmlns="" id="{D68D0C72-2B2C-4C85-A091-157853C71784}"/>
               </a:ext>
             </a:extLst>
           </p:cNvPr>
@@ -14794,7 +14794,7 @@
           <p:cNvPr id="14" name="Freeform: Shape 13">
             <a:extLst>
               <a:ext uri="{FF2B5EF4-FFF2-40B4-BE49-F238E27FC236}">
-                <a16:creationId xmlns="" xmlns:a16="http://schemas.microsoft.com/office/drawing/2014/main" id="{8E25334A-5FE3-4DDA-8D32-4796CCFCAA74}"/>
+                <a16:creationId xmlns:a16="http://schemas.microsoft.com/office/drawing/2014/main" xmlns="" id="{8E25334A-5FE3-4DDA-8D32-4796CCFCAA74}"/>
               </a:ext>
             </a:extLst>
           </p:cNvPr>
@@ -14886,7 +14886,7 @@
           <p:cNvPr id="15" name="Freeform: Shape 14">
             <a:extLst>
               <a:ext uri="{FF2B5EF4-FFF2-40B4-BE49-F238E27FC236}">
-                <a16:creationId xmlns="" xmlns:a16="http://schemas.microsoft.com/office/drawing/2014/main" id="{18818DF1-D7FD-4C0F-875D-7A07E8F75C06}"/>
+                <a16:creationId xmlns:a16="http://schemas.microsoft.com/office/drawing/2014/main" xmlns="" id="{18818DF1-D7FD-4C0F-875D-7A07E8F75C06}"/>
               </a:ext>
             </a:extLst>
           </p:cNvPr>
@@ -14986,7 +14986,7 @@
           <p:cNvPr id="16" name="Group 15">
             <a:extLst>
               <a:ext uri="{FF2B5EF4-FFF2-40B4-BE49-F238E27FC236}">
-                <a16:creationId xmlns="" xmlns:a16="http://schemas.microsoft.com/office/drawing/2014/main" id="{8F9BB384-9E14-4CEA-82C1-21837229D3EF}"/>
+                <a16:creationId xmlns:a16="http://schemas.microsoft.com/office/drawing/2014/main" xmlns="" id="{8F9BB384-9E14-4CEA-82C1-21837229D3EF}"/>
               </a:ext>
             </a:extLst>
           </p:cNvPr>
@@ -15006,7 +15006,7 @@
             <p:cNvPr id="17" name="Freeform: Shape 16">
               <a:extLst>
                 <a:ext uri="{FF2B5EF4-FFF2-40B4-BE49-F238E27FC236}">
-                  <a16:creationId xmlns="" xmlns:a16="http://schemas.microsoft.com/office/drawing/2014/main" id="{0862A81A-959D-4EAB-90ED-DB20759BB397}"/>
+                  <a16:creationId xmlns:a16="http://schemas.microsoft.com/office/drawing/2014/main" xmlns="" id="{0862A81A-959D-4EAB-90ED-DB20759BB397}"/>
                 </a:ext>
               </a:extLst>
             </p:cNvPr>
@@ -15096,7 +15096,7 @@
             <p:cNvPr id="18" name="Freeform: Shape 17">
               <a:extLst>
                 <a:ext uri="{FF2B5EF4-FFF2-40B4-BE49-F238E27FC236}">
-                  <a16:creationId xmlns="" xmlns:a16="http://schemas.microsoft.com/office/drawing/2014/main" id="{AAB9E28C-9422-42BD-AECE-29B44B5D63E2}"/>
+                  <a16:creationId xmlns:a16="http://schemas.microsoft.com/office/drawing/2014/main" xmlns="" id="{AAB9E28C-9422-42BD-AECE-29B44B5D63E2}"/>
                 </a:ext>
               </a:extLst>
             </p:cNvPr>
@@ -15195,7 +15195,7 @@
           <p:cNvPr id="19" name="Group 18">
             <a:extLst>
               <a:ext uri="{FF2B5EF4-FFF2-40B4-BE49-F238E27FC236}">
-                <a16:creationId xmlns="" xmlns:a16="http://schemas.microsoft.com/office/drawing/2014/main" id="{2772239B-C46D-4458-BB4B-DDB12FAB0172}"/>
+                <a16:creationId xmlns:a16="http://schemas.microsoft.com/office/drawing/2014/main" xmlns="" id="{2772239B-C46D-4458-BB4B-DDB12FAB0172}"/>
               </a:ext>
             </a:extLst>
           </p:cNvPr>
@@ -15215,7 +15215,7 @@
             <p:cNvPr id="20" name="Freeform: Shape 19">
               <a:extLst>
                 <a:ext uri="{FF2B5EF4-FFF2-40B4-BE49-F238E27FC236}">
-                  <a16:creationId xmlns="" xmlns:a16="http://schemas.microsoft.com/office/drawing/2014/main" id="{3C8A2A1A-1FB9-4CA1-B74E-B293187E51AA}"/>
+                  <a16:creationId xmlns:a16="http://schemas.microsoft.com/office/drawing/2014/main" xmlns="" id="{3C8A2A1A-1FB9-4CA1-B74E-B293187E51AA}"/>
                 </a:ext>
               </a:extLst>
             </p:cNvPr>
@@ -15305,7 +15305,7 @@
             <p:cNvPr id="21" name="Freeform: Shape 20">
               <a:extLst>
                 <a:ext uri="{FF2B5EF4-FFF2-40B4-BE49-F238E27FC236}">
-                  <a16:creationId xmlns="" xmlns:a16="http://schemas.microsoft.com/office/drawing/2014/main" id="{DF2B18BA-6B43-40FA-A23B-D894D6AB468B}"/>
+                  <a16:creationId xmlns:a16="http://schemas.microsoft.com/office/drawing/2014/main" xmlns="" id="{DF2B18BA-6B43-40FA-A23B-D894D6AB468B}"/>
                 </a:ext>
               </a:extLst>
             </p:cNvPr>
@@ -15404,7 +15404,7 @@
           <p:cNvPr id="3" name="Text Placeholder 2">
             <a:extLst>
               <a:ext uri="{FF2B5EF4-FFF2-40B4-BE49-F238E27FC236}">
-                <a16:creationId xmlns="" xmlns:a16="http://schemas.microsoft.com/office/drawing/2014/main" id="{5E194264-A3F5-42E2-9A63-DCCED0457E1B}"/>
+                <a16:creationId xmlns:a16="http://schemas.microsoft.com/office/drawing/2014/main" xmlns="" id="{5E194264-A3F5-42E2-9A63-DCCED0457E1B}"/>
               </a:ext>
             </a:extLst>
           </p:cNvPr>
@@ -15454,7 +15454,7 @@
           <p:cNvPr id="22" name="Slide Number Placeholder 4">
             <a:extLst>
               <a:ext uri="{FF2B5EF4-FFF2-40B4-BE49-F238E27FC236}">
-                <a16:creationId xmlns="" xmlns:a16="http://schemas.microsoft.com/office/drawing/2014/main" id="{0F332671-6296-47C8-BF26-B2D962F5D03D}"/>
+                <a16:creationId xmlns:a16="http://schemas.microsoft.com/office/drawing/2014/main" xmlns="" id="{0F332671-6296-47C8-BF26-B2D962F5D03D}"/>
               </a:ext>
             </a:extLst>
           </p:cNvPr>
@@ -15498,7 +15498,7 @@
           <p:cNvPr id="23" name="Title 1">
             <a:extLst>
               <a:ext uri="{FF2B5EF4-FFF2-40B4-BE49-F238E27FC236}">
-                <a16:creationId xmlns="" xmlns:a16="http://schemas.microsoft.com/office/drawing/2014/main" id="{7772A652-7229-2B42-B87B-298C31D6F0CB}"/>
+                <a16:creationId xmlns:a16="http://schemas.microsoft.com/office/drawing/2014/main" xmlns="" id="{7772A652-7229-2B42-B87B-298C31D6F0CB}"/>
               </a:ext>
             </a:extLst>
           </p:cNvPr>
@@ -15541,7 +15541,7 @@
     </p:spTree>
     <p:extLst>
       <p:ext uri="{BB962C8B-B14F-4D97-AF65-F5344CB8AC3E}">
-        <p14:creationId xmlns="" xmlns:p14="http://schemas.microsoft.com/office/powerpoint/2010/main" val="1675197494"/>
+        <p14:creationId xmlns:p14="http://schemas.microsoft.com/office/powerpoint/2010/main" xmlns="" val="1675197494"/>
       </p:ext>
     </p:extLst>
   </p:cSld>
@@ -15573,7 +15573,7 @@
           <p:cNvPr id="22" name="Rectangle 21">
             <a:extLst>
               <a:ext uri="{FF2B5EF4-FFF2-40B4-BE49-F238E27FC236}">
-                <a16:creationId xmlns="" xmlns:a16="http://schemas.microsoft.com/office/drawing/2014/main" id="{2CDBB6E5-B91E-4946-9390-E8693855103A}"/>
+                <a16:creationId xmlns:a16="http://schemas.microsoft.com/office/drawing/2014/main" xmlns="" id="{2CDBB6E5-B91E-4946-9390-E8693855103A}"/>
               </a:ext>
             </a:extLst>
           </p:cNvPr>
@@ -15627,7 +15627,7 @@
           <p:cNvPr id="34" name="Freeform: Shape 33">
             <a:extLst>
               <a:ext uri="{FF2B5EF4-FFF2-40B4-BE49-F238E27FC236}">
-                <a16:creationId xmlns="" xmlns:a16="http://schemas.microsoft.com/office/drawing/2014/main" id="{0C3CC1C9-1FA0-4FE4-8984-4A8B3728D674}"/>
+                <a16:creationId xmlns:a16="http://schemas.microsoft.com/office/drawing/2014/main" xmlns="" id="{0C3CC1C9-1FA0-4FE4-8984-4A8B3728D674}"/>
               </a:ext>
             </a:extLst>
           </p:cNvPr>
@@ -15772,7 +15772,7 @@
           <p:cNvPr id="24" name="Freeform: Shape 23">
             <a:extLst>
               <a:ext uri="{FF2B5EF4-FFF2-40B4-BE49-F238E27FC236}">
-                <a16:creationId xmlns="" xmlns:a16="http://schemas.microsoft.com/office/drawing/2014/main" id="{8E049265-431E-48DE-B7F7-4959930171DC}"/>
+                <a16:creationId xmlns:a16="http://schemas.microsoft.com/office/drawing/2014/main" xmlns="" id="{8E049265-431E-48DE-B7F7-4959930171DC}"/>
               </a:ext>
             </a:extLst>
           </p:cNvPr>
@@ -15912,7 +15912,7 @@
           <p:cNvPr id="25" name="Freeform: Shape 24">
             <a:extLst>
               <a:ext uri="{FF2B5EF4-FFF2-40B4-BE49-F238E27FC236}">
-                <a16:creationId xmlns="" xmlns:a16="http://schemas.microsoft.com/office/drawing/2014/main" id="{173E5F2D-1F8E-4DCC-857F-932C6C6539BB}"/>
+                <a16:creationId xmlns:a16="http://schemas.microsoft.com/office/drawing/2014/main" xmlns="" id="{173E5F2D-1F8E-4DCC-857F-932C6C6539BB}"/>
               </a:ext>
             </a:extLst>
           </p:cNvPr>
@@ -16058,7 +16058,7 @@
           <p:cNvPr id="26" name="Group 25">
             <a:extLst>
               <a:ext uri="{FF2B5EF4-FFF2-40B4-BE49-F238E27FC236}">
-                <a16:creationId xmlns="" xmlns:a16="http://schemas.microsoft.com/office/drawing/2014/main" id="{E9318B2B-E019-4078-9EF0-C9D6281AE31B}"/>
+                <a16:creationId xmlns:a16="http://schemas.microsoft.com/office/drawing/2014/main" xmlns="" id="{E9318B2B-E019-4078-9EF0-C9D6281AE31B}"/>
               </a:ext>
             </a:extLst>
           </p:cNvPr>
@@ -16078,7 +16078,7 @@
             <p:cNvPr id="27" name="Freeform: Shape 26">
               <a:extLst>
                 <a:ext uri="{FF2B5EF4-FFF2-40B4-BE49-F238E27FC236}">
-                  <a16:creationId xmlns="" xmlns:a16="http://schemas.microsoft.com/office/drawing/2014/main" id="{D3E625C0-9656-421F-861F-67C8F93362ED}"/>
+                  <a16:creationId xmlns:a16="http://schemas.microsoft.com/office/drawing/2014/main" xmlns="" id="{D3E625C0-9656-421F-861F-67C8F93362ED}"/>
                 </a:ext>
               </a:extLst>
             </p:cNvPr>
@@ -16178,7 +16178,7 @@
             <p:cNvPr id="28" name="Freeform: Shape 27">
               <a:extLst>
                 <a:ext uri="{FF2B5EF4-FFF2-40B4-BE49-F238E27FC236}">
-                  <a16:creationId xmlns="" xmlns:a16="http://schemas.microsoft.com/office/drawing/2014/main" id="{49F8E490-C6E3-4D00-866F-CD85DD88996E}"/>
+                  <a16:creationId xmlns:a16="http://schemas.microsoft.com/office/drawing/2014/main" xmlns="" id="{49F8E490-C6E3-4D00-866F-CD85DD88996E}"/>
                 </a:ext>
               </a:extLst>
             </p:cNvPr>
@@ -16287,7 +16287,7 @@
           <p:cNvPr id="29" name="Freeform: Shape 28">
             <a:extLst>
               <a:ext uri="{FF2B5EF4-FFF2-40B4-BE49-F238E27FC236}">
-                <a16:creationId xmlns="" xmlns:a16="http://schemas.microsoft.com/office/drawing/2014/main" id="{EE8F5B31-1523-46AE-9455-C33DFC1BDDE0}"/>
+                <a16:creationId xmlns:a16="http://schemas.microsoft.com/office/drawing/2014/main" xmlns="" id="{EE8F5B31-1523-46AE-9455-C33DFC1BDDE0}"/>
               </a:ext>
             </a:extLst>
           </p:cNvPr>
@@ -16379,7 +16379,7 @@
           <p:cNvPr id="30" name="Freeform: Shape 29">
             <a:extLst>
               <a:ext uri="{FF2B5EF4-FFF2-40B4-BE49-F238E27FC236}">
-                <a16:creationId xmlns="" xmlns:a16="http://schemas.microsoft.com/office/drawing/2014/main" id="{5D17048F-C2E1-4775-BC32-50BD6219F89D}"/>
+                <a16:creationId xmlns:a16="http://schemas.microsoft.com/office/drawing/2014/main" xmlns="" id="{5D17048F-C2E1-4775-BC32-50BD6219F89D}"/>
               </a:ext>
             </a:extLst>
           </p:cNvPr>
@@ -16479,7 +16479,7 @@
           <p:cNvPr id="31" name="Group 30">
             <a:extLst>
               <a:ext uri="{FF2B5EF4-FFF2-40B4-BE49-F238E27FC236}">
-                <a16:creationId xmlns="" xmlns:a16="http://schemas.microsoft.com/office/drawing/2014/main" id="{EAB002AA-4848-49C8-A834-036F860C79A3}"/>
+                <a16:creationId xmlns:a16="http://schemas.microsoft.com/office/drawing/2014/main" xmlns="" id="{EAB002AA-4848-49C8-A834-036F860C79A3}"/>
               </a:ext>
             </a:extLst>
           </p:cNvPr>
@@ -16499,7 +16499,7 @@
             <p:cNvPr id="32" name="Freeform: Shape 31">
               <a:extLst>
                 <a:ext uri="{FF2B5EF4-FFF2-40B4-BE49-F238E27FC236}">
-                  <a16:creationId xmlns="" xmlns:a16="http://schemas.microsoft.com/office/drawing/2014/main" id="{14B187A8-7F8D-469D-A03B-4F835A5746DE}"/>
+                  <a16:creationId xmlns:a16="http://schemas.microsoft.com/office/drawing/2014/main" xmlns="" id="{14B187A8-7F8D-469D-A03B-4F835A5746DE}"/>
                 </a:ext>
               </a:extLst>
             </p:cNvPr>
@@ -16589,7 +16589,7 @@
             <p:cNvPr id="33" name="Freeform: Shape 32">
               <a:extLst>
                 <a:ext uri="{FF2B5EF4-FFF2-40B4-BE49-F238E27FC236}">
-                  <a16:creationId xmlns="" xmlns:a16="http://schemas.microsoft.com/office/drawing/2014/main" id="{03D871D1-A11A-48FB-82A8-8D61AB5CB85C}"/>
+                  <a16:creationId xmlns:a16="http://schemas.microsoft.com/office/drawing/2014/main" xmlns="" id="{03D871D1-A11A-48FB-82A8-8D61AB5CB85C}"/>
                 </a:ext>
               </a:extLst>
             </p:cNvPr>
@@ -16688,7 +16688,7 @@
           <p:cNvPr id="2" name="Title 1">
             <a:extLst>
               <a:ext uri="{FF2B5EF4-FFF2-40B4-BE49-F238E27FC236}">
-                <a16:creationId xmlns="" xmlns:a16="http://schemas.microsoft.com/office/drawing/2014/main" id="{42374B20-3E42-44AF-BEF1-8AB33067395C}"/>
+                <a16:creationId xmlns:a16="http://schemas.microsoft.com/office/drawing/2014/main" xmlns="" id="{42374B20-3E42-44AF-BEF1-8AB33067395C}"/>
               </a:ext>
             </a:extLst>
           </p:cNvPr>
@@ -16733,7 +16733,7 @@
           <p:cNvPr id="3" name="Text Placeholder 2">
             <a:extLst>
               <a:ext uri="{FF2B5EF4-FFF2-40B4-BE49-F238E27FC236}">
-                <a16:creationId xmlns="" xmlns:a16="http://schemas.microsoft.com/office/drawing/2014/main" id="{5E194264-A3F5-42E2-9A63-DCCED0457E1B}"/>
+                <a16:creationId xmlns:a16="http://schemas.microsoft.com/office/drawing/2014/main" xmlns="" id="{5E194264-A3F5-42E2-9A63-DCCED0457E1B}"/>
               </a:ext>
             </a:extLst>
           </p:cNvPr>
@@ -16783,7 +16783,7 @@
           <p:cNvPr id="35" name="Slide Number Placeholder 4">
             <a:extLst>
               <a:ext uri="{FF2B5EF4-FFF2-40B4-BE49-F238E27FC236}">
-                <a16:creationId xmlns="" xmlns:a16="http://schemas.microsoft.com/office/drawing/2014/main" id="{6F73F836-940E-4B65-A29C-D0869263C935}"/>
+                <a16:creationId xmlns:a16="http://schemas.microsoft.com/office/drawing/2014/main" xmlns="" id="{6F73F836-940E-4B65-A29C-D0869263C935}"/>
               </a:ext>
             </a:extLst>
           </p:cNvPr>
@@ -16825,7 +16825,7 @@
     </p:spTree>
     <p:extLst>
       <p:ext uri="{BB962C8B-B14F-4D97-AF65-F5344CB8AC3E}">
-        <p14:creationId xmlns="" xmlns:p14="http://schemas.microsoft.com/office/powerpoint/2010/main" val="3511478827"/>
+        <p14:creationId xmlns:p14="http://schemas.microsoft.com/office/powerpoint/2010/main" xmlns="" val="3511478827"/>
       </p:ext>
     </p:extLst>
   </p:cSld>
@@ -16857,7 +16857,7 @@
           <p:cNvPr id="22" name="Rectangle 21">
             <a:extLst>
               <a:ext uri="{FF2B5EF4-FFF2-40B4-BE49-F238E27FC236}">
-                <a16:creationId xmlns="" xmlns:a16="http://schemas.microsoft.com/office/drawing/2014/main" id="{2CDBB6E5-B91E-4946-9390-E8693855103A}"/>
+                <a16:creationId xmlns:a16="http://schemas.microsoft.com/office/drawing/2014/main" xmlns="" id="{2CDBB6E5-B91E-4946-9390-E8693855103A}"/>
               </a:ext>
             </a:extLst>
           </p:cNvPr>
@@ -16911,7 +16911,7 @@
           <p:cNvPr id="34" name="Freeform: Shape 33">
             <a:extLst>
               <a:ext uri="{FF2B5EF4-FFF2-40B4-BE49-F238E27FC236}">
-                <a16:creationId xmlns="" xmlns:a16="http://schemas.microsoft.com/office/drawing/2014/main" id="{0C3CC1C9-1FA0-4FE4-8984-4A8B3728D674}"/>
+                <a16:creationId xmlns:a16="http://schemas.microsoft.com/office/drawing/2014/main" xmlns="" id="{0C3CC1C9-1FA0-4FE4-8984-4A8B3728D674}"/>
               </a:ext>
             </a:extLst>
           </p:cNvPr>
@@ -17056,7 +17056,7 @@
           <p:cNvPr id="24" name="Freeform: Shape 23">
             <a:extLst>
               <a:ext uri="{FF2B5EF4-FFF2-40B4-BE49-F238E27FC236}">
-                <a16:creationId xmlns="" xmlns:a16="http://schemas.microsoft.com/office/drawing/2014/main" id="{8E049265-431E-48DE-B7F7-4959930171DC}"/>
+                <a16:creationId xmlns:a16="http://schemas.microsoft.com/office/drawing/2014/main" xmlns="" id="{8E049265-431E-48DE-B7F7-4959930171DC}"/>
               </a:ext>
             </a:extLst>
           </p:cNvPr>
@@ -17196,7 +17196,7 @@
           <p:cNvPr id="25" name="Freeform: Shape 24">
             <a:extLst>
               <a:ext uri="{FF2B5EF4-FFF2-40B4-BE49-F238E27FC236}">
-                <a16:creationId xmlns="" xmlns:a16="http://schemas.microsoft.com/office/drawing/2014/main" id="{173E5F2D-1F8E-4DCC-857F-932C6C6539BB}"/>
+                <a16:creationId xmlns:a16="http://schemas.microsoft.com/office/drawing/2014/main" xmlns="" id="{173E5F2D-1F8E-4DCC-857F-932C6C6539BB}"/>
               </a:ext>
             </a:extLst>
           </p:cNvPr>
@@ -17342,7 +17342,7 @@
           <p:cNvPr id="4" name="Oval 3">
             <a:extLst>
               <a:ext uri="{FF2B5EF4-FFF2-40B4-BE49-F238E27FC236}">
-                <a16:creationId xmlns="" xmlns:a16="http://schemas.microsoft.com/office/drawing/2014/main" id="{ECB4C115-EFF9-405C-98BE-F4077B9730D0}"/>
+                <a16:creationId xmlns:a16="http://schemas.microsoft.com/office/drawing/2014/main" xmlns="" id="{ECB4C115-EFF9-405C-98BE-F4077B9730D0}"/>
               </a:ext>
             </a:extLst>
           </p:cNvPr>
@@ -17400,7 +17400,7 @@
           <p:cNvPr id="18" name="Title 1">
             <a:extLst>
               <a:ext uri="{FF2B5EF4-FFF2-40B4-BE49-F238E27FC236}">
-                <a16:creationId xmlns="" xmlns:a16="http://schemas.microsoft.com/office/drawing/2014/main" id="{C9A300DD-BB54-44ED-A7E4-01CD41EC930F}"/>
+                <a16:creationId xmlns:a16="http://schemas.microsoft.com/office/drawing/2014/main" xmlns="" id="{C9A300DD-BB54-44ED-A7E4-01CD41EC930F}"/>
               </a:ext>
             </a:extLst>
           </p:cNvPr>
@@ -17463,7 +17463,7 @@
           <p:cNvPr id="2" name="Title 1">
             <a:extLst>
               <a:ext uri="{FF2B5EF4-FFF2-40B4-BE49-F238E27FC236}">
-                <a16:creationId xmlns="" xmlns:a16="http://schemas.microsoft.com/office/drawing/2014/main" id="{42374B20-3E42-44AF-BEF1-8AB33067395C}"/>
+                <a16:creationId xmlns:a16="http://schemas.microsoft.com/office/drawing/2014/main" xmlns="" id="{42374B20-3E42-44AF-BEF1-8AB33067395C}"/>
               </a:ext>
             </a:extLst>
           </p:cNvPr>
@@ -17511,7 +17511,7 @@
           <p:cNvPr id="19" name="Slide Number Placeholder 4">
             <a:extLst>
               <a:ext uri="{FF2B5EF4-FFF2-40B4-BE49-F238E27FC236}">
-                <a16:creationId xmlns="" xmlns:a16="http://schemas.microsoft.com/office/drawing/2014/main" id="{A4E6C1FF-5925-42B3-B7F9-0A0031BDAD30}"/>
+                <a16:creationId xmlns:a16="http://schemas.microsoft.com/office/drawing/2014/main" xmlns="" id="{A4E6C1FF-5925-42B3-B7F9-0A0031BDAD30}"/>
               </a:ext>
             </a:extLst>
           </p:cNvPr>
@@ -17553,7 +17553,7 @@
     </p:spTree>
     <p:extLst>
       <p:ext uri="{BB962C8B-B14F-4D97-AF65-F5344CB8AC3E}">
-        <p14:creationId xmlns="" xmlns:p14="http://schemas.microsoft.com/office/powerpoint/2010/main" val="1753169891"/>
+        <p14:creationId xmlns:p14="http://schemas.microsoft.com/office/powerpoint/2010/main" xmlns="" val="1753169891"/>
       </p:ext>
     </p:extLst>
   </p:cSld>
@@ -17593,7 +17593,7 @@
           <p:cNvPr id="11" name="Rectangle 10">
             <a:extLst>
               <a:ext uri="{FF2B5EF4-FFF2-40B4-BE49-F238E27FC236}">
-                <a16:creationId xmlns="" xmlns:a16="http://schemas.microsoft.com/office/drawing/2014/main" id="{EB3E033F-4449-40FA-BC85-BD2712D313DD}"/>
+                <a16:creationId xmlns:a16="http://schemas.microsoft.com/office/drawing/2014/main" xmlns="" id="{EB3E033F-4449-40FA-BC85-BD2712D313DD}"/>
               </a:ext>
             </a:extLst>
           </p:cNvPr>
@@ -17647,7 +17647,7 @@
           <p:cNvPr id="10" name="Freeform: Shape 9">
             <a:extLst>
               <a:ext uri="{FF2B5EF4-FFF2-40B4-BE49-F238E27FC236}">
-                <a16:creationId xmlns="" xmlns:a16="http://schemas.microsoft.com/office/drawing/2014/main" id="{63D26743-0505-444C-80B3-E88EE87DF72B}"/>
+                <a16:creationId xmlns:a16="http://schemas.microsoft.com/office/drawing/2014/main" xmlns="" id="{63D26743-0505-444C-80B3-E88EE87DF72B}"/>
               </a:ext>
             </a:extLst>
           </p:cNvPr>
@@ -17770,7 +17770,7 @@
           <p:cNvPr id="8" name="Freeform: Shape 7">
             <a:extLst>
               <a:ext uri="{FF2B5EF4-FFF2-40B4-BE49-F238E27FC236}">
-                <a16:creationId xmlns="" xmlns:a16="http://schemas.microsoft.com/office/drawing/2014/main" id="{1599AF7E-3E34-4597-AA72-9373A7FDB020}"/>
+                <a16:creationId xmlns:a16="http://schemas.microsoft.com/office/drawing/2014/main" xmlns="" id="{1599AF7E-3E34-4597-AA72-9373A7FDB020}"/>
               </a:ext>
             </a:extLst>
           </p:cNvPr>
@@ -17916,7 +17916,7 @@
           <p:cNvPr id="2" name="Title 1">
             <a:extLst>
               <a:ext uri="{FF2B5EF4-FFF2-40B4-BE49-F238E27FC236}">
-                <a16:creationId xmlns="" xmlns:a16="http://schemas.microsoft.com/office/drawing/2014/main" id="{4A2DF563-7FAC-46B3-B24C-7E45CD89DA2B}"/>
+                <a16:creationId xmlns:a16="http://schemas.microsoft.com/office/drawing/2014/main" xmlns="" id="{4A2DF563-7FAC-46B3-B24C-7E45CD89DA2B}"/>
               </a:ext>
             </a:extLst>
           </p:cNvPr>
@@ -17961,7 +17961,7 @@
           <p:cNvPr id="5" name="Slide Number Placeholder 4">
             <a:extLst>
               <a:ext uri="{FF2B5EF4-FFF2-40B4-BE49-F238E27FC236}">
-                <a16:creationId xmlns="" xmlns:a16="http://schemas.microsoft.com/office/drawing/2014/main" id="{87B51822-97FF-47A7-8E4E-A0F79B4EB237}"/>
+                <a16:creationId xmlns:a16="http://schemas.microsoft.com/office/drawing/2014/main" xmlns="" id="{87B51822-97FF-47A7-8E4E-A0F79B4EB237}"/>
               </a:ext>
             </a:extLst>
           </p:cNvPr>
@@ -18005,7 +18005,7 @@
           <p:cNvPr id="15" name="Group 14">
             <a:extLst>
               <a:ext uri="{FF2B5EF4-FFF2-40B4-BE49-F238E27FC236}">
-                <a16:creationId xmlns="" xmlns:a16="http://schemas.microsoft.com/office/drawing/2014/main" id="{7732E1E7-45E3-4264-8F26-66758696DD1E}"/>
+                <a16:creationId xmlns:a16="http://schemas.microsoft.com/office/drawing/2014/main" xmlns="" id="{7732E1E7-45E3-4264-8F26-66758696DD1E}"/>
               </a:ext>
             </a:extLst>
           </p:cNvPr>
@@ -18025,7 +18025,7 @@
             <p:cNvPr id="16" name="Freeform: Shape 15">
               <a:extLst>
                 <a:ext uri="{FF2B5EF4-FFF2-40B4-BE49-F238E27FC236}">
-                  <a16:creationId xmlns="" xmlns:a16="http://schemas.microsoft.com/office/drawing/2014/main" id="{2E3DF883-8093-49FA-81E1-E5D77F086A25}"/>
+                  <a16:creationId xmlns:a16="http://schemas.microsoft.com/office/drawing/2014/main" xmlns="" id="{2E3DF883-8093-49FA-81E1-E5D77F086A25}"/>
                 </a:ext>
               </a:extLst>
             </p:cNvPr>
@@ -18115,7 +18115,7 @@
             <p:cNvPr id="17" name="Freeform: Shape 16">
               <a:extLst>
                 <a:ext uri="{FF2B5EF4-FFF2-40B4-BE49-F238E27FC236}">
-                  <a16:creationId xmlns="" xmlns:a16="http://schemas.microsoft.com/office/drawing/2014/main" id="{18944C90-37E5-4BBE-89FF-060627168050}"/>
+                  <a16:creationId xmlns:a16="http://schemas.microsoft.com/office/drawing/2014/main" xmlns="" id="{18944C90-37E5-4BBE-89FF-060627168050}"/>
                 </a:ext>
               </a:extLst>
             </p:cNvPr>
@@ -18214,7 +18214,7 @@
           <p:cNvPr id="23" name="Text Placeholder 22">
             <a:extLst>
               <a:ext uri="{FF2B5EF4-FFF2-40B4-BE49-F238E27FC236}">
-                <a16:creationId xmlns="" xmlns:a16="http://schemas.microsoft.com/office/drawing/2014/main" id="{03618670-D1E4-466C-BDB5-FC890AC31457}"/>
+                <a16:creationId xmlns:a16="http://schemas.microsoft.com/office/drawing/2014/main" xmlns="" id="{03618670-D1E4-466C-BDB5-FC890AC31457}"/>
               </a:ext>
             </a:extLst>
           </p:cNvPr>
@@ -18335,7 +18335,7 @@
     </p:spTree>
     <p:extLst>
       <p:ext uri="{BB962C8B-B14F-4D97-AF65-F5344CB8AC3E}">
-        <p14:creationId xmlns="" xmlns:p14="http://schemas.microsoft.com/office/powerpoint/2010/main" val="274574868"/>
+        <p14:creationId xmlns:p14="http://schemas.microsoft.com/office/powerpoint/2010/main" xmlns="" val="274574868"/>
       </p:ext>
     </p:extLst>
   </p:cSld>
@@ -18375,7 +18375,7 @@
           <p:cNvPr id="11" name="Rectangle 10">
             <a:extLst>
               <a:ext uri="{FF2B5EF4-FFF2-40B4-BE49-F238E27FC236}">
-                <a16:creationId xmlns="" xmlns:a16="http://schemas.microsoft.com/office/drawing/2014/main" id="{EB3E033F-4449-40FA-BC85-BD2712D313DD}"/>
+                <a16:creationId xmlns:a16="http://schemas.microsoft.com/office/drawing/2014/main" xmlns="" id="{EB3E033F-4449-40FA-BC85-BD2712D313DD}"/>
               </a:ext>
             </a:extLst>
           </p:cNvPr>
@@ -18429,7 +18429,7 @@
           <p:cNvPr id="10" name="Freeform: Shape 9">
             <a:extLst>
               <a:ext uri="{FF2B5EF4-FFF2-40B4-BE49-F238E27FC236}">
-                <a16:creationId xmlns="" xmlns:a16="http://schemas.microsoft.com/office/drawing/2014/main" id="{63D26743-0505-444C-80B3-E88EE87DF72B}"/>
+                <a16:creationId xmlns:a16="http://schemas.microsoft.com/office/drawing/2014/main" xmlns="" id="{63D26743-0505-444C-80B3-E88EE87DF72B}"/>
               </a:ext>
             </a:extLst>
           </p:cNvPr>
@@ -18552,7 +18552,7 @@
           <p:cNvPr id="18" name="Freeform: Shape 17">
             <a:extLst>
               <a:ext uri="{FF2B5EF4-FFF2-40B4-BE49-F238E27FC236}">
-                <a16:creationId xmlns="" xmlns:a16="http://schemas.microsoft.com/office/drawing/2014/main" id="{E37145E9-AC61-47D5-9288-8789940F81B6}"/>
+                <a16:creationId xmlns:a16="http://schemas.microsoft.com/office/drawing/2014/main" xmlns="" id="{E37145E9-AC61-47D5-9288-8789940F81B6}"/>
               </a:ext>
             </a:extLst>
           </p:cNvPr>
@@ -18704,7 +18704,7 @@
           <p:cNvPr id="12" name="Freeform: Shape 11">
             <a:extLst>
               <a:ext uri="{FF2B5EF4-FFF2-40B4-BE49-F238E27FC236}">
-                <a16:creationId xmlns="" xmlns:a16="http://schemas.microsoft.com/office/drawing/2014/main" id="{A5E2B3ED-9A49-40A7-B8A3-62595FE513F9}"/>
+                <a16:creationId xmlns:a16="http://schemas.microsoft.com/office/drawing/2014/main" xmlns="" id="{A5E2B3ED-9A49-40A7-B8A3-62595FE513F9}"/>
               </a:ext>
             </a:extLst>
           </p:cNvPr>
@@ -18854,7 +18854,7 @@
           <p:cNvPr id="8" name="Freeform: Shape 7">
             <a:extLst>
               <a:ext uri="{FF2B5EF4-FFF2-40B4-BE49-F238E27FC236}">
-                <a16:creationId xmlns="" xmlns:a16="http://schemas.microsoft.com/office/drawing/2014/main" id="{1599AF7E-3E34-4597-AA72-9373A7FDB020}"/>
+                <a16:creationId xmlns:a16="http://schemas.microsoft.com/office/drawing/2014/main" xmlns="" id="{1599AF7E-3E34-4597-AA72-9373A7FDB020}"/>
               </a:ext>
             </a:extLst>
           </p:cNvPr>
@@ -19000,7 +19000,7 @@
           <p:cNvPr id="2" name="Title 1">
             <a:extLst>
               <a:ext uri="{FF2B5EF4-FFF2-40B4-BE49-F238E27FC236}">
-                <a16:creationId xmlns="" xmlns:a16="http://schemas.microsoft.com/office/drawing/2014/main" id="{4A2DF563-7FAC-46B3-B24C-7E45CD89DA2B}"/>
+                <a16:creationId xmlns:a16="http://schemas.microsoft.com/office/drawing/2014/main" xmlns="" id="{4A2DF563-7FAC-46B3-B24C-7E45CD89DA2B}"/>
               </a:ext>
             </a:extLst>
           </p:cNvPr>
@@ -19045,7 +19045,7 @@
           <p:cNvPr id="15" name="Group 14">
             <a:extLst>
               <a:ext uri="{FF2B5EF4-FFF2-40B4-BE49-F238E27FC236}">
-                <a16:creationId xmlns="" xmlns:a16="http://schemas.microsoft.com/office/drawing/2014/main" id="{7732E1E7-45E3-4264-8F26-66758696DD1E}"/>
+                <a16:creationId xmlns:a16="http://schemas.microsoft.com/office/drawing/2014/main" xmlns="" id="{7732E1E7-45E3-4264-8F26-66758696DD1E}"/>
               </a:ext>
             </a:extLst>
           </p:cNvPr>
@@ -19065,7 +19065,7 @@
             <p:cNvPr id="16" name="Freeform: Shape 15">
               <a:extLst>
                 <a:ext uri="{FF2B5EF4-FFF2-40B4-BE49-F238E27FC236}">
-                  <a16:creationId xmlns="" xmlns:a16="http://schemas.microsoft.com/office/drawing/2014/main" id="{2E3DF883-8093-49FA-81E1-E5D77F086A25}"/>
+                  <a16:creationId xmlns:a16="http://schemas.microsoft.com/office/drawing/2014/main" xmlns="" id="{2E3DF883-8093-49FA-81E1-E5D77F086A25}"/>
                 </a:ext>
               </a:extLst>
             </p:cNvPr>
@@ -19155,7 +19155,7 @@
             <p:cNvPr id="17" name="Freeform: Shape 16">
               <a:extLst>
                 <a:ext uri="{FF2B5EF4-FFF2-40B4-BE49-F238E27FC236}">
-                  <a16:creationId xmlns="" xmlns:a16="http://schemas.microsoft.com/office/drawing/2014/main" id="{18944C90-37E5-4BBE-89FF-060627168050}"/>
+                  <a16:creationId xmlns:a16="http://schemas.microsoft.com/office/drawing/2014/main" xmlns="" id="{18944C90-37E5-4BBE-89FF-060627168050}"/>
                 </a:ext>
               </a:extLst>
             </p:cNvPr>
@@ -19254,7 +19254,7 @@
           <p:cNvPr id="6" name="Group 5">
             <a:extLst>
               <a:ext uri="{FF2B5EF4-FFF2-40B4-BE49-F238E27FC236}">
-                <a16:creationId xmlns="" xmlns:a16="http://schemas.microsoft.com/office/drawing/2014/main" id="{D9EBF8BB-A805-4DDB-B459-082F99815B95}"/>
+                <a16:creationId xmlns:a16="http://schemas.microsoft.com/office/drawing/2014/main" xmlns="" id="{D9EBF8BB-A805-4DDB-B459-082F99815B95}"/>
               </a:ext>
             </a:extLst>
           </p:cNvPr>
@@ -19274,7 +19274,7 @@
             <p:cNvPr id="19" name="Rectangle: Single Corner Snipped 18">
               <a:extLst>
                 <a:ext uri="{FF2B5EF4-FFF2-40B4-BE49-F238E27FC236}">
-                  <a16:creationId xmlns="" xmlns:a16="http://schemas.microsoft.com/office/drawing/2014/main" id="{5D638788-DD47-45E7-939A-FA108A818173}"/>
+                  <a16:creationId xmlns:a16="http://schemas.microsoft.com/office/drawing/2014/main" xmlns="" id="{5D638788-DD47-45E7-939A-FA108A818173}"/>
                 </a:ext>
               </a:extLst>
             </p:cNvPr>
@@ -19340,7 +19340,7 @@
             <p:cNvPr id="3" name="Rectangle: Single Corner Snipped 2">
               <a:extLst>
                 <a:ext uri="{FF2B5EF4-FFF2-40B4-BE49-F238E27FC236}">
-                  <a16:creationId xmlns="" xmlns:a16="http://schemas.microsoft.com/office/drawing/2014/main" id="{74BDECEF-EEFE-4332-B3B2-BDE4F82C10FC}"/>
+                  <a16:creationId xmlns:a16="http://schemas.microsoft.com/office/drawing/2014/main" xmlns="" id="{74BDECEF-EEFE-4332-B3B2-BDE4F82C10FC}"/>
                 </a:ext>
               </a:extLst>
             </p:cNvPr>
@@ -19397,7 +19397,7 @@
           <p:cNvPr id="24" name="Freeform: Shape 23">
             <a:extLst>
               <a:ext uri="{FF2B5EF4-FFF2-40B4-BE49-F238E27FC236}">
-                <a16:creationId xmlns="" xmlns:a16="http://schemas.microsoft.com/office/drawing/2014/main" id="{18103E00-7E4A-44CD-81AC-06433CAE1110}"/>
+                <a16:creationId xmlns:a16="http://schemas.microsoft.com/office/drawing/2014/main" xmlns="" id="{18103E00-7E4A-44CD-81AC-06433CAE1110}"/>
               </a:ext>
             </a:extLst>
           </p:cNvPr>
@@ -19492,7 +19492,7 @@
           <p:cNvPr id="5" name="Slide Number Placeholder 4">
             <a:extLst>
               <a:ext uri="{FF2B5EF4-FFF2-40B4-BE49-F238E27FC236}">
-                <a16:creationId xmlns="" xmlns:a16="http://schemas.microsoft.com/office/drawing/2014/main" id="{87B51822-97FF-47A7-8E4E-A0F79B4EB237}"/>
+                <a16:creationId xmlns:a16="http://schemas.microsoft.com/office/drawing/2014/main" xmlns="" id="{87B51822-97FF-47A7-8E4E-A0F79B4EB237}"/>
               </a:ext>
             </a:extLst>
           </p:cNvPr>
@@ -19534,7 +19534,7 @@
     </p:spTree>
     <p:extLst>
       <p:ext uri="{BB962C8B-B14F-4D97-AF65-F5344CB8AC3E}">
-        <p14:creationId xmlns="" xmlns:p14="http://schemas.microsoft.com/office/powerpoint/2010/main" val="4073704932"/>
+        <p14:creationId xmlns:p14="http://schemas.microsoft.com/office/powerpoint/2010/main" xmlns="" val="4073704932"/>
       </p:ext>
     </p:extLst>
   </p:cSld>
@@ -19574,7 +19574,7 @@
           <p:cNvPr id="11" name="Rectangle 10">
             <a:extLst>
               <a:ext uri="{FF2B5EF4-FFF2-40B4-BE49-F238E27FC236}">
-                <a16:creationId xmlns="" xmlns:a16="http://schemas.microsoft.com/office/drawing/2014/main" id="{EB3E033F-4449-40FA-BC85-BD2712D313DD}"/>
+                <a16:creationId xmlns:a16="http://schemas.microsoft.com/office/drawing/2014/main" xmlns="" id="{EB3E033F-4449-40FA-BC85-BD2712D313DD}"/>
               </a:ext>
             </a:extLst>
           </p:cNvPr>
@@ -19628,7 +19628,7 @@
           <p:cNvPr id="10" name="Freeform: Shape 9">
             <a:extLst>
               <a:ext uri="{FF2B5EF4-FFF2-40B4-BE49-F238E27FC236}">
-                <a16:creationId xmlns="" xmlns:a16="http://schemas.microsoft.com/office/drawing/2014/main" id="{63D26743-0505-444C-80B3-E88EE87DF72B}"/>
+                <a16:creationId xmlns:a16="http://schemas.microsoft.com/office/drawing/2014/main" xmlns="" id="{63D26743-0505-444C-80B3-E88EE87DF72B}"/>
               </a:ext>
             </a:extLst>
           </p:cNvPr>
@@ -19751,7 +19751,7 @@
           <p:cNvPr id="18" name="Freeform: Shape 17">
             <a:extLst>
               <a:ext uri="{FF2B5EF4-FFF2-40B4-BE49-F238E27FC236}">
-                <a16:creationId xmlns="" xmlns:a16="http://schemas.microsoft.com/office/drawing/2014/main" id="{E37145E9-AC61-47D5-9288-8789940F81B6}"/>
+                <a16:creationId xmlns:a16="http://schemas.microsoft.com/office/drawing/2014/main" xmlns="" id="{E37145E9-AC61-47D5-9288-8789940F81B6}"/>
               </a:ext>
             </a:extLst>
           </p:cNvPr>
@@ -19903,7 +19903,7 @@
           <p:cNvPr id="12" name="Freeform: Shape 11">
             <a:extLst>
               <a:ext uri="{FF2B5EF4-FFF2-40B4-BE49-F238E27FC236}">
-                <a16:creationId xmlns="" xmlns:a16="http://schemas.microsoft.com/office/drawing/2014/main" id="{A5E2B3ED-9A49-40A7-B8A3-62595FE513F9}"/>
+                <a16:creationId xmlns:a16="http://schemas.microsoft.com/office/drawing/2014/main" xmlns="" id="{A5E2B3ED-9A49-40A7-B8A3-62595FE513F9}"/>
               </a:ext>
             </a:extLst>
           </p:cNvPr>
@@ -20053,7 +20053,7 @@
           <p:cNvPr id="8" name="Freeform: Shape 7">
             <a:extLst>
               <a:ext uri="{FF2B5EF4-FFF2-40B4-BE49-F238E27FC236}">
-                <a16:creationId xmlns="" xmlns:a16="http://schemas.microsoft.com/office/drawing/2014/main" id="{1599AF7E-3E34-4597-AA72-9373A7FDB020}"/>
+                <a16:creationId xmlns:a16="http://schemas.microsoft.com/office/drawing/2014/main" xmlns="" id="{1599AF7E-3E34-4597-AA72-9373A7FDB020}"/>
               </a:ext>
             </a:extLst>
           </p:cNvPr>
@@ -20199,7 +20199,7 @@
           <p:cNvPr id="2" name="Title 1">
             <a:extLst>
               <a:ext uri="{FF2B5EF4-FFF2-40B4-BE49-F238E27FC236}">
-                <a16:creationId xmlns="" xmlns:a16="http://schemas.microsoft.com/office/drawing/2014/main" id="{4A2DF563-7FAC-46B3-B24C-7E45CD89DA2B}"/>
+                <a16:creationId xmlns:a16="http://schemas.microsoft.com/office/drawing/2014/main" xmlns="" id="{4A2DF563-7FAC-46B3-B24C-7E45CD89DA2B}"/>
               </a:ext>
             </a:extLst>
           </p:cNvPr>
@@ -20244,7 +20244,7 @@
           <p:cNvPr id="15" name="Group 14">
             <a:extLst>
               <a:ext uri="{FF2B5EF4-FFF2-40B4-BE49-F238E27FC236}">
-                <a16:creationId xmlns="" xmlns:a16="http://schemas.microsoft.com/office/drawing/2014/main" id="{7732E1E7-45E3-4264-8F26-66758696DD1E}"/>
+                <a16:creationId xmlns:a16="http://schemas.microsoft.com/office/drawing/2014/main" xmlns="" id="{7732E1E7-45E3-4264-8F26-66758696DD1E}"/>
               </a:ext>
             </a:extLst>
           </p:cNvPr>
@@ -20264,7 +20264,7 @@
             <p:cNvPr id="16" name="Freeform: Shape 15">
               <a:extLst>
                 <a:ext uri="{FF2B5EF4-FFF2-40B4-BE49-F238E27FC236}">
-                  <a16:creationId xmlns="" xmlns:a16="http://schemas.microsoft.com/office/drawing/2014/main" id="{2E3DF883-8093-49FA-81E1-E5D77F086A25}"/>
+                  <a16:creationId xmlns:a16="http://schemas.microsoft.com/office/drawing/2014/main" xmlns="" id="{2E3DF883-8093-49FA-81E1-E5D77F086A25}"/>
                 </a:ext>
               </a:extLst>
             </p:cNvPr>
@@ -20354,7 +20354,7 @@
             <p:cNvPr id="17" name="Freeform: Shape 16">
               <a:extLst>
                 <a:ext uri="{FF2B5EF4-FFF2-40B4-BE49-F238E27FC236}">
-                  <a16:creationId xmlns="" xmlns:a16="http://schemas.microsoft.com/office/drawing/2014/main" id="{18944C90-37E5-4BBE-89FF-060627168050}"/>
+                  <a16:creationId xmlns:a16="http://schemas.microsoft.com/office/drawing/2014/main" xmlns="" id="{18944C90-37E5-4BBE-89FF-060627168050}"/>
                 </a:ext>
               </a:extLst>
             </p:cNvPr>
@@ -20453,7 +20453,7 @@
           <p:cNvPr id="6" name="Group 5">
             <a:extLst>
               <a:ext uri="{FF2B5EF4-FFF2-40B4-BE49-F238E27FC236}">
-                <a16:creationId xmlns="" xmlns:a16="http://schemas.microsoft.com/office/drawing/2014/main" id="{D9EBF8BB-A805-4DDB-B459-082F99815B95}"/>
+                <a16:creationId xmlns:a16="http://schemas.microsoft.com/office/drawing/2014/main" xmlns="" id="{D9EBF8BB-A805-4DDB-B459-082F99815B95}"/>
               </a:ext>
             </a:extLst>
           </p:cNvPr>
@@ -20473,7 +20473,7 @@
             <p:cNvPr id="19" name="Rectangle: Single Corner Snipped 18">
               <a:extLst>
                 <a:ext uri="{FF2B5EF4-FFF2-40B4-BE49-F238E27FC236}">
-                  <a16:creationId xmlns="" xmlns:a16="http://schemas.microsoft.com/office/drawing/2014/main" id="{5D638788-DD47-45E7-939A-FA108A818173}"/>
+                  <a16:creationId xmlns:a16="http://schemas.microsoft.com/office/drawing/2014/main" xmlns="" id="{5D638788-DD47-45E7-939A-FA108A818173}"/>
                 </a:ext>
               </a:extLst>
             </p:cNvPr>
@@ -20539,7 +20539,7 @@
             <p:cNvPr id="3" name="Rectangle: Single Corner Snipped 2">
               <a:extLst>
                 <a:ext uri="{FF2B5EF4-FFF2-40B4-BE49-F238E27FC236}">
-                  <a16:creationId xmlns="" xmlns:a16="http://schemas.microsoft.com/office/drawing/2014/main" id="{74BDECEF-EEFE-4332-B3B2-BDE4F82C10FC}"/>
+                  <a16:creationId xmlns:a16="http://schemas.microsoft.com/office/drawing/2014/main" xmlns="" id="{74BDECEF-EEFE-4332-B3B2-BDE4F82C10FC}"/>
                 </a:ext>
               </a:extLst>
             </p:cNvPr>
@@ -20596,7 +20596,7 @@
           <p:cNvPr id="24" name="Freeform: Shape 23">
             <a:extLst>
               <a:ext uri="{FF2B5EF4-FFF2-40B4-BE49-F238E27FC236}">
-                <a16:creationId xmlns="" xmlns:a16="http://schemas.microsoft.com/office/drawing/2014/main" id="{18103E00-7E4A-44CD-81AC-06433CAE1110}"/>
+                <a16:creationId xmlns:a16="http://schemas.microsoft.com/office/drawing/2014/main" xmlns="" id="{18103E00-7E4A-44CD-81AC-06433CAE1110}"/>
               </a:ext>
             </a:extLst>
           </p:cNvPr>
@@ -20691,7 +20691,7 @@
           <p:cNvPr id="5" name="Slide Number Placeholder 4">
             <a:extLst>
               <a:ext uri="{FF2B5EF4-FFF2-40B4-BE49-F238E27FC236}">
-                <a16:creationId xmlns="" xmlns:a16="http://schemas.microsoft.com/office/drawing/2014/main" id="{87B51822-97FF-47A7-8E4E-A0F79B4EB237}"/>
+                <a16:creationId xmlns:a16="http://schemas.microsoft.com/office/drawing/2014/main" xmlns="" id="{87B51822-97FF-47A7-8E4E-A0F79B4EB237}"/>
               </a:ext>
             </a:extLst>
           </p:cNvPr>
@@ -20735,7 +20735,7 @@
           <p:cNvPr id="7" name="Text Placeholder 6">
             <a:extLst>
               <a:ext uri="{FF2B5EF4-FFF2-40B4-BE49-F238E27FC236}">
-                <a16:creationId xmlns="" xmlns:a16="http://schemas.microsoft.com/office/drawing/2014/main" id="{7E0C167E-2626-40DB-AACF-D02543E29BB3}"/>
+                <a16:creationId xmlns:a16="http://schemas.microsoft.com/office/drawing/2014/main" xmlns="" id="{7E0C167E-2626-40DB-AACF-D02543E29BB3}"/>
               </a:ext>
             </a:extLst>
           </p:cNvPr>
@@ -20778,7 +20778,7 @@
     </p:spTree>
     <p:extLst>
       <p:ext uri="{BB962C8B-B14F-4D97-AF65-F5344CB8AC3E}">
-        <p14:creationId xmlns="" xmlns:p14="http://schemas.microsoft.com/office/powerpoint/2010/main" val="2904744868"/>
+        <p14:creationId xmlns:p14="http://schemas.microsoft.com/office/powerpoint/2010/main" xmlns="" val="2904744868"/>
       </p:ext>
     </p:extLst>
   </p:cSld>
@@ -20818,7 +20818,7 @@
           <p:cNvPr id="11" name="Rectangle 10">
             <a:extLst>
               <a:ext uri="{FF2B5EF4-FFF2-40B4-BE49-F238E27FC236}">
-                <a16:creationId xmlns="" xmlns:a16="http://schemas.microsoft.com/office/drawing/2014/main" id="{EB3E033F-4449-40FA-BC85-BD2712D313DD}"/>
+                <a16:creationId xmlns:a16="http://schemas.microsoft.com/office/drawing/2014/main" xmlns="" id="{EB3E033F-4449-40FA-BC85-BD2712D313DD}"/>
               </a:ext>
             </a:extLst>
           </p:cNvPr>
@@ -20872,7 +20872,7 @@
           <p:cNvPr id="10" name="Freeform: Shape 9">
             <a:extLst>
               <a:ext uri="{FF2B5EF4-FFF2-40B4-BE49-F238E27FC236}">
-                <a16:creationId xmlns="" xmlns:a16="http://schemas.microsoft.com/office/drawing/2014/main" id="{63D26743-0505-444C-80B3-E88EE87DF72B}"/>
+                <a16:creationId xmlns:a16="http://schemas.microsoft.com/office/drawing/2014/main" xmlns="" id="{63D26743-0505-444C-80B3-E88EE87DF72B}"/>
               </a:ext>
             </a:extLst>
           </p:cNvPr>
@@ -20995,7 +20995,7 @@
           <p:cNvPr id="18" name="Freeform: Shape 17">
             <a:extLst>
               <a:ext uri="{FF2B5EF4-FFF2-40B4-BE49-F238E27FC236}">
-                <a16:creationId xmlns="" xmlns:a16="http://schemas.microsoft.com/office/drawing/2014/main" id="{E37145E9-AC61-47D5-9288-8789940F81B6}"/>
+                <a16:creationId xmlns:a16="http://schemas.microsoft.com/office/drawing/2014/main" xmlns="" id="{E37145E9-AC61-47D5-9288-8789940F81B6}"/>
               </a:ext>
             </a:extLst>
           </p:cNvPr>
@@ -21147,7 +21147,7 @@
           <p:cNvPr id="12" name="Freeform: Shape 11">
             <a:extLst>
               <a:ext uri="{FF2B5EF4-FFF2-40B4-BE49-F238E27FC236}">
-                <a16:creationId xmlns="" xmlns:a16="http://schemas.microsoft.com/office/drawing/2014/main" id="{A5E2B3ED-9A49-40A7-B8A3-62595FE513F9}"/>
+                <a16:creationId xmlns:a16="http://schemas.microsoft.com/office/drawing/2014/main" xmlns="" id="{A5E2B3ED-9A49-40A7-B8A3-62595FE513F9}"/>
               </a:ext>
             </a:extLst>
           </p:cNvPr>
@@ -21297,7 +21297,7 @@
           <p:cNvPr id="8" name="Freeform: Shape 7">
             <a:extLst>
               <a:ext uri="{FF2B5EF4-FFF2-40B4-BE49-F238E27FC236}">
-                <a16:creationId xmlns="" xmlns:a16="http://schemas.microsoft.com/office/drawing/2014/main" id="{1599AF7E-3E34-4597-AA72-9373A7FDB020}"/>
+                <a16:creationId xmlns:a16="http://schemas.microsoft.com/office/drawing/2014/main" xmlns="" id="{1599AF7E-3E34-4597-AA72-9373A7FDB020}"/>
               </a:ext>
             </a:extLst>
           </p:cNvPr>
@@ -21443,7 +21443,7 @@
           <p:cNvPr id="2" name="Title 1">
             <a:extLst>
               <a:ext uri="{FF2B5EF4-FFF2-40B4-BE49-F238E27FC236}">
-                <a16:creationId xmlns="" xmlns:a16="http://schemas.microsoft.com/office/drawing/2014/main" id="{4A2DF563-7FAC-46B3-B24C-7E45CD89DA2B}"/>
+                <a16:creationId xmlns:a16="http://schemas.microsoft.com/office/drawing/2014/main" xmlns="" id="{4A2DF563-7FAC-46B3-B24C-7E45CD89DA2B}"/>
               </a:ext>
             </a:extLst>
           </p:cNvPr>
@@ -21488,7 +21488,7 @@
           <p:cNvPr id="15" name="Group 14">
             <a:extLst>
               <a:ext uri="{FF2B5EF4-FFF2-40B4-BE49-F238E27FC236}">
-                <a16:creationId xmlns="" xmlns:a16="http://schemas.microsoft.com/office/drawing/2014/main" id="{7732E1E7-45E3-4264-8F26-66758696DD1E}"/>
+                <a16:creationId xmlns:a16="http://schemas.microsoft.com/office/drawing/2014/main" xmlns="" id="{7732E1E7-45E3-4264-8F26-66758696DD1E}"/>
               </a:ext>
             </a:extLst>
           </p:cNvPr>
@@ -21508,7 +21508,7 @@
             <p:cNvPr id="16" name="Freeform: Shape 15">
               <a:extLst>
                 <a:ext uri="{FF2B5EF4-FFF2-40B4-BE49-F238E27FC236}">
-                  <a16:creationId xmlns="" xmlns:a16="http://schemas.microsoft.com/office/drawing/2014/main" id="{2E3DF883-8093-49FA-81E1-E5D77F086A25}"/>
+                  <a16:creationId xmlns:a16="http://schemas.microsoft.com/office/drawing/2014/main" xmlns="" id="{2E3DF883-8093-49FA-81E1-E5D77F086A25}"/>
                 </a:ext>
               </a:extLst>
             </p:cNvPr>
@@ -21598,7 +21598,7 @@
             <p:cNvPr id="17" name="Freeform: Shape 16">
               <a:extLst>
                 <a:ext uri="{FF2B5EF4-FFF2-40B4-BE49-F238E27FC236}">
-                  <a16:creationId xmlns="" xmlns:a16="http://schemas.microsoft.com/office/drawing/2014/main" id="{18944C90-37E5-4BBE-89FF-060627168050}"/>
+                  <a16:creationId xmlns:a16="http://schemas.microsoft.com/office/drawing/2014/main" xmlns="" id="{18944C90-37E5-4BBE-89FF-060627168050}"/>
                 </a:ext>
               </a:extLst>
             </p:cNvPr>
@@ -21697,7 +21697,7 @@
           <p:cNvPr id="6" name="Group 5">
             <a:extLst>
               <a:ext uri="{FF2B5EF4-FFF2-40B4-BE49-F238E27FC236}">
-                <a16:creationId xmlns="" xmlns:a16="http://schemas.microsoft.com/office/drawing/2014/main" id="{D9EBF8BB-A805-4DDB-B459-082F99815B95}"/>
+                <a16:creationId xmlns:a16="http://schemas.microsoft.com/office/drawing/2014/main" xmlns="" id="{D9EBF8BB-A805-4DDB-B459-082F99815B95}"/>
               </a:ext>
             </a:extLst>
           </p:cNvPr>
@@ -21717,7 +21717,7 @@
             <p:cNvPr id="19" name="Rectangle: Single Corner Snipped 18">
               <a:extLst>
                 <a:ext uri="{FF2B5EF4-FFF2-40B4-BE49-F238E27FC236}">
-                  <a16:creationId xmlns="" xmlns:a16="http://schemas.microsoft.com/office/drawing/2014/main" id="{5D638788-DD47-45E7-939A-FA108A818173}"/>
+                  <a16:creationId xmlns:a16="http://schemas.microsoft.com/office/drawing/2014/main" xmlns="" id="{5D638788-DD47-45E7-939A-FA108A818173}"/>
                 </a:ext>
               </a:extLst>
             </p:cNvPr>
@@ -21783,7 +21783,7 @@
             <p:cNvPr id="3" name="Rectangle: Single Corner Snipped 2">
               <a:extLst>
                 <a:ext uri="{FF2B5EF4-FFF2-40B4-BE49-F238E27FC236}">
-                  <a16:creationId xmlns="" xmlns:a16="http://schemas.microsoft.com/office/drawing/2014/main" id="{74BDECEF-EEFE-4332-B3B2-BDE4F82C10FC}"/>
+                  <a16:creationId xmlns:a16="http://schemas.microsoft.com/office/drawing/2014/main" xmlns="" id="{74BDECEF-EEFE-4332-B3B2-BDE4F82C10FC}"/>
                 </a:ext>
               </a:extLst>
             </p:cNvPr>
@@ -21840,7 +21840,7 @@
           <p:cNvPr id="24" name="Freeform: Shape 23">
             <a:extLst>
               <a:ext uri="{FF2B5EF4-FFF2-40B4-BE49-F238E27FC236}">
-                <a16:creationId xmlns="" xmlns:a16="http://schemas.microsoft.com/office/drawing/2014/main" id="{18103E00-7E4A-44CD-81AC-06433CAE1110}"/>
+                <a16:creationId xmlns:a16="http://schemas.microsoft.com/office/drawing/2014/main" xmlns="" id="{18103E00-7E4A-44CD-81AC-06433CAE1110}"/>
               </a:ext>
             </a:extLst>
           </p:cNvPr>
@@ -21935,7 +21935,7 @@
           <p:cNvPr id="5" name="Slide Number Placeholder 4">
             <a:extLst>
               <a:ext uri="{FF2B5EF4-FFF2-40B4-BE49-F238E27FC236}">
-                <a16:creationId xmlns="" xmlns:a16="http://schemas.microsoft.com/office/drawing/2014/main" id="{87B51822-97FF-47A7-8E4E-A0F79B4EB237}"/>
+                <a16:creationId xmlns:a16="http://schemas.microsoft.com/office/drawing/2014/main" xmlns="" id="{87B51822-97FF-47A7-8E4E-A0F79B4EB237}"/>
               </a:ext>
             </a:extLst>
           </p:cNvPr>
@@ -21979,7 +21979,7 @@
           <p:cNvPr id="20" name="Content Placeholder 2">
             <a:extLst>
               <a:ext uri="{FF2B5EF4-FFF2-40B4-BE49-F238E27FC236}">
-                <a16:creationId xmlns="" xmlns:a16="http://schemas.microsoft.com/office/drawing/2014/main" id="{0103A49C-32FF-49E6-86F3-FC2E19517BD5}"/>
+                <a16:creationId xmlns:a16="http://schemas.microsoft.com/office/drawing/2014/main" xmlns="" id="{0103A49C-32FF-49E6-86F3-FC2E19517BD5}"/>
               </a:ext>
             </a:extLst>
           </p:cNvPr>
@@ -22075,7 +22075,7 @@
     </p:spTree>
     <p:extLst>
       <p:ext uri="{BB962C8B-B14F-4D97-AF65-F5344CB8AC3E}">
-        <p14:creationId xmlns="" xmlns:p14="http://schemas.microsoft.com/office/powerpoint/2010/main" val="2636708262"/>
+        <p14:creationId xmlns:p14="http://schemas.microsoft.com/office/powerpoint/2010/main" xmlns="" val="2636708262"/>
       </p:ext>
     </p:extLst>
   </p:cSld>
@@ -22115,7 +22115,7 @@
           <p:cNvPr id="11" name="Rectangle 10">
             <a:extLst>
               <a:ext uri="{FF2B5EF4-FFF2-40B4-BE49-F238E27FC236}">
-                <a16:creationId xmlns="" xmlns:a16="http://schemas.microsoft.com/office/drawing/2014/main" id="{EB3E033F-4449-40FA-BC85-BD2712D313DD}"/>
+                <a16:creationId xmlns:a16="http://schemas.microsoft.com/office/drawing/2014/main" xmlns="" id="{EB3E033F-4449-40FA-BC85-BD2712D313DD}"/>
               </a:ext>
             </a:extLst>
           </p:cNvPr>
@@ -22169,7 +22169,7 @@
           <p:cNvPr id="10" name="Freeform: Shape 9">
             <a:extLst>
               <a:ext uri="{FF2B5EF4-FFF2-40B4-BE49-F238E27FC236}">
-                <a16:creationId xmlns="" xmlns:a16="http://schemas.microsoft.com/office/drawing/2014/main" id="{63D26743-0505-444C-80B3-E88EE87DF72B}"/>
+                <a16:creationId xmlns:a16="http://schemas.microsoft.com/office/drawing/2014/main" xmlns="" id="{63D26743-0505-444C-80B3-E88EE87DF72B}"/>
               </a:ext>
             </a:extLst>
           </p:cNvPr>
@@ -22292,7 +22292,7 @@
           <p:cNvPr id="18" name="Freeform: Shape 17">
             <a:extLst>
               <a:ext uri="{FF2B5EF4-FFF2-40B4-BE49-F238E27FC236}">
-                <a16:creationId xmlns="" xmlns:a16="http://schemas.microsoft.com/office/drawing/2014/main" id="{E37145E9-AC61-47D5-9288-8789940F81B6}"/>
+                <a16:creationId xmlns:a16="http://schemas.microsoft.com/office/drawing/2014/main" xmlns="" id="{E37145E9-AC61-47D5-9288-8789940F81B6}"/>
               </a:ext>
             </a:extLst>
           </p:cNvPr>
@@ -22444,7 +22444,7 @@
           <p:cNvPr id="12" name="Freeform: Shape 11">
             <a:extLst>
               <a:ext uri="{FF2B5EF4-FFF2-40B4-BE49-F238E27FC236}">
-                <a16:creationId xmlns="" xmlns:a16="http://schemas.microsoft.com/office/drawing/2014/main" id="{A5E2B3ED-9A49-40A7-B8A3-62595FE513F9}"/>
+                <a16:creationId xmlns:a16="http://schemas.microsoft.com/office/drawing/2014/main" xmlns="" id="{A5E2B3ED-9A49-40A7-B8A3-62595FE513F9}"/>
               </a:ext>
             </a:extLst>
           </p:cNvPr>
@@ -22594,7 +22594,7 @@
           <p:cNvPr id="8" name="Freeform: Shape 7">
             <a:extLst>
               <a:ext uri="{FF2B5EF4-FFF2-40B4-BE49-F238E27FC236}">
-                <a16:creationId xmlns="" xmlns:a16="http://schemas.microsoft.com/office/drawing/2014/main" id="{1599AF7E-3E34-4597-AA72-9373A7FDB020}"/>
+                <a16:creationId xmlns:a16="http://schemas.microsoft.com/office/drawing/2014/main" xmlns="" id="{1599AF7E-3E34-4597-AA72-9373A7FDB020}"/>
               </a:ext>
             </a:extLst>
           </p:cNvPr>
@@ -22740,7 +22740,7 @@
           <p:cNvPr id="2" name="Title 1">
             <a:extLst>
               <a:ext uri="{FF2B5EF4-FFF2-40B4-BE49-F238E27FC236}">
-                <a16:creationId xmlns="" xmlns:a16="http://schemas.microsoft.com/office/drawing/2014/main" id="{4A2DF563-7FAC-46B3-B24C-7E45CD89DA2B}"/>
+                <a16:creationId xmlns:a16="http://schemas.microsoft.com/office/drawing/2014/main" xmlns="" id="{4A2DF563-7FAC-46B3-B24C-7E45CD89DA2B}"/>
               </a:ext>
             </a:extLst>
           </p:cNvPr>
@@ -22785,7 +22785,7 @@
           <p:cNvPr id="15" name="Group 14">
             <a:extLst>
               <a:ext uri="{FF2B5EF4-FFF2-40B4-BE49-F238E27FC236}">
-                <a16:creationId xmlns="" xmlns:a16="http://schemas.microsoft.com/office/drawing/2014/main" id="{7732E1E7-45E3-4264-8F26-66758696DD1E}"/>
+                <a16:creationId xmlns:a16="http://schemas.microsoft.com/office/drawing/2014/main" xmlns="" id="{7732E1E7-45E3-4264-8F26-66758696DD1E}"/>
               </a:ext>
             </a:extLst>
           </p:cNvPr>
@@ -22805,7 +22805,7 @@
             <p:cNvPr id="16" name="Freeform: Shape 15">
               <a:extLst>
                 <a:ext uri="{FF2B5EF4-FFF2-40B4-BE49-F238E27FC236}">
-                  <a16:creationId xmlns="" xmlns:a16="http://schemas.microsoft.com/office/drawing/2014/main" id="{2E3DF883-8093-49FA-81E1-E5D77F086A25}"/>
+                  <a16:creationId xmlns:a16="http://schemas.microsoft.com/office/drawing/2014/main" xmlns="" id="{2E3DF883-8093-49FA-81E1-E5D77F086A25}"/>
                 </a:ext>
               </a:extLst>
             </p:cNvPr>
@@ -22895,7 +22895,7 @@
             <p:cNvPr id="17" name="Freeform: Shape 16">
               <a:extLst>
                 <a:ext uri="{FF2B5EF4-FFF2-40B4-BE49-F238E27FC236}">
-                  <a16:creationId xmlns="" xmlns:a16="http://schemas.microsoft.com/office/drawing/2014/main" id="{18944C90-37E5-4BBE-89FF-060627168050}"/>
+                  <a16:creationId xmlns:a16="http://schemas.microsoft.com/office/drawing/2014/main" xmlns="" id="{18944C90-37E5-4BBE-89FF-060627168050}"/>
                 </a:ext>
               </a:extLst>
             </p:cNvPr>
@@ -22994,7 +22994,7 @@
           <p:cNvPr id="6" name="Group 5">
             <a:extLst>
               <a:ext uri="{FF2B5EF4-FFF2-40B4-BE49-F238E27FC236}">
-                <a16:creationId xmlns="" xmlns:a16="http://schemas.microsoft.com/office/drawing/2014/main" id="{D9EBF8BB-A805-4DDB-B459-082F99815B95}"/>
+                <a16:creationId xmlns:a16="http://schemas.microsoft.com/office/drawing/2014/main" xmlns="" id="{D9EBF8BB-A805-4DDB-B459-082F99815B95}"/>
               </a:ext>
             </a:extLst>
           </p:cNvPr>
@@ -23014,7 +23014,7 @@
             <p:cNvPr id="19" name="Rectangle: Single Corner Snipped 18">
               <a:extLst>
                 <a:ext uri="{FF2B5EF4-FFF2-40B4-BE49-F238E27FC236}">
-                  <a16:creationId xmlns="" xmlns:a16="http://schemas.microsoft.com/office/drawing/2014/main" id="{5D638788-DD47-45E7-939A-FA108A818173}"/>
+                  <a16:creationId xmlns:a16="http://schemas.microsoft.com/office/drawing/2014/main" xmlns="" id="{5D638788-DD47-45E7-939A-FA108A818173}"/>
                 </a:ext>
               </a:extLst>
             </p:cNvPr>
@@ -23080,7 +23080,7 @@
             <p:cNvPr id="3" name="Rectangle: Single Corner Snipped 2">
               <a:extLst>
                 <a:ext uri="{FF2B5EF4-FFF2-40B4-BE49-F238E27FC236}">
-                  <a16:creationId xmlns="" xmlns:a16="http://schemas.microsoft.com/office/drawing/2014/main" id="{74BDECEF-EEFE-4332-B3B2-BDE4F82C10FC}"/>
+                  <a16:creationId xmlns:a16="http://schemas.microsoft.com/office/drawing/2014/main" xmlns="" id="{74BDECEF-EEFE-4332-B3B2-BDE4F82C10FC}"/>
                 </a:ext>
               </a:extLst>
             </p:cNvPr>
@@ -23137,7 +23137,7 @@
           <p:cNvPr id="24" name="Freeform: Shape 23">
             <a:extLst>
               <a:ext uri="{FF2B5EF4-FFF2-40B4-BE49-F238E27FC236}">
-                <a16:creationId xmlns="" xmlns:a16="http://schemas.microsoft.com/office/drawing/2014/main" id="{18103E00-7E4A-44CD-81AC-06433CAE1110}"/>
+                <a16:creationId xmlns:a16="http://schemas.microsoft.com/office/drawing/2014/main" xmlns="" id="{18103E00-7E4A-44CD-81AC-06433CAE1110}"/>
               </a:ext>
             </a:extLst>
           </p:cNvPr>
@@ -23232,7 +23232,7 @@
           <p:cNvPr id="5" name="Slide Number Placeholder 4">
             <a:extLst>
               <a:ext uri="{FF2B5EF4-FFF2-40B4-BE49-F238E27FC236}">
-                <a16:creationId xmlns="" xmlns:a16="http://schemas.microsoft.com/office/drawing/2014/main" id="{87B51822-97FF-47A7-8E4E-A0F79B4EB237}"/>
+                <a16:creationId xmlns:a16="http://schemas.microsoft.com/office/drawing/2014/main" xmlns="" id="{87B51822-97FF-47A7-8E4E-A0F79B4EB237}"/>
               </a:ext>
             </a:extLst>
           </p:cNvPr>
@@ -23276,7 +23276,7 @@
           <p:cNvPr id="25" name="Text Placeholder 2">
             <a:extLst>
               <a:ext uri="{FF2B5EF4-FFF2-40B4-BE49-F238E27FC236}">
-                <a16:creationId xmlns="" xmlns:a16="http://schemas.microsoft.com/office/drawing/2014/main" id="{7FA80A70-18DE-4DB9-9982-BA75BE54CF93}"/>
+                <a16:creationId xmlns:a16="http://schemas.microsoft.com/office/drawing/2014/main" xmlns="" id="{7FA80A70-18DE-4DB9-9982-BA75BE54CF93}"/>
               </a:ext>
             </a:extLst>
           </p:cNvPr>
@@ -23354,7 +23354,7 @@
           <p:cNvPr id="26" name="Text Placeholder 4">
             <a:extLst>
               <a:ext uri="{FF2B5EF4-FFF2-40B4-BE49-F238E27FC236}">
-                <a16:creationId xmlns="" xmlns:a16="http://schemas.microsoft.com/office/drawing/2014/main" id="{2801C0EF-C078-44B0-AD01-4850E9A65EE0}"/>
+                <a16:creationId xmlns:a16="http://schemas.microsoft.com/office/drawing/2014/main" xmlns="" id="{2801C0EF-C078-44B0-AD01-4850E9A65EE0}"/>
               </a:ext>
             </a:extLst>
           </p:cNvPr>
@@ -23432,7 +23432,7 @@
           <p:cNvPr id="27" name="Content Placeholder 3">
             <a:extLst>
               <a:ext uri="{FF2B5EF4-FFF2-40B4-BE49-F238E27FC236}">
-                <a16:creationId xmlns="" xmlns:a16="http://schemas.microsoft.com/office/drawing/2014/main" id="{7C9DED91-45F6-4308-A085-1EFACA6468CF}"/>
+                <a16:creationId xmlns:a16="http://schemas.microsoft.com/office/drawing/2014/main" xmlns="" id="{7C9DED91-45F6-4308-A085-1EFACA6468CF}"/>
               </a:ext>
             </a:extLst>
           </p:cNvPr>
@@ -23532,7 +23532,7 @@
           <p:cNvPr id="28" name="Content Placeholder 5">
             <a:extLst>
               <a:ext uri="{FF2B5EF4-FFF2-40B4-BE49-F238E27FC236}">
-                <a16:creationId xmlns="" xmlns:a16="http://schemas.microsoft.com/office/drawing/2014/main" id="{0574B5E7-B666-439B-9278-67BE1EA6EBC5}"/>
+                <a16:creationId xmlns:a16="http://schemas.microsoft.com/office/drawing/2014/main" xmlns="" id="{0574B5E7-B666-439B-9278-67BE1EA6EBC5}"/>
               </a:ext>
             </a:extLst>
           </p:cNvPr>
@@ -23630,7 +23630,7 @@
     </p:spTree>
     <p:extLst>
       <p:ext uri="{BB962C8B-B14F-4D97-AF65-F5344CB8AC3E}">
-        <p14:creationId xmlns="" xmlns:p14="http://schemas.microsoft.com/office/powerpoint/2010/main" val="3219167126"/>
+        <p14:creationId xmlns:p14="http://schemas.microsoft.com/office/powerpoint/2010/main" xmlns="" val="3219167126"/>
       </p:ext>
     </p:extLst>
   </p:cSld>
@@ -23667,7 +23667,7 @@
           <p:cNvPr id="2" name="Title Placeholder 1">
             <a:extLst>
               <a:ext uri="{FF2B5EF4-FFF2-40B4-BE49-F238E27FC236}">
-                <a16:creationId xmlns="" xmlns:a16="http://schemas.microsoft.com/office/drawing/2014/main" id="{761B0E15-6FC5-434E-8780-B186D9DB0CD0}"/>
+                <a16:creationId xmlns:a16="http://schemas.microsoft.com/office/drawing/2014/main" xmlns="" id="{761B0E15-6FC5-434E-8780-B186D9DB0CD0}"/>
               </a:ext>
             </a:extLst>
           </p:cNvPr>
@@ -23705,7 +23705,7 @@
           <p:cNvPr id="3" name="Text Placeholder 2">
             <a:extLst>
               <a:ext uri="{FF2B5EF4-FFF2-40B4-BE49-F238E27FC236}">
-                <a16:creationId xmlns="" xmlns:a16="http://schemas.microsoft.com/office/drawing/2014/main" id="{A9C7B128-34F3-405C-B601-8BAFDB43499C}"/>
+                <a16:creationId xmlns:a16="http://schemas.microsoft.com/office/drawing/2014/main" xmlns="" id="{A9C7B128-34F3-405C-B601-8BAFDB43499C}"/>
               </a:ext>
             </a:extLst>
           </p:cNvPr>
@@ -23772,7 +23772,7 @@
           <p:cNvPr id="6" name="Slide Number Placeholder 5">
             <a:extLst>
               <a:ext uri="{FF2B5EF4-FFF2-40B4-BE49-F238E27FC236}">
-                <a16:creationId xmlns="" xmlns:a16="http://schemas.microsoft.com/office/drawing/2014/main" id="{9F5A7754-E8C7-438B-922D-9027C6CF58E2}"/>
+                <a16:creationId xmlns:a16="http://schemas.microsoft.com/office/drawing/2014/main" xmlns="" id="{9F5A7754-E8C7-438B-922D-9027C6CF58E2}"/>
               </a:ext>
             </a:extLst>
           </p:cNvPr>
@@ -23820,7 +23820,7 @@
           <p:cNvPr id="5" name="Rectangle 4">
             <a:extLst>
               <a:ext uri="{FF2B5EF4-FFF2-40B4-BE49-F238E27FC236}">
-                <a16:creationId xmlns="" xmlns:a16="http://schemas.microsoft.com/office/drawing/2014/main" id="{7CDDDB7D-9189-9548-A2B9-81DC62C3C1A3}"/>
+                <a16:creationId xmlns:a16="http://schemas.microsoft.com/office/drawing/2014/main" xmlns="" id="{7CDDDB7D-9189-9548-A2B9-81DC62C3C1A3}"/>
               </a:ext>
             </a:extLst>
           </p:cNvPr>
@@ -23874,7 +23874,7 @@
           <p:cNvPr id="7" name="Freeform: Shape 9">
             <a:extLst>
               <a:ext uri="{FF2B5EF4-FFF2-40B4-BE49-F238E27FC236}">
-                <a16:creationId xmlns="" xmlns:a16="http://schemas.microsoft.com/office/drawing/2014/main" id="{096D8877-6B4A-4540-8927-767DD7401718}"/>
+                <a16:creationId xmlns:a16="http://schemas.microsoft.com/office/drawing/2014/main" xmlns="" id="{096D8877-6B4A-4540-8927-767DD7401718}"/>
               </a:ext>
             </a:extLst>
           </p:cNvPr>
@@ -23997,7 +23997,7 @@
           <p:cNvPr id="8" name="Freeform: Shape 17">
             <a:extLst>
               <a:ext uri="{FF2B5EF4-FFF2-40B4-BE49-F238E27FC236}">
-                <a16:creationId xmlns="" xmlns:a16="http://schemas.microsoft.com/office/drawing/2014/main" id="{5AF2E123-FE0F-8541-8E36-5030C450AA7E}"/>
+                <a16:creationId xmlns:a16="http://schemas.microsoft.com/office/drawing/2014/main" xmlns="" id="{5AF2E123-FE0F-8541-8E36-5030C450AA7E}"/>
               </a:ext>
             </a:extLst>
           </p:cNvPr>
@@ -24149,7 +24149,7 @@
           <p:cNvPr id="9" name="Freeform: Shape 11">
             <a:extLst>
               <a:ext uri="{FF2B5EF4-FFF2-40B4-BE49-F238E27FC236}">
-                <a16:creationId xmlns="" xmlns:a16="http://schemas.microsoft.com/office/drawing/2014/main" id="{E5519D99-3B68-924A-9CD0-14B911711CA8}"/>
+                <a16:creationId xmlns:a16="http://schemas.microsoft.com/office/drawing/2014/main" xmlns="" id="{E5519D99-3B68-924A-9CD0-14B911711CA8}"/>
               </a:ext>
             </a:extLst>
           </p:cNvPr>
@@ -24299,7 +24299,7 @@
           <p:cNvPr id="10" name="Freeform: Shape 7">
             <a:extLst>
               <a:ext uri="{FF2B5EF4-FFF2-40B4-BE49-F238E27FC236}">
-                <a16:creationId xmlns="" xmlns:a16="http://schemas.microsoft.com/office/drawing/2014/main" id="{A09E21A9-FBEF-144C-A152-FE484F3C55C1}"/>
+                <a16:creationId xmlns:a16="http://schemas.microsoft.com/office/drawing/2014/main" xmlns="" id="{A09E21A9-FBEF-144C-A152-FE484F3C55C1}"/>
               </a:ext>
             </a:extLst>
           </p:cNvPr>
@@ -24445,7 +24445,7 @@
           <p:cNvPr id="11" name="Title 1">
             <a:extLst>
               <a:ext uri="{FF2B5EF4-FFF2-40B4-BE49-F238E27FC236}">
-                <a16:creationId xmlns="" xmlns:a16="http://schemas.microsoft.com/office/drawing/2014/main" id="{70C7F2CB-A8CE-1545-A08D-93592C4BAEEA}"/>
+                <a16:creationId xmlns:a16="http://schemas.microsoft.com/office/drawing/2014/main" xmlns="" id="{70C7F2CB-A8CE-1545-A08D-93592C4BAEEA}"/>
               </a:ext>
             </a:extLst>
           </p:cNvPr>
@@ -24501,7 +24501,7 @@
           <p:cNvPr id="12" name="Group 11">
             <a:extLst>
               <a:ext uri="{FF2B5EF4-FFF2-40B4-BE49-F238E27FC236}">
-                <a16:creationId xmlns="" xmlns:a16="http://schemas.microsoft.com/office/drawing/2014/main" id="{7068FCE4-1B47-3C4B-B091-013120A97D09}"/>
+                <a16:creationId xmlns:a16="http://schemas.microsoft.com/office/drawing/2014/main" xmlns="" id="{7068FCE4-1B47-3C4B-B091-013120A97D09}"/>
               </a:ext>
             </a:extLst>
           </p:cNvPr>
@@ -24521,7 +24521,7 @@
             <p:cNvPr id="13" name="Freeform: Shape 15">
               <a:extLst>
                 <a:ext uri="{FF2B5EF4-FFF2-40B4-BE49-F238E27FC236}">
-                  <a16:creationId xmlns="" xmlns:a16="http://schemas.microsoft.com/office/drawing/2014/main" id="{FEC3FDE7-F27E-5E4E-8752-287CAB7792D4}"/>
+                  <a16:creationId xmlns:a16="http://schemas.microsoft.com/office/drawing/2014/main" xmlns="" id="{FEC3FDE7-F27E-5E4E-8752-287CAB7792D4}"/>
                 </a:ext>
               </a:extLst>
             </p:cNvPr>
@@ -24611,7 +24611,7 @@
             <p:cNvPr id="14" name="Freeform: Shape 16">
               <a:extLst>
                 <a:ext uri="{FF2B5EF4-FFF2-40B4-BE49-F238E27FC236}">
-                  <a16:creationId xmlns="" xmlns:a16="http://schemas.microsoft.com/office/drawing/2014/main" id="{81C902DB-0D21-5044-82B6-9E7A70A1BF62}"/>
+                  <a16:creationId xmlns:a16="http://schemas.microsoft.com/office/drawing/2014/main" xmlns="" id="{81C902DB-0D21-5044-82B6-9E7A70A1BF62}"/>
                 </a:ext>
               </a:extLst>
             </p:cNvPr>
@@ -24710,7 +24710,7 @@
           <p:cNvPr id="15" name="Group 14">
             <a:extLst>
               <a:ext uri="{FF2B5EF4-FFF2-40B4-BE49-F238E27FC236}">
-                <a16:creationId xmlns="" xmlns:a16="http://schemas.microsoft.com/office/drawing/2014/main" id="{BE1E08A0-195D-694F-947B-986A76FBB93E}"/>
+                <a16:creationId xmlns:a16="http://schemas.microsoft.com/office/drawing/2014/main" xmlns="" id="{BE1E08A0-195D-694F-947B-986A76FBB93E}"/>
               </a:ext>
             </a:extLst>
           </p:cNvPr>
@@ -24730,7 +24730,7 @@
             <p:cNvPr id="16" name="Rectangle: Single Corner Snipped 18">
               <a:extLst>
                 <a:ext uri="{FF2B5EF4-FFF2-40B4-BE49-F238E27FC236}">
-                  <a16:creationId xmlns="" xmlns:a16="http://schemas.microsoft.com/office/drawing/2014/main" id="{ED5DFFCD-1EE3-E64E-B51F-BD7D72413E0B}"/>
+                  <a16:creationId xmlns:a16="http://schemas.microsoft.com/office/drawing/2014/main" xmlns="" id="{ED5DFFCD-1EE3-E64E-B51F-BD7D72413E0B}"/>
                 </a:ext>
               </a:extLst>
             </p:cNvPr>
@@ -24796,7 +24796,7 @@
             <p:cNvPr id="17" name="Rectangle: Single Corner Snipped 2">
               <a:extLst>
                 <a:ext uri="{FF2B5EF4-FFF2-40B4-BE49-F238E27FC236}">
-                  <a16:creationId xmlns="" xmlns:a16="http://schemas.microsoft.com/office/drawing/2014/main" id="{C12DB3CA-8E64-AA43-BFBE-A2CA9A816DBE}"/>
+                  <a16:creationId xmlns:a16="http://schemas.microsoft.com/office/drawing/2014/main" xmlns="" id="{C12DB3CA-8E64-AA43-BFBE-A2CA9A816DBE}"/>
                 </a:ext>
               </a:extLst>
             </p:cNvPr>
@@ -24853,7 +24853,7 @@
           <p:cNvPr id="18" name="Freeform: Shape 23">
             <a:extLst>
               <a:ext uri="{FF2B5EF4-FFF2-40B4-BE49-F238E27FC236}">
-                <a16:creationId xmlns="" xmlns:a16="http://schemas.microsoft.com/office/drawing/2014/main" id="{A587DEFD-D470-4142-8E0D-A71DDB147C92}"/>
+                <a16:creationId xmlns:a16="http://schemas.microsoft.com/office/drawing/2014/main" xmlns="" id="{A587DEFD-D470-4142-8E0D-A71DDB147C92}"/>
               </a:ext>
             </a:extLst>
           </p:cNvPr>
@@ -24948,7 +24948,7 @@
           <p:cNvPr id="19" name="Slide Number Placeholder 4">
             <a:extLst>
               <a:ext uri="{FF2B5EF4-FFF2-40B4-BE49-F238E27FC236}">
-                <a16:creationId xmlns="" xmlns:a16="http://schemas.microsoft.com/office/drawing/2014/main" id="{7D9BF857-7910-734D-A217-5E3344220AA2}"/>
+                <a16:creationId xmlns:a16="http://schemas.microsoft.com/office/drawing/2014/main" xmlns="" id="{7D9BF857-7910-734D-A217-5E3344220AA2}"/>
               </a:ext>
             </a:extLst>
           </p:cNvPr>
@@ -25076,7 +25076,7 @@
     </p:spTree>
     <p:extLst>
       <p:ext uri="{BB962C8B-B14F-4D97-AF65-F5344CB8AC3E}">
-        <p14:creationId xmlns="" xmlns:p14="http://schemas.microsoft.com/office/powerpoint/2010/main" val="666093331"/>
+        <p14:creationId xmlns:p14="http://schemas.microsoft.com/office/powerpoint/2010/main" xmlns="" val="666093331"/>
       </p:ext>
     </p:extLst>
   </p:cSld>
@@ -25399,7 +25399,7 @@
   </p:txStyles>
   <p:extLst mod="1">
     <p:ext uri="{27BBF7A9-308A-43DC-89C8-2F10F3537804}">
-      <p15:sldGuideLst xmlns="" xmlns:p15="http://schemas.microsoft.com/office/powerpoint/2012/main">
+      <p15:sldGuideLst xmlns:p15="http://schemas.microsoft.com/office/powerpoint/2012/main" xmlns="">
         <p15:guide id="1" orient="horz" pos="2160" userDrawn="1">
           <p15:clr>
             <a:srgbClr val="F26B43"/>
@@ -25466,7 +25466,7 @@
           <p:cNvPr id="2" name="Title 1">
             <a:extLst>
               <a:ext uri="{FF2B5EF4-FFF2-40B4-BE49-F238E27FC236}">
-                <a16:creationId xmlns="" xmlns:a16="http://schemas.microsoft.com/office/drawing/2014/main" id="{632BE5BF-9922-45FB-8F3F-4446D40A051B}"/>
+                <a16:creationId xmlns:a16="http://schemas.microsoft.com/office/drawing/2014/main" xmlns="" id="{632BE5BF-9922-45FB-8F3F-4446D40A051B}"/>
               </a:ext>
             </a:extLst>
           </p:cNvPr>
@@ -25479,14 +25479,15 @@
         </p:nvSpPr>
         <p:spPr>
           <a:xfrm>
-            <a:off x="3553968" y="2235200"/>
-            <a:ext cx="7077456" cy="1393952"/>
+            <a:off x="3625088" y="1219200"/>
+            <a:ext cx="7077456" cy="1889760"/>
           </a:xfrm>
         </p:spPr>
         <p:txBody>
           <a:bodyPr/>
           <a:lstStyle/>
           <a:p>
+            <a:pPr algn="r"/>
             <a:r>
               <a:rPr lang="en-US" sz="4800" dirty="0" smtClean="0"/>
               <a:t>4IT31: PROJECT 1</a:t>
@@ -25500,8 +25501,26 @@
             </a:r>
             <a:r>
               <a:rPr lang="en-US" sz="1800" dirty="0" smtClean="0"/>
-              <a:t>Group No. :- 13</a:t>
+              <a:t>Group No. :- </a:t>
             </a:r>
+            <a:r>
+              <a:rPr lang="en-US" sz="1800" dirty="0" smtClean="0"/>
+              <a:t>13</a:t>
+            </a:r>
+            <a:br>
+              <a:rPr lang="en-US" sz="1800" dirty="0" smtClean="0"/>
+            </a:br>
+            <a:r>
+              <a:rPr lang="en-US" sz="1800" dirty="0" smtClean="0"/>
+              <a:t>Guided By :- Prof. Prachi Shah</a:t>
+            </a:r>
+            <a:r>
+              <a:rPr lang="en-US" sz="1800" dirty="0" smtClean="0"/>
+              <a:t/>
+            </a:r>
+            <a:br>
+              <a:rPr lang="en-US" sz="1800" dirty="0" smtClean="0"/>
+            </a:br>
             <a:endParaRPr lang="en-US" sz="1800" dirty="0"/>
           </a:p>
         </p:txBody>
@@ -25515,8 +25534,8 @@
           <p:nvPr/>
         </p:nvGraphicFramePr>
         <p:xfrm>
-          <a:off x="2976880" y="4013200"/>
-          <a:ext cx="7650480" cy="1828800"/>
+          <a:off x="1361440" y="4246880"/>
+          <a:ext cx="6837680" cy="1828800"/>
         </p:xfrm>
         <a:graphic>
           <a:graphicData uri="http://schemas.openxmlformats.org/drawingml/2006/table">
@@ -25525,10 +25544,10 @@
                 <a:tableStyleId>{5C22544A-7EE6-4342-B048-85BDC9FD1C3A}</a:tableStyleId>
               </a:tblPr>
               <a:tblGrid>
-                <a:gridCol w="3825240"/>
-                <a:gridCol w="3825240"/>
+                <a:gridCol w="3418840"/>
+                <a:gridCol w="3418840"/>
               </a:tblGrid>
-              <a:tr h="357721">
+              <a:tr h="310896">
                 <a:tc>
                   <a:txBody>
                     <a:bodyPr/>
@@ -25558,7 +25577,7 @@
                   <a:tcPr/>
                 </a:tc>
               </a:tr>
-              <a:tr h="362690">
+              <a:tr h="310896">
                 <a:tc>
                   <a:txBody>
                     <a:bodyPr/>
@@ -25588,7 +25607,7 @@
                   <a:tcPr/>
                 </a:tc>
               </a:tr>
-              <a:tr h="362690">
+              <a:tr h="310896">
                 <a:tc>
                   <a:txBody>
                     <a:bodyPr/>
@@ -25618,7 +25637,7 @@
                   <a:tcPr/>
                 </a:tc>
               </a:tr>
-              <a:tr h="362690">
+              <a:tr h="310896">
                 <a:tc>
                   <a:txBody>
                     <a:bodyPr/>
@@ -25648,7 +25667,7 @@
                   <a:tcPr/>
                 </a:tc>
               </a:tr>
-              <a:tr h="362690">
+              <a:tr h="310896">
                 <a:tc>
                   <a:txBody>
                     <a:bodyPr/>
@@ -25682,10 +25701,40 @@
           </a:graphicData>
         </a:graphic>
       </p:graphicFrame>
+      <p:pic>
+        <p:nvPicPr>
+          <p:cNvPr id="4" name="Picture 3" descr="C:\Users\Kalp Gohil\Desktop\BVM Logo-1.png"/>
+          <p:cNvPicPr/>
+          <p:nvPr/>
+        </p:nvPicPr>
+        <p:blipFill>
+          <a:blip r:embed="rId2" cstate="print"/>
+          <a:srcRect/>
+          <a:stretch>
+            <a:fillRect/>
+          </a:stretch>
+        </p:blipFill>
+        <p:spPr bwMode="auto">
+          <a:xfrm>
+            <a:off x="8898200" y="4170268"/>
+            <a:ext cx="1932360" cy="1844452"/>
+          </a:xfrm>
+          <a:prstGeom prst="rect">
+            <a:avLst/>
+          </a:prstGeom>
+          <a:noFill/>
+          <a:ln w="9525">
+            <a:noFill/>
+            <a:miter lim="800000"/>
+            <a:headEnd/>
+            <a:tailEnd/>
+          </a:ln>
+        </p:spPr>
+      </p:pic>
     </p:spTree>
     <p:extLst>
       <p:ext uri="{BB962C8B-B14F-4D97-AF65-F5344CB8AC3E}">
-        <p14:creationId xmlns="" xmlns:p14="http://schemas.microsoft.com/office/powerpoint/2010/main" val="3946934594"/>
+        <p14:creationId xmlns:p14="http://schemas.microsoft.com/office/powerpoint/2010/main" xmlns="" val="3946934594"/>
       </p:ext>
     </p:extLst>
   </p:cSld>
@@ -25727,7 +25776,7 @@
           <p:cNvPr id="7" name="Title 6">
             <a:extLst>
               <a:ext uri="{FF2B5EF4-FFF2-40B4-BE49-F238E27FC236}">
-                <a16:creationId xmlns="" xmlns:a16="http://schemas.microsoft.com/office/drawing/2014/main" id="{7875C19A-1AAE-476A-A316-A2CF92D763D3}"/>
+                <a16:creationId xmlns:a16="http://schemas.microsoft.com/office/drawing/2014/main" xmlns="" id="{7875C19A-1AAE-476A-A316-A2CF92D763D3}"/>
               </a:ext>
             </a:extLst>
           </p:cNvPr>
@@ -25779,7 +25828,7 @@
           <p:cNvPr id="10" name="Text Placeholder 9">
             <a:extLst>
               <a:ext uri="{FF2B5EF4-FFF2-40B4-BE49-F238E27FC236}">
-                <a16:creationId xmlns="" xmlns:a16="http://schemas.microsoft.com/office/drawing/2014/main" id="{EF2BC084-E6DB-4DE7-B309-042A85EBA700}"/>
+                <a16:creationId xmlns:a16="http://schemas.microsoft.com/office/drawing/2014/main" xmlns="" id="{EF2BC084-E6DB-4DE7-B309-042A85EBA700}"/>
               </a:ext>
             </a:extLst>
           </p:cNvPr>
@@ -25919,7 +25968,7 @@
           <p:cNvPr id="2" name="Slide Number Placeholder 1">
             <a:extLst>
               <a:ext uri="{FF2B5EF4-FFF2-40B4-BE49-F238E27FC236}">
-                <a16:creationId xmlns="" xmlns:a16="http://schemas.microsoft.com/office/drawing/2014/main" id="{BE9800F6-D571-48C4-8466-12AA1ADB6599}"/>
+                <a16:creationId xmlns:a16="http://schemas.microsoft.com/office/drawing/2014/main" xmlns="" id="{BE9800F6-D571-48C4-8466-12AA1ADB6599}"/>
               </a:ext>
             </a:extLst>
           </p:cNvPr>
@@ -25973,7 +26022,7 @@
     </p:spTree>
     <p:extLst>
       <p:ext uri="{BB962C8B-B14F-4D97-AF65-F5344CB8AC3E}">
-        <p14:creationId xmlns="" xmlns:p14="http://schemas.microsoft.com/office/powerpoint/2010/main" val="3733486012"/>
+        <p14:creationId xmlns:p14="http://schemas.microsoft.com/office/powerpoint/2010/main" xmlns="" val="3733486012"/>
       </p:ext>
     </p:extLst>
   </p:cSld>
@@ -25981,7 +26030,7 @@
     <a:masterClrMapping/>
   </p:clrMapOvr>
   <mc:AlternateContent xmlns:mc="http://schemas.openxmlformats.org/markup-compatibility/2006">
-    <mc:Choice xmlns="" xmlns:p14="http://schemas.microsoft.com/office/powerpoint/2010/main" Requires="p14">
+    <mc:Choice xmlns:p14="http://schemas.microsoft.com/office/powerpoint/2010/main" xmlns="" Requires="p14">
       <p:transition spd="med" p14:dur="700">
         <p:fade/>
       </p:transition>
@@ -26048,7 +26097,7 @@
           <p:cNvPr id="8" name="Title 6">
             <a:extLst>
               <a:ext uri="{FF2B5EF4-FFF2-40B4-BE49-F238E27FC236}">
-                <a16:creationId xmlns="" xmlns:a16="http://schemas.microsoft.com/office/drawing/2014/main" id="{7875C19A-1AAE-476A-A316-A2CF92D763D3}"/>
+                <a16:creationId xmlns:a16="http://schemas.microsoft.com/office/drawing/2014/main" xmlns="" id="{7875C19A-1AAE-476A-A316-A2CF92D763D3}"/>
               </a:ext>
             </a:extLst>
           </p:cNvPr>
@@ -26100,7 +26149,7 @@
           <p:cNvPr id="9" name="Text Placeholder 9">
             <a:extLst>
               <a:ext uri="{FF2B5EF4-FFF2-40B4-BE49-F238E27FC236}">
-                <a16:creationId xmlns="" xmlns:a16="http://schemas.microsoft.com/office/drawing/2014/main" id="{EF2BC084-E6DB-4DE7-B309-042A85EBA700}"/>
+                <a16:creationId xmlns:a16="http://schemas.microsoft.com/office/drawing/2014/main" xmlns="" id="{EF2BC084-E6DB-4DE7-B309-042A85EBA700}"/>
               </a:ext>
             </a:extLst>
           </p:cNvPr>
@@ -26212,7 +26261,7 @@
           <p:cNvPr id="7" name="Title 6">
             <a:extLst>
               <a:ext uri="{FF2B5EF4-FFF2-40B4-BE49-F238E27FC236}">
-                <a16:creationId xmlns="" xmlns:a16="http://schemas.microsoft.com/office/drawing/2014/main" id="{7875C19A-1AAE-476A-A316-A2CF92D763D3}"/>
+                <a16:creationId xmlns:a16="http://schemas.microsoft.com/office/drawing/2014/main" xmlns="" id="{7875C19A-1AAE-476A-A316-A2CF92D763D3}"/>
               </a:ext>
             </a:extLst>
           </p:cNvPr>
@@ -26252,7 +26301,7 @@
           <p:cNvPr id="2" name="Slide Number Placeholder 1">
             <a:extLst>
               <a:ext uri="{FF2B5EF4-FFF2-40B4-BE49-F238E27FC236}">
-                <a16:creationId xmlns="" xmlns:a16="http://schemas.microsoft.com/office/drawing/2014/main" id="{BE9800F6-D571-48C4-8466-12AA1ADB6599}"/>
+                <a16:creationId xmlns:a16="http://schemas.microsoft.com/office/drawing/2014/main" xmlns="" id="{BE9800F6-D571-48C4-8466-12AA1ADB6599}"/>
               </a:ext>
             </a:extLst>
           </p:cNvPr>
@@ -26280,7 +26329,7 @@
     </p:spTree>
     <p:extLst>
       <p:ext uri="{BB962C8B-B14F-4D97-AF65-F5344CB8AC3E}">
-        <p14:creationId xmlns="" xmlns:p14="http://schemas.microsoft.com/office/powerpoint/2010/main" val="3733486012"/>
+        <p14:creationId xmlns:p14="http://schemas.microsoft.com/office/powerpoint/2010/main" xmlns="" val="3733486012"/>
       </p:ext>
     </p:extLst>
   </p:cSld>
@@ -26288,7 +26337,7 @@
     <a:masterClrMapping/>
   </p:clrMapOvr>
   <mc:AlternateContent xmlns:mc="http://schemas.openxmlformats.org/markup-compatibility/2006">
-    <mc:Choice xmlns="" xmlns:p14="http://schemas.microsoft.com/office/powerpoint/2010/main" Requires="p14">
+    <mc:Choice xmlns:p14="http://schemas.microsoft.com/office/powerpoint/2010/main" xmlns="" Requires="p14">
       <p:transition spd="med" p14:dur="700">
         <p:fade/>
       </p:transition>
@@ -26324,7 +26373,7 @@
           <p:cNvPr id="4" name="Title 3">
             <a:extLst>
               <a:ext uri="{FF2B5EF4-FFF2-40B4-BE49-F238E27FC236}">
-                <a16:creationId xmlns="" xmlns:a16="http://schemas.microsoft.com/office/drawing/2014/main" id="{E3BD8413-C238-49D7-A4E1-E8FEF1811A0E}"/>
+                <a16:creationId xmlns:a16="http://schemas.microsoft.com/office/drawing/2014/main" xmlns="" id="{E3BD8413-C238-49D7-A4E1-E8FEF1811A0E}"/>
               </a:ext>
             </a:extLst>
           </p:cNvPr>
@@ -26361,7 +26410,7 @@
           <p:cNvPr id="2" name="Slide Number Placeholder 1">
             <a:extLst>
               <a:ext uri="{FF2B5EF4-FFF2-40B4-BE49-F238E27FC236}">
-                <a16:creationId xmlns="" xmlns:a16="http://schemas.microsoft.com/office/drawing/2014/main" id="{0B24BF10-2B55-43AB-9F77-F1A1410384A9}"/>
+                <a16:creationId xmlns:a16="http://schemas.microsoft.com/office/drawing/2014/main" xmlns="" id="{0B24BF10-2B55-43AB-9F77-F1A1410384A9}"/>
               </a:ext>
             </a:extLst>
           </p:cNvPr>
@@ -26389,7 +26438,7 @@
     </p:spTree>
     <p:extLst>
       <p:ext uri="{BB962C8B-B14F-4D97-AF65-F5344CB8AC3E}">
-        <p14:creationId xmlns="" xmlns:p14="http://schemas.microsoft.com/office/powerpoint/2010/main" val="2902794312"/>
+        <p14:creationId xmlns:p14="http://schemas.microsoft.com/office/powerpoint/2010/main" xmlns="" val="2902794312"/>
       </p:ext>
     </p:extLst>
   </p:cSld>
@@ -26397,7 +26446,7 @@
     <a:masterClrMapping/>
   </p:clrMapOvr>
   <mc:AlternateContent xmlns:mc="http://schemas.openxmlformats.org/markup-compatibility/2006">
-    <mc:Choice xmlns="" xmlns:p14="http://schemas.microsoft.com/office/powerpoint/2010/main" Requires="p14">
+    <mc:Choice xmlns:p14="http://schemas.microsoft.com/office/powerpoint/2010/main" xmlns="" Requires="p14">
       <p:transition spd="med" p14:dur="700">
         <p:fade/>
       </p:transition>
@@ -26440,7 +26489,7 @@
           <p:cNvPr id="7" name="Title 6">
             <a:extLst>
               <a:ext uri="{FF2B5EF4-FFF2-40B4-BE49-F238E27FC236}">
-                <a16:creationId xmlns="" xmlns:a16="http://schemas.microsoft.com/office/drawing/2014/main" id="{7875C19A-1AAE-476A-A316-A2CF92D763D3}"/>
+                <a16:creationId xmlns:a16="http://schemas.microsoft.com/office/drawing/2014/main" xmlns="" id="{7875C19A-1AAE-476A-A316-A2CF92D763D3}"/>
               </a:ext>
             </a:extLst>
           </p:cNvPr>
@@ -26492,7 +26541,7 @@
           <p:cNvPr id="10" name="Text Placeholder 9">
             <a:extLst>
               <a:ext uri="{FF2B5EF4-FFF2-40B4-BE49-F238E27FC236}">
-                <a16:creationId xmlns="" xmlns:a16="http://schemas.microsoft.com/office/drawing/2014/main" id="{EF2BC084-E6DB-4DE7-B309-042A85EBA700}"/>
+                <a16:creationId xmlns:a16="http://schemas.microsoft.com/office/drawing/2014/main" xmlns="" id="{EF2BC084-E6DB-4DE7-B309-042A85EBA700}"/>
               </a:ext>
             </a:extLst>
           </p:cNvPr>
@@ -26530,7 +26579,7 @@
           <p:cNvPr id="2" name="Slide Number Placeholder 1">
             <a:extLst>
               <a:ext uri="{FF2B5EF4-FFF2-40B4-BE49-F238E27FC236}">
-                <a16:creationId xmlns="" xmlns:a16="http://schemas.microsoft.com/office/drawing/2014/main" id="{BE9800F6-D571-48C4-8466-12AA1ADB6599}"/>
+                <a16:creationId xmlns:a16="http://schemas.microsoft.com/office/drawing/2014/main" xmlns="" id="{BE9800F6-D571-48C4-8466-12AA1ADB6599}"/>
               </a:ext>
             </a:extLst>
           </p:cNvPr>
@@ -26558,7 +26607,7 @@
     </p:spTree>
     <p:extLst>
       <p:ext uri="{BB962C8B-B14F-4D97-AF65-F5344CB8AC3E}">
-        <p14:creationId xmlns="" xmlns:p14="http://schemas.microsoft.com/office/powerpoint/2010/main" val="3733486012"/>
+        <p14:creationId xmlns:p14="http://schemas.microsoft.com/office/powerpoint/2010/main" xmlns="" val="3733486012"/>
       </p:ext>
     </p:extLst>
   </p:cSld>
@@ -26566,7 +26615,7 @@
     <a:masterClrMapping/>
   </p:clrMapOvr>
   <mc:AlternateContent xmlns:mc="http://schemas.openxmlformats.org/markup-compatibility/2006">
-    <mc:Choice xmlns="" xmlns:p14="http://schemas.microsoft.com/office/powerpoint/2010/main" Requires="p14">
+    <mc:Choice xmlns:p14="http://schemas.microsoft.com/office/powerpoint/2010/main" xmlns="" Requires="p14">
       <p:transition spd="med" p14:dur="700">
         <p:fade/>
       </p:transition>
@@ -26609,7 +26658,7 @@
           <p:cNvPr id="7" name="Title 6">
             <a:extLst>
               <a:ext uri="{FF2B5EF4-FFF2-40B4-BE49-F238E27FC236}">
-                <a16:creationId xmlns="" xmlns:a16="http://schemas.microsoft.com/office/drawing/2014/main" id="{7875C19A-1AAE-476A-A316-A2CF92D763D3}"/>
+                <a16:creationId xmlns:a16="http://schemas.microsoft.com/office/drawing/2014/main" xmlns="" id="{7875C19A-1AAE-476A-A316-A2CF92D763D3}"/>
               </a:ext>
             </a:extLst>
           </p:cNvPr>
@@ -26661,7 +26710,7 @@
           <p:cNvPr id="10" name="Text Placeholder 9">
             <a:extLst>
               <a:ext uri="{FF2B5EF4-FFF2-40B4-BE49-F238E27FC236}">
-                <a16:creationId xmlns="" xmlns:a16="http://schemas.microsoft.com/office/drawing/2014/main" id="{EF2BC084-E6DB-4DE7-B309-042A85EBA700}"/>
+                <a16:creationId xmlns:a16="http://schemas.microsoft.com/office/drawing/2014/main" xmlns="" id="{EF2BC084-E6DB-4DE7-B309-042A85EBA700}"/>
               </a:ext>
             </a:extLst>
           </p:cNvPr>
@@ -26704,7 +26753,7 @@
           <p:cNvPr id="2" name="Slide Number Placeholder 1">
             <a:extLst>
               <a:ext uri="{FF2B5EF4-FFF2-40B4-BE49-F238E27FC236}">
-                <a16:creationId xmlns="" xmlns:a16="http://schemas.microsoft.com/office/drawing/2014/main" id="{BE9800F6-D571-48C4-8466-12AA1ADB6599}"/>
+                <a16:creationId xmlns:a16="http://schemas.microsoft.com/office/drawing/2014/main" xmlns="" id="{BE9800F6-D571-48C4-8466-12AA1ADB6599}"/>
               </a:ext>
             </a:extLst>
           </p:cNvPr>
@@ -26758,7 +26807,7 @@
     </p:spTree>
     <p:extLst>
       <p:ext uri="{BB962C8B-B14F-4D97-AF65-F5344CB8AC3E}">
-        <p14:creationId xmlns="" xmlns:p14="http://schemas.microsoft.com/office/powerpoint/2010/main" val="3733486012"/>
+        <p14:creationId xmlns:p14="http://schemas.microsoft.com/office/powerpoint/2010/main" xmlns="" val="3733486012"/>
       </p:ext>
     </p:extLst>
   </p:cSld>
@@ -26766,7 +26815,7 @@
     <a:masterClrMapping/>
   </p:clrMapOvr>
   <mc:AlternateContent xmlns:mc="http://schemas.openxmlformats.org/markup-compatibility/2006">
-    <mc:Choice xmlns="" xmlns:p14="http://schemas.microsoft.com/office/powerpoint/2010/main" Requires="p14">
+    <mc:Choice xmlns:p14="http://schemas.microsoft.com/office/powerpoint/2010/main" xmlns="" Requires="p14">
       <p:transition spd="med" p14:dur="700">
         <p:fade/>
       </p:transition>
@@ -26833,7 +26882,7 @@
           <p:cNvPr id="5" name="Text Placeholder 9">
             <a:extLst>
               <a:ext uri="{FF2B5EF4-FFF2-40B4-BE49-F238E27FC236}">
-                <a16:creationId xmlns="" xmlns:a16="http://schemas.microsoft.com/office/drawing/2014/main" id="{EF2BC084-E6DB-4DE7-B309-042A85EBA700}"/>
+                <a16:creationId xmlns:a16="http://schemas.microsoft.com/office/drawing/2014/main" xmlns="" id="{EF2BC084-E6DB-4DE7-B309-042A85EBA700}"/>
               </a:ext>
             </a:extLst>
           </p:cNvPr>
@@ -26950,7 +26999,7 @@
           <p:cNvPr id="6" name="Title 6">
             <a:extLst>
               <a:ext uri="{FF2B5EF4-FFF2-40B4-BE49-F238E27FC236}">
-                <a16:creationId xmlns="" xmlns:a16="http://schemas.microsoft.com/office/drawing/2014/main" id="{7875C19A-1AAE-476A-A316-A2CF92D763D3}"/>
+                <a16:creationId xmlns:a16="http://schemas.microsoft.com/office/drawing/2014/main" xmlns="" id="{7875C19A-1AAE-476A-A316-A2CF92D763D3}"/>
               </a:ext>
             </a:extLst>
           </p:cNvPr>
@@ -27027,7 +27076,7 @@
           <p:cNvPr id="7" name="Title 6">
             <a:extLst>
               <a:ext uri="{FF2B5EF4-FFF2-40B4-BE49-F238E27FC236}">
-                <a16:creationId xmlns="" xmlns:a16="http://schemas.microsoft.com/office/drawing/2014/main" id="{7875C19A-1AAE-476A-A316-A2CF92D763D3}"/>
+                <a16:creationId xmlns:a16="http://schemas.microsoft.com/office/drawing/2014/main" xmlns="" id="{7875C19A-1AAE-476A-A316-A2CF92D763D3}"/>
               </a:ext>
             </a:extLst>
           </p:cNvPr>
@@ -27079,7 +27128,7 @@
           <p:cNvPr id="10" name="Text Placeholder 9">
             <a:extLst>
               <a:ext uri="{FF2B5EF4-FFF2-40B4-BE49-F238E27FC236}">
-                <a16:creationId xmlns="" xmlns:a16="http://schemas.microsoft.com/office/drawing/2014/main" id="{EF2BC084-E6DB-4DE7-B309-042A85EBA700}"/>
+                <a16:creationId xmlns:a16="http://schemas.microsoft.com/office/drawing/2014/main" xmlns="" id="{EF2BC084-E6DB-4DE7-B309-042A85EBA700}"/>
               </a:ext>
             </a:extLst>
           </p:cNvPr>
@@ -27169,7 +27218,7 @@
           <p:cNvPr id="2" name="Slide Number Placeholder 1">
             <a:extLst>
               <a:ext uri="{FF2B5EF4-FFF2-40B4-BE49-F238E27FC236}">
-                <a16:creationId xmlns="" xmlns:a16="http://schemas.microsoft.com/office/drawing/2014/main" id="{BE9800F6-D571-48C4-8466-12AA1ADB6599}"/>
+                <a16:creationId xmlns:a16="http://schemas.microsoft.com/office/drawing/2014/main" xmlns="" id="{BE9800F6-D571-48C4-8466-12AA1ADB6599}"/>
               </a:ext>
             </a:extLst>
           </p:cNvPr>
@@ -27197,7 +27246,7 @@
     </p:spTree>
     <p:extLst>
       <p:ext uri="{BB962C8B-B14F-4D97-AF65-F5344CB8AC3E}">
-        <p14:creationId xmlns="" xmlns:p14="http://schemas.microsoft.com/office/powerpoint/2010/main" val="3733486012"/>
+        <p14:creationId xmlns:p14="http://schemas.microsoft.com/office/powerpoint/2010/main" xmlns="" val="3733486012"/>
       </p:ext>
     </p:extLst>
   </p:cSld>
@@ -27205,7 +27254,7 @@
     <a:masterClrMapping/>
   </p:clrMapOvr>
   <mc:AlternateContent xmlns:mc="http://schemas.openxmlformats.org/markup-compatibility/2006">
-    <mc:Choice xmlns="" xmlns:p14="http://schemas.microsoft.com/office/powerpoint/2010/main" Requires="p14">
+    <mc:Choice xmlns:p14="http://schemas.microsoft.com/office/powerpoint/2010/main" xmlns="" Requires="p14">
       <p:transition spd="med" p14:dur="700">
         <p:fade/>
       </p:transition>
@@ -27248,7 +27297,7 @@
           <p:cNvPr id="7" name="Title 6">
             <a:extLst>
               <a:ext uri="{FF2B5EF4-FFF2-40B4-BE49-F238E27FC236}">
-                <a16:creationId xmlns="" xmlns:a16="http://schemas.microsoft.com/office/drawing/2014/main" id="{7875C19A-1AAE-476A-A316-A2CF92D763D3}"/>
+                <a16:creationId xmlns:a16="http://schemas.microsoft.com/office/drawing/2014/main" xmlns="" id="{7875C19A-1AAE-476A-A316-A2CF92D763D3}"/>
               </a:ext>
             </a:extLst>
           </p:cNvPr>
@@ -27300,7 +27349,7 @@
           <p:cNvPr id="10" name="Text Placeholder 9">
             <a:extLst>
               <a:ext uri="{FF2B5EF4-FFF2-40B4-BE49-F238E27FC236}">
-                <a16:creationId xmlns="" xmlns:a16="http://schemas.microsoft.com/office/drawing/2014/main" id="{EF2BC084-E6DB-4DE7-B309-042A85EBA700}"/>
+                <a16:creationId xmlns:a16="http://schemas.microsoft.com/office/drawing/2014/main" xmlns="" id="{EF2BC084-E6DB-4DE7-B309-042A85EBA700}"/>
               </a:ext>
             </a:extLst>
           </p:cNvPr>
@@ -27389,7 +27438,7 @@
           <p:cNvPr id="2" name="Slide Number Placeholder 1">
             <a:extLst>
               <a:ext uri="{FF2B5EF4-FFF2-40B4-BE49-F238E27FC236}">
-                <a16:creationId xmlns="" xmlns:a16="http://schemas.microsoft.com/office/drawing/2014/main" id="{BE9800F6-D571-48C4-8466-12AA1ADB6599}"/>
+                <a16:creationId xmlns:a16="http://schemas.microsoft.com/office/drawing/2014/main" xmlns="" id="{BE9800F6-D571-48C4-8466-12AA1ADB6599}"/>
               </a:ext>
             </a:extLst>
           </p:cNvPr>
@@ -27417,7 +27466,7 @@
     </p:spTree>
     <p:extLst>
       <p:ext uri="{BB962C8B-B14F-4D97-AF65-F5344CB8AC3E}">
-        <p14:creationId xmlns="" xmlns:p14="http://schemas.microsoft.com/office/powerpoint/2010/main" val="3733486012"/>
+        <p14:creationId xmlns:p14="http://schemas.microsoft.com/office/powerpoint/2010/main" xmlns="" val="3733486012"/>
       </p:ext>
     </p:extLst>
   </p:cSld>
@@ -27425,7 +27474,7 @@
     <a:masterClrMapping/>
   </p:clrMapOvr>
   <mc:AlternateContent xmlns:mc="http://schemas.openxmlformats.org/markup-compatibility/2006">
-    <mc:Choice xmlns="" xmlns:p14="http://schemas.microsoft.com/office/powerpoint/2010/main" Requires="p14">
+    <mc:Choice xmlns:p14="http://schemas.microsoft.com/office/powerpoint/2010/main" xmlns="" Requires="p14">
       <p:transition spd="med" p14:dur="700">
         <p:fade/>
       </p:transition>
@@ -27468,7 +27517,7 @@
           <p:cNvPr id="7" name="Title 6">
             <a:extLst>
               <a:ext uri="{FF2B5EF4-FFF2-40B4-BE49-F238E27FC236}">
-                <a16:creationId xmlns="" xmlns:a16="http://schemas.microsoft.com/office/drawing/2014/main" id="{7875C19A-1AAE-476A-A316-A2CF92D763D3}"/>
+                <a16:creationId xmlns:a16="http://schemas.microsoft.com/office/drawing/2014/main" xmlns="" id="{7875C19A-1AAE-476A-A316-A2CF92D763D3}"/>
               </a:ext>
             </a:extLst>
           </p:cNvPr>
@@ -27520,7 +27569,7 @@
           <p:cNvPr id="10" name="Text Placeholder 9">
             <a:extLst>
               <a:ext uri="{FF2B5EF4-FFF2-40B4-BE49-F238E27FC236}">
-                <a16:creationId xmlns="" xmlns:a16="http://schemas.microsoft.com/office/drawing/2014/main" id="{EF2BC084-E6DB-4DE7-B309-042A85EBA700}"/>
+                <a16:creationId xmlns:a16="http://schemas.microsoft.com/office/drawing/2014/main" xmlns="" id="{EF2BC084-E6DB-4DE7-B309-042A85EBA700}"/>
               </a:ext>
             </a:extLst>
           </p:cNvPr>
@@ -27609,7 +27658,7 @@
           <p:cNvPr id="2" name="Slide Number Placeholder 1">
             <a:extLst>
               <a:ext uri="{FF2B5EF4-FFF2-40B4-BE49-F238E27FC236}">
-                <a16:creationId xmlns="" xmlns:a16="http://schemas.microsoft.com/office/drawing/2014/main" id="{BE9800F6-D571-48C4-8466-12AA1ADB6599}"/>
+                <a16:creationId xmlns:a16="http://schemas.microsoft.com/office/drawing/2014/main" xmlns="" id="{BE9800F6-D571-48C4-8466-12AA1ADB6599}"/>
               </a:ext>
             </a:extLst>
           </p:cNvPr>
@@ -27637,7 +27686,7 @@
     </p:spTree>
     <p:extLst>
       <p:ext uri="{BB962C8B-B14F-4D97-AF65-F5344CB8AC3E}">
-        <p14:creationId xmlns="" xmlns:p14="http://schemas.microsoft.com/office/powerpoint/2010/main" val="3733486012"/>
+        <p14:creationId xmlns:p14="http://schemas.microsoft.com/office/powerpoint/2010/main" xmlns="" val="3733486012"/>
       </p:ext>
     </p:extLst>
   </p:cSld>
@@ -27645,7 +27694,7 @@
     <a:masterClrMapping/>
   </p:clrMapOvr>
   <mc:AlternateContent xmlns:mc="http://schemas.openxmlformats.org/markup-compatibility/2006">
-    <mc:Choice xmlns="" xmlns:p14="http://schemas.microsoft.com/office/powerpoint/2010/main" Requires="p14">
+    <mc:Choice xmlns:p14="http://schemas.microsoft.com/office/powerpoint/2010/main" xmlns="" Requires="p14">
       <p:transition spd="med" p14:dur="700">
         <p:fade/>
       </p:transition>
@@ -27688,7 +27737,7 @@
           <p:cNvPr id="7" name="Title 6">
             <a:extLst>
               <a:ext uri="{FF2B5EF4-FFF2-40B4-BE49-F238E27FC236}">
-                <a16:creationId xmlns="" xmlns:a16="http://schemas.microsoft.com/office/drawing/2014/main" id="{7875C19A-1AAE-476A-A316-A2CF92D763D3}"/>
+                <a16:creationId xmlns:a16="http://schemas.microsoft.com/office/drawing/2014/main" xmlns="" id="{7875C19A-1AAE-476A-A316-A2CF92D763D3}"/>
               </a:ext>
             </a:extLst>
           </p:cNvPr>
@@ -27740,7 +27789,7 @@
           <p:cNvPr id="10" name="Text Placeholder 9">
             <a:extLst>
               <a:ext uri="{FF2B5EF4-FFF2-40B4-BE49-F238E27FC236}">
-                <a16:creationId xmlns="" xmlns:a16="http://schemas.microsoft.com/office/drawing/2014/main" id="{EF2BC084-E6DB-4DE7-B309-042A85EBA700}"/>
+                <a16:creationId xmlns:a16="http://schemas.microsoft.com/office/drawing/2014/main" xmlns="" id="{EF2BC084-E6DB-4DE7-B309-042A85EBA700}"/>
               </a:ext>
             </a:extLst>
           </p:cNvPr>
@@ -27861,7 +27910,7 @@
           <p:cNvPr id="2" name="Slide Number Placeholder 1">
             <a:extLst>
               <a:ext uri="{FF2B5EF4-FFF2-40B4-BE49-F238E27FC236}">
-                <a16:creationId xmlns="" xmlns:a16="http://schemas.microsoft.com/office/drawing/2014/main" id="{BE9800F6-D571-48C4-8466-12AA1ADB6599}"/>
+                <a16:creationId xmlns:a16="http://schemas.microsoft.com/office/drawing/2014/main" xmlns="" id="{BE9800F6-D571-48C4-8466-12AA1ADB6599}"/>
               </a:ext>
             </a:extLst>
           </p:cNvPr>
@@ -27889,7 +27938,7 @@
     </p:spTree>
     <p:extLst>
       <p:ext uri="{BB962C8B-B14F-4D97-AF65-F5344CB8AC3E}">
-        <p14:creationId xmlns="" xmlns:p14="http://schemas.microsoft.com/office/powerpoint/2010/main" val="3733486012"/>
+        <p14:creationId xmlns:p14="http://schemas.microsoft.com/office/powerpoint/2010/main" xmlns="" val="3733486012"/>
       </p:ext>
     </p:extLst>
   </p:cSld>
@@ -27897,7 +27946,7 @@
     <a:masterClrMapping/>
   </p:clrMapOvr>
   <mc:AlternateContent xmlns:mc="http://schemas.openxmlformats.org/markup-compatibility/2006">
-    <mc:Choice xmlns="" xmlns:p14="http://schemas.microsoft.com/office/powerpoint/2010/main" Requires="p14">
+    <mc:Choice xmlns:p14="http://schemas.microsoft.com/office/powerpoint/2010/main" xmlns="" Requires="p14">
       <p:transition spd="med" p14:dur="700">
         <p:fade/>
       </p:transition>
@@ -28113,7 +28162,7 @@
   <a:extraClrSchemeLst/>
   <a:extLst>
     <a:ext uri="{05A4C25C-085E-4340-85A3-A5531E510DB2}">
-      <thm15:themeFamily xmlns="" xmlns:thm15="http://schemas.microsoft.com/office/thememl/2012/main" name="TF66687569_Modern blue presentation_AAS_v5" id="{C7B59113-CD15-4341-96CA-86E715D5BE98}" vid="{5A8FDAEB-3DF3-4B3C-A708-49813F8D6F85}"/>
+      <thm15:themeFamily xmlns:thm15="http://schemas.microsoft.com/office/thememl/2012/main" xmlns="" name="TF66687569_Modern blue presentation_AAS_v5" id="{C7B59113-CD15-4341-96CA-86E715D5BE98}" vid="{5A8FDAEB-3DF3-4B3C-A708-49813F8D6F85}"/>
     </a:ext>
   </a:extLst>
 </a:theme>
@@ -28408,7 +28457,7 @@
   <a:extraClrSchemeLst/>
   <a:extLst>
     <a:ext uri="{05A4C25C-085E-4340-85A3-A5531E510DB2}">
-      <thm15:themeFamily xmlns="" xmlns:thm15="http://schemas.microsoft.com/office/thememl/2012/main" name="Office Theme" id="{62F939B6-93AF-4DB8-9C6B-D6C7DFDC589F}" vid="{4A3C46E8-61CC-4603-A589-7422A47A8E4A}"/>
+      <thm15:themeFamily xmlns:thm15="http://schemas.microsoft.com/office/thememl/2012/main" xmlns="" name="Office Theme" id="{62F939B6-93AF-4DB8-9C6B-D6C7DFDC589F}" vid="{4A3C46E8-61CC-4603-A589-7422A47A8E4A}"/>
     </a:ext>
   </a:extLst>
 </a:theme>
@@ -28703,13 +28752,30 @@
   <a:extraClrSchemeLst/>
   <a:extLst>
     <a:ext uri="{05A4C25C-085E-4340-85A3-A5531E510DB2}">
-      <thm15:themeFamily xmlns="" xmlns:thm15="http://schemas.microsoft.com/office/thememl/2012/main" name="Office Theme" id="{62F939B6-93AF-4DB8-9C6B-D6C7DFDC589F}" vid="{4A3C46E8-61CC-4603-A589-7422A47A8E4A}"/>
+      <thm15:themeFamily xmlns:thm15="http://schemas.microsoft.com/office/thememl/2012/main" xmlns="" name="Office Theme" id="{62F939B6-93AF-4DB8-9C6B-D6C7DFDC589F}" vid="{4A3C46E8-61CC-4603-A589-7422A47A8E4A}"/>
     </a:ext>
   </a:extLst>
 </a:theme>
 </file>
 
 <file path=customXml/item1.xml><?xml version="1.0" encoding="utf-8"?>
+<p:properties xmlns:p="http://schemas.microsoft.com/office/2006/metadata/properties" xmlns:xsi="http://www.w3.org/2001/XMLSchema-instance" xmlns:pc="http://schemas.microsoft.com/office/infopath/2007/PartnerControls">
+  <documentManagement>
+    <MediaServiceKeyPoints xmlns="71af3243-3dd4-4a8d-8c0d-dd76da1f02a5" xsi:nil="true"/>
+  </documentManagement>
+</p:properties>
+</file>
+
+<file path=customXml/item2.xml><?xml version="1.0" encoding="utf-8"?>
+<?mso-contentType ?>
+<FormTemplates xmlns="http://schemas.microsoft.com/sharepoint/v3/contenttype/forms">
+  <Display>DocumentLibraryForm</Display>
+  <Edit>DocumentLibraryForm</Edit>
+  <New>DocumentLibraryForm</New>
+</FormTemplates>
+</file>
+
+<file path=customXml/item3.xml><?xml version="1.0" encoding="utf-8"?>
 <ct:contentTypeSchema xmlns:ct="http://schemas.microsoft.com/office/2006/metadata/contentType" xmlns:ma="http://schemas.microsoft.com/office/2006/metadata/properties/metaAttributes" ct:_="" ma:_="" ma:contentTypeName="Document" ma:contentTypeID="0x01010079F111ED35F8CC479449609E8A0923A6" ma:contentTypeVersion="11" ma:contentTypeDescription="Create a new document." ma:contentTypeScope="" ma:versionID="96291512c1ee715ab617f4c07df79fc1">
   <xsd:schema xmlns:xsd="http://www.w3.org/2001/XMLSchema" xmlns:xs="http://www.w3.org/2001/XMLSchema" xmlns:p="http://schemas.microsoft.com/office/2006/metadata/properties" xmlns:ns2="71af3243-3dd4-4a8d-8c0d-dd76da1f02a5" xmlns:ns3="16c05727-aa75-4e4a-9b5f-8a80a1165891" targetNamespace="http://schemas.microsoft.com/office/2006/metadata/properties" ma:root="true" ma:fieldsID="8256c27c40ca5c40ce1cf6c44f0205df" ns2:_="" ns3:_="">
     <xsd:import namespace="71af3243-3dd4-4a8d-8c0d-dd76da1f02a5"/>
@@ -28920,24 +28986,25 @@
 </ct:contentTypeSchema>
 </file>
 
-<file path=customXml/item2.xml><?xml version="1.0" encoding="utf-8"?>
-<?mso-contentType ?>
-<FormTemplates xmlns="http://schemas.microsoft.com/sharepoint/v3/contenttype/forms">
-  <Display>DocumentLibraryForm</Display>
-  <Edit>DocumentLibraryForm</Edit>
-  <New>DocumentLibraryForm</New>
-</FormTemplates>
+<file path=customXml/itemProps1.xml><?xml version="1.0" encoding="utf-8"?>
+<ds:datastoreItem xmlns:ds="http://schemas.openxmlformats.org/officeDocument/2006/customXml" ds:itemID="{F5757914-1161-4661-9696-421FD6935CDD}">
+  <ds:schemaRefs>
+    <ds:schemaRef ds:uri="http://schemas.microsoft.com/office/2006/metadata/properties"/>
+    <ds:schemaRef ds:uri="http://schemas.microsoft.com/office/infopath/2007/PartnerControls"/>
+    <ds:schemaRef ds:uri="71af3243-3dd4-4a8d-8c0d-dd76da1f02a5"/>
+  </ds:schemaRefs>
+</ds:datastoreItem>
 </file>
 
-<file path=customXml/item3.xml><?xml version="1.0" encoding="utf-8"?>
-<p:properties xmlns:p="http://schemas.microsoft.com/office/2006/metadata/properties" xmlns:xsi="http://www.w3.org/2001/XMLSchema-instance" xmlns:pc="http://schemas.microsoft.com/office/infopath/2007/PartnerControls">
-  <documentManagement>
-    <MediaServiceKeyPoints xmlns="71af3243-3dd4-4a8d-8c0d-dd76da1f02a5" xsi:nil="true"/>
-  </documentManagement>
-</p:properties>
+<file path=customXml/itemProps2.xml><?xml version="1.0" encoding="utf-8"?>
+<ds:datastoreItem xmlns:ds="http://schemas.openxmlformats.org/officeDocument/2006/customXml" ds:itemID="{5B26E0C9-B2AA-42E6-97B6-E1B7D9EAF129}">
+  <ds:schemaRefs>
+    <ds:schemaRef ds:uri="http://schemas.microsoft.com/sharepoint/v3/contenttype/forms"/>
+  </ds:schemaRefs>
+</ds:datastoreItem>
 </file>
 
-<file path=customXml/itemProps1.xml><?xml version="1.0" encoding="utf-8"?>
+<file path=customXml/itemProps3.xml><?xml version="1.0" encoding="utf-8"?>
 <ds:datastoreItem xmlns:ds="http://schemas.openxmlformats.org/officeDocument/2006/customXml" ds:itemID="{4C103400-4A22-4E35-B588-4C4D42638959}">
   <ds:schemaRefs>
     <ds:schemaRef ds:uri="http://schemas.microsoft.com/office/2006/metadata/contentType"/>
@@ -28954,22 +29021,4 @@
     <ds:schemaRef ds:uri="http://schemas.microsoft.com/internal/obd"/>
   </ds:schemaRefs>
 </ds:datastoreItem>
-</file>
-
-<file path=customXml/itemProps2.xml><?xml version="1.0" encoding="utf-8"?>
-<ds:datastoreItem xmlns:ds="http://schemas.openxmlformats.org/officeDocument/2006/customXml" ds:itemID="{5B26E0C9-B2AA-42E6-97B6-E1B7D9EAF129}">
-  <ds:schemaRefs>
-    <ds:schemaRef ds:uri="http://schemas.microsoft.com/sharepoint/v3/contenttype/forms"/>
-  </ds:schemaRefs>
-</ds:datastoreItem>
-</file>
-
-<file path=customXml/itemProps3.xml><?xml version="1.0" encoding="utf-8"?>
-<ds:datastoreItem xmlns:ds="http://schemas.openxmlformats.org/officeDocument/2006/customXml" ds:itemID="{F5757914-1161-4661-9696-421FD6935CDD}">
-  <ds:schemaRefs>
-    <ds:schemaRef ds:uri="http://schemas.microsoft.com/office/2006/metadata/properties"/>
-    <ds:schemaRef ds:uri="http://schemas.microsoft.com/office/infopath/2007/PartnerControls"/>
-    <ds:schemaRef ds:uri="71af3243-3dd4-4a8d-8c0d-dd76da1f02a5"/>
-  </ds:schemaRefs>
-</ds:datastoreItem>
 </file>
--- a/House Price Prediction.pptx
+++ b/House Price Prediction.pptx
@@ -5,24 +5,21 @@
     <p:sldMasterId id="2147483648" r:id="rId4"/>
   </p:sldMasterIdLst>
   <p:notesMasterIdLst>
-    <p:notesMasterId r:id="rId17"/>
+    <p:notesMasterId r:id="rId14"/>
   </p:notesMasterIdLst>
   <p:handoutMasterIdLst>
-    <p:handoutMasterId r:id="rId18"/>
+    <p:handoutMasterId r:id="rId15"/>
   </p:handoutMasterIdLst>
   <p:sldIdLst>
     <p:sldId id="256" r:id="rId5"/>
-    <p:sldId id="257" r:id="rId6"/>
-    <p:sldId id="258" r:id="rId7"/>
-    <p:sldId id="259" r:id="rId8"/>
-    <p:sldId id="272" r:id="rId9"/>
-    <p:sldId id="260" r:id="rId10"/>
-    <p:sldId id="273" r:id="rId11"/>
-    <p:sldId id="275" r:id="rId12"/>
-    <p:sldId id="276" r:id="rId13"/>
-    <p:sldId id="279" r:id="rId14"/>
-    <p:sldId id="277" r:id="rId15"/>
-    <p:sldId id="271" r:id="rId16"/>
+    <p:sldId id="258" r:id="rId6"/>
+    <p:sldId id="259" r:id="rId7"/>
+    <p:sldId id="272" r:id="rId8"/>
+    <p:sldId id="260" r:id="rId9"/>
+    <p:sldId id="273" r:id="rId10"/>
+    <p:sldId id="275" r:id="rId11"/>
+    <p:sldId id="276" r:id="rId12"/>
+    <p:sldId id="271" r:id="rId13"/>
   </p:sldIdLst>
   <p:sldSz cx="12192000" cy="6858000"/>
   <p:notesSz cx="6858000" cy="9144000"/>
@@ -123,7 +120,7 @@
   </p:defaultTextStyle>
   <p:extLst>
     <p:ext uri="{EFAFB233-063F-42B5-8137-9DF3F51BA10A}">
-      <p15:sldGuideLst xmlns:p15="http://schemas.microsoft.com/office/powerpoint/2012/main" xmlns="">
+      <p15:sldGuideLst xmlns="" xmlns:p15="http://schemas.microsoft.com/office/powerpoint/2012/main">
         <p15:guide id="1" orient="horz" pos="2160" userDrawn="1">
           <p15:clr>
             <a:srgbClr val="A4A3A4"/>
@@ -137,7 +134,7 @@
       </p15:sldGuideLst>
     </p:ext>
     <p:ext uri="{2D200454-40CA-4A62-9FC3-DE9A4176ACB9}">
-      <p15:notesGuideLst xmlns:p15="http://schemas.microsoft.com/office/powerpoint/2012/main" xmlns=""/>
+      <p15:notesGuideLst xmlns="" xmlns:p15="http://schemas.microsoft.com/office/powerpoint/2012/main"/>
     </p:ext>
   </p:extLst>
 </p:presentation>
@@ -170,7 +167,7 @@
           <p:cNvPr id="2" name="Header Placeholder 1">
             <a:extLst>
               <a:ext uri="{FF2B5EF4-FFF2-40B4-BE49-F238E27FC236}">
-                <a16:creationId xmlns:a16="http://schemas.microsoft.com/office/drawing/2014/main" xmlns="" id="{E62FF6B6-4F8A-40F7-B5F4-FC3996824D73}"/>
+                <a16:creationId xmlns="" xmlns:a16="http://schemas.microsoft.com/office/drawing/2014/main" id="{E62FF6B6-4F8A-40F7-B5F4-FC3996824D73}"/>
               </a:ext>
             </a:extLst>
           </p:cNvPr>
@@ -207,7 +204,7 @@
           <p:cNvPr id="3" name="Date Placeholder 2">
             <a:extLst>
               <a:ext uri="{FF2B5EF4-FFF2-40B4-BE49-F238E27FC236}">
-                <a16:creationId xmlns:a16="http://schemas.microsoft.com/office/drawing/2014/main" xmlns="" id="{8910A999-F365-48DF-976A-0517FE045440}"/>
+                <a16:creationId xmlns="" xmlns:a16="http://schemas.microsoft.com/office/drawing/2014/main" id="{8910A999-F365-48DF-976A-0517FE045440}"/>
               </a:ext>
             </a:extLst>
           </p:cNvPr>
@@ -238,7 +235,7 @@
             <a:fld id="{1CA5457B-CDAE-4DEB-AEC8-C82DE2312E37}" type="datetimeFigureOut">
               <a:rPr lang="en-US" smtClean="0"/>
               <a:pPr/>
-              <a:t>9/18/2021</a:t>
+              <a:t>10/22/2021</a:t>
             </a:fld>
             <a:endParaRPr lang="en-US" dirty="0"/>
           </a:p>
@@ -249,7 +246,7 @@
           <p:cNvPr id="4" name="Footer Placeholder 3">
             <a:extLst>
               <a:ext uri="{FF2B5EF4-FFF2-40B4-BE49-F238E27FC236}">
-                <a16:creationId xmlns:a16="http://schemas.microsoft.com/office/drawing/2014/main" xmlns="" id="{F8735C90-ADBF-4B9E-BE88-E1C8F83EB4D2}"/>
+                <a16:creationId xmlns="" xmlns:a16="http://schemas.microsoft.com/office/drawing/2014/main" id="{F8735C90-ADBF-4B9E-BE88-E1C8F83EB4D2}"/>
               </a:ext>
             </a:extLst>
           </p:cNvPr>
@@ -286,7 +283,7 @@
           <p:cNvPr id="5" name="Slide Number Placeholder 4">
             <a:extLst>
               <a:ext uri="{FF2B5EF4-FFF2-40B4-BE49-F238E27FC236}">
-                <a16:creationId xmlns:a16="http://schemas.microsoft.com/office/drawing/2014/main" xmlns="" id="{82506A01-6D0A-45EF-A584-05A3361D66F7}"/>
+                <a16:creationId xmlns="" xmlns:a16="http://schemas.microsoft.com/office/drawing/2014/main" id="{82506A01-6D0A-45EF-A584-05A3361D66F7}"/>
               </a:ext>
             </a:extLst>
           </p:cNvPr>
@@ -326,7 +323,7 @@
     </p:spTree>
     <p:extLst>
       <p:ext uri="{BB962C8B-B14F-4D97-AF65-F5344CB8AC3E}">
-        <p14:creationId xmlns:p14="http://schemas.microsoft.com/office/powerpoint/2010/main" xmlns="" val="1059900972"/>
+        <p14:creationId xmlns="" xmlns:p14="http://schemas.microsoft.com/office/powerpoint/2010/main" val="1059900972"/>
       </p:ext>
     </p:extLst>
   </p:cSld>
@@ -417,7 +414,7 @@
             <a:fld id="{090B78EA-28CE-41D8-9043-90E391E5F567}" type="datetimeFigureOut">
               <a:rPr lang="en-US" noProof="0" smtClean="0"/>
               <a:pPr/>
-              <a:t>9/18/2021</a:t>
+              <a:t>10/22/2021</a:t>
             </a:fld>
             <a:endParaRPr lang="en-US" noProof="0" dirty="0"/>
           </a:p>
@@ -585,7 +582,7 @@
     </p:spTree>
     <p:extLst>
       <p:ext uri="{BB962C8B-B14F-4D97-AF65-F5344CB8AC3E}">
-        <p14:creationId xmlns:p14="http://schemas.microsoft.com/office/powerpoint/2010/main" xmlns="" val="3827727106"/>
+        <p14:creationId xmlns="" xmlns:p14="http://schemas.microsoft.com/office/powerpoint/2010/main" val="3827727106"/>
       </p:ext>
     </p:extLst>
   </p:cSld>
@@ -707,7 +704,7 @@
           <p:cNvPr id="21" name="Rectangle 20">
             <a:extLst>
               <a:ext uri="{FF2B5EF4-FFF2-40B4-BE49-F238E27FC236}">
-                <a16:creationId xmlns:a16="http://schemas.microsoft.com/office/drawing/2014/main" xmlns="" id="{6E739168-A5E8-443A-B392-7AD4CF8977AD}"/>
+                <a16:creationId xmlns="" xmlns:a16="http://schemas.microsoft.com/office/drawing/2014/main" id="{6E739168-A5E8-443A-B392-7AD4CF8977AD}"/>
               </a:ext>
             </a:extLst>
           </p:cNvPr>
@@ -759,7 +756,7 @@
           <p:cNvPr id="7" name="Group 6">
             <a:extLst>
               <a:ext uri="{FF2B5EF4-FFF2-40B4-BE49-F238E27FC236}">
-                <a16:creationId xmlns:a16="http://schemas.microsoft.com/office/drawing/2014/main" xmlns="" id="{4CA15AFD-4983-47DD-9ED0-D3B27E5A096F}"/>
+                <a16:creationId xmlns="" xmlns:a16="http://schemas.microsoft.com/office/drawing/2014/main" id="{4CA15AFD-4983-47DD-9ED0-D3B27E5A096F}"/>
               </a:ext>
             </a:extLst>
           </p:cNvPr>
@@ -779,7 +776,7 @@
             <p:cNvPr id="8" name="Group 7">
               <a:extLst>
                 <a:ext uri="{FF2B5EF4-FFF2-40B4-BE49-F238E27FC236}">
-                  <a16:creationId xmlns:a16="http://schemas.microsoft.com/office/drawing/2014/main" xmlns="" id="{2222D5E2-E9B4-4180-98B8-4E514C9ADB28}"/>
+                  <a16:creationId xmlns="" xmlns:a16="http://schemas.microsoft.com/office/drawing/2014/main" id="{2222D5E2-E9B4-4180-98B8-4E514C9ADB28}"/>
                 </a:ext>
               </a:extLst>
             </p:cNvPr>
@@ -799,7 +796,7 @@
               <p:cNvPr id="15" name="Freeform: Shape 14">
                 <a:extLst>
                   <a:ext uri="{FF2B5EF4-FFF2-40B4-BE49-F238E27FC236}">
-                    <a16:creationId xmlns:a16="http://schemas.microsoft.com/office/drawing/2014/main" xmlns="" id="{41E10E1E-5268-4F03-BA64-07E19DE26739}"/>
+                    <a16:creationId xmlns="" xmlns:a16="http://schemas.microsoft.com/office/drawing/2014/main" id="{41E10E1E-5268-4F03-BA64-07E19DE26739}"/>
                   </a:ext>
                 </a:extLst>
               </p:cNvPr>
@@ -936,7 +933,7 @@
               <p:cNvPr id="16" name="Freeform: Shape 15">
                 <a:extLst>
                   <a:ext uri="{FF2B5EF4-FFF2-40B4-BE49-F238E27FC236}">
-                    <a16:creationId xmlns:a16="http://schemas.microsoft.com/office/drawing/2014/main" xmlns="" id="{B989C45D-BDFF-418F-BE79-03FF70015770}"/>
+                    <a16:creationId xmlns="" xmlns:a16="http://schemas.microsoft.com/office/drawing/2014/main" id="{B989C45D-BDFF-418F-BE79-03FF70015770}"/>
                   </a:ext>
                 </a:extLst>
               </p:cNvPr>
@@ -1100,7 +1097,7 @@
               <p:cNvPr id="17" name="Right Triangle 16">
                 <a:extLst>
                   <a:ext uri="{FF2B5EF4-FFF2-40B4-BE49-F238E27FC236}">
-                    <a16:creationId xmlns:a16="http://schemas.microsoft.com/office/drawing/2014/main" xmlns="" id="{8DCD5806-2A2F-4ABF-8057-245681C498E6}"/>
+                    <a16:creationId xmlns="" xmlns:a16="http://schemas.microsoft.com/office/drawing/2014/main" id="{8DCD5806-2A2F-4ABF-8057-245681C498E6}"/>
                   </a:ext>
                 </a:extLst>
               </p:cNvPr>
@@ -1154,7 +1151,7 @@
               <p:cNvPr id="18" name="Right Triangle 17">
                 <a:extLst>
                   <a:ext uri="{FF2B5EF4-FFF2-40B4-BE49-F238E27FC236}">
-                    <a16:creationId xmlns:a16="http://schemas.microsoft.com/office/drawing/2014/main" xmlns="" id="{3A93038F-E9E4-4FFD-B3DF-28DB7C2C1490}"/>
+                    <a16:creationId xmlns="" xmlns:a16="http://schemas.microsoft.com/office/drawing/2014/main" id="{3A93038F-E9E4-4FFD-B3DF-28DB7C2C1490}"/>
                   </a:ext>
                 </a:extLst>
               </p:cNvPr>
@@ -1211,7 +1208,7 @@
               <p:cNvPr id="19" name="Right Triangle 18">
                 <a:extLst>
                   <a:ext uri="{FF2B5EF4-FFF2-40B4-BE49-F238E27FC236}">
-                    <a16:creationId xmlns:a16="http://schemas.microsoft.com/office/drawing/2014/main" xmlns="" id="{5DEA1E02-BBD0-4AE3-AF22-433B90272178}"/>
+                    <a16:creationId xmlns="" xmlns:a16="http://schemas.microsoft.com/office/drawing/2014/main" id="{5DEA1E02-BBD0-4AE3-AF22-433B90272178}"/>
                   </a:ext>
                 </a:extLst>
               </p:cNvPr>
@@ -1265,7 +1262,7 @@
               <p:cNvPr id="20" name="Freeform: Shape 19">
                 <a:extLst>
                   <a:ext uri="{FF2B5EF4-FFF2-40B4-BE49-F238E27FC236}">
-                    <a16:creationId xmlns:a16="http://schemas.microsoft.com/office/drawing/2014/main" xmlns="" id="{0027A677-9ACB-4264-B148-4806678FB83F}"/>
+                    <a16:creationId xmlns="" xmlns:a16="http://schemas.microsoft.com/office/drawing/2014/main" id="{0027A677-9ACB-4264-B148-4806678FB83F}"/>
                   </a:ext>
                 </a:extLst>
               </p:cNvPr>
@@ -1428,7 +1425,7 @@
             <p:cNvPr id="9" name="Freeform: Shape 12">
               <a:extLst>
                 <a:ext uri="{FF2B5EF4-FFF2-40B4-BE49-F238E27FC236}">
-                  <a16:creationId xmlns:a16="http://schemas.microsoft.com/office/drawing/2014/main" xmlns="" id="{E3AAB79D-382D-4A95-965E-526B6A681DA7}"/>
+                  <a16:creationId xmlns="" xmlns:a16="http://schemas.microsoft.com/office/drawing/2014/main" id="{E3AAB79D-382D-4A95-965E-526B6A681DA7}"/>
                 </a:ext>
               </a:extLst>
             </p:cNvPr>
@@ -1518,7 +1515,7 @@
             <p:cNvPr id="10" name="Freeform: Shape 9">
               <a:extLst>
                 <a:ext uri="{FF2B5EF4-FFF2-40B4-BE49-F238E27FC236}">
-                  <a16:creationId xmlns:a16="http://schemas.microsoft.com/office/drawing/2014/main" xmlns="" id="{C0A22127-2B4A-4B15-B0A9-F019A30347A1}"/>
+                  <a16:creationId xmlns="" xmlns:a16="http://schemas.microsoft.com/office/drawing/2014/main" id="{C0A22127-2B4A-4B15-B0A9-F019A30347A1}"/>
                 </a:ext>
               </a:extLst>
             </p:cNvPr>
@@ -1621,7 +1618,7 @@
             <p:cNvPr id="11" name="Freeform: Shape 12">
               <a:extLst>
                 <a:ext uri="{FF2B5EF4-FFF2-40B4-BE49-F238E27FC236}">
-                  <a16:creationId xmlns:a16="http://schemas.microsoft.com/office/drawing/2014/main" xmlns="" id="{F04D9FDC-1B67-4254-9535-CD32E81F0C3E}"/>
+                  <a16:creationId xmlns="" xmlns:a16="http://schemas.microsoft.com/office/drawing/2014/main" id="{F04D9FDC-1B67-4254-9535-CD32E81F0C3E}"/>
                 </a:ext>
               </a:extLst>
             </p:cNvPr>
@@ -1719,7 +1716,7 @@
             <p:cNvPr id="12" name="Group 11">
               <a:extLst>
                 <a:ext uri="{FF2B5EF4-FFF2-40B4-BE49-F238E27FC236}">
-                  <a16:creationId xmlns:a16="http://schemas.microsoft.com/office/drawing/2014/main" xmlns="" id="{0A86C4EA-4CF8-4531-845D-4FCB1E2F7422}"/>
+                  <a16:creationId xmlns="" xmlns:a16="http://schemas.microsoft.com/office/drawing/2014/main" id="{0A86C4EA-4CF8-4531-845D-4FCB1E2F7422}"/>
                 </a:ext>
               </a:extLst>
             </p:cNvPr>
@@ -1739,7 +1736,7 @@
               <p:cNvPr id="13" name="Freeform: Shape 12">
                 <a:extLst>
                   <a:ext uri="{FF2B5EF4-FFF2-40B4-BE49-F238E27FC236}">
-                    <a16:creationId xmlns:a16="http://schemas.microsoft.com/office/drawing/2014/main" xmlns="" id="{1101B195-C112-4D20-8D19-4D22479B150D}"/>
+                    <a16:creationId xmlns="" xmlns:a16="http://schemas.microsoft.com/office/drawing/2014/main" id="{1101B195-C112-4D20-8D19-4D22479B150D}"/>
                   </a:ext>
                 </a:extLst>
               </p:cNvPr>
@@ -1829,7 +1826,7 @@
               <p:cNvPr id="14" name="Freeform: Shape 12">
                 <a:extLst>
                   <a:ext uri="{FF2B5EF4-FFF2-40B4-BE49-F238E27FC236}">
-                    <a16:creationId xmlns:a16="http://schemas.microsoft.com/office/drawing/2014/main" xmlns="" id="{CA755F1F-9955-4CBB-8F34-F7801CA44CE7}"/>
+                    <a16:creationId xmlns="" xmlns:a16="http://schemas.microsoft.com/office/drawing/2014/main" id="{CA755F1F-9955-4CBB-8F34-F7801CA44CE7}"/>
                   </a:ext>
                 </a:extLst>
               </p:cNvPr>
@@ -1929,7 +1926,7 @@
           <p:cNvPr id="2" name="Title 1">
             <a:extLst>
               <a:ext uri="{FF2B5EF4-FFF2-40B4-BE49-F238E27FC236}">
-                <a16:creationId xmlns:a16="http://schemas.microsoft.com/office/drawing/2014/main" xmlns="" id="{9E597736-C478-4C26-9BAF-205FE31E977C}"/>
+                <a16:creationId xmlns="" xmlns:a16="http://schemas.microsoft.com/office/drawing/2014/main" id="{9E597736-C478-4C26-9BAF-205FE31E977C}"/>
               </a:ext>
             </a:extLst>
           </p:cNvPr>
@@ -1976,7 +1973,7 @@
           <p:cNvPr id="3" name="Subtitle 2">
             <a:extLst>
               <a:ext uri="{FF2B5EF4-FFF2-40B4-BE49-F238E27FC236}">
-                <a16:creationId xmlns:a16="http://schemas.microsoft.com/office/drawing/2014/main" xmlns="" id="{C3D2DEF0-A0B0-4CFE-B67D-A9D75E2368DC}"/>
+                <a16:creationId xmlns="" xmlns:a16="http://schemas.microsoft.com/office/drawing/2014/main" id="{C3D2DEF0-A0B0-4CFE-B67D-A9D75E2368DC}"/>
               </a:ext>
             </a:extLst>
           </p:cNvPr>
@@ -2021,7 +2018,7 @@
     </p:spTree>
     <p:extLst>
       <p:ext uri="{BB962C8B-B14F-4D97-AF65-F5344CB8AC3E}">
-        <p14:creationId xmlns:p14="http://schemas.microsoft.com/office/powerpoint/2010/main" xmlns="" val="436959625"/>
+        <p14:creationId xmlns="" xmlns:p14="http://schemas.microsoft.com/office/powerpoint/2010/main" val="436959625"/>
       </p:ext>
     </p:extLst>
   </p:cSld>
@@ -2061,7 +2058,7 @@
           <p:cNvPr id="11" name="Rectangle 10">
             <a:extLst>
               <a:ext uri="{FF2B5EF4-FFF2-40B4-BE49-F238E27FC236}">
-                <a16:creationId xmlns:a16="http://schemas.microsoft.com/office/drawing/2014/main" xmlns="" id="{EB3E033F-4449-40FA-BC85-BD2712D313DD}"/>
+                <a16:creationId xmlns="" xmlns:a16="http://schemas.microsoft.com/office/drawing/2014/main" id="{EB3E033F-4449-40FA-BC85-BD2712D313DD}"/>
               </a:ext>
             </a:extLst>
           </p:cNvPr>
@@ -2115,7 +2112,7 @@
           <p:cNvPr id="10" name="Freeform: Shape 9">
             <a:extLst>
               <a:ext uri="{FF2B5EF4-FFF2-40B4-BE49-F238E27FC236}">
-                <a16:creationId xmlns:a16="http://schemas.microsoft.com/office/drawing/2014/main" xmlns="" id="{63D26743-0505-444C-80B3-E88EE87DF72B}"/>
+                <a16:creationId xmlns="" xmlns:a16="http://schemas.microsoft.com/office/drawing/2014/main" id="{63D26743-0505-444C-80B3-E88EE87DF72B}"/>
               </a:ext>
             </a:extLst>
           </p:cNvPr>
@@ -2238,7 +2235,7 @@
           <p:cNvPr id="18" name="Freeform: Shape 17">
             <a:extLst>
               <a:ext uri="{FF2B5EF4-FFF2-40B4-BE49-F238E27FC236}">
-                <a16:creationId xmlns:a16="http://schemas.microsoft.com/office/drawing/2014/main" xmlns="" id="{E37145E9-AC61-47D5-9288-8789940F81B6}"/>
+                <a16:creationId xmlns="" xmlns:a16="http://schemas.microsoft.com/office/drawing/2014/main" id="{E37145E9-AC61-47D5-9288-8789940F81B6}"/>
               </a:ext>
             </a:extLst>
           </p:cNvPr>
@@ -2390,7 +2387,7 @@
           <p:cNvPr id="12" name="Freeform: Shape 11">
             <a:extLst>
               <a:ext uri="{FF2B5EF4-FFF2-40B4-BE49-F238E27FC236}">
-                <a16:creationId xmlns:a16="http://schemas.microsoft.com/office/drawing/2014/main" xmlns="" id="{A5E2B3ED-9A49-40A7-B8A3-62595FE513F9}"/>
+                <a16:creationId xmlns="" xmlns:a16="http://schemas.microsoft.com/office/drawing/2014/main" id="{A5E2B3ED-9A49-40A7-B8A3-62595FE513F9}"/>
               </a:ext>
             </a:extLst>
           </p:cNvPr>
@@ -2540,7 +2537,7 @@
           <p:cNvPr id="8" name="Freeform: Shape 7">
             <a:extLst>
               <a:ext uri="{FF2B5EF4-FFF2-40B4-BE49-F238E27FC236}">
-                <a16:creationId xmlns:a16="http://schemas.microsoft.com/office/drawing/2014/main" xmlns="" id="{1599AF7E-3E34-4597-AA72-9373A7FDB020}"/>
+                <a16:creationId xmlns="" xmlns:a16="http://schemas.microsoft.com/office/drawing/2014/main" id="{1599AF7E-3E34-4597-AA72-9373A7FDB020}"/>
               </a:ext>
             </a:extLst>
           </p:cNvPr>
@@ -2686,7 +2683,7 @@
           <p:cNvPr id="2" name="Title 1">
             <a:extLst>
               <a:ext uri="{FF2B5EF4-FFF2-40B4-BE49-F238E27FC236}">
-                <a16:creationId xmlns:a16="http://schemas.microsoft.com/office/drawing/2014/main" xmlns="" id="{4A2DF563-7FAC-46B3-B24C-7E45CD89DA2B}"/>
+                <a16:creationId xmlns="" xmlns:a16="http://schemas.microsoft.com/office/drawing/2014/main" id="{4A2DF563-7FAC-46B3-B24C-7E45CD89DA2B}"/>
               </a:ext>
             </a:extLst>
           </p:cNvPr>
@@ -2731,7 +2728,7 @@
           <p:cNvPr id="15" name="Group 14">
             <a:extLst>
               <a:ext uri="{FF2B5EF4-FFF2-40B4-BE49-F238E27FC236}">
-                <a16:creationId xmlns:a16="http://schemas.microsoft.com/office/drawing/2014/main" xmlns="" id="{7732E1E7-45E3-4264-8F26-66758696DD1E}"/>
+                <a16:creationId xmlns="" xmlns:a16="http://schemas.microsoft.com/office/drawing/2014/main" id="{7732E1E7-45E3-4264-8F26-66758696DD1E}"/>
               </a:ext>
             </a:extLst>
           </p:cNvPr>
@@ -2751,7 +2748,7 @@
             <p:cNvPr id="16" name="Freeform: Shape 15">
               <a:extLst>
                 <a:ext uri="{FF2B5EF4-FFF2-40B4-BE49-F238E27FC236}">
-                  <a16:creationId xmlns:a16="http://schemas.microsoft.com/office/drawing/2014/main" xmlns="" id="{2E3DF883-8093-49FA-81E1-E5D77F086A25}"/>
+                  <a16:creationId xmlns="" xmlns:a16="http://schemas.microsoft.com/office/drawing/2014/main" id="{2E3DF883-8093-49FA-81E1-E5D77F086A25}"/>
                 </a:ext>
               </a:extLst>
             </p:cNvPr>
@@ -2841,7 +2838,7 @@
             <p:cNvPr id="17" name="Freeform: Shape 16">
               <a:extLst>
                 <a:ext uri="{FF2B5EF4-FFF2-40B4-BE49-F238E27FC236}">
-                  <a16:creationId xmlns:a16="http://schemas.microsoft.com/office/drawing/2014/main" xmlns="" id="{18944C90-37E5-4BBE-89FF-060627168050}"/>
+                  <a16:creationId xmlns="" xmlns:a16="http://schemas.microsoft.com/office/drawing/2014/main" id="{18944C90-37E5-4BBE-89FF-060627168050}"/>
                 </a:ext>
               </a:extLst>
             </p:cNvPr>
@@ -2940,7 +2937,7 @@
           <p:cNvPr id="6" name="Group 5">
             <a:extLst>
               <a:ext uri="{FF2B5EF4-FFF2-40B4-BE49-F238E27FC236}">
-                <a16:creationId xmlns:a16="http://schemas.microsoft.com/office/drawing/2014/main" xmlns="" id="{D9EBF8BB-A805-4DDB-B459-082F99815B95}"/>
+                <a16:creationId xmlns="" xmlns:a16="http://schemas.microsoft.com/office/drawing/2014/main" id="{D9EBF8BB-A805-4DDB-B459-082F99815B95}"/>
               </a:ext>
             </a:extLst>
           </p:cNvPr>
@@ -2960,7 +2957,7 @@
             <p:cNvPr id="19" name="Rectangle: Single Corner Snipped 18">
               <a:extLst>
                 <a:ext uri="{FF2B5EF4-FFF2-40B4-BE49-F238E27FC236}">
-                  <a16:creationId xmlns:a16="http://schemas.microsoft.com/office/drawing/2014/main" xmlns="" id="{5D638788-DD47-45E7-939A-FA108A818173}"/>
+                  <a16:creationId xmlns="" xmlns:a16="http://schemas.microsoft.com/office/drawing/2014/main" id="{5D638788-DD47-45E7-939A-FA108A818173}"/>
                 </a:ext>
               </a:extLst>
             </p:cNvPr>
@@ -3026,7 +3023,7 @@
             <p:cNvPr id="3" name="Rectangle: Single Corner Snipped 2">
               <a:extLst>
                 <a:ext uri="{FF2B5EF4-FFF2-40B4-BE49-F238E27FC236}">
-                  <a16:creationId xmlns:a16="http://schemas.microsoft.com/office/drawing/2014/main" xmlns="" id="{74BDECEF-EEFE-4332-B3B2-BDE4F82C10FC}"/>
+                  <a16:creationId xmlns="" xmlns:a16="http://schemas.microsoft.com/office/drawing/2014/main" id="{74BDECEF-EEFE-4332-B3B2-BDE4F82C10FC}"/>
                 </a:ext>
               </a:extLst>
             </p:cNvPr>
@@ -3083,7 +3080,7 @@
           <p:cNvPr id="24" name="Freeform: Shape 23">
             <a:extLst>
               <a:ext uri="{FF2B5EF4-FFF2-40B4-BE49-F238E27FC236}">
-                <a16:creationId xmlns:a16="http://schemas.microsoft.com/office/drawing/2014/main" xmlns="" id="{18103E00-7E4A-44CD-81AC-06433CAE1110}"/>
+                <a16:creationId xmlns="" xmlns:a16="http://schemas.microsoft.com/office/drawing/2014/main" id="{18103E00-7E4A-44CD-81AC-06433CAE1110}"/>
               </a:ext>
             </a:extLst>
           </p:cNvPr>
@@ -3178,7 +3175,7 @@
           <p:cNvPr id="5" name="Slide Number Placeholder 4">
             <a:extLst>
               <a:ext uri="{FF2B5EF4-FFF2-40B4-BE49-F238E27FC236}">
-                <a16:creationId xmlns:a16="http://schemas.microsoft.com/office/drawing/2014/main" xmlns="" id="{87B51822-97FF-47A7-8E4E-A0F79B4EB237}"/>
+                <a16:creationId xmlns="" xmlns:a16="http://schemas.microsoft.com/office/drawing/2014/main" id="{87B51822-97FF-47A7-8E4E-A0F79B4EB237}"/>
               </a:ext>
             </a:extLst>
           </p:cNvPr>
@@ -3222,7 +3219,7 @@
           <p:cNvPr id="20" name="Content Placeholder 2">
             <a:extLst>
               <a:ext uri="{FF2B5EF4-FFF2-40B4-BE49-F238E27FC236}">
-                <a16:creationId xmlns:a16="http://schemas.microsoft.com/office/drawing/2014/main" xmlns="" id="{FE796BFF-6E5F-4DE7-B193-F501FC094D63}"/>
+                <a16:creationId xmlns="" xmlns:a16="http://schemas.microsoft.com/office/drawing/2014/main" id="{FE796BFF-6E5F-4DE7-B193-F501FC094D63}"/>
               </a:ext>
             </a:extLst>
           </p:cNvPr>
@@ -3332,7 +3329,7 @@
           <p:cNvPr id="21" name="Content Placeholder 3">
             <a:extLst>
               <a:ext uri="{FF2B5EF4-FFF2-40B4-BE49-F238E27FC236}">
-                <a16:creationId xmlns:a16="http://schemas.microsoft.com/office/drawing/2014/main" xmlns="" id="{78622754-CA4D-4C27-A37F-B26E7B4C9CA2}"/>
+                <a16:creationId xmlns="" xmlns:a16="http://schemas.microsoft.com/office/drawing/2014/main" id="{78622754-CA4D-4C27-A37F-B26E7B4C9CA2}"/>
               </a:ext>
             </a:extLst>
           </p:cNvPr>
@@ -3430,7 +3427,7 @@
     </p:spTree>
     <p:extLst>
       <p:ext uri="{BB962C8B-B14F-4D97-AF65-F5344CB8AC3E}">
-        <p14:creationId xmlns:p14="http://schemas.microsoft.com/office/powerpoint/2010/main" xmlns="" val="999597857"/>
+        <p14:creationId xmlns="" xmlns:p14="http://schemas.microsoft.com/office/powerpoint/2010/main" val="999597857"/>
       </p:ext>
     </p:extLst>
   </p:cSld>
@@ -3470,7 +3467,7 @@
           <p:cNvPr id="11" name="Rectangle 10">
             <a:extLst>
               <a:ext uri="{FF2B5EF4-FFF2-40B4-BE49-F238E27FC236}">
-                <a16:creationId xmlns:a16="http://schemas.microsoft.com/office/drawing/2014/main" xmlns="" id="{EB3E033F-4449-40FA-BC85-BD2712D313DD}"/>
+                <a16:creationId xmlns="" xmlns:a16="http://schemas.microsoft.com/office/drawing/2014/main" id="{EB3E033F-4449-40FA-BC85-BD2712D313DD}"/>
               </a:ext>
             </a:extLst>
           </p:cNvPr>
@@ -3524,7 +3521,7 @@
           <p:cNvPr id="10" name="Freeform: Shape 9">
             <a:extLst>
               <a:ext uri="{FF2B5EF4-FFF2-40B4-BE49-F238E27FC236}">
-                <a16:creationId xmlns:a16="http://schemas.microsoft.com/office/drawing/2014/main" xmlns="" id="{63D26743-0505-444C-80B3-E88EE87DF72B}"/>
+                <a16:creationId xmlns="" xmlns:a16="http://schemas.microsoft.com/office/drawing/2014/main" id="{63D26743-0505-444C-80B3-E88EE87DF72B}"/>
               </a:ext>
             </a:extLst>
           </p:cNvPr>
@@ -3647,7 +3644,7 @@
           <p:cNvPr id="18" name="Freeform: Shape 17">
             <a:extLst>
               <a:ext uri="{FF2B5EF4-FFF2-40B4-BE49-F238E27FC236}">
-                <a16:creationId xmlns:a16="http://schemas.microsoft.com/office/drawing/2014/main" xmlns="" id="{E37145E9-AC61-47D5-9288-8789940F81B6}"/>
+                <a16:creationId xmlns="" xmlns:a16="http://schemas.microsoft.com/office/drawing/2014/main" id="{E37145E9-AC61-47D5-9288-8789940F81B6}"/>
               </a:ext>
             </a:extLst>
           </p:cNvPr>
@@ -3799,7 +3796,7 @@
           <p:cNvPr id="12" name="Freeform: Shape 11">
             <a:extLst>
               <a:ext uri="{FF2B5EF4-FFF2-40B4-BE49-F238E27FC236}">
-                <a16:creationId xmlns:a16="http://schemas.microsoft.com/office/drawing/2014/main" xmlns="" id="{A5E2B3ED-9A49-40A7-B8A3-62595FE513F9}"/>
+                <a16:creationId xmlns="" xmlns:a16="http://schemas.microsoft.com/office/drawing/2014/main" id="{A5E2B3ED-9A49-40A7-B8A3-62595FE513F9}"/>
               </a:ext>
             </a:extLst>
           </p:cNvPr>
@@ -3949,7 +3946,7 @@
           <p:cNvPr id="8" name="Freeform: Shape 7">
             <a:extLst>
               <a:ext uri="{FF2B5EF4-FFF2-40B4-BE49-F238E27FC236}">
-                <a16:creationId xmlns:a16="http://schemas.microsoft.com/office/drawing/2014/main" xmlns="" id="{1599AF7E-3E34-4597-AA72-9373A7FDB020}"/>
+                <a16:creationId xmlns="" xmlns:a16="http://schemas.microsoft.com/office/drawing/2014/main" id="{1599AF7E-3E34-4597-AA72-9373A7FDB020}"/>
               </a:ext>
             </a:extLst>
           </p:cNvPr>
@@ -4095,7 +4092,7 @@
           <p:cNvPr id="2" name="Title 1">
             <a:extLst>
               <a:ext uri="{FF2B5EF4-FFF2-40B4-BE49-F238E27FC236}">
-                <a16:creationId xmlns:a16="http://schemas.microsoft.com/office/drawing/2014/main" xmlns="" id="{4A2DF563-7FAC-46B3-B24C-7E45CD89DA2B}"/>
+                <a16:creationId xmlns="" xmlns:a16="http://schemas.microsoft.com/office/drawing/2014/main" id="{4A2DF563-7FAC-46B3-B24C-7E45CD89DA2B}"/>
               </a:ext>
             </a:extLst>
           </p:cNvPr>
@@ -4140,7 +4137,7 @@
           <p:cNvPr id="15" name="Group 14">
             <a:extLst>
               <a:ext uri="{FF2B5EF4-FFF2-40B4-BE49-F238E27FC236}">
-                <a16:creationId xmlns:a16="http://schemas.microsoft.com/office/drawing/2014/main" xmlns="" id="{7732E1E7-45E3-4264-8F26-66758696DD1E}"/>
+                <a16:creationId xmlns="" xmlns:a16="http://schemas.microsoft.com/office/drawing/2014/main" id="{7732E1E7-45E3-4264-8F26-66758696DD1E}"/>
               </a:ext>
             </a:extLst>
           </p:cNvPr>
@@ -4160,7 +4157,7 @@
             <p:cNvPr id="16" name="Freeform: Shape 15">
               <a:extLst>
                 <a:ext uri="{FF2B5EF4-FFF2-40B4-BE49-F238E27FC236}">
-                  <a16:creationId xmlns:a16="http://schemas.microsoft.com/office/drawing/2014/main" xmlns="" id="{2E3DF883-8093-49FA-81E1-E5D77F086A25}"/>
+                  <a16:creationId xmlns="" xmlns:a16="http://schemas.microsoft.com/office/drawing/2014/main" id="{2E3DF883-8093-49FA-81E1-E5D77F086A25}"/>
                 </a:ext>
               </a:extLst>
             </p:cNvPr>
@@ -4250,7 +4247,7 @@
             <p:cNvPr id="17" name="Freeform: Shape 16">
               <a:extLst>
                 <a:ext uri="{FF2B5EF4-FFF2-40B4-BE49-F238E27FC236}">
-                  <a16:creationId xmlns:a16="http://schemas.microsoft.com/office/drawing/2014/main" xmlns="" id="{18944C90-37E5-4BBE-89FF-060627168050}"/>
+                  <a16:creationId xmlns="" xmlns:a16="http://schemas.microsoft.com/office/drawing/2014/main" id="{18944C90-37E5-4BBE-89FF-060627168050}"/>
                 </a:ext>
               </a:extLst>
             </p:cNvPr>
@@ -4349,7 +4346,7 @@
           <p:cNvPr id="6" name="Group 5">
             <a:extLst>
               <a:ext uri="{FF2B5EF4-FFF2-40B4-BE49-F238E27FC236}">
-                <a16:creationId xmlns:a16="http://schemas.microsoft.com/office/drawing/2014/main" xmlns="" id="{D9EBF8BB-A805-4DDB-B459-082F99815B95}"/>
+                <a16:creationId xmlns="" xmlns:a16="http://schemas.microsoft.com/office/drawing/2014/main" id="{D9EBF8BB-A805-4DDB-B459-082F99815B95}"/>
               </a:ext>
             </a:extLst>
           </p:cNvPr>
@@ -4369,7 +4366,7 @@
             <p:cNvPr id="19" name="Rectangle: Single Corner Snipped 18">
               <a:extLst>
                 <a:ext uri="{FF2B5EF4-FFF2-40B4-BE49-F238E27FC236}">
-                  <a16:creationId xmlns:a16="http://schemas.microsoft.com/office/drawing/2014/main" xmlns="" id="{5D638788-DD47-45E7-939A-FA108A818173}"/>
+                  <a16:creationId xmlns="" xmlns:a16="http://schemas.microsoft.com/office/drawing/2014/main" id="{5D638788-DD47-45E7-939A-FA108A818173}"/>
                 </a:ext>
               </a:extLst>
             </p:cNvPr>
@@ -4430,7 +4427,7 @@
             <p:cNvPr id="3" name="Rectangle: Single Corner Snipped 2">
               <a:extLst>
                 <a:ext uri="{FF2B5EF4-FFF2-40B4-BE49-F238E27FC236}">
-                  <a16:creationId xmlns:a16="http://schemas.microsoft.com/office/drawing/2014/main" xmlns="" id="{74BDECEF-EEFE-4332-B3B2-BDE4F82C10FC}"/>
+                  <a16:creationId xmlns="" xmlns:a16="http://schemas.microsoft.com/office/drawing/2014/main" id="{74BDECEF-EEFE-4332-B3B2-BDE4F82C10FC}"/>
                 </a:ext>
               </a:extLst>
             </p:cNvPr>
@@ -4487,7 +4484,7 @@
           <p:cNvPr id="20" name="Picture Placeholder 8">
             <a:extLst>
               <a:ext uri="{FF2B5EF4-FFF2-40B4-BE49-F238E27FC236}">
-                <a16:creationId xmlns:a16="http://schemas.microsoft.com/office/drawing/2014/main" xmlns="" id="{6D00E6B4-1CBE-404E-B943-5F1832320C1C}"/>
+                <a16:creationId xmlns="" xmlns:a16="http://schemas.microsoft.com/office/drawing/2014/main" id="{6D00E6B4-1CBE-404E-B943-5F1832320C1C}"/>
               </a:ext>
             </a:extLst>
           </p:cNvPr>
@@ -4549,7 +4546,7 @@
           <p:cNvPr id="21" name="Picture Placeholder 8">
             <a:extLst>
               <a:ext uri="{FF2B5EF4-FFF2-40B4-BE49-F238E27FC236}">
-                <a16:creationId xmlns:a16="http://schemas.microsoft.com/office/drawing/2014/main" xmlns="" id="{7CD59BFD-62BE-4E33-92A5-B84A2A9A8D3B}"/>
+                <a16:creationId xmlns="" xmlns:a16="http://schemas.microsoft.com/office/drawing/2014/main" id="{7CD59BFD-62BE-4E33-92A5-B84A2A9A8D3B}"/>
               </a:ext>
             </a:extLst>
           </p:cNvPr>
@@ -4611,7 +4608,7 @@
           <p:cNvPr id="22" name="Picture Placeholder 8">
             <a:extLst>
               <a:ext uri="{FF2B5EF4-FFF2-40B4-BE49-F238E27FC236}">
-                <a16:creationId xmlns:a16="http://schemas.microsoft.com/office/drawing/2014/main" xmlns="" id="{60DC5978-55B8-421D-91B4-29F8210A7B2C}"/>
+                <a16:creationId xmlns="" xmlns:a16="http://schemas.microsoft.com/office/drawing/2014/main" id="{60DC5978-55B8-421D-91B4-29F8210A7B2C}"/>
               </a:ext>
             </a:extLst>
           </p:cNvPr>
@@ -4673,7 +4670,7 @@
           <p:cNvPr id="23" name="Picture Placeholder 8">
             <a:extLst>
               <a:ext uri="{FF2B5EF4-FFF2-40B4-BE49-F238E27FC236}">
-                <a16:creationId xmlns:a16="http://schemas.microsoft.com/office/drawing/2014/main" xmlns="" id="{BE3FB8C3-2C7E-4C59-8BD5-53FA2772DB56}"/>
+                <a16:creationId xmlns="" xmlns:a16="http://schemas.microsoft.com/office/drawing/2014/main" id="{BE3FB8C3-2C7E-4C59-8BD5-53FA2772DB56}"/>
               </a:ext>
             </a:extLst>
           </p:cNvPr>
@@ -4735,7 +4732,7 @@
           <p:cNvPr id="24" name="Picture Placeholder 8">
             <a:extLst>
               <a:ext uri="{FF2B5EF4-FFF2-40B4-BE49-F238E27FC236}">
-                <a16:creationId xmlns:a16="http://schemas.microsoft.com/office/drawing/2014/main" xmlns="" id="{FD8FA9DA-C36B-4889-B88F-28B5829E53E2}"/>
+                <a16:creationId xmlns="" xmlns:a16="http://schemas.microsoft.com/office/drawing/2014/main" id="{FD8FA9DA-C36B-4889-B88F-28B5829E53E2}"/>
               </a:ext>
             </a:extLst>
           </p:cNvPr>
@@ -4797,7 +4794,7 @@
           <p:cNvPr id="26" name="Text Placeholder 22">
             <a:extLst>
               <a:ext uri="{FF2B5EF4-FFF2-40B4-BE49-F238E27FC236}">
-                <a16:creationId xmlns:a16="http://schemas.microsoft.com/office/drawing/2014/main" xmlns="" id="{2A19101D-7C37-42BF-8167-5391EA65EC3A}"/>
+                <a16:creationId xmlns="" xmlns:a16="http://schemas.microsoft.com/office/drawing/2014/main" id="{2A19101D-7C37-42BF-8167-5391EA65EC3A}"/>
               </a:ext>
             </a:extLst>
           </p:cNvPr>
@@ -4907,7 +4904,7 @@
           <p:cNvPr id="27" name="Text Placeholder 22">
             <a:extLst>
               <a:ext uri="{FF2B5EF4-FFF2-40B4-BE49-F238E27FC236}">
-                <a16:creationId xmlns:a16="http://schemas.microsoft.com/office/drawing/2014/main" xmlns="" id="{05F72315-51A9-431C-B80A-45E4FB1D6BD6}"/>
+                <a16:creationId xmlns="" xmlns:a16="http://schemas.microsoft.com/office/drawing/2014/main" id="{05F72315-51A9-431C-B80A-45E4FB1D6BD6}"/>
               </a:ext>
             </a:extLst>
           </p:cNvPr>
@@ -5017,7 +5014,7 @@
           <p:cNvPr id="28" name="Text Placeholder 22">
             <a:extLst>
               <a:ext uri="{FF2B5EF4-FFF2-40B4-BE49-F238E27FC236}">
-                <a16:creationId xmlns:a16="http://schemas.microsoft.com/office/drawing/2014/main" xmlns="" id="{883D1F0C-34F1-46E1-B178-E4AB82B14631}"/>
+                <a16:creationId xmlns="" xmlns:a16="http://schemas.microsoft.com/office/drawing/2014/main" id="{883D1F0C-34F1-46E1-B178-E4AB82B14631}"/>
               </a:ext>
             </a:extLst>
           </p:cNvPr>
@@ -5127,7 +5124,7 @@
           <p:cNvPr id="29" name="Text Placeholder 22">
             <a:extLst>
               <a:ext uri="{FF2B5EF4-FFF2-40B4-BE49-F238E27FC236}">
-                <a16:creationId xmlns:a16="http://schemas.microsoft.com/office/drawing/2014/main" xmlns="" id="{7202A849-DF14-40E7-B38D-1185F72603EC}"/>
+                <a16:creationId xmlns="" xmlns:a16="http://schemas.microsoft.com/office/drawing/2014/main" id="{7202A849-DF14-40E7-B38D-1185F72603EC}"/>
               </a:ext>
             </a:extLst>
           </p:cNvPr>
@@ -5237,7 +5234,7 @@
           <p:cNvPr id="30" name="Text Placeholder 22">
             <a:extLst>
               <a:ext uri="{FF2B5EF4-FFF2-40B4-BE49-F238E27FC236}">
-                <a16:creationId xmlns:a16="http://schemas.microsoft.com/office/drawing/2014/main" xmlns="" id="{CCFC1ADF-AC11-4CCD-AC2D-478B6FFEA5EA}"/>
+                <a16:creationId xmlns="" xmlns:a16="http://schemas.microsoft.com/office/drawing/2014/main" id="{CCFC1ADF-AC11-4CCD-AC2D-478B6FFEA5EA}"/>
               </a:ext>
             </a:extLst>
           </p:cNvPr>
@@ -5347,7 +5344,7 @@
           <p:cNvPr id="7" name="Straight Connector 6">
             <a:extLst>
               <a:ext uri="{FF2B5EF4-FFF2-40B4-BE49-F238E27FC236}">
-                <a16:creationId xmlns:a16="http://schemas.microsoft.com/office/drawing/2014/main" xmlns="" id="{2B4CB326-DA0E-488E-B236-7017E8438FBB}"/>
+                <a16:creationId xmlns="" xmlns:a16="http://schemas.microsoft.com/office/drawing/2014/main" id="{2B4CB326-DA0E-488E-B236-7017E8438FBB}"/>
               </a:ext>
             </a:extLst>
           </p:cNvPr>
@@ -5388,7 +5385,7 @@
           <p:cNvPr id="31" name="Straight Connector 30">
             <a:extLst>
               <a:ext uri="{FF2B5EF4-FFF2-40B4-BE49-F238E27FC236}">
-                <a16:creationId xmlns:a16="http://schemas.microsoft.com/office/drawing/2014/main" xmlns="" id="{9366B533-7212-4A36-9CE2-D6302E721F8F}"/>
+                <a16:creationId xmlns="" xmlns:a16="http://schemas.microsoft.com/office/drawing/2014/main" id="{9366B533-7212-4A36-9CE2-D6302E721F8F}"/>
               </a:ext>
             </a:extLst>
           </p:cNvPr>
@@ -5429,7 +5426,7 @@
           <p:cNvPr id="32" name="Straight Connector 31">
             <a:extLst>
               <a:ext uri="{FF2B5EF4-FFF2-40B4-BE49-F238E27FC236}">
-                <a16:creationId xmlns:a16="http://schemas.microsoft.com/office/drawing/2014/main" xmlns="" id="{AD7474CD-E230-4E14-8274-5E20F673F401}"/>
+                <a16:creationId xmlns="" xmlns:a16="http://schemas.microsoft.com/office/drawing/2014/main" id="{AD7474CD-E230-4E14-8274-5E20F673F401}"/>
               </a:ext>
             </a:extLst>
           </p:cNvPr>
@@ -5470,7 +5467,7 @@
           <p:cNvPr id="33" name="Straight Connector 32">
             <a:extLst>
               <a:ext uri="{FF2B5EF4-FFF2-40B4-BE49-F238E27FC236}">
-                <a16:creationId xmlns:a16="http://schemas.microsoft.com/office/drawing/2014/main" xmlns="" id="{6BF71FCE-6F39-4D2F-82BE-7D9F1D2ED59F}"/>
+                <a16:creationId xmlns="" xmlns:a16="http://schemas.microsoft.com/office/drawing/2014/main" id="{6BF71FCE-6F39-4D2F-82BE-7D9F1D2ED59F}"/>
               </a:ext>
             </a:extLst>
           </p:cNvPr>
@@ -5511,7 +5508,7 @@
           <p:cNvPr id="34" name="Straight Connector 33">
             <a:extLst>
               <a:ext uri="{FF2B5EF4-FFF2-40B4-BE49-F238E27FC236}">
-                <a16:creationId xmlns:a16="http://schemas.microsoft.com/office/drawing/2014/main" xmlns="" id="{AE97AC7A-17D9-4F42-9DD0-94FE4FC6BF19}"/>
+                <a16:creationId xmlns="" xmlns:a16="http://schemas.microsoft.com/office/drawing/2014/main" id="{AE97AC7A-17D9-4F42-9DD0-94FE4FC6BF19}"/>
               </a:ext>
             </a:extLst>
           </p:cNvPr>
@@ -5552,7 +5549,7 @@
           <p:cNvPr id="35" name="Freeform: Shape 34">
             <a:extLst>
               <a:ext uri="{FF2B5EF4-FFF2-40B4-BE49-F238E27FC236}">
-                <a16:creationId xmlns:a16="http://schemas.microsoft.com/office/drawing/2014/main" xmlns="" id="{62EEBF51-DCAD-4335-85E9-52801031A1BF}"/>
+                <a16:creationId xmlns="" xmlns:a16="http://schemas.microsoft.com/office/drawing/2014/main" id="{62EEBF51-DCAD-4335-85E9-52801031A1BF}"/>
               </a:ext>
             </a:extLst>
           </p:cNvPr>
@@ -5647,7 +5644,7 @@
           <p:cNvPr id="5" name="Slide Number Placeholder 4">
             <a:extLst>
               <a:ext uri="{FF2B5EF4-FFF2-40B4-BE49-F238E27FC236}">
-                <a16:creationId xmlns:a16="http://schemas.microsoft.com/office/drawing/2014/main" xmlns="" id="{87B51822-97FF-47A7-8E4E-A0F79B4EB237}"/>
+                <a16:creationId xmlns="" xmlns:a16="http://schemas.microsoft.com/office/drawing/2014/main" id="{87B51822-97FF-47A7-8E4E-A0F79B4EB237}"/>
               </a:ext>
             </a:extLst>
           </p:cNvPr>
@@ -5689,7 +5686,7 @@
     </p:spTree>
     <p:extLst>
       <p:ext uri="{BB962C8B-B14F-4D97-AF65-F5344CB8AC3E}">
-        <p14:creationId xmlns:p14="http://schemas.microsoft.com/office/powerpoint/2010/main" xmlns="" val="476266371"/>
+        <p14:creationId xmlns="" xmlns:p14="http://schemas.microsoft.com/office/powerpoint/2010/main" val="476266371"/>
       </p:ext>
     </p:extLst>
   </p:cSld>
@@ -5729,7 +5726,7 @@
           <p:cNvPr id="11" name="Rectangle 10">
             <a:extLst>
               <a:ext uri="{FF2B5EF4-FFF2-40B4-BE49-F238E27FC236}">
-                <a16:creationId xmlns:a16="http://schemas.microsoft.com/office/drawing/2014/main" xmlns="" id="{EB3E033F-4449-40FA-BC85-BD2712D313DD}"/>
+                <a16:creationId xmlns="" xmlns:a16="http://schemas.microsoft.com/office/drawing/2014/main" id="{EB3E033F-4449-40FA-BC85-BD2712D313DD}"/>
               </a:ext>
             </a:extLst>
           </p:cNvPr>
@@ -5783,7 +5780,7 @@
           <p:cNvPr id="10" name="Freeform: Shape 9">
             <a:extLst>
               <a:ext uri="{FF2B5EF4-FFF2-40B4-BE49-F238E27FC236}">
-                <a16:creationId xmlns:a16="http://schemas.microsoft.com/office/drawing/2014/main" xmlns="" id="{63D26743-0505-444C-80B3-E88EE87DF72B}"/>
+                <a16:creationId xmlns="" xmlns:a16="http://schemas.microsoft.com/office/drawing/2014/main" id="{63D26743-0505-444C-80B3-E88EE87DF72B}"/>
               </a:ext>
             </a:extLst>
           </p:cNvPr>
@@ -5906,7 +5903,7 @@
           <p:cNvPr id="18" name="Freeform: Shape 17">
             <a:extLst>
               <a:ext uri="{FF2B5EF4-FFF2-40B4-BE49-F238E27FC236}">
-                <a16:creationId xmlns:a16="http://schemas.microsoft.com/office/drawing/2014/main" xmlns="" id="{E37145E9-AC61-47D5-9288-8789940F81B6}"/>
+                <a16:creationId xmlns="" xmlns:a16="http://schemas.microsoft.com/office/drawing/2014/main" id="{E37145E9-AC61-47D5-9288-8789940F81B6}"/>
               </a:ext>
             </a:extLst>
           </p:cNvPr>
@@ -6058,7 +6055,7 @@
           <p:cNvPr id="12" name="Freeform: Shape 11">
             <a:extLst>
               <a:ext uri="{FF2B5EF4-FFF2-40B4-BE49-F238E27FC236}">
-                <a16:creationId xmlns:a16="http://schemas.microsoft.com/office/drawing/2014/main" xmlns="" id="{A5E2B3ED-9A49-40A7-B8A3-62595FE513F9}"/>
+                <a16:creationId xmlns="" xmlns:a16="http://schemas.microsoft.com/office/drawing/2014/main" id="{A5E2B3ED-9A49-40A7-B8A3-62595FE513F9}"/>
               </a:ext>
             </a:extLst>
           </p:cNvPr>
@@ -6208,7 +6205,7 @@
           <p:cNvPr id="8" name="Freeform: Shape 7">
             <a:extLst>
               <a:ext uri="{FF2B5EF4-FFF2-40B4-BE49-F238E27FC236}">
-                <a16:creationId xmlns:a16="http://schemas.microsoft.com/office/drawing/2014/main" xmlns="" id="{1599AF7E-3E34-4597-AA72-9373A7FDB020}"/>
+                <a16:creationId xmlns="" xmlns:a16="http://schemas.microsoft.com/office/drawing/2014/main" id="{1599AF7E-3E34-4597-AA72-9373A7FDB020}"/>
               </a:ext>
             </a:extLst>
           </p:cNvPr>
@@ -6354,7 +6351,7 @@
           <p:cNvPr id="2" name="Title 1">
             <a:extLst>
               <a:ext uri="{FF2B5EF4-FFF2-40B4-BE49-F238E27FC236}">
-                <a16:creationId xmlns:a16="http://schemas.microsoft.com/office/drawing/2014/main" xmlns="" id="{4A2DF563-7FAC-46B3-B24C-7E45CD89DA2B}"/>
+                <a16:creationId xmlns="" xmlns:a16="http://schemas.microsoft.com/office/drawing/2014/main" id="{4A2DF563-7FAC-46B3-B24C-7E45CD89DA2B}"/>
               </a:ext>
             </a:extLst>
           </p:cNvPr>
@@ -6399,7 +6396,7 @@
           <p:cNvPr id="15" name="Group 14">
             <a:extLst>
               <a:ext uri="{FF2B5EF4-FFF2-40B4-BE49-F238E27FC236}">
-                <a16:creationId xmlns:a16="http://schemas.microsoft.com/office/drawing/2014/main" xmlns="" id="{7732E1E7-45E3-4264-8F26-66758696DD1E}"/>
+                <a16:creationId xmlns="" xmlns:a16="http://schemas.microsoft.com/office/drawing/2014/main" id="{7732E1E7-45E3-4264-8F26-66758696DD1E}"/>
               </a:ext>
             </a:extLst>
           </p:cNvPr>
@@ -6419,7 +6416,7 @@
             <p:cNvPr id="16" name="Freeform: Shape 15">
               <a:extLst>
                 <a:ext uri="{FF2B5EF4-FFF2-40B4-BE49-F238E27FC236}">
-                  <a16:creationId xmlns:a16="http://schemas.microsoft.com/office/drawing/2014/main" xmlns="" id="{2E3DF883-8093-49FA-81E1-E5D77F086A25}"/>
+                  <a16:creationId xmlns="" xmlns:a16="http://schemas.microsoft.com/office/drawing/2014/main" id="{2E3DF883-8093-49FA-81E1-E5D77F086A25}"/>
                 </a:ext>
               </a:extLst>
             </p:cNvPr>
@@ -6509,7 +6506,7 @@
             <p:cNvPr id="17" name="Freeform: Shape 16">
               <a:extLst>
                 <a:ext uri="{FF2B5EF4-FFF2-40B4-BE49-F238E27FC236}">
-                  <a16:creationId xmlns:a16="http://schemas.microsoft.com/office/drawing/2014/main" xmlns="" id="{18944C90-37E5-4BBE-89FF-060627168050}"/>
+                  <a16:creationId xmlns="" xmlns:a16="http://schemas.microsoft.com/office/drawing/2014/main" id="{18944C90-37E5-4BBE-89FF-060627168050}"/>
                 </a:ext>
               </a:extLst>
             </p:cNvPr>
@@ -6608,7 +6605,7 @@
           <p:cNvPr id="6" name="Group 5">
             <a:extLst>
               <a:ext uri="{FF2B5EF4-FFF2-40B4-BE49-F238E27FC236}">
-                <a16:creationId xmlns:a16="http://schemas.microsoft.com/office/drawing/2014/main" xmlns="" id="{D9EBF8BB-A805-4DDB-B459-082F99815B95}"/>
+                <a16:creationId xmlns="" xmlns:a16="http://schemas.microsoft.com/office/drawing/2014/main" id="{D9EBF8BB-A805-4DDB-B459-082F99815B95}"/>
               </a:ext>
             </a:extLst>
           </p:cNvPr>
@@ -6628,7 +6625,7 @@
             <p:cNvPr id="19" name="Rectangle: Single Corner Snipped 18">
               <a:extLst>
                 <a:ext uri="{FF2B5EF4-FFF2-40B4-BE49-F238E27FC236}">
-                  <a16:creationId xmlns:a16="http://schemas.microsoft.com/office/drawing/2014/main" xmlns="" id="{5D638788-DD47-45E7-939A-FA108A818173}"/>
+                  <a16:creationId xmlns="" xmlns:a16="http://schemas.microsoft.com/office/drawing/2014/main" id="{5D638788-DD47-45E7-939A-FA108A818173}"/>
                 </a:ext>
               </a:extLst>
             </p:cNvPr>
@@ -6689,7 +6686,7 @@
             <p:cNvPr id="3" name="Rectangle: Single Corner Snipped 2">
               <a:extLst>
                 <a:ext uri="{FF2B5EF4-FFF2-40B4-BE49-F238E27FC236}">
-                  <a16:creationId xmlns:a16="http://schemas.microsoft.com/office/drawing/2014/main" xmlns="" id="{74BDECEF-EEFE-4332-B3B2-BDE4F82C10FC}"/>
+                  <a16:creationId xmlns="" xmlns:a16="http://schemas.microsoft.com/office/drawing/2014/main" id="{74BDECEF-EEFE-4332-B3B2-BDE4F82C10FC}"/>
                 </a:ext>
               </a:extLst>
             </p:cNvPr>
@@ -6746,7 +6743,7 @@
           <p:cNvPr id="26" name="Text Placeholder 22">
             <a:extLst>
               <a:ext uri="{FF2B5EF4-FFF2-40B4-BE49-F238E27FC236}">
-                <a16:creationId xmlns:a16="http://schemas.microsoft.com/office/drawing/2014/main" xmlns="" id="{2A19101D-7C37-42BF-8167-5391EA65EC3A}"/>
+                <a16:creationId xmlns="" xmlns:a16="http://schemas.microsoft.com/office/drawing/2014/main" id="{2A19101D-7C37-42BF-8167-5391EA65EC3A}"/>
               </a:ext>
             </a:extLst>
           </p:cNvPr>
@@ -6856,7 +6853,7 @@
           <p:cNvPr id="35" name="Freeform: Shape 34">
             <a:extLst>
               <a:ext uri="{FF2B5EF4-FFF2-40B4-BE49-F238E27FC236}">
-                <a16:creationId xmlns:a16="http://schemas.microsoft.com/office/drawing/2014/main" xmlns="" id="{62EEBF51-DCAD-4335-85E9-52801031A1BF}"/>
+                <a16:creationId xmlns="" xmlns:a16="http://schemas.microsoft.com/office/drawing/2014/main" id="{62EEBF51-DCAD-4335-85E9-52801031A1BF}"/>
               </a:ext>
             </a:extLst>
           </p:cNvPr>
@@ -6951,7 +6948,7 @@
           <p:cNvPr id="5" name="Slide Number Placeholder 4">
             <a:extLst>
               <a:ext uri="{FF2B5EF4-FFF2-40B4-BE49-F238E27FC236}">
-                <a16:creationId xmlns:a16="http://schemas.microsoft.com/office/drawing/2014/main" xmlns="" id="{87B51822-97FF-47A7-8E4E-A0F79B4EB237}"/>
+                <a16:creationId xmlns="" xmlns:a16="http://schemas.microsoft.com/office/drawing/2014/main" id="{87B51822-97FF-47A7-8E4E-A0F79B4EB237}"/>
               </a:ext>
             </a:extLst>
           </p:cNvPr>
@@ -6995,7 +6992,7 @@
           <p:cNvPr id="13" name="Picture Placeholder 12">
             <a:extLst>
               <a:ext uri="{FF2B5EF4-FFF2-40B4-BE49-F238E27FC236}">
-                <a16:creationId xmlns:a16="http://schemas.microsoft.com/office/drawing/2014/main" xmlns="" id="{231B97CF-FD24-4932-8459-893B1AC73D33}"/>
+                <a16:creationId xmlns="" xmlns:a16="http://schemas.microsoft.com/office/drawing/2014/main" id="{231B97CF-FD24-4932-8459-893B1AC73D33}"/>
               </a:ext>
             </a:extLst>
           </p:cNvPr>
@@ -7040,7 +7037,7 @@
           <p:cNvPr id="36" name="Text Placeholder 22">
             <a:extLst>
               <a:ext uri="{FF2B5EF4-FFF2-40B4-BE49-F238E27FC236}">
-                <a16:creationId xmlns:a16="http://schemas.microsoft.com/office/drawing/2014/main" xmlns="" id="{642D3CE0-C3B4-4F3F-A650-AB452B3AD4BA}"/>
+                <a16:creationId xmlns="" xmlns:a16="http://schemas.microsoft.com/office/drawing/2014/main" id="{642D3CE0-C3B4-4F3F-A650-AB452B3AD4BA}"/>
               </a:ext>
             </a:extLst>
           </p:cNvPr>
@@ -7150,7 +7147,7 @@
           <p:cNvPr id="37" name="Text Placeholder 22">
             <a:extLst>
               <a:ext uri="{FF2B5EF4-FFF2-40B4-BE49-F238E27FC236}">
-                <a16:creationId xmlns:a16="http://schemas.microsoft.com/office/drawing/2014/main" xmlns="" id="{DBED2BB0-CDAD-40EE-8B35-C66DF45EE29D}"/>
+                <a16:creationId xmlns="" xmlns:a16="http://schemas.microsoft.com/office/drawing/2014/main" id="{DBED2BB0-CDAD-40EE-8B35-C66DF45EE29D}"/>
               </a:ext>
             </a:extLst>
           </p:cNvPr>
@@ -7258,7 +7255,7 @@
     </p:spTree>
     <p:extLst>
       <p:ext uri="{BB962C8B-B14F-4D97-AF65-F5344CB8AC3E}">
-        <p14:creationId xmlns:p14="http://schemas.microsoft.com/office/powerpoint/2010/main" xmlns="" val="1544745716"/>
+        <p14:creationId xmlns="" xmlns:p14="http://schemas.microsoft.com/office/powerpoint/2010/main" val="1544745716"/>
       </p:ext>
     </p:extLst>
   </p:cSld>
@@ -7298,7 +7295,7 @@
           <p:cNvPr id="11" name="Rectangle 10">
             <a:extLst>
               <a:ext uri="{FF2B5EF4-FFF2-40B4-BE49-F238E27FC236}">
-                <a16:creationId xmlns:a16="http://schemas.microsoft.com/office/drawing/2014/main" xmlns="" id="{EB3E033F-4449-40FA-BC85-BD2712D313DD}"/>
+                <a16:creationId xmlns="" xmlns:a16="http://schemas.microsoft.com/office/drawing/2014/main" id="{EB3E033F-4449-40FA-BC85-BD2712D313DD}"/>
               </a:ext>
             </a:extLst>
           </p:cNvPr>
@@ -7352,7 +7349,7 @@
           <p:cNvPr id="10" name="Freeform: Shape 9">
             <a:extLst>
               <a:ext uri="{FF2B5EF4-FFF2-40B4-BE49-F238E27FC236}">
-                <a16:creationId xmlns:a16="http://schemas.microsoft.com/office/drawing/2014/main" xmlns="" id="{63D26743-0505-444C-80B3-E88EE87DF72B}"/>
+                <a16:creationId xmlns="" xmlns:a16="http://schemas.microsoft.com/office/drawing/2014/main" id="{63D26743-0505-444C-80B3-E88EE87DF72B}"/>
               </a:ext>
             </a:extLst>
           </p:cNvPr>
@@ -7475,7 +7472,7 @@
           <p:cNvPr id="18" name="Freeform: Shape 17">
             <a:extLst>
               <a:ext uri="{FF2B5EF4-FFF2-40B4-BE49-F238E27FC236}">
-                <a16:creationId xmlns:a16="http://schemas.microsoft.com/office/drawing/2014/main" xmlns="" id="{E37145E9-AC61-47D5-9288-8789940F81B6}"/>
+                <a16:creationId xmlns="" xmlns:a16="http://schemas.microsoft.com/office/drawing/2014/main" id="{E37145E9-AC61-47D5-9288-8789940F81B6}"/>
               </a:ext>
             </a:extLst>
           </p:cNvPr>
@@ -7627,7 +7624,7 @@
           <p:cNvPr id="12" name="Freeform: Shape 11">
             <a:extLst>
               <a:ext uri="{FF2B5EF4-FFF2-40B4-BE49-F238E27FC236}">
-                <a16:creationId xmlns:a16="http://schemas.microsoft.com/office/drawing/2014/main" xmlns="" id="{A5E2B3ED-9A49-40A7-B8A3-62595FE513F9}"/>
+                <a16:creationId xmlns="" xmlns:a16="http://schemas.microsoft.com/office/drawing/2014/main" id="{A5E2B3ED-9A49-40A7-B8A3-62595FE513F9}"/>
               </a:ext>
             </a:extLst>
           </p:cNvPr>
@@ -7777,7 +7774,7 @@
           <p:cNvPr id="8" name="Freeform: Shape 7">
             <a:extLst>
               <a:ext uri="{FF2B5EF4-FFF2-40B4-BE49-F238E27FC236}">
-                <a16:creationId xmlns:a16="http://schemas.microsoft.com/office/drawing/2014/main" xmlns="" id="{1599AF7E-3E34-4597-AA72-9373A7FDB020}"/>
+                <a16:creationId xmlns="" xmlns:a16="http://schemas.microsoft.com/office/drawing/2014/main" id="{1599AF7E-3E34-4597-AA72-9373A7FDB020}"/>
               </a:ext>
             </a:extLst>
           </p:cNvPr>
@@ -7923,7 +7920,7 @@
           <p:cNvPr id="2" name="Title 1">
             <a:extLst>
               <a:ext uri="{FF2B5EF4-FFF2-40B4-BE49-F238E27FC236}">
-                <a16:creationId xmlns:a16="http://schemas.microsoft.com/office/drawing/2014/main" xmlns="" id="{4A2DF563-7FAC-46B3-B24C-7E45CD89DA2B}"/>
+                <a16:creationId xmlns="" xmlns:a16="http://schemas.microsoft.com/office/drawing/2014/main" id="{4A2DF563-7FAC-46B3-B24C-7E45CD89DA2B}"/>
               </a:ext>
             </a:extLst>
           </p:cNvPr>
@@ -7968,7 +7965,7 @@
           <p:cNvPr id="15" name="Group 14">
             <a:extLst>
               <a:ext uri="{FF2B5EF4-FFF2-40B4-BE49-F238E27FC236}">
-                <a16:creationId xmlns:a16="http://schemas.microsoft.com/office/drawing/2014/main" xmlns="" id="{7732E1E7-45E3-4264-8F26-66758696DD1E}"/>
+                <a16:creationId xmlns="" xmlns:a16="http://schemas.microsoft.com/office/drawing/2014/main" id="{7732E1E7-45E3-4264-8F26-66758696DD1E}"/>
               </a:ext>
             </a:extLst>
           </p:cNvPr>
@@ -7988,7 +7985,7 @@
             <p:cNvPr id="16" name="Freeform: Shape 15">
               <a:extLst>
                 <a:ext uri="{FF2B5EF4-FFF2-40B4-BE49-F238E27FC236}">
-                  <a16:creationId xmlns:a16="http://schemas.microsoft.com/office/drawing/2014/main" xmlns="" id="{2E3DF883-8093-49FA-81E1-E5D77F086A25}"/>
+                  <a16:creationId xmlns="" xmlns:a16="http://schemas.microsoft.com/office/drawing/2014/main" id="{2E3DF883-8093-49FA-81E1-E5D77F086A25}"/>
                 </a:ext>
               </a:extLst>
             </p:cNvPr>
@@ -8078,7 +8075,7 @@
             <p:cNvPr id="17" name="Freeform: Shape 16">
               <a:extLst>
                 <a:ext uri="{FF2B5EF4-FFF2-40B4-BE49-F238E27FC236}">
-                  <a16:creationId xmlns:a16="http://schemas.microsoft.com/office/drawing/2014/main" xmlns="" id="{18944C90-37E5-4BBE-89FF-060627168050}"/>
+                  <a16:creationId xmlns="" xmlns:a16="http://schemas.microsoft.com/office/drawing/2014/main" id="{18944C90-37E5-4BBE-89FF-060627168050}"/>
                 </a:ext>
               </a:extLst>
             </p:cNvPr>
@@ -8177,7 +8174,7 @@
           <p:cNvPr id="6" name="Group 5">
             <a:extLst>
               <a:ext uri="{FF2B5EF4-FFF2-40B4-BE49-F238E27FC236}">
-                <a16:creationId xmlns:a16="http://schemas.microsoft.com/office/drawing/2014/main" xmlns="" id="{D9EBF8BB-A805-4DDB-B459-082F99815B95}"/>
+                <a16:creationId xmlns="" xmlns:a16="http://schemas.microsoft.com/office/drawing/2014/main" id="{D9EBF8BB-A805-4DDB-B459-082F99815B95}"/>
               </a:ext>
             </a:extLst>
           </p:cNvPr>
@@ -8197,7 +8194,7 @@
             <p:cNvPr id="19" name="Rectangle: Single Corner Snipped 18">
               <a:extLst>
                 <a:ext uri="{FF2B5EF4-FFF2-40B4-BE49-F238E27FC236}">
-                  <a16:creationId xmlns:a16="http://schemas.microsoft.com/office/drawing/2014/main" xmlns="" id="{5D638788-DD47-45E7-939A-FA108A818173}"/>
+                  <a16:creationId xmlns="" xmlns:a16="http://schemas.microsoft.com/office/drawing/2014/main" id="{5D638788-DD47-45E7-939A-FA108A818173}"/>
                 </a:ext>
               </a:extLst>
             </p:cNvPr>
@@ -8258,7 +8255,7 @@
             <p:cNvPr id="3" name="Rectangle: Single Corner Snipped 2">
               <a:extLst>
                 <a:ext uri="{FF2B5EF4-FFF2-40B4-BE49-F238E27FC236}">
-                  <a16:creationId xmlns:a16="http://schemas.microsoft.com/office/drawing/2014/main" xmlns="" id="{74BDECEF-EEFE-4332-B3B2-BDE4F82C10FC}"/>
+                  <a16:creationId xmlns="" xmlns:a16="http://schemas.microsoft.com/office/drawing/2014/main" id="{74BDECEF-EEFE-4332-B3B2-BDE4F82C10FC}"/>
                 </a:ext>
               </a:extLst>
             </p:cNvPr>
@@ -8315,7 +8312,7 @@
           <p:cNvPr id="26" name="Text Placeholder 22">
             <a:extLst>
               <a:ext uri="{FF2B5EF4-FFF2-40B4-BE49-F238E27FC236}">
-                <a16:creationId xmlns:a16="http://schemas.microsoft.com/office/drawing/2014/main" xmlns="" id="{2A19101D-7C37-42BF-8167-5391EA65EC3A}"/>
+                <a16:creationId xmlns="" xmlns:a16="http://schemas.microsoft.com/office/drawing/2014/main" id="{2A19101D-7C37-42BF-8167-5391EA65EC3A}"/>
               </a:ext>
             </a:extLst>
           </p:cNvPr>
@@ -8425,7 +8422,7 @@
           <p:cNvPr id="35" name="Freeform: Shape 34">
             <a:extLst>
               <a:ext uri="{FF2B5EF4-FFF2-40B4-BE49-F238E27FC236}">
-                <a16:creationId xmlns:a16="http://schemas.microsoft.com/office/drawing/2014/main" xmlns="" id="{62EEBF51-DCAD-4335-85E9-52801031A1BF}"/>
+                <a16:creationId xmlns="" xmlns:a16="http://schemas.microsoft.com/office/drawing/2014/main" id="{62EEBF51-DCAD-4335-85E9-52801031A1BF}"/>
               </a:ext>
             </a:extLst>
           </p:cNvPr>
@@ -8520,7 +8517,7 @@
           <p:cNvPr id="5" name="Slide Number Placeholder 4">
             <a:extLst>
               <a:ext uri="{FF2B5EF4-FFF2-40B4-BE49-F238E27FC236}">
-                <a16:creationId xmlns:a16="http://schemas.microsoft.com/office/drawing/2014/main" xmlns="" id="{87B51822-97FF-47A7-8E4E-A0F79B4EB237}"/>
+                <a16:creationId xmlns="" xmlns:a16="http://schemas.microsoft.com/office/drawing/2014/main" id="{87B51822-97FF-47A7-8E4E-A0F79B4EB237}"/>
               </a:ext>
             </a:extLst>
           </p:cNvPr>
@@ -8564,7 +8561,7 @@
           <p:cNvPr id="13" name="Picture Placeholder 12">
             <a:extLst>
               <a:ext uri="{FF2B5EF4-FFF2-40B4-BE49-F238E27FC236}">
-                <a16:creationId xmlns:a16="http://schemas.microsoft.com/office/drawing/2014/main" xmlns="" id="{231B97CF-FD24-4932-8459-893B1AC73D33}"/>
+                <a16:creationId xmlns="" xmlns:a16="http://schemas.microsoft.com/office/drawing/2014/main" id="{231B97CF-FD24-4932-8459-893B1AC73D33}"/>
               </a:ext>
             </a:extLst>
           </p:cNvPr>
@@ -8607,7 +8604,7 @@
     </p:spTree>
     <p:extLst>
       <p:ext uri="{BB962C8B-B14F-4D97-AF65-F5344CB8AC3E}">
-        <p14:creationId xmlns:p14="http://schemas.microsoft.com/office/powerpoint/2010/main" xmlns="" val="2486826778"/>
+        <p14:creationId xmlns="" xmlns:p14="http://schemas.microsoft.com/office/powerpoint/2010/main" val="2486826778"/>
       </p:ext>
     </p:extLst>
   </p:cSld>
@@ -8647,7 +8644,7 @@
           <p:cNvPr id="11" name="Rectangle 10">
             <a:extLst>
               <a:ext uri="{FF2B5EF4-FFF2-40B4-BE49-F238E27FC236}">
-                <a16:creationId xmlns:a16="http://schemas.microsoft.com/office/drawing/2014/main" xmlns="" id="{EB3E033F-4449-40FA-BC85-BD2712D313DD}"/>
+                <a16:creationId xmlns="" xmlns:a16="http://schemas.microsoft.com/office/drawing/2014/main" id="{EB3E033F-4449-40FA-BC85-BD2712D313DD}"/>
               </a:ext>
             </a:extLst>
           </p:cNvPr>
@@ -8701,7 +8698,7 @@
           <p:cNvPr id="10" name="Freeform: Shape 9">
             <a:extLst>
               <a:ext uri="{FF2B5EF4-FFF2-40B4-BE49-F238E27FC236}">
-                <a16:creationId xmlns:a16="http://schemas.microsoft.com/office/drawing/2014/main" xmlns="" id="{63D26743-0505-444C-80B3-E88EE87DF72B}"/>
+                <a16:creationId xmlns="" xmlns:a16="http://schemas.microsoft.com/office/drawing/2014/main" id="{63D26743-0505-444C-80B3-E88EE87DF72B}"/>
               </a:ext>
             </a:extLst>
           </p:cNvPr>
@@ -8824,7 +8821,7 @@
           <p:cNvPr id="18" name="Freeform: Shape 17">
             <a:extLst>
               <a:ext uri="{FF2B5EF4-FFF2-40B4-BE49-F238E27FC236}">
-                <a16:creationId xmlns:a16="http://schemas.microsoft.com/office/drawing/2014/main" xmlns="" id="{E37145E9-AC61-47D5-9288-8789940F81B6}"/>
+                <a16:creationId xmlns="" xmlns:a16="http://schemas.microsoft.com/office/drawing/2014/main" id="{E37145E9-AC61-47D5-9288-8789940F81B6}"/>
               </a:ext>
             </a:extLst>
           </p:cNvPr>
@@ -8976,7 +8973,7 @@
           <p:cNvPr id="12" name="Freeform: Shape 11">
             <a:extLst>
               <a:ext uri="{FF2B5EF4-FFF2-40B4-BE49-F238E27FC236}">
-                <a16:creationId xmlns:a16="http://schemas.microsoft.com/office/drawing/2014/main" xmlns="" id="{A5E2B3ED-9A49-40A7-B8A3-62595FE513F9}"/>
+                <a16:creationId xmlns="" xmlns:a16="http://schemas.microsoft.com/office/drawing/2014/main" id="{A5E2B3ED-9A49-40A7-B8A3-62595FE513F9}"/>
               </a:ext>
             </a:extLst>
           </p:cNvPr>
@@ -9126,7 +9123,7 @@
           <p:cNvPr id="8" name="Freeform: Shape 7">
             <a:extLst>
               <a:ext uri="{FF2B5EF4-FFF2-40B4-BE49-F238E27FC236}">
-                <a16:creationId xmlns:a16="http://schemas.microsoft.com/office/drawing/2014/main" xmlns="" id="{1599AF7E-3E34-4597-AA72-9373A7FDB020}"/>
+                <a16:creationId xmlns="" xmlns:a16="http://schemas.microsoft.com/office/drawing/2014/main" id="{1599AF7E-3E34-4597-AA72-9373A7FDB020}"/>
               </a:ext>
             </a:extLst>
           </p:cNvPr>
@@ -9272,7 +9269,7 @@
           <p:cNvPr id="2" name="Title 1">
             <a:extLst>
               <a:ext uri="{FF2B5EF4-FFF2-40B4-BE49-F238E27FC236}">
-                <a16:creationId xmlns:a16="http://schemas.microsoft.com/office/drawing/2014/main" xmlns="" id="{4A2DF563-7FAC-46B3-B24C-7E45CD89DA2B}"/>
+                <a16:creationId xmlns="" xmlns:a16="http://schemas.microsoft.com/office/drawing/2014/main" id="{4A2DF563-7FAC-46B3-B24C-7E45CD89DA2B}"/>
               </a:ext>
             </a:extLst>
           </p:cNvPr>
@@ -9317,7 +9314,7 @@
           <p:cNvPr id="15" name="Group 14">
             <a:extLst>
               <a:ext uri="{FF2B5EF4-FFF2-40B4-BE49-F238E27FC236}">
-                <a16:creationId xmlns:a16="http://schemas.microsoft.com/office/drawing/2014/main" xmlns="" id="{7732E1E7-45E3-4264-8F26-66758696DD1E}"/>
+                <a16:creationId xmlns="" xmlns:a16="http://schemas.microsoft.com/office/drawing/2014/main" id="{7732E1E7-45E3-4264-8F26-66758696DD1E}"/>
               </a:ext>
             </a:extLst>
           </p:cNvPr>
@@ -9337,7 +9334,7 @@
             <p:cNvPr id="16" name="Freeform: Shape 15">
               <a:extLst>
                 <a:ext uri="{FF2B5EF4-FFF2-40B4-BE49-F238E27FC236}">
-                  <a16:creationId xmlns:a16="http://schemas.microsoft.com/office/drawing/2014/main" xmlns="" id="{2E3DF883-8093-49FA-81E1-E5D77F086A25}"/>
+                  <a16:creationId xmlns="" xmlns:a16="http://schemas.microsoft.com/office/drawing/2014/main" id="{2E3DF883-8093-49FA-81E1-E5D77F086A25}"/>
                 </a:ext>
               </a:extLst>
             </p:cNvPr>
@@ -9427,7 +9424,7 @@
             <p:cNvPr id="17" name="Freeform: Shape 16">
               <a:extLst>
                 <a:ext uri="{FF2B5EF4-FFF2-40B4-BE49-F238E27FC236}">
-                  <a16:creationId xmlns:a16="http://schemas.microsoft.com/office/drawing/2014/main" xmlns="" id="{18944C90-37E5-4BBE-89FF-060627168050}"/>
+                  <a16:creationId xmlns="" xmlns:a16="http://schemas.microsoft.com/office/drawing/2014/main" id="{18944C90-37E5-4BBE-89FF-060627168050}"/>
                 </a:ext>
               </a:extLst>
             </p:cNvPr>
@@ -9526,7 +9523,7 @@
           <p:cNvPr id="6" name="Group 5">
             <a:extLst>
               <a:ext uri="{FF2B5EF4-FFF2-40B4-BE49-F238E27FC236}">
-                <a16:creationId xmlns:a16="http://schemas.microsoft.com/office/drawing/2014/main" xmlns="" id="{D9EBF8BB-A805-4DDB-B459-082F99815B95}"/>
+                <a16:creationId xmlns="" xmlns:a16="http://schemas.microsoft.com/office/drawing/2014/main" id="{D9EBF8BB-A805-4DDB-B459-082F99815B95}"/>
               </a:ext>
             </a:extLst>
           </p:cNvPr>
@@ -9546,7 +9543,7 @@
             <p:cNvPr id="19" name="Rectangle: Single Corner Snipped 18">
               <a:extLst>
                 <a:ext uri="{FF2B5EF4-FFF2-40B4-BE49-F238E27FC236}">
-                  <a16:creationId xmlns:a16="http://schemas.microsoft.com/office/drawing/2014/main" xmlns="" id="{5D638788-DD47-45E7-939A-FA108A818173}"/>
+                  <a16:creationId xmlns="" xmlns:a16="http://schemas.microsoft.com/office/drawing/2014/main" id="{5D638788-DD47-45E7-939A-FA108A818173}"/>
                 </a:ext>
               </a:extLst>
             </p:cNvPr>
@@ -9607,7 +9604,7 @@
             <p:cNvPr id="3" name="Rectangle: Single Corner Snipped 2">
               <a:extLst>
                 <a:ext uri="{FF2B5EF4-FFF2-40B4-BE49-F238E27FC236}">
-                  <a16:creationId xmlns:a16="http://schemas.microsoft.com/office/drawing/2014/main" xmlns="" id="{74BDECEF-EEFE-4332-B3B2-BDE4F82C10FC}"/>
+                  <a16:creationId xmlns="" xmlns:a16="http://schemas.microsoft.com/office/drawing/2014/main" id="{74BDECEF-EEFE-4332-B3B2-BDE4F82C10FC}"/>
                 </a:ext>
               </a:extLst>
             </p:cNvPr>
@@ -9664,7 +9661,7 @@
           <p:cNvPr id="35" name="Freeform: Shape 34">
             <a:extLst>
               <a:ext uri="{FF2B5EF4-FFF2-40B4-BE49-F238E27FC236}">
-                <a16:creationId xmlns:a16="http://schemas.microsoft.com/office/drawing/2014/main" xmlns="" id="{62EEBF51-DCAD-4335-85E9-52801031A1BF}"/>
+                <a16:creationId xmlns="" xmlns:a16="http://schemas.microsoft.com/office/drawing/2014/main" id="{62EEBF51-DCAD-4335-85E9-52801031A1BF}"/>
               </a:ext>
             </a:extLst>
           </p:cNvPr>
@@ -9759,7 +9756,7 @@
           <p:cNvPr id="5" name="Slide Number Placeholder 4">
             <a:extLst>
               <a:ext uri="{FF2B5EF4-FFF2-40B4-BE49-F238E27FC236}">
-                <a16:creationId xmlns:a16="http://schemas.microsoft.com/office/drawing/2014/main" xmlns="" id="{87B51822-97FF-47A7-8E4E-A0F79B4EB237}"/>
+                <a16:creationId xmlns="" xmlns:a16="http://schemas.microsoft.com/office/drawing/2014/main" id="{87B51822-97FF-47A7-8E4E-A0F79B4EB237}"/>
               </a:ext>
             </a:extLst>
           </p:cNvPr>
@@ -9803,7 +9800,7 @@
           <p:cNvPr id="20" name="Picture Placeholder 2">
             <a:extLst>
               <a:ext uri="{FF2B5EF4-FFF2-40B4-BE49-F238E27FC236}">
-                <a16:creationId xmlns:a16="http://schemas.microsoft.com/office/drawing/2014/main" xmlns="" id="{30B3A574-7940-4E35-857E-5CA35A5910E5}"/>
+                <a16:creationId xmlns="" xmlns:a16="http://schemas.microsoft.com/office/drawing/2014/main" id="{30B3A574-7940-4E35-857E-5CA35A5910E5}"/>
               </a:ext>
             </a:extLst>
           </p:cNvPr>
@@ -9879,7 +9876,7 @@
           <p:cNvPr id="21" name="Text Placeholder 3">
             <a:extLst>
               <a:ext uri="{FF2B5EF4-FFF2-40B4-BE49-F238E27FC236}">
-                <a16:creationId xmlns:a16="http://schemas.microsoft.com/office/drawing/2014/main" xmlns="" id="{912B51EA-3E6F-4BF6-BE48-62128AF32B85}"/>
+                <a16:creationId xmlns="" xmlns:a16="http://schemas.microsoft.com/office/drawing/2014/main" id="{912B51EA-3E6F-4BF6-BE48-62128AF32B85}"/>
               </a:ext>
             </a:extLst>
           </p:cNvPr>
@@ -9953,7 +9950,7 @@
     </p:spTree>
     <p:extLst>
       <p:ext uri="{BB962C8B-B14F-4D97-AF65-F5344CB8AC3E}">
-        <p14:creationId xmlns:p14="http://schemas.microsoft.com/office/powerpoint/2010/main" xmlns="" val="1540650178"/>
+        <p14:creationId xmlns="" xmlns:p14="http://schemas.microsoft.com/office/powerpoint/2010/main" val="1540650178"/>
       </p:ext>
     </p:extLst>
   </p:cSld>
@@ -9993,7 +9990,7 @@
           <p:cNvPr id="11" name="Rectangle 10">
             <a:extLst>
               <a:ext uri="{FF2B5EF4-FFF2-40B4-BE49-F238E27FC236}">
-                <a16:creationId xmlns:a16="http://schemas.microsoft.com/office/drawing/2014/main" xmlns="" id="{EB3E033F-4449-40FA-BC85-BD2712D313DD}"/>
+                <a16:creationId xmlns="" xmlns:a16="http://schemas.microsoft.com/office/drawing/2014/main" id="{EB3E033F-4449-40FA-BC85-BD2712D313DD}"/>
               </a:ext>
             </a:extLst>
           </p:cNvPr>
@@ -10047,7 +10044,7 @@
           <p:cNvPr id="10" name="Freeform: Shape 9">
             <a:extLst>
               <a:ext uri="{FF2B5EF4-FFF2-40B4-BE49-F238E27FC236}">
-                <a16:creationId xmlns:a16="http://schemas.microsoft.com/office/drawing/2014/main" xmlns="" id="{63D26743-0505-444C-80B3-E88EE87DF72B}"/>
+                <a16:creationId xmlns="" xmlns:a16="http://schemas.microsoft.com/office/drawing/2014/main" id="{63D26743-0505-444C-80B3-E88EE87DF72B}"/>
               </a:ext>
             </a:extLst>
           </p:cNvPr>
@@ -10170,7 +10167,7 @@
           <p:cNvPr id="18" name="Freeform: Shape 17">
             <a:extLst>
               <a:ext uri="{FF2B5EF4-FFF2-40B4-BE49-F238E27FC236}">
-                <a16:creationId xmlns:a16="http://schemas.microsoft.com/office/drawing/2014/main" xmlns="" id="{E37145E9-AC61-47D5-9288-8789940F81B6}"/>
+                <a16:creationId xmlns="" xmlns:a16="http://schemas.microsoft.com/office/drawing/2014/main" id="{E37145E9-AC61-47D5-9288-8789940F81B6}"/>
               </a:ext>
             </a:extLst>
           </p:cNvPr>
@@ -10322,7 +10319,7 @@
           <p:cNvPr id="12" name="Freeform: Shape 11">
             <a:extLst>
               <a:ext uri="{FF2B5EF4-FFF2-40B4-BE49-F238E27FC236}">
-                <a16:creationId xmlns:a16="http://schemas.microsoft.com/office/drawing/2014/main" xmlns="" id="{A5E2B3ED-9A49-40A7-B8A3-62595FE513F9}"/>
+                <a16:creationId xmlns="" xmlns:a16="http://schemas.microsoft.com/office/drawing/2014/main" id="{A5E2B3ED-9A49-40A7-B8A3-62595FE513F9}"/>
               </a:ext>
             </a:extLst>
           </p:cNvPr>
@@ -10472,7 +10469,7 @@
           <p:cNvPr id="8" name="Freeform: Shape 7">
             <a:extLst>
               <a:ext uri="{FF2B5EF4-FFF2-40B4-BE49-F238E27FC236}">
-                <a16:creationId xmlns:a16="http://schemas.microsoft.com/office/drawing/2014/main" xmlns="" id="{1599AF7E-3E34-4597-AA72-9373A7FDB020}"/>
+                <a16:creationId xmlns="" xmlns:a16="http://schemas.microsoft.com/office/drawing/2014/main" id="{1599AF7E-3E34-4597-AA72-9373A7FDB020}"/>
               </a:ext>
             </a:extLst>
           </p:cNvPr>
@@ -10618,7 +10615,7 @@
           <p:cNvPr id="2" name="Title 1">
             <a:extLst>
               <a:ext uri="{FF2B5EF4-FFF2-40B4-BE49-F238E27FC236}">
-                <a16:creationId xmlns:a16="http://schemas.microsoft.com/office/drawing/2014/main" xmlns="" id="{4A2DF563-7FAC-46B3-B24C-7E45CD89DA2B}"/>
+                <a16:creationId xmlns="" xmlns:a16="http://schemas.microsoft.com/office/drawing/2014/main" id="{4A2DF563-7FAC-46B3-B24C-7E45CD89DA2B}"/>
               </a:ext>
             </a:extLst>
           </p:cNvPr>
@@ -10663,7 +10660,7 @@
           <p:cNvPr id="15" name="Group 14">
             <a:extLst>
               <a:ext uri="{FF2B5EF4-FFF2-40B4-BE49-F238E27FC236}">
-                <a16:creationId xmlns:a16="http://schemas.microsoft.com/office/drawing/2014/main" xmlns="" id="{7732E1E7-45E3-4264-8F26-66758696DD1E}"/>
+                <a16:creationId xmlns="" xmlns:a16="http://schemas.microsoft.com/office/drawing/2014/main" id="{7732E1E7-45E3-4264-8F26-66758696DD1E}"/>
               </a:ext>
             </a:extLst>
           </p:cNvPr>
@@ -10683,7 +10680,7 @@
             <p:cNvPr id="16" name="Freeform: Shape 15">
               <a:extLst>
                 <a:ext uri="{FF2B5EF4-FFF2-40B4-BE49-F238E27FC236}">
-                  <a16:creationId xmlns:a16="http://schemas.microsoft.com/office/drawing/2014/main" xmlns="" id="{2E3DF883-8093-49FA-81E1-E5D77F086A25}"/>
+                  <a16:creationId xmlns="" xmlns:a16="http://schemas.microsoft.com/office/drawing/2014/main" id="{2E3DF883-8093-49FA-81E1-E5D77F086A25}"/>
                 </a:ext>
               </a:extLst>
             </p:cNvPr>
@@ -10773,7 +10770,7 @@
             <p:cNvPr id="17" name="Freeform: Shape 16">
               <a:extLst>
                 <a:ext uri="{FF2B5EF4-FFF2-40B4-BE49-F238E27FC236}">
-                  <a16:creationId xmlns:a16="http://schemas.microsoft.com/office/drawing/2014/main" xmlns="" id="{18944C90-37E5-4BBE-89FF-060627168050}"/>
+                  <a16:creationId xmlns="" xmlns:a16="http://schemas.microsoft.com/office/drawing/2014/main" id="{18944C90-37E5-4BBE-89FF-060627168050}"/>
                 </a:ext>
               </a:extLst>
             </p:cNvPr>
@@ -10872,7 +10869,7 @@
           <p:cNvPr id="6" name="Group 5">
             <a:extLst>
               <a:ext uri="{FF2B5EF4-FFF2-40B4-BE49-F238E27FC236}">
-                <a16:creationId xmlns:a16="http://schemas.microsoft.com/office/drawing/2014/main" xmlns="" id="{D9EBF8BB-A805-4DDB-B459-082F99815B95}"/>
+                <a16:creationId xmlns="" xmlns:a16="http://schemas.microsoft.com/office/drawing/2014/main" id="{D9EBF8BB-A805-4DDB-B459-082F99815B95}"/>
               </a:ext>
             </a:extLst>
           </p:cNvPr>
@@ -10892,7 +10889,7 @@
             <p:cNvPr id="19" name="Rectangle: Single Corner Snipped 18">
               <a:extLst>
                 <a:ext uri="{FF2B5EF4-FFF2-40B4-BE49-F238E27FC236}">
-                  <a16:creationId xmlns:a16="http://schemas.microsoft.com/office/drawing/2014/main" xmlns="" id="{5D638788-DD47-45E7-939A-FA108A818173}"/>
+                  <a16:creationId xmlns="" xmlns:a16="http://schemas.microsoft.com/office/drawing/2014/main" id="{5D638788-DD47-45E7-939A-FA108A818173}"/>
                 </a:ext>
               </a:extLst>
             </p:cNvPr>
@@ -10953,7 +10950,7 @@
             <p:cNvPr id="3" name="Rectangle: Single Corner Snipped 2">
               <a:extLst>
                 <a:ext uri="{FF2B5EF4-FFF2-40B4-BE49-F238E27FC236}">
-                  <a16:creationId xmlns:a16="http://schemas.microsoft.com/office/drawing/2014/main" xmlns="" id="{74BDECEF-EEFE-4332-B3B2-BDE4F82C10FC}"/>
+                  <a16:creationId xmlns="" xmlns:a16="http://schemas.microsoft.com/office/drawing/2014/main" id="{74BDECEF-EEFE-4332-B3B2-BDE4F82C10FC}"/>
                 </a:ext>
               </a:extLst>
             </p:cNvPr>
@@ -11010,7 +11007,7 @@
           <p:cNvPr id="35" name="Freeform: Shape 34">
             <a:extLst>
               <a:ext uri="{FF2B5EF4-FFF2-40B4-BE49-F238E27FC236}">
-                <a16:creationId xmlns:a16="http://schemas.microsoft.com/office/drawing/2014/main" xmlns="" id="{62EEBF51-DCAD-4335-85E9-52801031A1BF}"/>
+                <a16:creationId xmlns="" xmlns:a16="http://schemas.microsoft.com/office/drawing/2014/main" id="{62EEBF51-DCAD-4335-85E9-52801031A1BF}"/>
               </a:ext>
             </a:extLst>
           </p:cNvPr>
@@ -11105,7 +11102,7 @@
           <p:cNvPr id="5" name="Slide Number Placeholder 4">
             <a:extLst>
               <a:ext uri="{FF2B5EF4-FFF2-40B4-BE49-F238E27FC236}">
-                <a16:creationId xmlns:a16="http://schemas.microsoft.com/office/drawing/2014/main" xmlns="" id="{87B51822-97FF-47A7-8E4E-A0F79B4EB237}"/>
+                <a16:creationId xmlns="" xmlns:a16="http://schemas.microsoft.com/office/drawing/2014/main" id="{87B51822-97FF-47A7-8E4E-A0F79B4EB237}"/>
               </a:ext>
             </a:extLst>
           </p:cNvPr>
@@ -11149,7 +11146,7 @@
           <p:cNvPr id="21" name="Text Placeholder 3">
             <a:extLst>
               <a:ext uri="{FF2B5EF4-FFF2-40B4-BE49-F238E27FC236}">
-                <a16:creationId xmlns:a16="http://schemas.microsoft.com/office/drawing/2014/main" xmlns="" id="{912B51EA-3E6F-4BF6-BE48-62128AF32B85}"/>
+                <a16:creationId xmlns="" xmlns:a16="http://schemas.microsoft.com/office/drawing/2014/main" id="{912B51EA-3E6F-4BF6-BE48-62128AF32B85}"/>
               </a:ext>
             </a:extLst>
           </p:cNvPr>
@@ -11225,7 +11222,7 @@
           <p:cNvPr id="22" name="Content Placeholder 2">
             <a:extLst>
               <a:ext uri="{FF2B5EF4-FFF2-40B4-BE49-F238E27FC236}">
-                <a16:creationId xmlns:a16="http://schemas.microsoft.com/office/drawing/2014/main" xmlns="" id="{A015C605-1D30-48BC-A0D6-3B11AF56CC53}"/>
+                <a16:creationId xmlns="" xmlns:a16="http://schemas.microsoft.com/office/drawing/2014/main" id="{A015C605-1D30-48BC-A0D6-3B11AF56CC53}"/>
               </a:ext>
             </a:extLst>
           </p:cNvPr>
@@ -11335,7 +11332,7 @@
     </p:spTree>
     <p:extLst>
       <p:ext uri="{BB962C8B-B14F-4D97-AF65-F5344CB8AC3E}">
-        <p14:creationId xmlns:p14="http://schemas.microsoft.com/office/powerpoint/2010/main" xmlns="" val="1212989540"/>
+        <p14:creationId xmlns="" xmlns:p14="http://schemas.microsoft.com/office/powerpoint/2010/main" val="1212989540"/>
       </p:ext>
     </p:extLst>
   </p:cSld>
@@ -11367,7 +11364,7 @@
           <p:cNvPr id="18" name="Rectangle 17">
             <a:extLst>
               <a:ext uri="{FF2B5EF4-FFF2-40B4-BE49-F238E27FC236}">
-                <a16:creationId xmlns:a16="http://schemas.microsoft.com/office/drawing/2014/main" xmlns="" id="{D4494CD2-CCDD-0248-96F8-741002C44255}"/>
+                <a16:creationId xmlns="" xmlns:a16="http://schemas.microsoft.com/office/drawing/2014/main" id="{D4494CD2-CCDD-0248-96F8-741002C44255}"/>
               </a:ext>
             </a:extLst>
           </p:cNvPr>
@@ -11421,7 +11418,7 @@
           <p:cNvPr id="19" name="Freeform: Shape 9">
             <a:extLst>
               <a:ext uri="{FF2B5EF4-FFF2-40B4-BE49-F238E27FC236}">
-                <a16:creationId xmlns:a16="http://schemas.microsoft.com/office/drawing/2014/main" xmlns="" id="{07077B00-C1EE-7241-B441-7814F92A7EDF}"/>
+                <a16:creationId xmlns="" xmlns:a16="http://schemas.microsoft.com/office/drawing/2014/main" id="{07077B00-C1EE-7241-B441-7814F92A7EDF}"/>
               </a:ext>
             </a:extLst>
           </p:cNvPr>
@@ -11544,7 +11541,7 @@
           <p:cNvPr id="20" name="Freeform: Shape 17">
             <a:extLst>
               <a:ext uri="{FF2B5EF4-FFF2-40B4-BE49-F238E27FC236}">
-                <a16:creationId xmlns:a16="http://schemas.microsoft.com/office/drawing/2014/main" xmlns="" id="{3A1AEBC4-637E-F64C-9192-69AC4BB26D0C}"/>
+                <a16:creationId xmlns="" xmlns:a16="http://schemas.microsoft.com/office/drawing/2014/main" id="{3A1AEBC4-637E-F64C-9192-69AC4BB26D0C}"/>
               </a:ext>
             </a:extLst>
           </p:cNvPr>
@@ -11696,7 +11693,7 @@
           <p:cNvPr id="21" name="Freeform: Shape 11">
             <a:extLst>
               <a:ext uri="{FF2B5EF4-FFF2-40B4-BE49-F238E27FC236}">
-                <a16:creationId xmlns:a16="http://schemas.microsoft.com/office/drawing/2014/main" xmlns="" id="{669A7039-C54C-8E46-9A8B-DDB2547D989C}"/>
+                <a16:creationId xmlns="" xmlns:a16="http://schemas.microsoft.com/office/drawing/2014/main" id="{669A7039-C54C-8E46-9A8B-DDB2547D989C}"/>
               </a:ext>
             </a:extLst>
           </p:cNvPr>
@@ -11846,7 +11843,7 @@
           <p:cNvPr id="22" name="Freeform: Shape 7">
             <a:extLst>
               <a:ext uri="{FF2B5EF4-FFF2-40B4-BE49-F238E27FC236}">
-                <a16:creationId xmlns:a16="http://schemas.microsoft.com/office/drawing/2014/main" xmlns="" id="{4F173B32-87BB-9A40-8C91-4C1EED2B7ABF}"/>
+                <a16:creationId xmlns="" xmlns:a16="http://schemas.microsoft.com/office/drawing/2014/main" id="{4F173B32-87BB-9A40-8C91-4C1EED2B7ABF}"/>
               </a:ext>
             </a:extLst>
           </p:cNvPr>
@@ -11992,7 +11989,7 @@
           <p:cNvPr id="24" name="Group 23">
             <a:extLst>
               <a:ext uri="{FF2B5EF4-FFF2-40B4-BE49-F238E27FC236}">
-                <a16:creationId xmlns:a16="http://schemas.microsoft.com/office/drawing/2014/main" xmlns="" id="{4AC87F4E-12B5-1B42-AFD2-4DB39B7645C9}"/>
+                <a16:creationId xmlns="" xmlns:a16="http://schemas.microsoft.com/office/drawing/2014/main" id="{4AC87F4E-12B5-1B42-AFD2-4DB39B7645C9}"/>
               </a:ext>
             </a:extLst>
           </p:cNvPr>
@@ -12012,7 +12009,7 @@
             <p:cNvPr id="25" name="Freeform: Shape 15">
               <a:extLst>
                 <a:ext uri="{FF2B5EF4-FFF2-40B4-BE49-F238E27FC236}">
-                  <a16:creationId xmlns:a16="http://schemas.microsoft.com/office/drawing/2014/main" xmlns="" id="{03DD8765-59DF-A045-ADB5-E39FAEE153A0}"/>
+                  <a16:creationId xmlns="" xmlns:a16="http://schemas.microsoft.com/office/drawing/2014/main" id="{03DD8765-59DF-A045-ADB5-E39FAEE153A0}"/>
                 </a:ext>
               </a:extLst>
             </p:cNvPr>
@@ -12102,7 +12099,7 @@
             <p:cNvPr id="26" name="Freeform: Shape 16">
               <a:extLst>
                 <a:ext uri="{FF2B5EF4-FFF2-40B4-BE49-F238E27FC236}">
-                  <a16:creationId xmlns:a16="http://schemas.microsoft.com/office/drawing/2014/main" xmlns="" id="{B34B796C-A407-7B4D-B4F0-E58A44FE8DB4}"/>
+                  <a16:creationId xmlns="" xmlns:a16="http://schemas.microsoft.com/office/drawing/2014/main" id="{B34B796C-A407-7B4D-B4F0-E58A44FE8DB4}"/>
                 </a:ext>
               </a:extLst>
             </p:cNvPr>
@@ -12201,7 +12198,7 @@
           <p:cNvPr id="30" name="Freeform: Shape 23">
             <a:extLst>
               <a:ext uri="{FF2B5EF4-FFF2-40B4-BE49-F238E27FC236}">
-                <a16:creationId xmlns:a16="http://schemas.microsoft.com/office/drawing/2014/main" xmlns="" id="{CBE3FDC9-67CB-FA42-B127-A36BFF4678BB}"/>
+                <a16:creationId xmlns="" xmlns:a16="http://schemas.microsoft.com/office/drawing/2014/main" id="{CBE3FDC9-67CB-FA42-B127-A36BFF4678BB}"/>
               </a:ext>
             </a:extLst>
           </p:cNvPr>
@@ -12296,7 +12293,7 @@
           <p:cNvPr id="31" name="Slide Number Placeholder 4">
             <a:extLst>
               <a:ext uri="{FF2B5EF4-FFF2-40B4-BE49-F238E27FC236}">
-                <a16:creationId xmlns:a16="http://schemas.microsoft.com/office/drawing/2014/main" xmlns="" id="{1E902BFF-CA8F-D745-A819-A7BB38B30ED9}"/>
+                <a16:creationId xmlns="" xmlns:a16="http://schemas.microsoft.com/office/drawing/2014/main" id="{1E902BFF-CA8F-D745-A819-A7BB38B30ED9}"/>
               </a:ext>
             </a:extLst>
           </p:cNvPr>
@@ -12338,7 +12335,7 @@
     </p:spTree>
     <p:extLst>
       <p:ext uri="{BB962C8B-B14F-4D97-AF65-F5344CB8AC3E}">
-        <p14:creationId xmlns:p14="http://schemas.microsoft.com/office/powerpoint/2010/main" xmlns="" val="2672304746"/>
+        <p14:creationId xmlns="" xmlns:p14="http://schemas.microsoft.com/office/powerpoint/2010/main" val="2672304746"/>
       </p:ext>
     </p:extLst>
   </p:cSld>
@@ -12370,7 +12367,7 @@
           <p:cNvPr id="21" name="Rectangle 20">
             <a:extLst>
               <a:ext uri="{FF2B5EF4-FFF2-40B4-BE49-F238E27FC236}">
-                <a16:creationId xmlns:a16="http://schemas.microsoft.com/office/drawing/2014/main" xmlns="" id="{6E739168-A5E8-443A-B392-7AD4CF8977AD}"/>
+                <a16:creationId xmlns="" xmlns:a16="http://schemas.microsoft.com/office/drawing/2014/main" id="{6E739168-A5E8-443A-B392-7AD4CF8977AD}"/>
               </a:ext>
             </a:extLst>
           </p:cNvPr>
@@ -12422,7 +12419,7 @@
           <p:cNvPr id="15" name="Freeform: Shape 14">
             <a:extLst>
               <a:ext uri="{FF2B5EF4-FFF2-40B4-BE49-F238E27FC236}">
-                <a16:creationId xmlns:a16="http://schemas.microsoft.com/office/drawing/2014/main" xmlns="" id="{41E10E1E-5268-4F03-BA64-07E19DE26739}"/>
+                <a16:creationId xmlns="" xmlns:a16="http://schemas.microsoft.com/office/drawing/2014/main" id="{41E10E1E-5268-4F03-BA64-07E19DE26739}"/>
               </a:ext>
             </a:extLst>
           </p:cNvPr>
@@ -12559,7 +12556,7 @@
           <p:cNvPr id="16" name="Freeform: Shape 15">
             <a:extLst>
               <a:ext uri="{FF2B5EF4-FFF2-40B4-BE49-F238E27FC236}">
-                <a16:creationId xmlns:a16="http://schemas.microsoft.com/office/drawing/2014/main" xmlns="" id="{B989C45D-BDFF-418F-BE79-03FF70015770}"/>
+                <a16:creationId xmlns="" xmlns:a16="http://schemas.microsoft.com/office/drawing/2014/main" id="{B989C45D-BDFF-418F-BE79-03FF70015770}"/>
               </a:ext>
             </a:extLst>
           </p:cNvPr>
@@ -12723,7 +12720,7 @@
           <p:cNvPr id="20" name="Freeform: Shape 19">
             <a:extLst>
               <a:ext uri="{FF2B5EF4-FFF2-40B4-BE49-F238E27FC236}">
-                <a16:creationId xmlns:a16="http://schemas.microsoft.com/office/drawing/2014/main" xmlns="" id="{0027A677-9ACB-4264-B148-4806678FB83F}"/>
+                <a16:creationId xmlns="" xmlns:a16="http://schemas.microsoft.com/office/drawing/2014/main" id="{0027A677-9ACB-4264-B148-4806678FB83F}"/>
               </a:ext>
             </a:extLst>
           </p:cNvPr>
@@ -12885,7 +12882,7 @@
           <p:cNvPr id="6" name="Group 5">
             <a:extLst>
               <a:ext uri="{FF2B5EF4-FFF2-40B4-BE49-F238E27FC236}">
-                <a16:creationId xmlns:a16="http://schemas.microsoft.com/office/drawing/2014/main" xmlns="" id="{EA7FF9D7-8545-4547-AC77-A0421EEB9B99}"/>
+                <a16:creationId xmlns="" xmlns:a16="http://schemas.microsoft.com/office/drawing/2014/main" id="{EA7FF9D7-8545-4547-AC77-A0421EEB9B99}"/>
               </a:ext>
             </a:extLst>
           </p:cNvPr>
@@ -12905,7 +12902,7 @@
             <p:cNvPr id="17" name="Right Triangle 16">
               <a:extLst>
                 <a:ext uri="{FF2B5EF4-FFF2-40B4-BE49-F238E27FC236}">
-                  <a16:creationId xmlns:a16="http://schemas.microsoft.com/office/drawing/2014/main" xmlns="" id="{8DCD5806-2A2F-4ABF-8057-245681C498E6}"/>
+                  <a16:creationId xmlns="" xmlns:a16="http://schemas.microsoft.com/office/drawing/2014/main" id="{8DCD5806-2A2F-4ABF-8057-245681C498E6}"/>
                 </a:ext>
               </a:extLst>
             </p:cNvPr>
@@ -12959,7 +12956,7 @@
             <p:cNvPr id="18" name="Right Triangle 17">
               <a:extLst>
                 <a:ext uri="{FF2B5EF4-FFF2-40B4-BE49-F238E27FC236}">
-                  <a16:creationId xmlns:a16="http://schemas.microsoft.com/office/drawing/2014/main" xmlns="" id="{3A93038F-E9E4-4FFD-B3DF-28DB7C2C1490}"/>
+                  <a16:creationId xmlns="" xmlns:a16="http://schemas.microsoft.com/office/drawing/2014/main" id="{3A93038F-E9E4-4FFD-B3DF-28DB7C2C1490}"/>
                 </a:ext>
               </a:extLst>
             </p:cNvPr>
@@ -13016,7 +13013,7 @@
             <p:cNvPr id="19" name="Right Triangle 18">
               <a:extLst>
                 <a:ext uri="{FF2B5EF4-FFF2-40B4-BE49-F238E27FC236}">
-                  <a16:creationId xmlns:a16="http://schemas.microsoft.com/office/drawing/2014/main" xmlns="" id="{5DEA1E02-BBD0-4AE3-AF22-433B90272178}"/>
+                  <a16:creationId xmlns="" xmlns:a16="http://schemas.microsoft.com/office/drawing/2014/main" id="{5DEA1E02-BBD0-4AE3-AF22-433B90272178}"/>
                 </a:ext>
               </a:extLst>
             </p:cNvPr>
@@ -13071,7 +13068,7 @@
           <p:cNvPr id="2" name="Title 1">
             <a:extLst>
               <a:ext uri="{FF2B5EF4-FFF2-40B4-BE49-F238E27FC236}">
-                <a16:creationId xmlns:a16="http://schemas.microsoft.com/office/drawing/2014/main" xmlns="" id="{9E597736-C478-4C26-9BAF-205FE31E977C}"/>
+                <a16:creationId xmlns="" xmlns:a16="http://schemas.microsoft.com/office/drawing/2014/main" id="{9E597736-C478-4C26-9BAF-205FE31E977C}"/>
               </a:ext>
             </a:extLst>
           </p:cNvPr>
@@ -13116,7 +13113,7 @@
     </p:spTree>
     <p:extLst>
       <p:ext uri="{BB962C8B-B14F-4D97-AF65-F5344CB8AC3E}">
-        <p14:creationId xmlns:p14="http://schemas.microsoft.com/office/powerpoint/2010/main" xmlns="" val="2236386145"/>
+        <p14:creationId xmlns="" xmlns:p14="http://schemas.microsoft.com/office/powerpoint/2010/main" val="2236386145"/>
       </p:ext>
     </p:extLst>
   </p:cSld>
@@ -13148,7 +13145,7 @@
           <p:cNvPr id="21" name="Rectangle 20">
             <a:extLst>
               <a:ext uri="{FF2B5EF4-FFF2-40B4-BE49-F238E27FC236}">
-                <a16:creationId xmlns:a16="http://schemas.microsoft.com/office/drawing/2014/main" xmlns="" id="{6E739168-A5E8-443A-B392-7AD4CF8977AD}"/>
+                <a16:creationId xmlns="" xmlns:a16="http://schemas.microsoft.com/office/drawing/2014/main" id="{6E739168-A5E8-443A-B392-7AD4CF8977AD}"/>
               </a:ext>
             </a:extLst>
           </p:cNvPr>
@@ -13200,7 +13197,7 @@
           <p:cNvPr id="15" name="Freeform: Shape 14">
             <a:extLst>
               <a:ext uri="{FF2B5EF4-FFF2-40B4-BE49-F238E27FC236}">
-                <a16:creationId xmlns:a16="http://schemas.microsoft.com/office/drawing/2014/main" xmlns="" id="{41E10E1E-5268-4F03-BA64-07E19DE26739}"/>
+                <a16:creationId xmlns="" xmlns:a16="http://schemas.microsoft.com/office/drawing/2014/main" id="{41E10E1E-5268-4F03-BA64-07E19DE26739}"/>
               </a:ext>
             </a:extLst>
           </p:cNvPr>
@@ -13337,7 +13334,7 @@
           <p:cNvPr id="16" name="Freeform: Shape 15">
             <a:extLst>
               <a:ext uri="{FF2B5EF4-FFF2-40B4-BE49-F238E27FC236}">
-                <a16:creationId xmlns:a16="http://schemas.microsoft.com/office/drawing/2014/main" xmlns="" id="{B989C45D-BDFF-418F-BE79-03FF70015770}"/>
+                <a16:creationId xmlns="" xmlns:a16="http://schemas.microsoft.com/office/drawing/2014/main" id="{B989C45D-BDFF-418F-BE79-03FF70015770}"/>
               </a:ext>
             </a:extLst>
           </p:cNvPr>
@@ -13501,7 +13498,7 @@
           <p:cNvPr id="20" name="Freeform: Shape 19">
             <a:extLst>
               <a:ext uri="{FF2B5EF4-FFF2-40B4-BE49-F238E27FC236}">
-                <a16:creationId xmlns:a16="http://schemas.microsoft.com/office/drawing/2014/main" xmlns="" id="{0027A677-9ACB-4264-B148-4806678FB83F}"/>
+                <a16:creationId xmlns="" xmlns:a16="http://schemas.microsoft.com/office/drawing/2014/main" id="{0027A677-9ACB-4264-B148-4806678FB83F}"/>
               </a:ext>
             </a:extLst>
           </p:cNvPr>
@@ -13663,7 +13660,7 @@
           <p:cNvPr id="2" name="Title 1">
             <a:extLst>
               <a:ext uri="{FF2B5EF4-FFF2-40B4-BE49-F238E27FC236}">
-                <a16:creationId xmlns:a16="http://schemas.microsoft.com/office/drawing/2014/main" xmlns="" id="{9E597736-C478-4C26-9BAF-205FE31E977C}"/>
+                <a16:creationId xmlns="" xmlns:a16="http://schemas.microsoft.com/office/drawing/2014/main" id="{9E597736-C478-4C26-9BAF-205FE31E977C}"/>
               </a:ext>
             </a:extLst>
           </p:cNvPr>
@@ -13710,7 +13707,7 @@
           <p:cNvPr id="35" name="Freeform: Shape 34">
             <a:extLst>
               <a:ext uri="{FF2B5EF4-FFF2-40B4-BE49-F238E27FC236}">
-                <a16:creationId xmlns:a16="http://schemas.microsoft.com/office/drawing/2014/main" xmlns="" id="{C024DCDB-C6BF-455E-AAB8-EAF9DAB302A1}"/>
+                <a16:creationId xmlns="" xmlns:a16="http://schemas.microsoft.com/office/drawing/2014/main" id="{C024DCDB-C6BF-455E-AAB8-EAF9DAB302A1}"/>
               </a:ext>
             </a:extLst>
           </p:cNvPr>
@@ -13818,7 +13815,7 @@
           <p:cNvPr id="32" name="Freeform: Shape 31">
             <a:extLst>
               <a:ext uri="{FF2B5EF4-FFF2-40B4-BE49-F238E27FC236}">
-                <a16:creationId xmlns:a16="http://schemas.microsoft.com/office/drawing/2014/main" xmlns="" id="{26AFB47A-5D51-4F9C-B01B-977CE5E3C093}"/>
+                <a16:creationId xmlns="" xmlns:a16="http://schemas.microsoft.com/office/drawing/2014/main" id="{26AFB47A-5D51-4F9C-B01B-977CE5E3C093}"/>
               </a:ext>
             </a:extLst>
           </p:cNvPr>
@@ -13934,7 +13931,7 @@
           <p:cNvPr id="30" name="Freeform: Shape 29">
             <a:extLst>
               <a:ext uri="{FF2B5EF4-FFF2-40B4-BE49-F238E27FC236}">
-                <a16:creationId xmlns:a16="http://schemas.microsoft.com/office/drawing/2014/main" xmlns="" id="{6997A4FF-7390-4173-8ACD-6CF7145AACEC}"/>
+                <a16:creationId xmlns="" xmlns:a16="http://schemas.microsoft.com/office/drawing/2014/main" id="{6997A4FF-7390-4173-8ACD-6CF7145AACEC}"/>
               </a:ext>
             </a:extLst>
           </p:cNvPr>
@@ -14041,7 +14038,7 @@
     </p:spTree>
     <p:extLst>
       <p:ext uri="{BB962C8B-B14F-4D97-AF65-F5344CB8AC3E}">
-        <p14:creationId xmlns:p14="http://schemas.microsoft.com/office/powerpoint/2010/main" xmlns="" val="1218518015"/>
+        <p14:creationId xmlns="" xmlns:p14="http://schemas.microsoft.com/office/powerpoint/2010/main" val="1218518015"/>
       </p:ext>
     </p:extLst>
   </p:cSld>
@@ -14073,7 +14070,7 @@
           <p:cNvPr id="7" name="Rectangle 6">
             <a:extLst>
               <a:ext uri="{FF2B5EF4-FFF2-40B4-BE49-F238E27FC236}">
-                <a16:creationId xmlns:a16="http://schemas.microsoft.com/office/drawing/2014/main" xmlns="" id="{B2838D16-809E-4EB1-8C0C-0E63D8139112}"/>
+                <a16:creationId xmlns="" xmlns:a16="http://schemas.microsoft.com/office/drawing/2014/main" id="{B2838D16-809E-4EB1-8C0C-0E63D8139112}"/>
               </a:ext>
             </a:extLst>
           </p:cNvPr>
@@ -14125,7 +14122,7 @@
           <p:cNvPr id="8" name="Freeform: Shape 7">
             <a:extLst>
               <a:ext uri="{FF2B5EF4-FFF2-40B4-BE49-F238E27FC236}">
-                <a16:creationId xmlns:a16="http://schemas.microsoft.com/office/drawing/2014/main" xmlns="" id="{01FEB333-94B4-4E53-9019-D584810903BB}"/>
+                <a16:creationId xmlns="" xmlns:a16="http://schemas.microsoft.com/office/drawing/2014/main" id="{01FEB333-94B4-4E53-9019-D584810903BB}"/>
               </a:ext>
             </a:extLst>
           </p:cNvPr>
@@ -14246,7 +14243,7 @@
           <p:cNvPr id="9" name="Freeform: Shape 8">
             <a:extLst>
               <a:ext uri="{FF2B5EF4-FFF2-40B4-BE49-F238E27FC236}">
-                <a16:creationId xmlns:a16="http://schemas.microsoft.com/office/drawing/2014/main" xmlns="" id="{A59B9489-0CD9-4DB7-AC82-6E7867F91403}"/>
+                <a16:creationId xmlns="" xmlns:a16="http://schemas.microsoft.com/office/drawing/2014/main" id="{A59B9489-0CD9-4DB7-AC82-6E7867F91403}"/>
               </a:ext>
             </a:extLst>
           </p:cNvPr>
@@ -14386,7 +14383,7 @@
           <p:cNvPr id="10" name="Right Triangle 9">
             <a:extLst>
               <a:ext uri="{FF2B5EF4-FFF2-40B4-BE49-F238E27FC236}">
-                <a16:creationId xmlns:a16="http://schemas.microsoft.com/office/drawing/2014/main" xmlns="" id="{A55D1C76-C591-4FA5-9780-87AB6B37C0FA}"/>
+                <a16:creationId xmlns="" xmlns:a16="http://schemas.microsoft.com/office/drawing/2014/main" id="{A55D1C76-C591-4FA5-9780-87AB6B37C0FA}"/>
               </a:ext>
             </a:extLst>
           </p:cNvPr>
@@ -14440,7 +14437,7 @@
           <p:cNvPr id="11" name="Freeform: Shape 10">
             <a:extLst>
               <a:ext uri="{FF2B5EF4-FFF2-40B4-BE49-F238E27FC236}">
-                <a16:creationId xmlns:a16="http://schemas.microsoft.com/office/drawing/2014/main" xmlns="" id="{A7DC1D12-670F-4235-8791-FA8C2B330871}"/>
+                <a16:creationId xmlns="" xmlns:a16="http://schemas.microsoft.com/office/drawing/2014/main" id="{A7DC1D12-670F-4235-8791-FA8C2B330871}"/>
               </a:ext>
             </a:extLst>
           </p:cNvPr>
@@ -14586,7 +14583,7 @@
           <p:cNvPr id="12" name="Freeform: Shape 11">
             <a:extLst>
               <a:ext uri="{FF2B5EF4-FFF2-40B4-BE49-F238E27FC236}">
-                <a16:creationId xmlns:a16="http://schemas.microsoft.com/office/drawing/2014/main" xmlns="" id="{859569CF-FDAC-47C4-A0F5-296F7117C398}"/>
+                <a16:creationId xmlns="" xmlns:a16="http://schemas.microsoft.com/office/drawing/2014/main" id="{859569CF-FDAC-47C4-A0F5-296F7117C398}"/>
               </a:ext>
             </a:extLst>
           </p:cNvPr>
@@ -14686,7 +14683,7 @@
           <p:cNvPr id="13" name="Freeform: Shape 12">
             <a:extLst>
               <a:ext uri="{FF2B5EF4-FFF2-40B4-BE49-F238E27FC236}">
-                <a16:creationId xmlns:a16="http://schemas.microsoft.com/office/drawing/2014/main" xmlns="" id="{D68D0C72-2B2C-4C85-A091-157853C71784}"/>
+                <a16:creationId xmlns="" xmlns:a16="http://schemas.microsoft.com/office/drawing/2014/main" id="{D68D0C72-2B2C-4C85-A091-157853C71784}"/>
               </a:ext>
             </a:extLst>
           </p:cNvPr>
@@ -14794,7 +14791,7 @@
           <p:cNvPr id="14" name="Freeform: Shape 13">
             <a:extLst>
               <a:ext uri="{FF2B5EF4-FFF2-40B4-BE49-F238E27FC236}">
-                <a16:creationId xmlns:a16="http://schemas.microsoft.com/office/drawing/2014/main" xmlns="" id="{8E25334A-5FE3-4DDA-8D32-4796CCFCAA74}"/>
+                <a16:creationId xmlns="" xmlns:a16="http://schemas.microsoft.com/office/drawing/2014/main" id="{8E25334A-5FE3-4DDA-8D32-4796CCFCAA74}"/>
               </a:ext>
             </a:extLst>
           </p:cNvPr>
@@ -14886,7 +14883,7 @@
           <p:cNvPr id="15" name="Freeform: Shape 14">
             <a:extLst>
               <a:ext uri="{FF2B5EF4-FFF2-40B4-BE49-F238E27FC236}">
-                <a16:creationId xmlns:a16="http://schemas.microsoft.com/office/drawing/2014/main" xmlns="" id="{18818DF1-D7FD-4C0F-875D-7A07E8F75C06}"/>
+                <a16:creationId xmlns="" xmlns:a16="http://schemas.microsoft.com/office/drawing/2014/main" id="{18818DF1-D7FD-4C0F-875D-7A07E8F75C06}"/>
               </a:ext>
             </a:extLst>
           </p:cNvPr>
@@ -14986,7 +14983,7 @@
           <p:cNvPr id="16" name="Group 15">
             <a:extLst>
               <a:ext uri="{FF2B5EF4-FFF2-40B4-BE49-F238E27FC236}">
-                <a16:creationId xmlns:a16="http://schemas.microsoft.com/office/drawing/2014/main" xmlns="" id="{8F9BB384-9E14-4CEA-82C1-21837229D3EF}"/>
+                <a16:creationId xmlns="" xmlns:a16="http://schemas.microsoft.com/office/drawing/2014/main" id="{8F9BB384-9E14-4CEA-82C1-21837229D3EF}"/>
               </a:ext>
             </a:extLst>
           </p:cNvPr>
@@ -15006,7 +15003,7 @@
             <p:cNvPr id="17" name="Freeform: Shape 16">
               <a:extLst>
                 <a:ext uri="{FF2B5EF4-FFF2-40B4-BE49-F238E27FC236}">
-                  <a16:creationId xmlns:a16="http://schemas.microsoft.com/office/drawing/2014/main" xmlns="" id="{0862A81A-959D-4EAB-90ED-DB20759BB397}"/>
+                  <a16:creationId xmlns="" xmlns:a16="http://schemas.microsoft.com/office/drawing/2014/main" id="{0862A81A-959D-4EAB-90ED-DB20759BB397}"/>
                 </a:ext>
               </a:extLst>
             </p:cNvPr>
@@ -15096,7 +15093,7 @@
             <p:cNvPr id="18" name="Freeform: Shape 17">
               <a:extLst>
                 <a:ext uri="{FF2B5EF4-FFF2-40B4-BE49-F238E27FC236}">
-                  <a16:creationId xmlns:a16="http://schemas.microsoft.com/office/drawing/2014/main" xmlns="" id="{AAB9E28C-9422-42BD-AECE-29B44B5D63E2}"/>
+                  <a16:creationId xmlns="" xmlns:a16="http://schemas.microsoft.com/office/drawing/2014/main" id="{AAB9E28C-9422-42BD-AECE-29B44B5D63E2}"/>
                 </a:ext>
               </a:extLst>
             </p:cNvPr>
@@ -15195,7 +15192,7 @@
           <p:cNvPr id="19" name="Group 18">
             <a:extLst>
               <a:ext uri="{FF2B5EF4-FFF2-40B4-BE49-F238E27FC236}">
-                <a16:creationId xmlns:a16="http://schemas.microsoft.com/office/drawing/2014/main" xmlns="" id="{2772239B-C46D-4458-BB4B-DDB12FAB0172}"/>
+                <a16:creationId xmlns="" xmlns:a16="http://schemas.microsoft.com/office/drawing/2014/main" id="{2772239B-C46D-4458-BB4B-DDB12FAB0172}"/>
               </a:ext>
             </a:extLst>
           </p:cNvPr>
@@ -15215,7 +15212,7 @@
             <p:cNvPr id="20" name="Freeform: Shape 19">
               <a:extLst>
                 <a:ext uri="{FF2B5EF4-FFF2-40B4-BE49-F238E27FC236}">
-                  <a16:creationId xmlns:a16="http://schemas.microsoft.com/office/drawing/2014/main" xmlns="" id="{3C8A2A1A-1FB9-4CA1-B74E-B293187E51AA}"/>
+                  <a16:creationId xmlns="" xmlns:a16="http://schemas.microsoft.com/office/drawing/2014/main" id="{3C8A2A1A-1FB9-4CA1-B74E-B293187E51AA}"/>
                 </a:ext>
               </a:extLst>
             </p:cNvPr>
@@ -15305,7 +15302,7 @@
             <p:cNvPr id="21" name="Freeform: Shape 20">
               <a:extLst>
                 <a:ext uri="{FF2B5EF4-FFF2-40B4-BE49-F238E27FC236}">
-                  <a16:creationId xmlns:a16="http://schemas.microsoft.com/office/drawing/2014/main" xmlns="" id="{DF2B18BA-6B43-40FA-A23B-D894D6AB468B}"/>
+                  <a16:creationId xmlns="" xmlns:a16="http://schemas.microsoft.com/office/drawing/2014/main" id="{DF2B18BA-6B43-40FA-A23B-D894D6AB468B}"/>
                 </a:ext>
               </a:extLst>
             </p:cNvPr>
@@ -15404,7 +15401,7 @@
           <p:cNvPr id="3" name="Text Placeholder 2">
             <a:extLst>
               <a:ext uri="{FF2B5EF4-FFF2-40B4-BE49-F238E27FC236}">
-                <a16:creationId xmlns:a16="http://schemas.microsoft.com/office/drawing/2014/main" xmlns="" id="{5E194264-A3F5-42E2-9A63-DCCED0457E1B}"/>
+                <a16:creationId xmlns="" xmlns:a16="http://schemas.microsoft.com/office/drawing/2014/main" id="{5E194264-A3F5-42E2-9A63-DCCED0457E1B}"/>
               </a:ext>
             </a:extLst>
           </p:cNvPr>
@@ -15454,7 +15451,7 @@
           <p:cNvPr id="22" name="Slide Number Placeholder 4">
             <a:extLst>
               <a:ext uri="{FF2B5EF4-FFF2-40B4-BE49-F238E27FC236}">
-                <a16:creationId xmlns:a16="http://schemas.microsoft.com/office/drawing/2014/main" xmlns="" id="{0F332671-6296-47C8-BF26-B2D962F5D03D}"/>
+                <a16:creationId xmlns="" xmlns:a16="http://schemas.microsoft.com/office/drawing/2014/main" id="{0F332671-6296-47C8-BF26-B2D962F5D03D}"/>
               </a:ext>
             </a:extLst>
           </p:cNvPr>
@@ -15498,7 +15495,7 @@
           <p:cNvPr id="23" name="Title 1">
             <a:extLst>
               <a:ext uri="{FF2B5EF4-FFF2-40B4-BE49-F238E27FC236}">
-                <a16:creationId xmlns:a16="http://schemas.microsoft.com/office/drawing/2014/main" xmlns="" id="{7772A652-7229-2B42-B87B-298C31D6F0CB}"/>
+                <a16:creationId xmlns="" xmlns:a16="http://schemas.microsoft.com/office/drawing/2014/main" id="{7772A652-7229-2B42-B87B-298C31D6F0CB}"/>
               </a:ext>
             </a:extLst>
           </p:cNvPr>
@@ -15541,7 +15538,7 @@
     </p:spTree>
     <p:extLst>
       <p:ext uri="{BB962C8B-B14F-4D97-AF65-F5344CB8AC3E}">
-        <p14:creationId xmlns:p14="http://schemas.microsoft.com/office/powerpoint/2010/main" xmlns="" val="1675197494"/>
+        <p14:creationId xmlns="" xmlns:p14="http://schemas.microsoft.com/office/powerpoint/2010/main" val="1675197494"/>
       </p:ext>
     </p:extLst>
   </p:cSld>
@@ -15573,7 +15570,7 @@
           <p:cNvPr id="22" name="Rectangle 21">
             <a:extLst>
               <a:ext uri="{FF2B5EF4-FFF2-40B4-BE49-F238E27FC236}">
-                <a16:creationId xmlns:a16="http://schemas.microsoft.com/office/drawing/2014/main" xmlns="" id="{2CDBB6E5-B91E-4946-9390-E8693855103A}"/>
+                <a16:creationId xmlns="" xmlns:a16="http://schemas.microsoft.com/office/drawing/2014/main" id="{2CDBB6E5-B91E-4946-9390-E8693855103A}"/>
               </a:ext>
             </a:extLst>
           </p:cNvPr>
@@ -15627,7 +15624,7 @@
           <p:cNvPr id="34" name="Freeform: Shape 33">
             <a:extLst>
               <a:ext uri="{FF2B5EF4-FFF2-40B4-BE49-F238E27FC236}">
-                <a16:creationId xmlns:a16="http://schemas.microsoft.com/office/drawing/2014/main" xmlns="" id="{0C3CC1C9-1FA0-4FE4-8984-4A8B3728D674}"/>
+                <a16:creationId xmlns="" xmlns:a16="http://schemas.microsoft.com/office/drawing/2014/main" id="{0C3CC1C9-1FA0-4FE4-8984-4A8B3728D674}"/>
               </a:ext>
             </a:extLst>
           </p:cNvPr>
@@ -15772,7 +15769,7 @@
           <p:cNvPr id="24" name="Freeform: Shape 23">
             <a:extLst>
               <a:ext uri="{FF2B5EF4-FFF2-40B4-BE49-F238E27FC236}">
-                <a16:creationId xmlns:a16="http://schemas.microsoft.com/office/drawing/2014/main" xmlns="" id="{8E049265-431E-48DE-B7F7-4959930171DC}"/>
+                <a16:creationId xmlns="" xmlns:a16="http://schemas.microsoft.com/office/drawing/2014/main" id="{8E049265-431E-48DE-B7F7-4959930171DC}"/>
               </a:ext>
             </a:extLst>
           </p:cNvPr>
@@ -15912,7 +15909,7 @@
           <p:cNvPr id="25" name="Freeform: Shape 24">
             <a:extLst>
               <a:ext uri="{FF2B5EF4-FFF2-40B4-BE49-F238E27FC236}">
-                <a16:creationId xmlns:a16="http://schemas.microsoft.com/office/drawing/2014/main" xmlns="" id="{173E5F2D-1F8E-4DCC-857F-932C6C6539BB}"/>
+                <a16:creationId xmlns="" xmlns:a16="http://schemas.microsoft.com/office/drawing/2014/main" id="{173E5F2D-1F8E-4DCC-857F-932C6C6539BB}"/>
               </a:ext>
             </a:extLst>
           </p:cNvPr>
@@ -16058,7 +16055,7 @@
           <p:cNvPr id="26" name="Group 25">
             <a:extLst>
               <a:ext uri="{FF2B5EF4-FFF2-40B4-BE49-F238E27FC236}">
-                <a16:creationId xmlns:a16="http://schemas.microsoft.com/office/drawing/2014/main" xmlns="" id="{E9318B2B-E019-4078-9EF0-C9D6281AE31B}"/>
+                <a16:creationId xmlns="" xmlns:a16="http://schemas.microsoft.com/office/drawing/2014/main" id="{E9318B2B-E019-4078-9EF0-C9D6281AE31B}"/>
               </a:ext>
             </a:extLst>
           </p:cNvPr>
@@ -16078,7 +16075,7 @@
             <p:cNvPr id="27" name="Freeform: Shape 26">
               <a:extLst>
                 <a:ext uri="{FF2B5EF4-FFF2-40B4-BE49-F238E27FC236}">
-                  <a16:creationId xmlns:a16="http://schemas.microsoft.com/office/drawing/2014/main" xmlns="" id="{D3E625C0-9656-421F-861F-67C8F93362ED}"/>
+                  <a16:creationId xmlns="" xmlns:a16="http://schemas.microsoft.com/office/drawing/2014/main" id="{D3E625C0-9656-421F-861F-67C8F93362ED}"/>
                 </a:ext>
               </a:extLst>
             </p:cNvPr>
@@ -16178,7 +16175,7 @@
             <p:cNvPr id="28" name="Freeform: Shape 27">
               <a:extLst>
                 <a:ext uri="{FF2B5EF4-FFF2-40B4-BE49-F238E27FC236}">
-                  <a16:creationId xmlns:a16="http://schemas.microsoft.com/office/drawing/2014/main" xmlns="" id="{49F8E490-C6E3-4D00-866F-CD85DD88996E}"/>
+                  <a16:creationId xmlns="" xmlns:a16="http://schemas.microsoft.com/office/drawing/2014/main" id="{49F8E490-C6E3-4D00-866F-CD85DD88996E}"/>
                 </a:ext>
               </a:extLst>
             </p:cNvPr>
@@ -16287,7 +16284,7 @@
           <p:cNvPr id="29" name="Freeform: Shape 28">
             <a:extLst>
               <a:ext uri="{FF2B5EF4-FFF2-40B4-BE49-F238E27FC236}">
-                <a16:creationId xmlns:a16="http://schemas.microsoft.com/office/drawing/2014/main" xmlns="" id="{EE8F5B31-1523-46AE-9455-C33DFC1BDDE0}"/>
+                <a16:creationId xmlns="" xmlns:a16="http://schemas.microsoft.com/office/drawing/2014/main" id="{EE8F5B31-1523-46AE-9455-C33DFC1BDDE0}"/>
               </a:ext>
             </a:extLst>
           </p:cNvPr>
@@ -16379,7 +16376,7 @@
           <p:cNvPr id="30" name="Freeform: Shape 29">
             <a:extLst>
               <a:ext uri="{FF2B5EF4-FFF2-40B4-BE49-F238E27FC236}">
-                <a16:creationId xmlns:a16="http://schemas.microsoft.com/office/drawing/2014/main" xmlns="" id="{5D17048F-C2E1-4775-BC32-50BD6219F89D}"/>
+                <a16:creationId xmlns="" xmlns:a16="http://schemas.microsoft.com/office/drawing/2014/main" id="{5D17048F-C2E1-4775-BC32-50BD6219F89D}"/>
               </a:ext>
             </a:extLst>
           </p:cNvPr>
@@ -16479,7 +16476,7 @@
           <p:cNvPr id="31" name="Group 30">
             <a:extLst>
               <a:ext uri="{FF2B5EF4-FFF2-40B4-BE49-F238E27FC236}">
-                <a16:creationId xmlns:a16="http://schemas.microsoft.com/office/drawing/2014/main" xmlns="" id="{EAB002AA-4848-49C8-A834-036F860C79A3}"/>
+                <a16:creationId xmlns="" xmlns:a16="http://schemas.microsoft.com/office/drawing/2014/main" id="{EAB002AA-4848-49C8-A834-036F860C79A3}"/>
               </a:ext>
             </a:extLst>
           </p:cNvPr>
@@ -16499,7 +16496,7 @@
             <p:cNvPr id="32" name="Freeform: Shape 31">
               <a:extLst>
                 <a:ext uri="{FF2B5EF4-FFF2-40B4-BE49-F238E27FC236}">
-                  <a16:creationId xmlns:a16="http://schemas.microsoft.com/office/drawing/2014/main" xmlns="" id="{14B187A8-7F8D-469D-A03B-4F835A5746DE}"/>
+                  <a16:creationId xmlns="" xmlns:a16="http://schemas.microsoft.com/office/drawing/2014/main" id="{14B187A8-7F8D-469D-A03B-4F835A5746DE}"/>
                 </a:ext>
               </a:extLst>
             </p:cNvPr>
@@ -16589,7 +16586,7 @@
             <p:cNvPr id="33" name="Freeform: Shape 32">
               <a:extLst>
                 <a:ext uri="{FF2B5EF4-FFF2-40B4-BE49-F238E27FC236}">
-                  <a16:creationId xmlns:a16="http://schemas.microsoft.com/office/drawing/2014/main" xmlns="" id="{03D871D1-A11A-48FB-82A8-8D61AB5CB85C}"/>
+                  <a16:creationId xmlns="" xmlns:a16="http://schemas.microsoft.com/office/drawing/2014/main" id="{03D871D1-A11A-48FB-82A8-8D61AB5CB85C}"/>
                 </a:ext>
               </a:extLst>
             </p:cNvPr>
@@ -16688,7 +16685,7 @@
           <p:cNvPr id="2" name="Title 1">
             <a:extLst>
               <a:ext uri="{FF2B5EF4-FFF2-40B4-BE49-F238E27FC236}">
-                <a16:creationId xmlns:a16="http://schemas.microsoft.com/office/drawing/2014/main" xmlns="" id="{42374B20-3E42-44AF-BEF1-8AB33067395C}"/>
+                <a16:creationId xmlns="" xmlns:a16="http://schemas.microsoft.com/office/drawing/2014/main" id="{42374B20-3E42-44AF-BEF1-8AB33067395C}"/>
               </a:ext>
             </a:extLst>
           </p:cNvPr>
@@ -16733,7 +16730,7 @@
           <p:cNvPr id="3" name="Text Placeholder 2">
             <a:extLst>
               <a:ext uri="{FF2B5EF4-FFF2-40B4-BE49-F238E27FC236}">
-                <a16:creationId xmlns:a16="http://schemas.microsoft.com/office/drawing/2014/main" xmlns="" id="{5E194264-A3F5-42E2-9A63-DCCED0457E1B}"/>
+                <a16:creationId xmlns="" xmlns:a16="http://schemas.microsoft.com/office/drawing/2014/main" id="{5E194264-A3F5-42E2-9A63-DCCED0457E1B}"/>
               </a:ext>
             </a:extLst>
           </p:cNvPr>
@@ -16783,7 +16780,7 @@
           <p:cNvPr id="35" name="Slide Number Placeholder 4">
             <a:extLst>
               <a:ext uri="{FF2B5EF4-FFF2-40B4-BE49-F238E27FC236}">
-                <a16:creationId xmlns:a16="http://schemas.microsoft.com/office/drawing/2014/main" xmlns="" id="{6F73F836-940E-4B65-A29C-D0869263C935}"/>
+                <a16:creationId xmlns="" xmlns:a16="http://schemas.microsoft.com/office/drawing/2014/main" id="{6F73F836-940E-4B65-A29C-D0869263C935}"/>
               </a:ext>
             </a:extLst>
           </p:cNvPr>
@@ -16825,7 +16822,7 @@
     </p:spTree>
     <p:extLst>
       <p:ext uri="{BB962C8B-B14F-4D97-AF65-F5344CB8AC3E}">
-        <p14:creationId xmlns:p14="http://schemas.microsoft.com/office/powerpoint/2010/main" xmlns="" val="3511478827"/>
+        <p14:creationId xmlns="" xmlns:p14="http://schemas.microsoft.com/office/powerpoint/2010/main" val="3511478827"/>
       </p:ext>
     </p:extLst>
   </p:cSld>
@@ -16857,7 +16854,7 @@
           <p:cNvPr id="22" name="Rectangle 21">
             <a:extLst>
               <a:ext uri="{FF2B5EF4-FFF2-40B4-BE49-F238E27FC236}">
-                <a16:creationId xmlns:a16="http://schemas.microsoft.com/office/drawing/2014/main" xmlns="" id="{2CDBB6E5-B91E-4946-9390-E8693855103A}"/>
+                <a16:creationId xmlns="" xmlns:a16="http://schemas.microsoft.com/office/drawing/2014/main" id="{2CDBB6E5-B91E-4946-9390-E8693855103A}"/>
               </a:ext>
             </a:extLst>
           </p:cNvPr>
@@ -16911,7 +16908,7 @@
           <p:cNvPr id="34" name="Freeform: Shape 33">
             <a:extLst>
               <a:ext uri="{FF2B5EF4-FFF2-40B4-BE49-F238E27FC236}">
-                <a16:creationId xmlns:a16="http://schemas.microsoft.com/office/drawing/2014/main" xmlns="" id="{0C3CC1C9-1FA0-4FE4-8984-4A8B3728D674}"/>
+                <a16:creationId xmlns="" xmlns:a16="http://schemas.microsoft.com/office/drawing/2014/main" id="{0C3CC1C9-1FA0-4FE4-8984-4A8B3728D674}"/>
               </a:ext>
             </a:extLst>
           </p:cNvPr>
@@ -17056,7 +17053,7 @@
           <p:cNvPr id="24" name="Freeform: Shape 23">
             <a:extLst>
               <a:ext uri="{FF2B5EF4-FFF2-40B4-BE49-F238E27FC236}">
-                <a16:creationId xmlns:a16="http://schemas.microsoft.com/office/drawing/2014/main" xmlns="" id="{8E049265-431E-48DE-B7F7-4959930171DC}"/>
+                <a16:creationId xmlns="" xmlns:a16="http://schemas.microsoft.com/office/drawing/2014/main" id="{8E049265-431E-48DE-B7F7-4959930171DC}"/>
               </a:ext>
             </a:extLst>
           </p:cNvPr>
@@ -17196,7 +17193,7 @@
           <p:cNvPr id="25" name="Freeform: Shape 24">
             <a:extLst>
               <a:ext uri="{FF2B5EF4-FFF2-40B4-BE49-F238E27FC236}">
-                <a16:creationId xmlns:a16="http://schemas.microsoft.com/office/drawing/2014/main" xmlns="" id="{173E5F2D-1F8E-4DCC-857F-932C6C6539BB}"/>
+                <a16:creationId xmlns="" xmlns:a16="http://schemas.microsoft.com/office/drawing/2014/main" id="{173E5F2D-1F8E-4DCC-857F-932C6C6539BB}"/>
               </a:ext>
             </a:extLst>
           </p:cNvPr>
@@ -17342,7 +17339,7 @@
           <p:cNvPr id="4" name="Oval 3">
             <a:extLst>
               <a:ext uri="{FF2B5EF4-FFF2-40B4-BE49-F238E27FC236}">
-                <a16:creationId xmlns:a16="http://schemas.microsoft.com/office/drawing/2014/main" xmlns="" id="{ECB4C115-EFF9-405C-98BE-F4077B9730D0}"/>
+                <a16:creationId xmlns="" xmlns:a16="http://schemas.microsoft.com/office/drawing/2014/main" id="{ECB4C115-EFF9-405C-98BE-F4077B9730D0}"/>
               </a:ext>
             </a:extLst>
           </p:cNvPr>
@@ -17400,7 +17397,7 @@
           <p:cNvPr id="18" name="Title 1">
             <a:extLst>
               <a:ext uri="{FF2B5EF4-FFF2-40B4-BE49-F238E27FC236}">
-                <a16:creationId xmlns:a16="http://schemas.microsoft.com/office/drawing/2014/main" xmlns="" id="{C9A300DD-BB54-44ED-A7E4-01CD41EC930F}"/>
+                <a16:creationId xmlns="" xmlns:a16="http://schemas.microsoft.com/office/drawing/2014/main" id="{C9A300DD-BB54-44ED-A7E4-01CD41EC930F}"/>
               </a:ext>
             </a:extLst>
           </p:cNvPr>
@@ -17463,7 +17460,7 @@
           <p:cNvPr id="2" name="Title 1">
             <a:extLst>
               <a:ext uri="{FF2B5EF4-FFF2-40B4-BE49-F238E27FC236}">
-                <a16:creationId xmlns:a16="http://schemas.microsoft.com/office/drawing/2014/main" xmlns="" id="{42374B20-3E42-44AF-BEF1-8AB33067395C}"/>
+                <a16:creationId xmlns="" xmlns:a16="http://schemas.microsoft.com/office/drawing/2014/main" id="{42374B20-3E42-44AF-BEF1-8AB33067395C}"/>
               </a:ext>
             </a:extLst>
           </p:cNvPr>
@@ -17511,7 +17508,7 @@
           <p:cNvPr id="19" name="Slide Number Placeholder 4">
             <a:extLst>
               <a:ext uri="{FF2B5EF4-FFF2-40B4-BE49-F238E27FC236}">
-                <a16:creationId xmlns:a16="http://schemas.microsoft.com/office/drawing/2014/main" xmlns="" id="{A4E6C1FF-5925-42B3-B7F9-0A0031BDAD30}"/>
+                <a16:creationId xmlns="" xmlns:a16="http://schemas.microsoft.com/office/drawing/2014/main" id="{A4E6C1FF-5925-42B3-B7F9-0A0031BDAD30}"/>
               </a:ext>
             </a:extLst>
           </p:cNvPr>
@@ -17553,7 +17550,7 @@
     </p:spTree>
     <p:extLst>
       <p:ext uri="{BB962C8B-B14F-4D97-AF65-F5344CB8AC3E}">
-        <p14:creationId xmlns:p14="http://schemas.microsoft.com/office/powerpoint/2010/main" xmlns="" val="1753169891"/>
+        <p14:creationId xmlns="" xmlns:p14="http://schemas.microsoft.com/office/powerpoint/2010/main" val="1753169891"/>
       </p:ext>
     </p:extLst>
   </p:cSld>
@@ -17593,7 +17590,7 @@
           <p:cNvPr id="11" name="Rectangle 10">
             <a:extLst>
               <a:ext uri="{FF2B5EF4-FFF2-40B4-BE49-F238E27FC236}">
-                <a16:creationId xmlns:a16="http://schemas.microsoft.com/office/drawing/2014/main" xmlns="" id="{EB3E033F-4449-40FA-BC85-BD2712D313DD}"/>
+                <a16:creationId xmlns="" xmlns:a16="http://schemas.microsoft.com/office/drawing/2014/main" id="{EB3E033F-4449-40FA-BC85-BD2712D313DD}"/>
               </a:ext>
             </a:extLst>
           </p:cNvPr>
@@ -17647,7 +17644,7 @@
           <p:cNvPr id="10" name="Freeform: Shape 9">
             <a:extLst>
               <a:ext uri="{FF2B5EF4-FFF2-40B4-BE49-F238E27FC236}">
-                <a16:creationId xmlns:a16="http://schemas.microsoft.com/office/drawing/2014/main" xmlns="" id="{63D26743-0505-444C-80B3-E88EE87DF72B}"/>
+                <a16:creationId xmlns="" xmlns:a16="http://schemas.microsoft.com/office/drawing/2014/main" id="{63D26743-0505-444C-80B3-E88EE87DF72B}"/>
               </a:ext>
             </a:extLst>
           </p:cNvPr>
@@ -17770,7 +17767,7 @@
           <p:cNvPr id="8" name="Freeform: Shape 7">
             <a:extLst>
               <a:ext uri="{FF2B5EF4-FFF2-40B4-BE49-F238E27FC236}">
-                <a16:creationId xmlns:a16="http://schemas.microsoft.com/office/drawing/2014/main" xmlns="" id="{1599AF7E-3E34-4597-AA72-9373A7FDB020}"/>
+                <a16:creationId xmlns="" xmlns:a16="http://schemas.microsoft.com/office/drawing/2014/main" id="{1599AF7E-3E34-4597-AA72-9373A7FDB020}"/>
               </a:ext>
             </a:extLst>
           </p:cNvPr>
@@ -17916,7 +17913,7 @@
           <p:cNvPr id="2" name="Title 1">
             <a:extLst>
               <a:ext uri="{FF2B5EF4-FFF2-40B4-BE49-F238E27FC236}">
-                <a16:creationId xmlns:a16="http://schemas.microsoft.com/office/drawing/2014/main" xmlns="" id="{4A2DF563-7FAC-46B3-B24C-7E45CD89DA2B}"/>
+                <a16:creationId xmlns="" xmlns:a16="http://schemas.microsoft.com/office/drawing/2014/main" id="{4A2DF563-7FAC-46B3-B24C-7E45CD89DA2B}"/>
               </a:ext>
             </a:extLst>
           </p:cNvPr>
@@ -17961,7 +17958,7 @@
           <p:cNvPr id="5" name="Slide Number Placeholder 4">
             <a:extLst>
               <a:ext uri="{FF2B5EF4-FFF2-40B4-BE49-F238E27FC236}">
-                <a16:creationId xmlns:a16="http://schemas.microsoft.com/office/drawing/2014/main" xmlns="" id="{87B51822-97FF-47A7-8E4E-A0F79B4EB237}"/>
+                <a16:creationId xmlns="" xmlns:a16="http://schemas.microsoft.com/office/drawing/2014/main" id="{87B51822-97FF-47A7-8E4E-A0F79B4EB237}"/>
               </a:ext>
             </a:extLst>
           </p:cNvPr>
@@ -18005,7 +18002,7 @@
           <p:cNvPr id="15" name="Group 14">
             <a:extLst>
               <a:ext uri="{FF2B5EF4-FFF2-40B4-BE49-F238E27FC236}">
-                <a16:creationId xmlns:a16="http://schemas.microsoft.com/office/drawing/2014/main" xmlns="" id="{7732E1E7-45E3-4264-8F26-66758696DD1E}"/>
+                <a16:creationId xmlns="" xmlns:a16="http://schemas.microsoft.com/office/drawing/2014/main" id="{7732E1E7-45E3-4264-8F26-66758696DD1E}"/>
               </a:ext>
             </a:extLst>
           </p:cNvPr>
@@ -18025,7 +18022,7 @@
             <p:cNvPr id="16" name="Freeform: Shape 15">
               <a:extLst>
                 <a:ext uri="{FF2B5EF4-FFF2-40B4-BE49-F238E27FC236}">
-                  <a16:creationId xmlns:a16="http://schemas.microsoft.com/office/drawing/2014/main" xmlns="" id="{2E3DF883-8093-49FA-81E1-E5D77F086A25}"/>
+                  <a16:creationId xmlns="" xmlns:a16="http://schemas.microsoft.com/office/drawing/2014/main" id="{2E3DF883-8093-49FA-81E1-E5D77F086A25}"/>
                 </a:ext>
               </a:extLst>
             </p:cNvPr>
@@ -18115,7 +18112,7 @@
             <p:cNvPr id="17" name="Freeform: Shape 16">
               <a:extLst>
                 <a:ext uri="{FF2B5EF4-FFF2-40B4-BE49-F238E27FC236}">
-                  <a16:creationId xmlns:a16="http://schemas.microsoft.com/office/drawing/2014/main" xmlns="" id="{18944C90-37E5-4BBE-89FF-060627168050}"/>
+                  <a16:creationId xmlns="" xmlns:a16="http://schemas.microsoft.com/office/drawing/2014/main" id="{18944C90-37E5-4BBE-89FF-060627168050}"/>
                 </a:ext>
               </a:extLst>
             </p:cNvPr>
@@ -18214,7 +18211,7 @@
           <p:cNvPr id="23" name="Text Placeholder 22">
             <a:extLst>
               <a:ext uri="{FF2B5EF4-FFF2-40B4-BE49-F238E27FC236}">
-                <a16:creationId xmlns:a16="http://schemas.microsoft.com/office/drawing/2014/main" xmlns="" id="{03618670-D1E4-466C-BDB5-FC890AC31457}"/>
+                <a16:creationId xmlns="" xmlns:a16="http://schemas.microsoft.com/office/drawing/2014/main" id="{03618670-D1E4-466C-BDB5-FC890AC31457}"/>
               </a:ext>
             </a:extLst>
           </p:cNvPr>
@@ -18335,7 +18332,7 @@
     </p:spTree>
     <p:extLst>
       <p:ext uri="{BB962C8B-B14F-4D97-AF65-F5344CB8AC3E}">
-        <p14:creationId xmlns:p14="http://schemas.microsoft.com/office/powerpoint/2010/main" xmlns="" val="274574868"/>
+        <p14:creationId xmlns="" xmlns:p14="http://schemas.microsoft.com/office/powerpoint/2010/main" val="274574868"/>
       </p:ext>
     </p:extLst>
   </p:cSld>
@@ -18375,7 +18372,7 @@
           <p:cNvPr id="11" name="Rectangle 10">
             <a:extLst>
               <a:ext uri="{FF2B5EF4-FFF2-40B4-BE49-F238E27FC236}">
-                <a16:creationId xmlns:a16="http://schemas.microsoft.com/office/drawing/2014/main" xmlns="" id="{EB3E033F-4449-40FA-BC85-BD2712D313DD}"/>
+                <a16:creationId xmlns="" xmlns:a16="http://schemas.microsoft.com/office/drawing/2014/main" id="{EB3E033F-4449-40FA-BC85-BD2712D313DD}"/>
               </a:ext>
             </a:extLst>
           </p:cNvPr>
@@ -18429,7 +18426,7 @@
           <p:cNvPr id="10" name="Freeform: Shape 9">
             <a:extLst>
               <a:ext uri="{FF2B5EF4-FFF2-40B4-BE49-F238E27FC236}">
-                <a16:creationId xmlns:a16="http://schemas.microsoft.com/office/drawing/2014/main" xmlns="" id="{63D26743-0505-444C-80B3-E88EE87DF72B}"/>
+                <a16:creationId xmlns="" xmlns:a16="http://schemas.microsoft.com/office/drawing/2014/main" id="{63D26743-0505-444C-80B3-E88EE87DF72B}"/>
               </a:ext>
             </a:extLst>
           </p:cNvPr>
@@ -18552,7 +18549,7 @@
           <p:cNvPr id="18" name="Freeform: Shape 17">
             <a:extLst>
               <a:ext uri="{FF2B5EF4-FFF2-40B4-BE49-F238E27FC236}">
-                <a16:creationId xmlns:a16="http://schemas.microsoft.com/office/drawing/2014/main" xmlns="" id="{E37145E9-AC61-47D5-9288-8789940F81B6}"/>
+                <a16:creationId xmlns="" xmlns:a16="http://schemas.microsoft.com/office/drawing/2014/main" id="{E37145E9-AC61-47D5-9288-8789940F81B6}"/>
               </a:ext>
             </a:extLst>
           </p:cNvPr>
@@ -18704,7 +18701,7 @@
           <p:cNvPr id="12" name="Freeform: Shape 11">
             <a:extLst>
               <a:ext uri="{FF2B5EF4-FFF2-40B4-BE49-F238E27FC236}">
-                <a16:creationId xmlns:a16="http://schemas.microsoft.com/office/drawing/2014/main" xmlns="" id="{A5E2B3ED-9A49-40A7-B8A3-62595FE513F9}"/>
+                <a16:creationId xmlns="" xmlns:a16="http://schemas.microsoft.com/office/drawing/2014/main" id="{A5E2B3ED-9A49-40A7-B8A3-62595FE513F9}"/>
               </a:ext>
             </a:extLst>
           </p:cNvPr>
@@ -18854,7 +18851,7 @@
           <p:cNvPr id="8" name="Freeform: Shape 7">
             <a:extLst>
               <a:ext uri="{FF2B5EF4-FFF2-40B4-BE49-F238E27FC236}">
-                <a16:creationId xmlns:a16="http://schemas.microsoft.com/office/drawing/2014/main" xmlns="" id="{1599AF7E-3E34-4597-AA72-9373A7FDB020}"/>
+                <a16:creationId xmlns="" xmlns:a16="http://schemas.microsoft.com/office/drawing/2014/main" id="{1599AF7E-3E34-4597-AA72-9373A7FDB020}"/>
               </a:ext>
             </a:extLst>
           </p:cNvPr>
@@ -19000,7 +18997,7 @@
           <p:cNvPr id="2" name="Title 1">
             <a:extLst>
               <a:ext uri="{FF2B5EF4-FFF2-40B4-BE49-F238E27FC236}">
-                <a16:creationId xmlns:a16="http://schemas.microsoft.com/office/drawing/2014/main" xmlns="" id="{4A2DF563-7FAC-46B3-B24C-7E45CD89DA2B}"/>
+                <a16:creationId xmlns="" xmlns:a16="http://schemas.microsoft.com/office/drawing/2014/main" id="{4A2DF563-7FAC-46B3-B24C-7E45CD89DA2B}"/>
               </a:ext>
             </a:extLst>
           </p:cNvPr>
@@ -19045,7 +19042,7 @@
           <p:cNvPr id="15" name="Group 14">
             <a:extLst>
               <a:ext uri="{FF2B5EF4-FFF2-40B4-BE49-F238E27FC236}">
-                <a16:creationId xmlns:a16="http://schemas.microsoft.com/office/drawing/2014/main" xmlns="" id="{7732E1E7-45E3-4264-8F26-66758696DD1E}"/>
+                <a16:creationId xmlns="" xmlns:a16="http://schemas.microsoft.com/office/drawing/2014/main" id="{7732E1E7-45E3-4264-8F26-66758696DD1E}"/>
               </a:ext>
             </a:extLst>
           </p:cNvPr>
@@ -19065,7 +19062,7 @@
             <p:cNvPr id="16" name="Freeform: Shape 15">
               <a:extLst>
                 <a:ext uri="{FF2B5EF4-FFF2-40B4-BE49-F238E27FC236}">
-                  <a16:creationId xmlns:a16="http://schemas.microsoft.com/office/drawing/2014/main" xmlns="" id="{2E3DF883-8093-49FA-81E1-E5D77F086A25}"/>
+                  <a16:creationId xmlns="" xmlns:a16="http://schemas.microsoft.com/office/drawing/2014/main" id="{2E3DF883-8093-49FA-81E1-E5D77F086A25}"/>
                 </a:ext>
               </a:extLst>
             </p:cNvPr>
@@ -19155,7 +19152,7 @@
             <p:cNvPr id="17" name="Freeform: Shape 16">
               <a:extLst>
                 <a:ext uri="{FF2B5EF4-FFF2-40B4-BE49-F238E27FC236}">
-                  <a16:creationId xmlns:a16="http://schemas.microsoft.com/office/drawing/2014/main" xmlns="" id="{18944C90-37E5-4BBE-89FF-060627168050}"/>
+                  <a16:creationId xmlns="" xmlns:a16="http://schemas.microsoft.com/office/drawing/2014/main" id="{18944C90-37E5-4BBE-89FF-060627168050}"/>
                 </a:ext>
               </a:extLst>
             </p:cNvPr>
@@ -19254,7 +19251,7 @@
           <p:cNvPr id="6" name="Group 5">
             <a:extLst>
               <a:ext uri="{FF2B5EF4-FFF2-40B4-BE49-F238E27FC236}">
-                <a16:creationId xmlns:a16="http://schemas.microsoft.com/office/drawing/2014/main" xmlns="" id="{D9EBF8BB-A805-4DDB-B459-082F99815B95}"/>
+                <a16:creationId xmlns="" xmlns:a16="http://schemas.microsoft.com/office/drawing/2014/main" id="{D9EBF8BB-A805-4DDB-B459-082F99815B95}"/>
               </a:ext>
             </a:extLst>
           </p:cNvPr>
@@ -19274,7 +19271,7 @@
             <p:cNvPr id="19" name="Rectangle: Single Corner Snipped 18">
               <a:extLst>
                 <a:ext uri="{FF2B5EF4-FFF2-40B4-BE49-F238E27FC236}">
-                  <a16:creationId xmlns:a16="http://schemas.microsoft.com/office/drawing/2014/main" xmlns="" id="{5D638788-DD47-45E7-939A-FA108A818173}"/>
+                  <a16:creationId xmlns="" xmlns:a16="http://schemas.microsoft.com/office/drawing/2014/main" id="{5D638788-DD47-45E7-939A-FA108A818173}"/>
                 </a:ext>
               </a:extLst>
             </p:cNvPr>
@@ -19340,7 +19337,7 @@
             <p:cNvPr id="3" name="Rectangle: Single Corner Snipped 2">
               <a:extLst>
                 <a:ext uri="{FF2B5EF4-FFF2-40B4-BE49-F238E27FC236}">
-                  <a16:creationId xmlns:a16="http://schemas.microsoft.com/office/drawing/2014/main" xmlns="" id="{74BDECEF-EEFE-4332-B3B2-BDE4F82C10FC}"/>
+                  <a16:creationId xmlns="" xmlns:a16="http://schemas.microsoft.com/office/drawing/2014/main" id="{74BDECEF-EEFE-4332-B3B2-BDE4F82C10FC}"/>
                 </a:ext>
               </a:extLst>
             </p:cNvPr>
@@ -19397,7 +19394,7 @@
           <p:cNvPr id="24" name="Freeform: Shape 23">
             <a:extLst>
               <a:ext uri="{FF2B5EF4-FFF2-40B4-BE49-F238E27FC236}">
-                <a16:creationId xmlns:a16="http://schemas.microsoft.com/office/drawing/2014/main" xmlns="" id="{18103E00-7E4A-44CD-81AC-06433CAE1110}"/>
+                <a16:creationId xmlns="" xmlns:a16="http://schemas.microsoft.com/office/drawing/2014/main" id="{18103E00-7E4A-44CD-81AC-06433CAE1110}"/>
               </a:ext>
             </a:extLst>
           </p:cNvPr>
@@ -19492,7 +19489,7 @@
           <p:cNvPr id="5" name="Slide Number Placeholder 4">
             <a:extLst>
               <a:ext uri="{FF2B5EF4-FFF2-40B4-BE49-F238E27FC236}">
-                <a16:creationId xmlns:a16="http://schemas.microsoft.com/office/drawing/2014/main" xmlns="" id="{87B51822-97FF-47A7-8E4E-A0F79B4EB237}"/>
+                <a16:creationId xmlns="" xmlns:a16="http://schemas.microsoft.com/office/drawing/2014/main" id="{87B51822-97FF-47A7-8E4E-A0F79B4EB237}"/>
               </a:ext>
             </a:extLst>
           </p:cNvPr>
@@ -19534,7 +19531,7 @@
     </p:spTree>
     <p:extLst>
       <p:ext uri="{BB962C8B-B14F-4D97-AF65-F5344CB8AC3E}">
-        <p14:creationId xmlns:p14="http://schemas.microsoft.com/office/powerpoint/2010/main" xmlns="" val="4073704932"/>
+        <p14:creationId xmlns="" xmlns:p14="http://schemas.microsoft.com/office/powerpoint/2010/main" val="4073704932"/>
       </p:ext>
     </p:extLst>
   </p:cSld>
@@ -19574,7 +19571,7 @@
           <p:cNvPr id="11" name="Rectangle 10">
             <a:extLst>
               <a:ext uri="{FF2B5EF4-FFF2-40B4-BE49-F238E27FC236}">
-                <a16:creationId xmlns:a16="http://schemas.microsoft.com/office/drawing/2014/main" xmlns="" id="{EB3E033F-4449-40FA-BC85-BD2712D313DD}"/>
+                <a16:creationId xmlns="" xmlns:a16="http://schemas.microsoft.com/office/drawing/2014/main" id="{EB3E033F-4449-40FA-BC85-BD2712D313DD}"/>
               </a:ext>
             </a:extLst>
           </p:cNvPr>
@@ -19628,7 +19625,7 @@
           <p:cNvPr id="10" name="Freeform: Shape 9">
             <a:extLst>
               <a:ext uri="{FF2B5EF4-FFF2-40B4-BE49-F238E27FC236}">
-                <a16:creationId xmlns:a16="http://schemas.microsoft.com/office/drawing/2014/main" xmlns="" id="{63D26743-0505-444C-80B3-E88EE87DF72B}"/>
+                <a16:creationId xmlns="" xmlns:a16="http://schemas.microsoft.com/office/drawing/2014/main" id="{63D26743-0505-444C-80B3-E88EE87DF72B}"/>
               </a:ext>
             </a:extLst>
           </p:cNvPr>
@@ -19751,7 +19748,7 @@
           <p:cNvPr id="18" name="Freeform: Shape 17">
             <a:extLst>
               <a:ext uri="{FF2B5EF4-FFF2-40B4-BE49-F238E27FC236}">
-                <a16:creationId xmlns:a16="http://schemas.microsoft.com/office/drawing/2014/main" xmlns="" id="{E37145E9-AC61-47D5-9288-8789940F81B6}"/>
+                <a16:creationId xmlns="" xmlns:a16="http://schemas.microsoft.com/office/drawing/2014/main" id="{E37145E9-AC61-47D5-9288-8789940F81B6}"/>
               </a:ext>
             </a:extLst>
           </p:cNvPr>
@@ -19903,7 +19900,7 @@
           <p:cNvPr id="12" name="Freeform: Shape 11">
             <a:extLst>
               <a:ext uri="{FF2B5EF4-FFF2-40B4-BE49-F238E27FC236}">
-                <a16:creationId xmlns:a16="http://schemas.microsoft.com/office/drawing/2014/main" xmlns="" id="{A5E2B3ED-9A49-40A7-B8A3-62595FE513F9}"/>
+                <a16:creationId xmlns="" xmlns:a16="http://schemas.microsoft.com/office/drawing/2014/main" id="{A5E2B3ED-9A49-40A7-B8A3-62595FE513F9}"/>
               </a:ext>
             </a:extLst>
           </p:cNvPr>
@@ -20053,7 +20050,7 @@
           <p:cNvPr id="8" name="Freeform: Shape 7">
             <a:extLst>
               <a:ext uri="{FF2B5EF4-FFF2-40B4-BE49-F238E27FC236}">
-                <a16:creationId xmlns:a16="http://schemas.microsoft.com/office/drawing/2014/main" xmlns="" id="{1599AF7E-3E34-4597-AA72-9373A7FDB020}"/>
+                <a16:creationId xmlns="" xmlns:a16="http://schemas.microsoft.com/office/drawing/2014/main" id="{1599AF7E-3E34-4597-AA72-9373A7FDB020}"/>
               </a:ext>
             </a:extLst>
           </p:cNvPr>
@@ -20199,7 +20196,7 @@
           <p:cNvPr id="2" name="Title 1">
             <a:extLst>
               <a:ext uri="{FF2B5EF4-FFF2-40B4-BE49-F238E27FC236}">
-                <a16:creationId xmlns:a16="http://schemas.microsoft.com/office/drawing/2014/main" xmlns="" id="{4A2DF563-7FAC-46B3-B24C-7E45CD89DA2B}"/>
+                <a16:creationId xmlns="" xmlns:a16="http://schemas.microsoft.com/office/drawing/2014/main" id="{4A2DF563-7FAC-46B3-B24C-7E45CD89DA2B}"/>
               </a:ext>
             </a:extLst>
           </p:cNvPr>
@@ -20244,7 +20241,7 @@
           <p:cNvPr id="15" name="Group 14">
             <a:extLst>
               <a:ext uri="{FF2B5EF4-FFF2-40B4-BE49-F238E27FC236}">
-                <a16:creationId xmlns:a16="http://schemas.microsoft.com/office/drawing/2014/main" xmlns="" id="{7732E1E7-45E3-4264-8F26-66758696DD1E}"/>
+                <a16:creationId xmlns="" xmlns:a16="http://schemas.microsoft.com/office/drawing/2014/main" id="{7732E1E7-45E3-4264-8F26-66758696DD1E}"/>
               </a:ext>
             </a:extLst>
           </p:cNvPr>
@@ -20264,7 +20261,7 @@
             <p:cNvPr id="16" name="Freeform: Shape 15">
               <a:extLst>
                 <a:ext uri="{FF2B5EF4-FFF2-40B4-BE49-F238E27FC236}">
-                  <a16:creationId xmlns:a16="http://schemas.microsoft.com/office/drawing/2014/main" xmlns="" id="{2E3DF883-8093-49FA-81E1-E5D77F086A25}"/>
+                  <a16:creationId xmlns="" xmlns:a16="http://schemas.microsoft.com/office/drawing/2014/main" id="{2E3DF883-8093-49FA-81E1-E5D77F086A25}"/>
                 </a:ext>
               </a:extLst>
             </p:cNvPr>
@@ -20354,7 +20351,7 @@
             <p:cNvPr id="17" name="Freeform: Shape 16">
               <a:extLst>
                 <a:ext uri="{FF2B5EF4-FFF2-40B4-BE49-F238E27FC236}">
-                  <a16:creationId xmlns:a16="http://schemas.microsoft.com/office/drawing/2014/main" xmlns="" id="{18944C90-37E5-4BBE-89FF-060627168050}"/>
+                  <a16:creationId xmlns="" xmlns:a16="http://schemas.microsoft.com/office/drawing/2014/main" id="{18944C90-37E5-4BBE-89FF-060627168050}"/>
                 </a:ext>
               </a:extLst>
             </p:cNvPr>
@@ -20453,7 +20450,7 @@
           <p:cNvPr id="6" name="Group 5">
             <a:extLst>
               <a:ext uri="{FF2B5EF4-FFF2-40B4-BE49-F238E27FC236}">
-                <a16:creationId xmlns:a16="http://schemas.microsoft.com/office/drawing/2014/main" xmlns="" id="{D9EBF8BB-A805-4DDB-B459-082F99815B95}"/>
+                <a16:creationId xmlns="" xmlns:a16="http://schemas.microsoft.com/office/drawing/2014/main" id="{D9EBF8BB-A805-4DDB-B459-082F99815B95}"/>
               </a:ext>
             </a:extLst>
           </p:cNvPr>
@@ -20473,7 +20470,7 @@
             <p:cNvPr id="19" name="Rectangle: Single Corner Snipped 18">
               <a:extLst>
                 <a:ext uri="{FF2B5EF4-FFF2-40B4-BE49-F238E27FC236}">
-                  <a16:creationId xmlns:a16="http://schemas.microsoft.com/office/drawing/2014/main" xmlns="" id="{5D638788-DD47-45E7-939A-FA108A818173}"/>
+                  <a16:creationId xmlns="" xmlns:a16="http://schemas.microsoft.com/office/drawing/2014/main" id="{5D638788-DD47-45E7-939A-FA108A818173}"/>
                 </a:ext>
               </a:extLst>
             </p:cNvPr>
@@ -20539,7 +20536,7 @@
             <p:cNvPr id="3" name="Rectangle: Single Corner Snipped 2">
               <a:extLst>
                 <a:ext uri="{FF2B5EF4-FFF2-40B4-BE49-F238E27FC236}">
-                  <a16:creationId xmlns:a16="http://schemas.microsoft.com/office/drawing/2014/main" xmlns="" id="{74BDECEF-EEFE-4332-B3B2-BDE4F82C10FC}"/>
+                  <a16:creationId xmlns="" xmlns:a16="http://schemas.microsoft.com/office/drawing/2014/main" id="{74BDECEF-EEFE-4332-B3B2-BDE4F82C10FC}"/>
                 </a:ext>
               </a:extLst>
             </p:cNvPr>
@@ -20596,7 +20593,7 @@
           <p:cNvPr id="24" name="Freeform: Shape 23">
             <a:extLst>
               <a:ext uri="{FF2B5EF4-FFF2-40B4-BE49-F238E27FC236}">
-                <a16:creationId xmlns:a16="http://schemas.microsoft.com/office/drawing/2014/main" xmlns="" id="{18103E00-7E4A-44CD-81AC-06433CAE1110}"/>
+                <a16:creationId xmlns="" xmlns:a16="http://schemas.microsoft.com/office/drawing/2014/main" id="{18103E00-7E4A-44CD-81AC-06433CAE1110}"/>
               </a:ext>
             </a:extLst>
           </p:cNvPr>
@@ -20691,7 +20688,7 @@
           <p:cNvPr id="5" name="Slide Number Placeholder 4">
             <a:extLst>
               <a:ext uri="{FF2B5EF4-FFF2-40B4-BE49-F238E27FC236}">
-                <a16:creationId xmlns:a16="http://schemas.microsoft.com/office/drawing/2014/main" xmlns="" id="{87B51822-97FF-47A7-8E4E-A0F79B4EB237}"/>
+                <a16:creationId xmlns="" xmlns:a16="http://schemas.microsoft.com/office/drawing/2014/main" id="{87B51822-97FF-47A7-8E4E-A0F79B4EB237}"/>
               </a:ext>
             </a:extLst>
           </p:cNvPr>
@@ -20735,7 +20732,7 @@
           <p:cNvPr id="7" name="Text Placeholder 6">
             <a:extLst>
               <a:ext uri="{FF2B5EF4-FFF2-40B4-BE49-F238E27FC236}">
-                <a16:creationId xmlns:a16="http://schemas.microsoft.com/office/drawing/2014/main" xmlns="" id="{7E0C167E-2626-40DB-AACF-D02543E29BB3}"/>
+                <a16:creationId xmlns="" xmlns:a16="http://schemas.microsoft.com/office/drawing/2014/main" id="{7E0C167E-2626-40DB-AACF-D02543E29BB3}"/>
               </a:ext>
             </a:extLst>
           </p:cNvPr>
@@ -20778,7 +20775,7 @@
     </p:spTree>
     <p:extLst>
       <p:ext uri="{BB962C8B-B14F-4D97-AF65-F5344CB8AC3E}">
-        <p14:creationId xmlns:p14="http://schemas.microsoft.com/office/powerpoint/2010/main" xmlns="" val="2904744868"/>
+        <p14:creationId xmlns="" xmlns:p14="http://schemas.microsoft.com/office/powerpoint/2010/main" val="2904744868"/>
       </p:ext>
     </p:extLst>
   </p:cSld>
@@ -20818,7 +20815,7 @@
           <p:cNvPr id="11" name="Rectangle 10">
             <a:extLst>
               <a:ext uri="{FF2B5EF4-FFF2-40B4-BE49-F238E27FC236}">
-                <a16:creationId xmlns:a16="http://schemas.microsoft.com/office/drawing/2014/main" xmlns="" id="{EB3E033F-4449-40FA-BC85-BD2712D313DD}"/>
+                <a16:creationId xmlns="" xmlns:a16="http://schemas.microsoft.com/office/drawing/2014/main" id="{EB3E033F-4449-40FA-BC85-BD2712D313DD}"/>
               </a:ext>
             </a:extLst>
           </p:cNvPr>
@@ -20872,7 +20869,7 @@
           <p:cNvPr id="10" name="Freeform: Shape 9">
             <a:extLst>
               <a:ext uri="{FF2B5EF4-FFF2-40B4-BE49-F238E27FC236}">
-                <a16:creationId xmlns:a16="http://schemas.microsoft.com/office/drawing/2014/main" xmlns="" id="{63D26743-0505-444C-80B3-E88EE87DF72B}"/>
+                <a16:creationId xmlns="" xmlns:a16="http://schemas.microsoft.com/office/drawing/2014/main" id="{63D26743-0505-444C-80B3-E88EE87DF72B}"/>
               </a:ext>
             </a:extLst>
           </p:cNvPr>
@@ -20995,7 +20992,7 @@
           <p:cNvPr id="18" name="Freeform: Shape 17">
             <a:extLst>
               <a:ext uri="{FF2B5EF4-FFF2-40B4-BE49-F238E27FC236}">
-                <a16:creationId xmlns:a16="http://schemas.microsoft.com/office/drawing/2014/main" xmlns="" id="{E37145E9-AC61-47D5-9288-8789940F81B6}"/>
+                <a16:creationId xmlns="" xmlns:a16="http://schemas.microsoft.com/office/drawing/2014/main" id="{E37145E9-AC61-47D5-9288-8789940F81B6}"/>
               </a:ext>
             </a:extLst>
           </p:cNvPr>
@@ -21147,7 +21144,7 @@
           <p:cNvPr id="12" name="Freeform: Shape 11">
             <a:extLst>
               <a:ext uri="{FF2B5EF4-FFF2-40B4-BE49-F238E27FC236}">
-                <a16:creationId xmlns:a16="http://schemas.microsoft.com/office/drawing/2014/main" xmlns="" id="{A5E2B3ED-9A49-40A7-B8A3-62595FE513F9}"/>
+                <a16:creationId xmlns="" xmlns:a16="http://schemas.microsoft.com/office/drawing/2014/main" id="{A5E2B3ED-9A49-40A7-B8A3-62595FE513F9}"/>
               </a:ext>
             </a:extLst>
           </p:cNvPr>
@@ -21297,7 +21294,7 @@
           <p:cNvPr id="8" name="Freeform: Shape 7">
             <a:extLst>
               <a:ext uri="{FF2B5EF4-FFF2-40B4-BE49-F238E27FC236}">
-                <a16:creationId xmlns:a16="http://schemas.microsoft.com/office/drawing/2014/main" xmlns="" id="{1599AF7E-3E34-4597-AA72-9373A7FDB020}"/>
+                <a16:creationId xmlns="" xmlns:a16="http://schemas.microsoft.com/office/drawing/2014/main" id="{1599AF7E-3E34-4597-AA72-9373A7FDB020}"/>
               </a:ext>
             </a:extLst>
           </p:cNvPr>
@@ -21443,7 +21440,7 @@
           <p:cNvPr id="2" name="Title 1">
             <a:extLst>
               <a:ext uri="{FF2B5EF4-FFF2-40B4-BE49-F238E27FC236}">
-                <a16:creationId xmlns:a16="http://schemas.microsoft.com/office/drawing/2014/main" xmlns="" id="{4A2DF563-7FAC-46B3-B24C-7E45CD89DA2B}"/>
+                <a16:creationId xmlns="" xmlns:a16="http://schemas.microsoft.com/office/drawing/2014/main" id="{4A2DF563-7FAC-46B3-B24C-7E45CD89DA2B}"/>
               </a:ext>
             </a:extLst>
           </p:cNvPr>
@@ -21488,7 +21485,7 @@
           <p:cNvPr id="15" name="Group 14">
             <a:extLst>
               <a:ext uri="{FF2B5EF4-FFF2-40B4-BE49-F238E27FC236}">
-                <a16:creationId xmlns:a16="http://schemas.microsoft.com/office/drawing/2014/main" xmlns="" id="{7732E1E7-45E3-4264-8F26-66758696DD1E}"/>
+                <a16:creationId xmlns="" xmlns:a16="http://schemas.microsoft.com/office/drawing/2014/main" id="{7732E1E7-45E3-4264-8F26-66758696DD1E}"/>
               </a:ext>
             </a:extLst>
           </p:cNvPr>
@@ -21508,7 +21505,7 @@
             <p:cNvPr id="16" name="Freeform: Shape 15">
               <a:extLst>
                 <a:ext uri="{FF2B5EF4-FFF2-40B4-BE49-F238E27FC236}">
-                  <a16:creationId xmlns:a16="http://schemas.microsoft.com/office/drawing/2014/main" xmlns="" id="{2E3DF883-8093-49FA-81E1-E5D77F086A25}"/>
+                  <a16:creationId xmlns="" xmlns:a16="http://schemas.microsoft.com/office/drawing/2014/main" id="{2E3DF883-8093-49FA-81E1-E5D77F086A25}"/>
                 </a:ext>
               </a:extLst>
             </p:cNvPr>
@@ -21598,7 +21595,7 @@
             <p:cNvPr id="17" name="Freeform: Shape 16">
               <a:extLst>
                 <a:ext uri="{FF2B5EF4-FFF2-40B4-BE49-F238E27FC236}">
-                  <a16:creationId xmlns:a16="http://schemas.microsoft.com/office/drawing/2014/main" xmlns="" id="{18944C90-37E5-4BBE-89FF-060627168050}"/>
+                  <a16:creationId xmlns="" xmlns:a16="http://schemas.microsoft.com/office/drawing/2014/main" id="{18944C90-37E5-4BBE-89FF-060627168050}"/>
                 </a:ext>
               </a:extLst>
             </p:cNvPr>
@@ -21697,7 +21694,7 @@
           <p:cNvPr id="6" name="Group 5">
             <a:extLst>
               <a:ext uri="{FF2B5EF4-FFF2-40B4-BE49-F238E27FC236}">
-                <a16:creationId xmlns:a16="http://schemas.microsoft.com/office/drawing/2014/main" xmlns="" id="{D9EBF8BB-A805-4DDB-B459-082F99815B95}"/>
+                <a16:creationId xmlns="" xmlns:a16="http://schemas.microsoft.com/office/drawing/2014/main" id="{D9EBF8BB-A805-4DDB-B459-082F99815B95}"/>
               </a:ext>
             </a:extLst>
           </p:cNvPr>
@@ -21717,7 +21714,7 @@
             <p:cNvPr id="19" name="Rectangle: Single Corner Snipped 18">
               <a:extLst>
                 <a:ext uri="{FF2B5EF4-FFF2-40B4-BE49-F238E27FC236}">
-                  <a16:creationId xmlns:a16="http://schemas.microsoft.com/office/drawing/2014/main" xmlns="" id="{5D638788-DD47-45E7-939A-FA108A818173}"/>
+                  <a16:creationId xmlns="" xmlns:a16="http://schemas.microsoft.com/office/drawing/2014/main" id="{5D638788-DD47-45E7-939A-FA108A818173}"/>
                 </a:ext>
               </a:extLst>
             </p:cNvPr>
@@ -21783,7 +21780,7 @@
             <p:cNvPr id="3" name="Rectangle: Single Corner Snipped 2">
               <a:extLst>
                 <a:ext uri="{FF2B5EF4-FFF2-40B4-BE49-F238E27FC236}">
-                  <a16:creationId xmlns:a16="http://schemas.microsoft.com/office/drawing/2014/main" xmlns="" id="{74BDECEF-EEFE-4332-B3B2-BDE4F82C10FC}"/>
+                  <a16:creationId xmlns="" xmlns:a16="http://schemas.microsoft.com/office/drawing/2014/main" id="{74BDECEF-EEFE-4332-B3B2-BDE4F82C10FC}"/>
                 </a:ext>
               </a:extLst>
             </p:cNvPr>
@@ -21840,7 +21837,7 @@
           <p:cNvPr id="24" name="Freeform: Shape 23">
             <a:extLst>
               <a:ext uri="{FF2B5EF4-FFF2-40B4-BE49-F238E27FC236}">
-                <a16:creationId xmlns:a16="http://schemas.microsoft.com/office/drawing/2014/main" xmlns="" id="{18103E00-7E4A-44CD-81AC-06433CAE1110}"/>
+                <a16:creationId xmlns="" xmlns:a16="http://schemas.microsoft.com/office/drawing/2014/main" id="{18103E00-7E4A-44CD-81AC-06433CAE1110}"/>
               </a:ext>
             </a:extLst>
           </p:cNvPr>
@@ -21935,7 +21932,7 @@
           <p:cNvPr id="5" name="Slide Number Placeholder 4">
             <a:extLst>
               <a:ext uri="{FF2B5EF4-FFF2-40B4-BE49-F238E27FC236}">
-                <a16:creationId xmlns:a16="http://schemas.microsoft.com/office/drawing/2014/main" xmlns="" id="{87B51822-97FF-47A7-8E4E-A0F79B4EB237}"/>
+                <a16:creationId xmlns="" xmlns:a16="http://schemas.microsoft.com/office/drawing/2014/main" id="{87B51822-97FF-47A7-8E4E-A0F79B4EB237}"/>
               </a:ext>
             </a:extLst>
           </p:cNvPr>
@@ -21979,7 +21976,7 @@
           <p:cNvPr id="20" name="Content Placeholder 2">
             <a:extLst>
               <a:ext uri="{FF2B5EF4-FFF2-40B4-BE49-F238E27FC236}">
-                <a16:creationId xmlns:a16="http://schemas.microsoft.com/office/drawing/2014/main" xmlns="" id="{0103A49C-32FF-49E6-86F3-FC2E19517BD5}"/>
+                <a16:creationId xmlns="" xmlns:a16="http://schemas.microsoft.com/office/drawing/2014/main" id="{0103A49C-32FF-49E6-86F3-FC2E19517BD5}"/>
               </a:ext>
             </a:extLst>
           </p:cNvPr>
@@ -22075,7 +22072,7 @@
     </p:spTree>
     <p:extLst>
       <p:ext uri="{BB962C8B-B14F-4D97-AF65-F5344CB8AC3E}">
-        <p14:creationId xmlns:p14="http://schemas.microsoft.com/office/powerpoint/2010/main" xmlns="" val="2636708262"/>
+        <p14:creationId xmlns="" xmlns:p14="http://schemas.microsoft.com/office/powerpoint/2010/main" val="2636708262"/>
       </p:ext>
     </p:extLst>
   </p:cSld>
@@ -22115,7 +22112,7 @@
           <p:cNvPr id="11" name="Rectangle 10">
             <a:extLst>
               <a:ext uri="{FF2B5EF4-FFF2-40B4-BE49-F238E27FC236}">
-                <a16:creationId xmlns:a16="http://schemas.microsoft.com/office/drawing/2014/main" xmlns="" id="{EB3E033F-4449-40FA-BC85-BD2712D313DD}"/>
+                <a16:creationId xmlns="" xmlns:a16="http://schemas.microsoft.com/office/drawing/2014/main" id="{EB3E033F-4449-40FA-BC85-BD2712D313DD}"/>
               </a:ext>
             </a:extLst>
           </p:cNvPr>
@@ -22169,7 +22166,7 @@
           <p:cNvPr id="10" name="Freeform: Shape 9">
             <a:extLst>
               <a:ext uri="{FF2B5EF4-FFF2-40B4-BE49-F238E27FC236}">
-                <a16:creationId xmlns:a16="http://schemas.microsoft.com/office/drawing/2014/main" xmlns="" id="{63D26743-0505-444C-80B3-E88EE87DF72B}"/>
+                <a16:creationId xmlns="" xmlns:a16="http://schemas.microsoft.com/office/drawing/2014/main" id="{63D26743-0505-444C-80B3-E88EE87DF72B}"/>
               </a:ext>
             </a:extLst>
           </p:cNvPr>
@@ -22292,7 +22289,7 @@
           <p:cNvPr id="18" name="Freeform: Shape 17">
             <a:extLst>
               <a:ext uri="{FF2B5EF4-FFF2-40B4-BE49-F238E27FC236}">
-                <a16:creationId xmlns:a16="http://schemas.microsoft.com/office/drawing/2014/main" xmlns="" id="{E37145E9-AC61-47D5-9288-8789940F81B6}"/>
+                <a16:creationId xmlns="" xmlns:a16="http://schemas.microsoft.com/office/drawing/2014/main" id="{E37145E9-AC61-47D5-9288-8789940F81B6}"/>
               </a:ext>
             </a:extLst>
           </p:cNvPr>
@@ -22444,7 +22441,7 @@
           <p:cNvPr id="12" name="Freeform: Shape 11">
             <a:extLst>
               <a:ext uri="{FF2B5EF4-FFF2-40B4-BE49-F238E27FC236}">
-                <a16:creationId xmlns:a16="http://schemas.microsoft.com/office/drawing/2014/main" xmlns="" id="{A5E2B3ED-9A49-40A7-B8A3-62595FE513F9}"/>
+                <a16:creationId xmlns="" xmlns:a16="http://schemas.microsoft.com/office/drawing/2014/main" id="{A5E2B3ED-9A49-40A7-B8A3-62595FE513F9}"/>
               </a:ext>
             </a:extLst>
           </p:cNvPr>
@@ -22594,7 +22591,7 @@
           <p:cNvPr id="8" name="Freeform: Shape 7">
             <a:extLst>
               <a:ext uri="{FF2B5EF4-FFF2-40B4-BE49-F238E27FC236}">
-                <a16:creationId xmlns:a16="http://schemas.microsoft.com/office/drawing/2014/main" xmlns="" id="{1599AF7E-3E34-4597-AA72-9373A7FDB020}"/>
+                <a16:creationId xmlns="" xmlns:a16="http://schemas.microsoft.com/office/drawing/2014/main" id="{1599AF7E-3E34-4597-AA72-9373A7FDB020}"/>
               </a:ext>
             </a:extLst>
           </p:cNvPr>
@@ -22740,7 +22737,7 @@
           <p:cNvPr id="2" name="Title 1">
             <a:extLst>
               <a:ext uri="{FF2B5EF4-FFF2-40B4-BE49-F238E27FC236}">
-                <a16:creationId xmlns:a16="http://schemas.microsoft.com/office/drawing/2014/main" xmlns="" id="{4A2DF563-7FAC-46B3-B24C-7E45CD89DA2B}"/>
+                <a16:creationId xmlns="" xmlns:a16="http://schemas.microsoft.com/office/drawing/2014/main" id="{4A2DF563-7FAC-46B3-B24C-7E45CD89DA2B}"/>
               </a:ext>
             </a:extLst>
           </p:cNvPr>
@@ -22785,7 +22782,7 @@
           <p:cNvPr id="15" name="Group 14">
             <a:extLst>
               <a:ext uri="{FF2B5EF4-FFF2-40B4-BE49-F238E27FC236}">
-                <a16:creationId xmlns:a16="http://schemas.microsoft.com/office/drawing/2014/main" xmlns="" id="{7732E1E7-45E3-4264-8F26-66758696DD1E}"/>
+                <a16:creationId xmlns="" xmlns:a16="http://schemas.microsoft.com/office/drawing/2014/main" id="{7732E1E7-45E3-4264-8F26-66758696DD1E}"/>
               </a:ext>
             </a:extLst>
           </p:cNvPr>
@@ -22805,7 +22802,7 @@
             <p:cNvPr id="16" name="Freeform: Shape 15">
               <a:extLst>
                 <a:ext uri="{FF2B5EF4-FFF2-40B4-BE49-F238E27FC236}">
-                  <a16:creationId xmlns:a16="http://schemas.microsoft.com/office/drawing/2014/main" xmlns="" id="{2E3DF883-8093-49FA-81E1-E5D77F086A25}"/>
+                  <a16:creationId xmlns="" xmlns:a16="http://schemas.microsoft.com/office/drawing/2014/main" id="{2E3DF883-8093-49FA-81E1-E5D77F086A25}"/>
                 </a:ext>
               </a:extLst>
             </p:cNvPr>
@@ -22895,7 +22892,7 @@
             <p:cNvPr id="17" name="Freeform: Shape 16">
               <a:extLst>
                 <a:ext uri="{FF2B5EF4-FFF2-40B4-BE49-F238E27FC236}">
-                  <a16:creationId xmlns:a16="http://schemas.microsoft.com/office/drawing/2014/main" xmlns="" id="{18944C90-37E5-4BBE-89FF-060627168050}"/>
+                  <a16:creationId xmlns="" xmlns:a16="http://schemas.microsoft.com/office/drawing/2014/main" id="{18944C90-37E5-4BBE-89FF-060627168050}"/>
                 </a:ext>
               </a:extLst>
             </p:cNvPr>
@@ -22994,7 +22991,7 @@
           <p:cNvPr id="6" name="Group 5">
             <a:extLst>
               <a:ext uri="{FF2B5EF4-FFF2-40B4-BE49-F238E27FC236}">
-                <a16:creationId xmlns:a16="http://schemas.microsoft.com/office/drawing/2014/main" xmlns="" id="{D9EBF8BB-A805-4DDB-B459-082F99815B95}"/>
+                <a16:creationId xmlns="" xmlns:a16="http://schemas.microsoft.com/office/drawing/2014/main" id="{D9EBF8BB-A805-4DDB-B459-082F99815B95}"/>
               </a:ext>
             </a:extLst>
           </p:cNvPr>
@@ -23014,7 +23011,7 @@
             <p:cNvPr id="19" name="Rectangle: Single Corner Snipped 18">
               <a:extLst>
                 <a:ext uri="{FF2B5EF4-FFF2-40B4-BE49-F238E27FC236}">
-                  <a16:creationId xmlns:a16="http://schemas.microsoft.com/office/drawing/2014/main" xmlns="" id="{5D638788-DD47-45E7-939A-FA108A818173}"/>
+                  <a16:creationId xmlns="" xmlns:a16="http://schemas.microsoft.com/office/drawing/2014/main" id="{5D638788-DD47-45E7-939A-FA108A818173}"/>
                 </a:ext>
               </a:extLst>
             </p:cNvPr>
@@ -23080,7 +23077,7 @@
             <p:cNvPr id="3" name="Rectangle: Single Corner Snipped 2">
               <a:extLst>
                 <a:ext uri="{FF2B5EF4-FFF2-40B4-BE49-F238E27FC236}">
-                  <a16:creationId xmlns:a16="http://schemas.microsoft.com/office/drawing/2014/main" xmlns="" id="{74BDECEF-EEFE-4332-B3B2-BDE4F82C10FC}"/>
+                  <a16:creationId xmlns="" xmlns:a16="http://schemas.microsoft.com/office/drawing/2014/main" id="{74BDECEF-EEFE-4332-B3B2-BDE4F82C10FC}"/>
                 </a:ext>
               </a:extLst>
             </p:cNvPr>
@@ -23137,7 +23134,7 @@
           <p:cNvPr id="24" name="Freeform: Shape 23">
             <a:extLst>
               <a:ext uri="{FF2B5EF4-FFF2-40B4-BE49-F238E27FC236}">
-                <a16:creationId xmlns:a16="http://schemas.microsoft.com/office/drawing/2014/main" xmlns="" id="{18103E00-7E4A-44CD-81AC-06433CAE1110}"/>
+                <a16:creationId xmlns="" xmlns:a16="http://schemas.microsoft.com/office/drawing/2014/main" id="{18103E00-7E4A-44CD-81AC-06433CAE1110}"/>
               </a:ext>
             </a:extLst>
           </p:cNvPr>
@@ -23232,7 +23229,7 @@
           <p:cNvPr id="5" name="Slide Number Placeholder 4">
             <a:extLst>
               <a:ext uri="{FF2B5EF4-FFF2-40B4-BE49-F238E27FC236}">
-                <a16:creationId xmlns:a16="http://schemas.microsoft.com/office/drawing/2014/main" xmlns="" id="{87B51822-97FF-47A7-8E4E-A0F79B4EB237}"/>
+                <a16:creationId xmlns="" xmlns:a16="http://schemas.microsoft.com/office/drawing/2014/main" id="{87B51822-97FF-47A7-8E4E-A0F79B4EB237}"/>
               </a:ext>
             </a:extLst>
           </p:cNvPr>
@@ -23276,7 +23273,7 @@
           <p:cNvPr id="25" name="Text Placeholder 2">
             <a:extLst>
               <a:ext uri="{FF2B5EF4-FFF2-40B4-BE49-F238E27FC236}">
-                <a16:creationId xmlns:a16="http://schemas.microsoft.com/office/drawing/2014/main" xmlns="" id="{7FA80A70-18DE-4DB9-9982-BA75BE54CF93}"/>
+                <a16:creationId xmlns="" xmlns:a16="http://schemas.microsoft.com/office/drawing/2014/main" id="{7FA80A70-18DE-4DB9-9982-BA75BE54CF93}"/>
               </a:ext>
             </a:extLst>
           </p:cNvPr>
@@ -23354,7 +23351,7 @@
           <p:cNvPr id="26" name="Text Placeholder 4">
             <a:extLst>
               <a:ext uri="{FF2B5EF4-FFF2-40B4-BE49-F238E27FC236}">
-                <a16:creationId xmlns:a16="http://schemas.microsoft.com/office/drawing/2014/main" xmlns="" id="{2801C0EF-C078-44B0-AD01-4850E9A65EE0}"/>
+                <a16:creationId xmlns="" xmlns:a16="http://schemas.microsoft.com/office/drawing/2014/main" id="{2801C0EF-C078-44B0-AD01-4850E9A65EE0}"/>
               </a:ext>
             </a:extLst>
           </p:cNvPr>
@@ -23432,7 +23429,7 @@
           <p:cNvPr id="27" name="Content Placeholder 3">
             <a:extLst>
               <a:ext uri="{FF2B5EF4-FFF2-40B4-BE49-F238E27FC236}">
-                <a16:creationId xmlns:a16="http://schemas.microsoft.com/office/drawing/2014/main" xmlns="" id="{7C9DED91-45F6-4308-A085-1EFACA6468CF}"/>
+                <a16:creationId xmlns="" xmlns:a16="http://schemas.microsoft.com/office/drawing/2014/main" id="{7C9DED91-45F6-4308-A085-1EFACA6468CF}"/>
               </a:ext>
             </a:extLst>
           </p:cNvPr>
@@ -23532,7 +23529,7 @@
           <p:cNvPr id="28" name="Content Placeholder 5">
             <a:extLst>
               <a:ext uri="{FF2B5EF4-FFF2-40B4-BE49-F238E27FC236}">
-                <a16:creationId xmlns:a16="http://schemas.microsoft.com/office/drawing/2014/main" xmlns="" id="{0574B5E7-B666-439B-9278-67BE1EA6EBC5}"/>
+                <a16:creationId xmlns="" xmlns:a16="http://schemas.microsoft.com/office/drawing/2014/main" id="{0574B5E7-B666-439B-9278-67BE1EA6EBC5}"/>
               </a:ext>
             </a:extLst>
           </p:cNvPr>
@@ -23630,7 +23627,7 @@
     </p:spTree>
     <p:extLst>
       <p:ext uri="{BB962C8B-B14F-4D97-AF65-F5344CB8AC3E}">
-        <p14:creationId xmlns:p14="http://schemas.microsoft.com/office/powerpoint/2010/main" xmlns="" val="3219167126"/>
+        <p14:creationId xmlns="" xmlns:p14="http://schemas.microsoft.com/office/powerpoint/2010/main" val="3219167126"/>
       </p:ext>
     </p:extLst>
   </p:cSld>
@@ -23667,7 +23664,7 @@
           <p:cNvPr id="2" name="Title Placeholder 1">
             <a:extLst>
               <a:ext uri="{FF2B5EF4-FFF2-40B4-BE49-F238E27FC236}">
-                <a16:creationId xmlns:a16="http://schemas.microsoft.com/office/drawing/2014/main" xmlns="" id="{761B0E15-6FC5-434E-8780-B186D9DB0CD0}"/>
+                <a16:creationId xmlns="" xmlns:a16="http://schemas.microsoft.com/office/drawing/2014/main" id="{761B0E15-6FC5-434E-8780-B186D9DB0CD0}"/>
               </a:ext>
             </a:extLst>
           </p:cNvPr>
@@ -23705,7 +23702,7 @@
           <p:cNvPr id="3" name="Text Placeholder 2">
             <a:extLst>
               <a:ext uri="{FF2B5EF4-FFF2-40B4-BE49-F238E27FC236}">
-                <a16:creationId xmlns:a16="http://schemas.microsoft.com/office/drawing/2014/main" xmlns="" id="{A9C7B128-34F3-405C-B601-8BAFDB43499C}"/>
+                <a16:creationId xmlns="" xmlns:a16="http://schemas.microsoft.com/office/drawing/2014/main" id="{A9C7B128-34F3-405C-B601-8BAFDB43499C}"/>
               </a:ext>
             </a:extLst>
           </p:cNvPr>
@@ -23772,7 +23769,7 @@
           <p:cNvPr id="6" name="Slide Number Placeholder 5">
             <a:extLst>
               <a:ext uri="{FF2B5EF4-FFF2-40B4-BE49-F238E27FC236}">
-                <a16:creationId xmlns:a16="http://schemas.microsoft.com/office/drawing/2014/main" xmlns="" id="{9F5A7754-E8C7-438B-922D-9027C6CF58E2}"/>
+                <a16:creationId xmlns="" xmlns:a16="http://schemas.microsoft.com/office/drawing/2014/main" id="{9F5A7754-E8C7-438B-922D-9027C6CF58E2}"/>
               </a:ext>
             </a:extLst>
           </p:cNvPr>
@@ -23820,7 +23817,7 @@
           <p:cNvPr id="5" name="Rectangle 4">
             <a:extLst>
               <a:ext uri="{FF2B5EF4-FFF2-40B4-BE49-F238E27FC236}">
-                <a16:creationId xmlns:a16="http://schemas.microsoft.com/office/drawing/2014/main" xmlns="" id="{7CDDDB7D-9189-9548-A2B9-81DC62C3C1A3}"/>
+                <a16:creationId xmlns="" xmlns:a16="http://schemas.microsoft.com/office/drawing/2014/main" id="{7CDDDB7D-9189-9548-A2B9-81DC62C3C1A3}"/>
               </a:ext>
             </a:extLst>
           </p:cNvPr>
@@ -23874,7 +23871,7 @@
           <p:cNvPr id="7" name="Freeform: Shape 9">
             <a:extLst>
               <a:ext uri="{FF2B5EF4-FFF2-40B4-BE49-F238E27FC236}">
-                <a16:creationId xmlns:a16="http://schemas.microsoft.com/office/drawing/2014/main" xmlns="" id="{096D8877-6B4A-4540-8927-767DD7401718}"/>
+                <a16:creationId xmlns="" xmlns:a16="http://schemas.microsoft.com/office/drawing/2014/main" id="{096D8877-6B4A-4540-8927-767DD7401718}"/>
               </a:ext>
             </a:extLst>
           </p:cNvPr>
@@ -23997,7 +23994,7 @@
           <p:cNvPr id="8" name="Freeform: Shape 17">
             <a:extLst>
               <a:ext uri="{FF2B5EF4-FFF2-40B4-BE49-F238E27FC236}">
-                <a16:creationId xmlns:a16="http://schemas.microsoft.com/office/drawing/2014/main" xmlns="" id="{5AF2E123-FE0F-8541-8E36-5030C450AA7E}"/>
+                <a16:creationId xmlns="" xmlns:a16="http://schemas.microsoft.com/office/drawing/2014/main" id="{5AF2E123-FE0F-8541-8E36-5030C450AA7E}"/>
               </a:ext>
             </a:extLst>
           </p:cNvPr>
@@ -24149,7 +24146,7 @@
           <p:cNvPr id="9" name="Freeform: Shape 11">
             <a:extLst>
               <a:ext uri="{FF2B5EF4-FFF2-40B4-BE49-F238E27FC236}">
-                <a16:creationId xmlns:a16="http://schemas.microsoft.com/office/drawing/2014/main" xmlns="" id="{E5519D99-3B68-924A-9CD0-14B911711CA8}"/>
+                <a16:creationId xmlns="" xmlns:a16="http://schemas.microsoft.com/office/drawing/2014/main" id="{E5519D99-3B68-924A-9CD0-14B911711CA8}"/>
               </a:ext>
             </a:extLst>
           </p:cNvPr>
@@ -24299,7 +24296,7 @@
           <p:cNvPr id="10" name="Freeform: Shape 7">
             <a:extLst>
               <a:ext uri="{FF2B5EF4-FFF2-40B4-BE49-F238E27FC236}">
-                <a16:creationId xmlns:a16="http://schemas.microsoft.com/office/drawing/2014/main" xmlns="" id="{A09E21A9-FBEF-144C-A152-FE484F3C55C1}"/>
+                <a16:creationId xmlns="" xmlns:a16="http://schemas.microsoft.com/office/drawing/2014/main" id="{A09E21A9-FBEF-144C-A152-FE484F3C55C1}"/>
               </a:ext>
             </a:extLst>
           </p:cNvPr>
@@ -24445,7 +24442,7 @@
           <p:cNvPr id="11" name="Title 1">
             <a:extLst>
               <a:ext uri="{FF2B5EF4-FFF2-40B4-BE49-F238E27FC236}">
-                <a16:creationId xmlns:a16="http://schemas.microsoft.com/office/drawing/2014/main" xmlns="" id="{70C7F2CB-A8CE-1545-A08D-93592C4BAEEA}"/>
+                <a16:creationId xmlns="" xmlns:a16="http://schemas.microsoft.com/office/drawing/2014/main" id="{70C7F2CB-A8CE-1545-A08D-93592C4BAEEA}"/>
               </a:ext>
             </a:extLst>
           </p:cNvPr>
@@ -24501,7 +24498,7 @@
           <p:cNvPr id="12" name="Group 11">
             <a:extLst>
               <a:ext uri="{FF2B5EF4-FFF2-40B4-BE49-F238E27FC236}">
-                <a16:creationId xmlns:a16="http://schemas.microsoft.com/office/drawing/2014/main" xmlns="" id="{7068FCE4-1B47-3C4B-B091-013120A97D09}"/>
+                <a16:creationId xmlns="" xmlns:a16="http://schemas.microsoft.com/office/drawing/2014/main" id="{7068FCE4-1B47-3C4B-B091-013120A97D09}"/>
               </a:ext>
             </a:extLst>
           </p:cNvPr>
@@ -24521,7 +24518,7 @@
             <p:cNvPr id="13" name="Freeform: Shape 15">
               <a:extLst>
                 <a:ext uri="{FF2B5EF4-FFF2-40B4-BE49-F238E27FC236}">
-                  <a16:creationId xmlns:a16="http://schemas.microsoft.com/office/drawing/2014/main" xmlns="" id="{FEC3FDE7-F27E-5E4E-8752-287CAB7792D4}"/>
+                  <a16:creationId xmlns="" xmlns:a16="http://schemas.microsoft.com/office/drawing/2014/main" id="{FEC3FDE7-F27E-5E4E-8752-287CAB7792D4}"/>
                 </a:ext>
               </a:extLst>
             </p:cNvPr>
@@ -24611,7 +24608,7 @@
             <p:cNvPr id="14" name="Freeform: Shape 16">
               <a:extLst>
                 <a:ext uri="{FF2B5EF4-FFF2-40B4-BE49-F238E27FC236}">
-                  <a16:creationId xmlns:a16="http://schemas.microsoft.com/office/drawing/2014/main" xmlns="" id="{81C902DB-0D21-5044-82B6-9E7A70A1BF62}"/>
+                  <a16:creationId xmlns="" xmlns:a16="http://schemas.microsoft.com/office/drawing/2014/main" id="{81C902DB-0D21-5044-82B6-9E7A70A1BF62}"/>
                 </a:ext>
               </a:extLst>
             </p:cNvPr>
@@ -24710,7 +24707,7 @@
           <p:cNvPr id="15" name="Group 14">
             <a:extLst>
               <a:ext uri="{FF2B5EF4-FFF2-40B4-BE49-F238E27FC236}">
-                <a16:creationId xmlns:a16="http://schemas.microsoft.com/office/drawing/2014/main" xmlns="" id="{BE1E08A0-195D-694F-947B-986A76FBB93E}"/>
+                <a16:creationId xmlns="" xmlns:a16="http://schemas.microsoft.com/office/drawing/2014/main" id="{BE1E08A0-195D-694F-947B-986A76FBB93E}"/>
               </a:ext>
             </a:extLst>
           </p:cNvPr>
@@ -24730,7 +24727,7 @@
             <p:cNvPr id="16" name="Rectangle: Single Corner Snipped 18">
               <a:extLst>
                 <a:ext uri="{FF2B5EF4-FFF2-40B4-BE49-F238E27FC236}">
-                  <a16:creationId xmlns:a16="http://schemas.microsoft.com/office/drawing/2014/main" xmlns="" id="{ED5DFFCD-1EE3-E64E-B51F-BD7D72413E0B}"/>
+                  <a16:creationId xmlns="" xmlns:a16="http://schemas.microsoft.com/office/drawing/2014/main" id="{ED5DFFCD-1EE3-E64E-B51F-BD7D72413E0B}"/>
                 </a:ext>
               </a:extLst>
             </p:cNvPr>
@@ -24796,7 +24793,7 @@
             <p:cNvPr id="17" name="Rectangle: Single Corner Snipped 2">
               <a:extLst>
                 <a:ext uri="{FF2B5EF4-FFF2-40B4-BE49-F238E27FC236}">
-                  <a16:creationId xmlns:a16="http://schemas.microsoft.com/office/drawing/2014/main" xmlns="" id="{C12DB3CA-8E64-AA43-BFBE-A2CA9A816DBE}"/>
+                  <a16:creationId xmlns="" xmlns:a16="http://schemas.microsoft.com/office/drawing/2014/main" id="{C12DB3CA-8E64-AA43-BFBE-A2CA9A816DBE}"/>
                 </a:ext>
               </a:extLst>
             </p:cNvPr>
@@ -24853,7 +24850,7 @@
           <p:cNvPr id="18" name="Freeform: Shape 23">
             <a:extLst>
               <a:ext uri="{FF2B5EF4-FFF2-40B4-BE49-F238E27FC236}">
-                <a16:creationId xmlns:a16="http://schemas.microsoft.com/office/drawing/2014/main" xmlns="" id="{A587DEFD-D470-4142-8E0D-A71DDB147C92}"/>
+                <a16:creationId xmlns="" xmlns:a16="http://schemas.microsoft.com/office/drawing/2014/main" id="{A587DEFD-D470-4142-8E0D-A71DDB147C92}"/>
               </a:ext>
             </a:extLst>
           </p:cNvPr>
@@ -24948,7 +24945,7 @@
           <p:cNvPr id="19" name="Slide Number Placeholder 4">
             <a:extLst>
               <a:ext uri="{FF2B5EF4-FFF2-40B4-BE49-F238E27FC236}">
-                <a16:creationId xmlns:a16="http://schemas.microsoft.com/office/drawing/2014/main" xmlns="" id="{7D9BF857-7910-734D-A217-5E3344220AA2}"/>
+                <a16:creationId xmlns="" xmlns:a16="http://schemas.microsoft.com/office/drawing/2014/main" id="{7D9BF857-7910-734D-A217-5E3344220AA2}"/>
               </a:ext>
             </a:extLst>
           </p:cNvPr>
@@ -25076,7 +25073,7 @@
     </p:spTree>
     <p:extLst>
       <p:ext uri="{BB962C8B-B14F-4D97-AF65-F5344CB8AC3E}">
-        <p14:creationId xmlns:p14="http://schemas.microsoft.com/office/powerpoint/2010/main" xmlns="" val="666093331"/>
+        <p14:creationId xmlns="" xmlns:p14="http://schemas.microsoft.com/office/powerpoint/2010/main" val="666093331"/>
       </p:ext>
     </p:extLst>
   </p:cSld>
@@ -25399,7 +25396,7 @@
   </p:txStyles>
   <p:extLst mod="1">
     <p:ext uri="{27BBF7A9-308A-43DC-89C8-2F10F3537804}">
-      <p15:sldGuideLst xmlns:p15="http://schemas.microsoft.com/office/powerpoint/2012/main" xmlns="">
+      <p15:sldGuideLst xmlns="" xmlns:p15="http://schemas.microsoft.com/office/powerpoint/2012/main">
         <p15:guide id="1" orient="horz" pos="2160" userDrawn="1">
           <p15:clr>
             <a:srgbClr val="F26B43"/>
@@ -25461,246 +25458,6 @@
           <a:chExt cx="0" cy="0"/>
         </a:xfrm>
       </p:grpSpPr>
-      <p:sp>
-        <p:nvSpPr>
-          <p:cNvPr id="2" name="Title 1">
-            <a:extLst>
-              <a:ext uri="{FF2B5EF4-FFF2-40B4-BE49-F238E27FC236}">
-                <a16:creationId xmlns:a16="http://schemas.microsoft.com/office/drawing/2014/main" xmlns="" id="{632BE5BF-9922-45FB-8F3F-4446D40A051B}"/>
-              </a:ext>
-            </a:extLst>
-          </p:cNvPr>
-          <p:cNvSpPr>
-            <a:spLocks noGrp="1"/>
-          </p:cNvSpPr>
-          <p:nvPr>
-            <p:ph type="ctrTitle"/>
-          </p:nvPr>
-        </p:nvSpPr>
-        <p:spPr>
-          <a:xfrm>
-            <a:off x="3625088" y="1219200"/>
-            <a:ext cx="7077456" cy="1889760"/>
-          </a:xfrm>
-        </p:spPr>
-        <p:txBody>
-          <a:bodyPr/>
-          <a:lstStyle/>
-          <a:p>
-            <a:pPr algn="r"/>
-            <a:r>
-              <a:rPr lang="en-US" sz="4800" dirty="0" smtClean="0"/>
-              <a:t>4IT31: PROJECT 1</a:t>
-            </a:r>
-            <a:br>
-              <a:rPr lang="en-US" sz="4800" dirty="0" smtClean="0"/>
-            </a:br>
-            <a:r>
-              <a:rPr lang="en-US" sz="4800" dirty="0" smtClean="0"/>
-              <a:t>					   </a:t>
-            </a:r>
-            <a:r>
-              <a:rPr lang="en-US" sz="1800" dirty="0" smtClean="0"/>
-              <a:t>Group No. :- </a:t>
-            </a:r>
-            <a:r>
-              <a:rPr lang="en-US" sz="1800" dirty="0" smtClean="0"/>
-              <a:t>13</a:t>
-            </a:r>
-            <a:br>
-              <a:rPr lang="en-US" sz="1800" dirty="0" smtClean="0"/>
-            </a:br>
-            <a:r>
-              <a:rPr lang="en-US" sz="1800" dirty="0" smtClean="0"/>
-              <a:t>Guided By :- Prof. Prachi Shah</a:t>
-            </a:r>
-            <a:r>
-              <a:rPr lang="en-US" sz="1800" dirty="0" smtClean="0"/>
-              <a:t/>
-            </a:r>
-            <a:br>
-              <a:rPr lang="en-US" sz="1800" dirty="0" smtClean="0"/>
-            </a:br>
-            <a:endParaRPr lang="en-US" sz="1800" dirty="0"/>
-          </a:p>
-        </p:txBody>
-      </p:sp>
-      <p:graphicFrame>
-        <p:nvGraphicFramePr>
-          <p:cNvPr id="6" name="Table 5"/>
-          <p:cNvGraphicFramePr>
-            <a:graphicFrameLocks noGrp="1"/>
-          </p:cNvGraphicFramePr>
-          <p:nvPr/>
-        </p:nvGraphicFramePr>
-        <p:xfrm>
-          <a:off x="1361440" y="4246880"/>
-          <a:ext cx="6837680" cy="1828800"/>
-        </p:xfrm>
-        <a:graphic>
-          <a:graphicData uri="http://schemas.openxmlformats.org/drawingml/2006/table">
-            <a:tbl>
-              <a:tblPr firstRow="1" bandRow="1">
-                <a:tableStyleId>{5C22544A-7EE6-4342-B048-85BDC9FD1C3A}</a:tableStyleId>
-              </a:tblPr>
-              <a:tblGrid>
-                <a:gridCol w="3418840"/>
-                <a:gridCol w="3418840"/>
-              </a:tblGrid>
-              <a:tr h="310896">
-                <a:tc>
-                  <a:txBody>
-                    <a:bodyPr/>
-                    <a:lstStyle/>
-                    <a:p>
-                      <a:r>
-                        <a:rPr lang="en-US" dirty="0" smtClean="0"/>
-                        <a:t>ID Number</a:t>
-                      </a:r>
-                      <a:endParaRPr lang="en-US" dirty="0"/>
-                    </a:p>
-                  </a:txBody>
-                  <a:tcPr/>
-                </a:tc>
-                <a:tc>
-                  <a:txBody>
-                    <a:bodyPr/>
-                    <a:lstStyle/>
-                    <a:p>
-                      <a:r>
-                        <a:rPr lang="en-US" dirty="0" smtClean="0"/>
-                        <a:t>Name</a:t>
-                      </a:r>
-                      <a:endParaRPr lang="en-US" dirty="0"/>
-                    </a:p>
-                  </a:txBody>
-                  <a:tcPr/>
-                </a:tc>
-              </a:tr>
-              <a:tr h="310896">
-                <a:tc>
-                  <a:txBody>
-                    <a:bodyPr/>
-                    <a:lstStyle/>
-                    <a:p>
-                      <a:r>
-                        <a:rPr lang="en-US" dirty="0" smtClean="0"/>
-                        <a:t>18IT404</a:t>
-                      </a:r>
-                      <a:endParaRPr lang="en-US" dirty="0"/>
-                    </a:p>
-                  </a:txBody>
-                  <a:tcPr/>
-                </a:tc>
-                <a:tc>
-                  <a:txBody>
-                    <a:bodyPr/>
-                    <a:lstStyle/>
-                    <a:p>
-                      <a:r>
-                        <a:rPr lang="en-US" dirty="0" smtClean="0"/>
-                        <a:t>Desai Man</a:t>
-                      </a:r>
-                      <a:endParaRPr lang="en-US" dirty="0"/>
-                    </a:p>
-                  </a:txBody>
-                  <a:tcPr/>
-                </a:tc>
-              </a:tr>
-              <a:tr h="310896">
-                <a:tc>
-                  <a:txBody>
-                    <a:bodyPr/>
-                    <a:lstStyle/>
-                    <a:p>
-                      <a:r>
-                        <a:rPr lang="en-US" dirty="0" smtClean="0"/>
-                        <a:t>18IT405</a:t>
-                      </a:r>
-                      <a:endParaRPr lang="en-US" dirty="0"/>
-                    </a:p>
-                  </a:txBody>
-                  <a:tcPr/>
-                </a:tc>
-                <a:tc>
-                  <a:txBody>
-                    <a:bodyPr/>
-                    <a:lstStyle/>
-                    <a:p>
-                      <a:r>
-                        <a:rPr lang="en-US" dirty="0" smtClean="0"/>
-                        <a:t>Gohil Kalp</a:t>
-                      </a:r>
-                      <a:endParaRPr lang="en-US" dirty="0"/>
-                    </a:p>
-                  </a:txBody>
-                  <a:tcPr/>
-                </a:tc>
-              </a:tr>
-              <a:tr h="310896">
-                <a:tc>
-                  <a:txBody>
-                    <a:bodyPr/>
-                    <a:lstStyle/>
-                    <a:p>
-                      <a:r>
-                        <a:rPr lang="en-US" dirty="0" smtClean="0"/>
-                        <a:t>18IT413</a:t>
-                      </a:r>
-                      <a:endParaRPr lang="en-US" dirty="0"/>
-                    </a:p>
-                  </a:txBody>
-                  <a:tcPr/>
-                </a:tc>
-                <a:tc>
-                  <a:txBody>
-                    <a:bodyPr/>
-                    <a:lstStyle/>
-                    <a:p>
-                      <a:r>
-                        <a:rPr lang="en-US" dirty="0" smtClean="0"/>
-                        <a:t>Shah Param</a:t>
-                      </a:r>
-                      <a:endParaRPr lang="en-US" dirty="0"/>
-                    </a:p>
-                  </a:txBody>
-                  <a:tcPr/>
-                </a:tc>
-              </a:tr>
-              <a:tr h="310896">
-                <a:tc>
-                  <a:txBody>
-                    <a:bodyPr/>
-                    <a:lstStyle/>
-                    <a:p>
-                      <a:r>
-                        <a:rPr lang="en-US" dirty="0" smtClean="0"/>
-                        <a:t>17IT419</a:t>
-                      </a:r>
-                      <a:endParaRPr lang="en-US" dirty="0"/>
-                    </a:p>
-                  </a:txBody>
-                  <a:tcPr/>
-                </a:tc>
-                <a:tc>
-                  <a:txBody>
-                    <a:bodyPr/>
-                    <a:lstStyle/>
-                    <a:p>
-                      <a:r>
-                        <a:rPr lang="en-US" dirty="0" smtClean="0"/>
-                        <a:t>Patel Jay</a:t>
-                      </a:r>
-                      <a:endParaRPr lang="en-US" dirty="0"/>
-                    </a:p>
-                  </a:txBody>
-                  <a:tcPr/>
-                </a:tc>
-              </a:tr>
-            </a:tbl>
-          </a:graphicData>
-        </a:graphic>
-      </p:graphicFrame>
       <p:pic>
         <p:nvPicPr>
           <p:cNvPr id="4" name="Picture 3" descr="C:\Users\Kalp Gohil\Desktop\BVM Logo-1.png"/>
@@ -25716,8 +25473,8 @@
         </p:blipFill>
         <p:spPr bwMode="auto">
           <a:xfrm>
-            <a:off x="8898200" y="4170268"/>
-            <a:ext cx="1932360" cy="1844452"/>
+            <a:off x="3279720" y="746348"/>
+            <a:ext cx="1597080" cy="1316132"/>
           </a:xfrm>
           <a:prstGeom prst="rect">
             <a:avLst/>
@@ -25731,10 +25488,247 @@
           </a:ln>
         </p:spPr>
       </p:pic>
+      <p:sp>
+        <p:nvSpPr>
+          <p:cNvPr id="5" name="TextBox 4"/>
+          <p:cNvSpPr txBox="1"/>
+          <p:nvPr/>
+        </p:nvSpPr>
+        <p:spPr>
+          <a:xfrm>
+            <a:off x="3677920" y="4632960"/>
+            <a:ext cx="5923280" cy="1554272"/>
+          </a:xfrm>
+          <a:prstGeom prst="rect">
+            <a:avLst/>
+          </a:prstGeom>
+          <a:noFill/>
+        </p:spPr>
+        <p:txBody>
+          <a:bodyPr wrap="square" rtlCol="0">
+            <a:spAutoFit/>
+          </a:bodyPr>
+          <a:lstStyle/>
+          <a:p>
+            <a:pPr>
+              <a:spcAft>
+                <a:spcPts val="600"/>
+              </a:spcAft>
+            </a:pPr>
+            <a:r>
+              <a:rPr lang="en-IN" b="1" dirty="0" smtClean="0">
+                <a:solidFill>
+                  <a:schemeClr val="accent2"/>
+                </a:solidFill>
+                <a:latin typeface="+mj-lt"/>
+                <a:ea typeface="Tahoma" panose="020B0604030504040204" pitchFamily="34" charset="0"/>
+                <a:cs typeface="Tahoma" panose="020B0604030504040204" pitchFamily="34" charset="0"/>
+              </a:rPr>
+              <a:t>Group No. :- 13</a:t>
+            </a:r>
+          </a:p>
+          <a:p>
+            <a:r>
+              <a:rPr lang="en-IN" b="1" dirty="0" smtClean="0">
+                <a:solidFill>
+                  <a:schemeClr val="accent2"/>
+                </a:solidFill>
+                <a:latin typeface="+mj-lt"/>
+                <a:ea typeface="Tahoma" panose="020B0604030504040204" pitchFamily="34" charset="0"/>
+                <a:cs typeface="Tahoma" panose="020B0604030504040204" pitchFamily="34" charset="0"/>
+              </a:rPr>
+              <a:t>Kalp </a:t>
+            </a:r>
+            <a:r>
+              <a:rPr lang="en-IN" b="1" dirty="0" smtClean="0">
+                <a:solidFill>
+                  <a:schemeClr val="accent2"/>
+                </a:solidFill>
+                <a:latin typeface="+mj-lt"/>
+                <a:ea typeface="Tahoma" panose="020B0604030504040204" pitchFamily="34" charset="0"/>
+                <a:cs typeface="Tahoma" panose="020B0604030504040204" pitchFamily="34" charset="0"/>
+              </a:rPr>
+              <a:t>Gohil	18IT405</a:t>
+            </a:r>
+          </a:p>
+          <a:p>
+            <a:r>
+              <a:rPr lang="en-IN" b="1" dirty="0" smtClean="0">
+                <a:solidFill>
+                  <a:schemeClr val="accent2"/>
+                </a:solidFill>
+                <a:latin typeface="+mj-lt"/>
+                <a:ea typeface="Tahoma" panose="020B0604030504040204" pitchFamily="34" charset="0"/>
+                <a:cs typeface="Tahoma" panose="020B0604030504040204" pitchFamily="34" charset="0"/>
+              </a:rPr>
+              <a:t>Param Shah         18IT413</a:t>
+            </a:r>
+          </a:p>
+          <a:p>
+            <a:r>
+              <a:rPr lang="en-IN" b="1" dirty="0" smtClean="0">
+                <a:solidFill>
+                  <a:schemeClr val="accent2"/>
+                </a:solidFill>
+                <a:latin typeface="+mj-lt"/>
+                <a:ea typeface="Tahoma" panose="020B0604030504040204" pitchFamily="34" charset="0"/>
+                <a:cs typeface="Tahoma" panose="020B0604030504040204" pitchFamily="34" charset="0"/>
+              </a:rPr>
+              <a:t>Man Desai           </a:t>
+            </a:r>
+            <a:r>
+              <a:rPr lang="en-IN" b="1" dirty="0" smtClean="0">
+                <a:solidFill>
+                  <a:schemeClr val="accent2"/>
+                </a:solidFill>
+                <a:latin typeface="+mj-lt"/>
+                <a:ea typeface="Tahoma" panose="020B0604030504040204" pitchFamily="34" charset="0"/>
+                <a:cs typeface="Tahoma" panose="020B0604030504040204" pitchFamily="34" charset="0"/>
+              </a:rPr>
+              <a:t> 18IT404</a:t>
+            </a:r>
+            <a:endParaRPr lang="en-IN" b="1" dirty="0" smtClean="0">
+              <a:solidFill>
+                <a:schemeClr val="accent2"/>
+              </a:solidFill>
+              <a:latin typeface="+mj-lt"/>
+              <a:ea typeface="Tahoma" panose="020B0604030504040204" pitchFamily="34" charset="0"/>
+              <a:cs typeface="Tahoma" panose="020B0604030504040204" pitchFamily="34" charset="0"/>
+            </a:endParaRPr>
+          </a:p>
+          <a:p>
+            <a:r>
+              <a:rPr lang="en-IN" b="1" dirty="0" smtClean="0">
+                <a:solidFill>
+                  <a:schemeClr val="accent2"/>
+                </a:solidFill>
+                <a:latin typeface="+mj-lt"/>
+                <a:ea typeface="Tahoma" panose="020B0604030504040204" pitchFamily="34" charset="0"/>
+                <a:cs typeface="Tahoma" panose="020B0604030504040204" pitchFamily="34" charset="0"/>
+              </a:rPr>
+              <a:t>Jay Patel             </a:t>
+            </a:r>
+            <a:r>
+              <a:rPr lang="en-IN" b="1" dirty="0" smtClean="0">
+                <a:solidFill>
+                  <a:schemeClr val="accent2"/>
+                </a:solidFill>
+                <a:latin typeface="+mj-lt"/>
+                <a:ea typeface="Tahoma" panose="020B0604030504040204" pitchFamily="34" charset="0"/>
+                <a:cs typeface="Tahoma" panose="020B0604030504040204" pitchFamily="34" charset="0"/>
+              </a:rPr>
+              <a:t>17IT419</a:t>
+            </a:r>
+            <a:endParaRPr lang="en-US" b="1" dirty="0" smtClean="0">
+              <a:solidFill>
+                <a:schemeClr val="accent2"/>
+              </a:solidFill>
+              <a:latin typeface="+mj-lt"/>
+              <a:ea typeface="Tahoma" panose="020B0604030504040204" pitchFamily="34" charset="0"/>
+              <a:cs typeface="Tahoma" panose="020B0604030504040204" pitchFamily="34" charset="0"/>
+            </a:endParaRPr>
+          </a:p>
+        </p:txBody>
+      </p:sp>
+      <p:sp>
+        <p:nvSpPr>
+          <p:cNvPr id="7" name="TextBox 6"/>
+          <p:cNvSpPr txBox="1"/>
+          <p:nvPr/>
+        </p:nvSpPr>
+        <p:spPr>
+          <a:xfrm>
+            <a:off x="4582160" y="975360"/>
+            <a:ext cx="7284720" cy="872483"/>
+          </a:xfrm>
+          <a:prstGeom prst="rect">
+            <a:avLst/>
+          </a:prstGeom>
+          <a:noFill/>
+        </p:spPr>
+        <p:txBody>
+          <a:bodyPr wrap="square" rtlCol="0">
+            <a:spAutoFit/>
+          </a:bodyPr>
+          <a:lstStyle/>
+          <a:p>
+            <a:pPr algn="ctr">
+              <a:lnSpc>
+                <a:spcPct val="150000"/>
+              </a:lnSpc>
+            </a:pPr>
+            <a:r>
+              <a:rPr lang="en-IN" b="1" dirty="0" smtClean="0">
+                <a:solidFill>
+                  <a:schemeClr val="accent2"/>
+                </a:solidFill>
+                <a:latin typeface="+mj-lt"/>
+                <a:ea typeface="Tahoma" panose="020B0604030504040204" pitchFamily="34" charset="0"/>
+                <a:cs typeface="Tahoma" panose="020B0604030504040204" pitchFamily="34" charset="0"/>
+              </a:rPr>
+              <a:t>Birla Vishvakarma Mahavidyalaya Engineering College </a:t>
+            </a:r>
+          </a:p>
+          <a:p>
+            <a:pPr algn="ctr">
+              <a:lnSpc>
+                <a:spcPct val="150000"/>
+              </a:lnSpc>
+            </a:pPr>
+            <a:r>
+              <a:rPr lang="en-IN" b="1" dirty="0" smtClean="0">
+                <a:solidFill>
+                  <a:schemeClr val="accent2"/>
+                </a:solidFill>
+                <a:latin typeface="+mj-lt"/>
+                <a:ea typeface="Tahoma" panose="020B0604030504040204" pitchFamily="34" charset="0"/>
+                <a:cs typeface="Tahoma" panose="020B0604030504040204" pitchFamily="34" charset="0"/>
+              </a:rPr>
+              <a:t>Information Technology Department</a:t>
+            </a:r>
+            <a:endParaRPr lang="en-US" b="1" dirty="0" smtClean="0">
+              <a:solidFill>
+                <a:schemeClr val="accent2"/>
+              </a:solidFill>
+              <a:latin typeface="+mj-lt"/>
+              <a:ea typeface="Tahoma" panose="020B0604030504040204" pitchFamily="34" charset="0"/>
+              <a:cs typeface="Tahoma" panose="020B0604030504040204" pitchFamily="34" charset="0"/>
+            </a:endParaRPr>
+          </a:p>
+        </p:txBody>
+      </p:sp>
+      <p:sp>
+        <p:nvSpPr>
+          <p:cNvPr id="8" name="Title 7"/>
+          <p:cNvSpPr>
+            <a:spLocks noGrp="1"/>
+          </p:cNvSpPr>
+          <p:nvPr>
+            <p:ph type="ctrTitle"/>
+          </p:nvPr>
+        </p:nvSpPr>
+        <p:spPr>
+          <a:xfrm>
+            <a:off x="4305808" y="2560320"/>
+            <a:ext cx="7077456" cy="845312"/>
+          </a:xfrm>
+        </p:spPr>
+        <p:txBody>
+          <a:bodyPr/>
+          <a:lstStyle/>
+          <a:p>
+            <a:r>
+              <a:rPr lang="en-IN" sz="4800" dirty="0" smtClean="0"/>
+              <a:t>House Price Prediction</a:t>
+            </a:r>
+            <a:endParaRPr lang="en-US" sz="4800" dirty="0"/>
+          </a:p>
+        </p:txBody>
+      </p:sp>
     </p:spTree>
     <p:extLst>
       <p:ext uri="{BB962C8B-B14F-4D97-AF65-F5344CB8AC3E}">
-        <p14:creationId xmlns:p14="http://schemas.microsoft.com/office/powerpoint/2010/main" xmlns="" val="3946934594"/>
+        <p14:creationId xmlns="" xmlns:p14="http://schemas.microsoft.com/office/powerpoint/2010/main" val="3946934594"/>
       </p:ext>
     </p:extLst>
   </p:cSld>
@@ -25751,603 +25745,6 @@
       </p:par>
     </p:tnLst>
   </p:timing>
-</p:sld>
-</file>
-
-<file path=ppt/slides/slide10.xml><?xml version="1.0" encoding="utf-8"?>
-<p:sld xmlns:a="http://schemas.openxmlformats.org/drawingml/2006/main" xmlns:r="http://schemas.openxmlformats.org/officeDocument/2006/relationships" xmlns:p="http://schemas.openxmlformats.org/presentationml/2006/main">
-  <p:cSld>
-    <p:spTree>
-      <p:nvGrpSpPr>
-        <p:cNvPr id="1" name=""/>
-        <p:cNvGrpSpPr/>
-        <p:nvPr/>
-      </p:nvGrpSpPr>
-      <p:grpSpPr>
-        <a:xfrm>
-          <a:off x="0" y="0"/>
-          <a:ext cx="0" cy="0"/>
-          <a:chOff x="0" y="0"/>
-          <a:chExt cx="0" cy="0"/>
-        </a:xfrm>
-      </p:grpSpPr>
-      <p:sp>
-        <p:nvSpPr>
-          <p:cNvPr id="7" name="Title 6">
-            <a:extLst>
-              <a:ext uri="{FF2B5EF4-FFF2-40B4-BE49-F238E27FC236}">
-                <a16:creationId xmlns:a16="http://schemas.microsoft.com/office/drawing/2014/main" xmlns="" id="{7875C19A-1AAE-476A-A316-A2CF92D763D3}"/>
-              </a:ext>
-            </a:extLst>
-          </p:cNvPr>
-          <p:cNvSpPr>
-            <a:spLocks noGrp="1"/>
-          </p:cNvSpPr>
-          <p:nvPr>
-            <p:ph type="title"/>
-          </p:nvPr>
-        </p:nvSpPr>
-        <p:spPr>
-          <a:xfrm>
-            <a:off x="497840" y="664845"/>
-            <a:ext cx="11214100" cy="590931"/>
-          </a:xfrm>
-        </p:spPr>
-        <p:txBody>
-          <a:bodyPr/>
-          <a:lstStyle/>
-          <a:p>
-            <a:r>
-              <a:rPr lang="en-IN" sz="3600" dirty="0" smtClean="0">
-                <a:solidFill>
-                  <a:schemeClr val="accent2">
-                    <a:lumMod val="20000"/>
-                    <a:lumOff val="80000"/>
-                  </a:schemeClr>
-                </a:solidFill>
-                <a:latin typeface="Times New Roman" pitchFamily="18" charset="0"/>
-                <a:cs typeface="Times New Roman" pitchFamily="18" charset="0"/>
-              </a:rPr>
-              <a:t>How Linear Regression Works…??</a:t>
-            </a:r>
-            <a:endParaRPr lang="en-US" sz="3600" dirty="0">
-              <a:solidFill>
-                <a:schemeClr val="accent2">
-                  <a:lumMod val="20000"/>
-                  <a:lumOff val="80000"/>
-                </a:schemeClr>
-              </a:solidFill>
-              <a:latin typeface="Times New Roman" pitchFamily="18" charset="0"/>
-              <a:cs typeface="Times New Roman" pitchFamily="18" charset="0"/>
-            </a:endParaRPr>
-          </a:p>
-        </p:txBody>
-      </p:sp>
-      <p:sp>
-        <p:nvSpPr>
-          <p:cNvPr id="10" name="Text Placeholder 9">
-            <a:extLst>
-              <a:ext uri="{FF2B5EF4-FFF2-40B4-BE49-F238E27FC236}">
-                <a16:creationId xmlns:a16="http://schemas.microsoft.com/office/drawing/2014/main" xmlns="" id="{EF2BC084-E6DB-4DE7-B309-042A85EBA700}"/>
-              </a:ext>
-            </a:extLst>
-          </p:cNvPr>
-          <p:cNvSpPr>
-            <a:spLocks noGrp="1"/>
-          </p:cNvSpPr>
-          <p:nvPr>
-            <p:ph type="body" sz="quarter" idx="13"/>
-          </p:nvPr>
-        </p:nvSpPr>
-        <p:spPr>
-          <a:xfrm>
-            <a:off x="393700" y="1625385"/>
-            <a:ext cx="9898380" cy="4856695"/>
-          </a:xfrm>
-        </p:spPr>
-        <p:txBody>
-          <a:bodyPr/>
-          <a:lstStyle/>
-          <a:p>
-            <a:pPr marL="971550" lvl="2" indent="-514350"/>
-            <a:r>
-              <a:rPr lang="en-US" sz="2600" dirty="0" smtClean="0">
-                <a:latin typeface="Times New Roman" panose="02020603050405020304" charset="0"/>
-                <a:cs typeface="Times New Roman" panose="02020603050405020304" charset="0"/>
-              </a:rPr>
-              <a:t>Linear regression is a way to model the relationship between two variables. </a:t>
-            </a:r>
-          </a:p>
-          <a:p>
-            <a:pPr marL="971550" lvl="2" indent="-514350"/>
-            <a:r>
-              <a:rPr lang="en-US" sz="2600" dirty="0" smtClean="0">
-                <a:latin typeface="Times New Roman" panose="02020603050405020304" charset="0"/>
-                <a:cs typeface="Times New Roman" panose="02020603050405020304" charset="0"/>
-              </a:rPr>
-              <a:t>The equation of line has the form Y= a + bX, </a:t>
-            </a:r>
-          </a:p>
-          <a:p>
-            <a:pPr marL="1428750" lvl="3" indent="-514350"/>
-            <a:r>
-              <a:rPr lang="en-US" sz="2800" dirty="0" smtClean="0">
-                <a:latin typeface="Times New Roman" panose="02020603050405020304" charset="0"/>
-                <a:cs typeface="Times New Roman" panose="02020603050405020304" charset="0"/>
-              </a:rPr>
-              <a:t>where Y is the dependent variable (that’s the variable that goes on the Y axis).</a:t>
-            </a:r>
-          </a:p>
-          <a:p>
-            <a:pPr marL="1428750" lvl="3" indent="-514350"/>
-            <a:r>
-              <a:rPr lang="en-US" sz="2800" dirty="0" smtClean="0">
-                <a:latin typeface="Times New Roman" panose="02020603050405020304" charset="0"/>
-                <a:cs typeface="Times New Roman" panose="02020603050405020304" charset="0"/>
-              </a:rPr>
-              <a:t>X is the independent variable (i.e. it is plotted on the X axis).</a:t>
-            </a:r>
-          </a:p>
-          <a:p>
-            <a:pPr marL="1428750" lvl="3" indent="-514350"/>
-            <a:r>
-              <a:rPr lang="en-US" sz="2800" dirty="0" smtClean="0">
-                <a:latin typeface="Times New Roman" panose="02020603050405020304" charset="0"/>
-                <a:cs typeface="Times New Roman" panose="02020603050405020304" charset="0"/>
-              </a:rPr>
-              <a:t>b is the slope of the line.</a:t>
-            </a:r>
-          </a:p>
-          <a:p>
-            <a:pPr marL="1428750" lvl="3" indent="-514350"/>
-            <a:r>
-              <a:rPr lang="en-US" sz="2800" dirty="0" smtClean="0">
-                <a:latin typeface="Times New Roman" panose="02020603050405020304" charset="0"/>
-                <a:cs typeface="Times New Roman" panose="02020603050405020304" charset="0"/>
-              </a:rPr>
-              <a:t>a is the</a:t>
-            </a:r>
-            <a:r>
-              <a:rPr lang="en-US" sz="3200" dirty="0" smtClean="0">
-                <a:latin typeface="Times New Roman" panose="02020603050405020304" charset="0"/>
-                <a:cs typeface="Times New Roman" panose="02020603050405020304" charset="0"/>
-              </a:rPr>
-              <a:t> y-intercept</a:t>
-            </a:r>
-            <a:r>
-              <a:rPr lang="en-US" sz="3000" dirty="0" smtClean="0"/>
-              <a:t>.</a:t>
-            </a:r>
-            <a:br>
-              <a:rPr lang="en-US" sz="3000" dirty="0" smtClean="0"/>
-            </a:br>
-            <a:r>
-              <a:rPr lang="en-US" sz="3000" dirty="0" smtClean="0"/>
-              <a:t/>
-            </a:r>
-            <a:br>
-              <a:rPr lang="en-US" sz="3000" dirty="0" smtClean="0"/>
-            </a:br>
-            <a:endParaRPr lang="en-IN" sz="2800" b="1" dirty="0" smtClean="0">
-              <a:latin typeface="Times New Roman" panose="02020603050405020304" charset="0"/>
-              <a:cs typeface="Times New Roman" panose="02020603050405020304" charset="0"/>
-            </a:endParaRPr>
-          </a:p>
-          <a:p>
-            <a:pPr marL="971550" lvl="1" indent="-514350">
-              <a:buNone/>
-            </a:pPr>
-            <a:endParaRPr lang="en-IN" sz="2400" dirty="0" smtClean="0">
-              <a:latin typeface="Times New Roman" panose="02020603050405020304" charset="0"/>
-              <a:cs typeface="Times New Roman" panose="02020603050405020304" charset="0"/>
-            </a:endParaRPr>
-          </a:p>
-          <a:p>
-            <a:pPr marL="1428750" lvl="2" indent="-514350">
-              <a:buNone/>
-            </a:pPr>
-            <a:endParaRPr lang="en-IN" sz="2200" b="1" dirty="0" smtClean="0">
-              <a:latin typeface="Times New Roman" panose="02020603050405020304" charset="0"/>
-              <a:cs typeface="Times New Roman" panose="02020603050405020304" charset="0"/>
-            </a:endParaRPr>
-          </a:p>
-          <a:p>
-            <a:pPr marL="514350" indent="-514350">
-              <a:buFont typeface="Wingdings" pitchFamily="2" charset="2"/>
-              <a:buChar char="Ø"/>
-            </a:pPr>
-            <a:endParaRPr lang="en-IN" sz="2400" dirty="0" smtClean="0">
-              <a:latin typeface="Times New Roman" panose="02020603050405020304" charset="0"/>
-              <a:cs typeface="Times New Roman" panose="02020603050405020304" charset="0"/>
-            </a:endParaRPr>
-          </a:p>
-        </p:txBody>
-      </p:sp>
-      <p:sp>
-        <p:nvSpPr>
-          <p:cNvPr id="2" name="Slide Number Placeholder 1">
-            <a:extLst>
-              <a:ext uri="{FF2B5EF4-FFF2-40B4-BE49-F238E27FC236}">
-                <a16:creationId xmlns:a16="http://schemas.microsoft.com/office/drawing/2014/main" xmlns="" id="{BE9800F6-D571-48C4-8466-12AA1ADB6599}"/>
-              </a:ext>
-            </a:extLst>
-          </p:cNvPr>
-          <p:cNvSpPr>
-            <a:spLocks noGrp="1"/>
-          </p:cNvSpPr>
-          <p:nvPr>
-            <p:ph type="sldNum" sz="quarter" idx="12"/>
-          </p:nvPr>
-        </p:nvSpPr>
-        <p:spPr/>
-        <p:txBody>
-          <a:bodyPr/>
-          <a:lstStyle/>
-          <a:p>
-            <a:fld id="{C263D6C4-4840-40CC-AC84-17E24B3B7BDE}" type="slidenum">
-              <a:rPr lang="en-US" smtClean="0"/>
-              <a:pPr/>
-              <a:t>10</a:t>
-            </a:fld>
-            <a:endParaRPr lang="en-US" dirty="0"/>
-          </a:p>
-        </p:txBody>
-      </p:sp>
-      <p:pic>
-        <p:nvPicPr>
-          <p:cNvPr id="3074" name="Picture 2" descr="C:\Users\Kalp Gohil\Desktop\linearregressionequations.jpeg"/>
-          <p:cNvPicPr>
-            <a:picLocks noChangeAspect="1" noChangeArrowheads="1"/>
-          </p:cNvPicPr>
-          <p:nvPr/>
-        </p:nvPicPr>
-        <p:blipFill>
-          <a:blip r:embed="rId2"/>
-          <a:srcRect/>
-          <a:stretch>
-            <a:fillRect/>
-          </a:stretch>
-        </p:blipFill>
-        <p:spPr bwMode="auto">
-          <a:xfrm>
-            <a:off x="5889308" y="4562158"/>
-            <a:ext cx="4148772" cy="1757340"/>
-          </a:xfrm>
-          <a:prstGeom prst="rect">
-            <a:avLst/>
-          </a:prstGeom>
-          <a:noFill/>
-        </p:spPr>
-      </p:pic>
-    </p:spTree>
-    <p:extLst>
-      <p:ext uri="{BB962C8B-B14F-4D97-AF65-F5344CB8AC3E}">
-        <p14:creationId xmlns:p14="http://schemas.microsoft.com/office/powerpoint/2010/main" xmlns="" val="3733486012"/>
-      </p:ext>
-    </p:extLst>
-  </p:cSld>
-  <p:clrMapOvr>
-    <a:masterClrMapping/>
-  </p:clrMapOvr>
-  <mc:AlternateContent xmlns:mc="http://schemas.openxmlformats.org/markup-compatibility/2006">
-    <mc:Choice xmlns:p14="http://schemas.microsoft.com/office/powerpoint/2010/main" xmlns="" Requires="p14">
-      <p:transition spd="med" p14:dur="700">
-        <p:fade/>
-      </p:transition>
-    </mc:Choice>
-    <mc:Fallback>
-      <p:transition spd="med">
-        <p:fade/>
-      </p:transition>
-    </mc:Fallback>
-  </mc:AlternateContent>
-  <p:timing>
-    <p:tnLst>
-      <p:par>
-        <p:cTn id="1" dur="indefinite" restart="never" nodeType="tmRoot"/>
-      </p:par>
-    </p:tnLst>
-  </p:timing>
-</p:sld>
-</file>
-
-<file path=ppt/slides/slide11.xml><?xml version="1.0" encoding="utf-8"?>
-<p:sld xmlns:a="http://schemas.openxmlformats.org/drawingml/2006/main" xmlns:r="http://schemas.openxmlformats.org/officeDocument/2006/relationships" xmlns:p="http://schemas.openxmlformats.org/presentationml/2006/main">
-  <p:cSld>
-    <p:spTree>
-      <p:nvGrpSpPr>
-        <p:cNvPr id="1" name=""/>
-        <p:cNvGrpSpPr/>
-        <p:nvPr/>
-      </p:nvGrpSpPr>
-      <p:grpSpPr>
-        <a:xfrm>
-          <a:off x="0" y="0"/>
-          <a:ext cx="0" cy="0"/>
-          <a:chOff x="0" y="0"/>
-          <a:chExt cx="0" cy="0"/>
-        </a:xfrm>
-      </p:grpSpPr>
-      <p:sp>
-        <p:nvSpPr>
-          <p:cNvPr id="3" name="Slide Number Placeholder 2"/>
-          <p:cNvSpPr>
-            <a:spLocks noGrp="1"/>
-          </p:cNvSpPr>
-          <p:nvPr>
-            <p:ph type="sldNum" sz="quarter" idx="12"/>
-          </p:nvPr>
-        </p:nvSpPr>
-        <p:spPr/>
-        <p:txBody>
-          <a:bodyPr/>
-          <a:lstStyle/>
-          <a:p>
-            <a:fld id="{C263D6C4-4840-40CC-AC84-17E24B3B7BDE}" type="slidenum">
-              <a:rPr lang="en-US" noProof="0" smtClean="0"/>
-              <a:pPr/>
-              <a:t>11</a:t>
-            </a:fld>
-            <a:endParaRPr lang="en-US" noProof="0" dirty="0"/>
-          </a:p>
-        </p:txBody>
-      </p:sp>
-      <p:sp>
-        <p:nvSpPr>
-          <p:cNvPr id="8" name="Title 6">
-            <a:extLst>
-              <a:ext uri="{FF2B5EF4-FFF2-40B4-BE49-F238E27FC236}">
-                <a16:creationId xmlns:a16="http://schemas.microsoft.com/office/drawing/2014/main" xmlns="" id="{7875C19A-1AAE-476A-A316-A2CF92D763D3}"/>
-              </a:ext>
-            </a:extLst>
-          </p:cNvPr>
-          <p:cNvSpPr>
-            <a:spLocks noGrp="1"/>
-          </p:cNvSpPr>
-          <p:nvPr>
-            <p:ph type="title"/>
-          </p:nvPr>
-        </p:nvSpPr>
-        <p:spPr>
-          <a:xfrm>
-            <a:off x="497840" y="664845"/>
-            <a:ext cx="11214100" cy="590931"/>
-          </a:xfrm>
-        </p:spPr>
-        <p:txBody>
-          <a:bodyPr/>
-          <a:lstStyle/>
-          <a:p>
-            <a:r>
-              <a:rPr lang="en-IN" sz="3600" dirty="0" smtClean="0">
-                <a:solidFill>
-                  <a:schemeClr val="accent2">
-                    <a:lumMod val="20000"/>
-                    <a:lumOff val="80000"/>
-                  </a:schemeClr>
-                </a:solidFill>
-                <a:latin typeface="Times New Roman" pitchFamily="18" charset="0"/>
-                <a:cs typeface="Times New Roman" pitchFamily="18" charset="0"/>
-              </a:rPr>
-              <a:t>How Linear Regression Works…??</a:t>
-            </a:r>
-            <a:endParaRPr lang="en-US" sz="3600" dirty="0">
-              <a:solidFill>
-                <a:schemeClr val="accent2">
-                  <a:lumMod val="20000"/>
-                  <a:lumOff val="80000"/>
-                </a:schemeClr>
-              </a:solidFill>
-              <a:latin typeface="Times New Roman" pitchFamily="18" charset="0"/>
-              <a:cs typeface="Times New Roman" pitchFamily="18" charset="0"/>
-            </a:endParaRPr>
-          </a:p>
-        </p:txBody>
-      </p:sp>
-      <p:sp>
-        <p:nvSpPr>
-          <p:cNvPr id="9" name="Text Placeholder 9">
-            <a:extLst>
-              <a:ext uri="{FF2B5EF4-FFF2-40B4-BE49-F238E27FC236}">
-                <a16:creationId xmlns:a16="http://schemas.microsoft.com/office/drawing/2014/main" xmlns="" id="{EF2BC084-E6DB-4DE7-B309-042A85EBA700}"/>
-              </a:ext>
-            </a:extLst>
-          </p:cNvPr>
-          <p:cNvSpPr>
-            <a:spLocks noGrp="1"/>
-          </p:cNvSpPr>
-          <p:nvPr>
-            <p:ph type="body" sz="quarter" idx="13"/>
-          </p:nvPr>
-        </p:nvSpPr>
-        <p:spPr>
-          <a:xfrm>
-            <a:off x="4795520" y="3688080"/>
-            <a:ext cx="7010400" cy="2387600"/>
-          </a:xfrm>
-        </p:spPr>
-        <p:txBody>
-          <a:bodyPr/>
-          <a:lstStyle/>
-          <a:p>
-            <a:pPr marL="971550" lvl="2" indent="-514350"/>
-            <a:r>
-              <a:rPr lang="en-IN" sz="2800" dirty="0" smtClean="0">
-                <a:latin typeface="Times New Roman" panose="02020603050405020304" charset="0"/>
-                <a:cs typeface="Times New Roman" panose="02020603050405020304" charset="0"/>
-              </a:rPr>
-              <a:t>In this sample picture blue points are actual data values.</a:t>
-            </a:r>
-          </a:p>
-          <a:p>
-            <a:pPr marL="971550" lvl="2" indent="-514350"/>
-            <a:r>
-              <a:rPr lang="en-IN" sz="2800" dirty="0" smtClean="0">
-                <a:latin typeface="Times New Roman" panose="02020603050405020304" charset="0"/>
-                <a:cs typeface="Times New Roman" panose="02020603050405020304" charset="0"/>
-              </a:rPr>
-              <a:t>Red line is linear regression line predicted using model.</a:t>
-            </a:r>
-            <a:endParaRPr lang="en-IN" sz="2200" dirty="0" smtClean="0">
-              <a:latin typeface="Times New Roman" panose="02020603050405020304" charset="0"/>
-              <a:cs typeface="Times New Roman" panose="02020603050405020304" charset="0"/>
-            </a:endParaRPr>
-          </a:p>
-          <a:p>
-            <a:pPr marL="514350" indent="-514350">
-              <a:buFont typeface="Wingdings" pitchFamily="2" charset="2"/>
-              <a:buChar char="Ø"/>
-            </a:pPr>
-            <a:endParaRPr lang="en-IN" sz="2800" b="1" dirty="0" smtClean="0">
-              <a:latin typeface="Times New Roman" panose="02020603050405020304" charset="0"/>
-              <a:cs typeface="Times New Roman" panose="02020603050405020304" charset="0"/>
-            </a:endParaRPr>
-          </a:p>
-        </p:txBody>
-      </p:sp>
-      <p:pic>
-        <p:nvPicPr>
-          <p:cNvPr id="2053" name="Picture 5" descr="C:\Users\Kalp Gohil\Desktop\1_qAlHti2Sw2Ln4R_ZP5Qjow.gif"/>
-          <p:cNvPicPr>
-            <a:picLocks noChangeAspect="1" noChangeArrowheads="1" noCrop="1"/>
-          </p:cNvPicPr>
-          <p:nvPr/>
-        </p:nvPicPr>
-        <p:blipFill>
-          <a:blip r:embed="rId2"/>
-          <a:srcRect/>
-          <a:stretch>
-            <a:fillRect/>
-          </a:stretch>
-        </p:blipFill>
-        <p:spPr bwMode="auto">
-          <a:xfrm>
-            <a:off x="365760" y="1559560"/>
-            <a:ext cx="3799840" cy="2849880"/>
-          </a:xfrm>
-          <a:prstGeom prst="rect">
-            <a:avLst/>
-          </a:prstGeom>
-          <a:noFill/>
-        </p:spPr>
-      </p:pic>
-    </p:spTree>
-  </p:cSld>
-  <p:clrMapOvr>
-    <a:masterClrMapping/>
-  </p:clrMapOvr>
-</p:sld>
-</file>
-
-<file path=ppt/slides/slide12.xml><?xml version="1.0" encoding="utf-8"?>
-<p:sld xmlns:a="http://schemas.openxmlformats.org/drawingml/2006/main" xmlns:r="http://schemas.openxmlformats.org/officeDocument/2006/relationships" xmlns:p="http://schemas.openxmlformats.org/presentationml/2006/main">
-  <p:cSld>
-    <p:spTree>
-      <p:nvGrpSpPr>
-        <p:cNvPr id="1" name=""/>
-        <p:cNvGrpSpPr/>
-        <p:nvPr/>
-      </p:nvGrpSpPr>
-      <p:grpSpPr>
-        <a:xfrm>
-          <a:off x="0" y="0"/>
-          <a:ext cx="0" cy="0"/>
-          <a:chOff x="0" y="0"/>
-          <a:chExt cx="0" cy="0"/>
-        </a:xfrm>
-      </p:grpSpPr>
-      <p:sp>
-        <p:nvSpPr>
-          <p:cNvPr id="7" name="Title 6">
-            <a:extLst>
-              <a:ext uri="{FF2B5EF4-FFF2-40B4-BE49-F238E27FC236}">
-                <a16:creationId xmlns:a16="http://schemas.microsoft.com/office/drawing/2014/main" xmlns="" id="{7875C19A-1AAE-476A-A316-A2CF92D763D3}"/>
-              </a:ext>
-            </a:extLst>
-          </p:cNvPr>
-          <p:cNvSpPr>
-            <a:spLocks noGrp="1"/>
-          </p:cNvSpPr>
-          <p:nvPr>
-            <p:ph type="title"/>
-          </p:nvPr>
-        </p:nvSpPr>
-        <p:spPr>
-          <a:xfrm>
-            <a:off x="518160" y="2635885"/>
-            <a:ext cx="4612640" cy="840230"/>
-          </a:xfrm>
-        </p:spPr>
-        <p:txBody>
-          <a:bodyPr/>
-          <a:lstStyle/>
-          <a:p>
-            <a:r>
-              <a:rPr lang="en-US" sz="5400" dirty="0" smtClean="0">
-                <a:latin typeface="Times New Roman" pitchFamily="18" charset="0"/>
-                <a:cs typeface="Times New Roman" pitchFamily="18" charset="0"/>
-              </a:rPr>
-              <a:t>Thank You…!!</a:t>
-            </a:r>
-            <a:endParaRPr lang="en-US" sz="5400" dirty="0">
-              <a:latin typeface="Times New Roman" pitchFamily="18" charset="0"/>
-              <a:cs typeface="Times New Roman" pitchFamily="18" charset="0"/>
-            </a:endParaRPr>
-          </a:p>
-        </p:txBody>
-      </p:sp>
-      <p:sp>
-        <p:nvSpPr>
-          <p:cNvPr id="2" name="Slide Number Placeholder 1">
-            <a:extLst>
-              <a:ext uri="{FF2B5EF4-FFF2-40B4-BE49-F238E27FC236}">
-                <a16:creationId xmlns:a16="http://schemas.microsoft.com/office/drawing/2014/main" xmlns="" id="{BE9800F6-D571-48C4-8466-12AA1ADB6599}"/>
-              </a:ext>
-            </a:extLst>
-          </p:cNvPr>
-          <p:cNvSpPr>
-            <a:spLocks noGrp="1"/>
-          </p:cNvSpPr>
-          <p:nvPr>
-            <p:ph type="sldNum" sz="quarter" idx="12"/>
-          </p:nvPr>
-        </p:nvSpPr>
-        <p:spPr/>
-        <p:txBody>
-          <a:bodyPr/>
-          <a:lstStyle/>
-          <a:p>
-            <a:fld id="{C263D6C4-4840-40CC-AC84-17E24B3B7BDE}" type="slidenum">
-              <a:rPr lang="en-US" smtClean="0"/>
-              <a:pPr/>
-              <a:t>12</a:t>
-            </a:fld>
-            <a:endParaRPr lang="en-US" dirty="0"/>
-          </a:p>
-        </p:txBody>
-      </p:sp>
-    </p:spTree>
-    <p:extLst>
-      <p:ext uri="{BB962C8B-B14F-4D97-AF65-F5344CB8AC3E}">
-        <p14:creationId xmlns:p14="http://schemas.microsoft.com/office/powerpoint/2010/main" xmlns="" val="3733486012"/>
-      </p:ext>
-    </p:extLst>
-  </p:cSld>
-  <p:clrMapOvr>
-    <a:masterClrMapping/>
-  </p:clrMapOvr>
-  <mc:AlternateContent xmlns:mc="http://schemas.openxmlformats.org/markup-compatibility/2006">
-    <mc:Choice xmlns:p14="http://schemas.microsoft.com/office/powerpoint/2010/main" xmlns="" Requires="p14">
-      <p:transition spd="med" p14:dur="700">
-        <p:fade/>
-      </p:transition>
-    </mc:Choice>
-    <mc:Fallback>
-      <p:transition spd="med">
-        <p:fade/>
-      </p:transition>
-    </mc:Fallback>
-  </mc:AlternateContent>
 </p:sld>
 </file>
 
@@ -26370,10 +25767,10 @@
       </p:grpSpPr>
       <p:sp>
         <p:nvSpPr>
-          <p:cNvPr id="4" name="Title 3">
+          <p:cNvPr id="7" name="Title 6">
             <a:extLst>
               <a:ext uri="{FF2B5EF4-FFF2-40B4-BE49-F238E27FC236}">
-                <a16:creationId xmlns:a16="http://schemas.microsoft.com/office/drawing/2014/main" xmlns="" id="{E3BD8413-C238-49D7-A4E1-E8FEF1811A0E}"/>
+                <a16:creationId xmlns="" xmlns:a16="http://schemas.microsoft.com/office/drawing/2014/main" id="{7875C19A-1AAE-476A-A316-A2CF92D763D3}"/>
               </a:ext>
             </a:extLst>
           </p:cNvPr>
@@ -26384,21 +25781,74 @@
             <p:ph type="title"/>
           </p:nvPr>
         </p:nvSpPr>
-        <p:spPr/>
+        <p:spPr>
+          <a:xfrm>
+            <a:off x="497840" y="664845"/>
+            <a:ext cx="11214100" cy="590931"/>
+          </a:xfrm>
+        </p:spPr>
         <p:txBody>
-          <a:bodyPr>
-            <a:normAutofit/>
-          </a:bodyPr>
+          <a:bodyPr/>
           <a:lstStyle/>
           <a:p>
             <a:r>
-              <a:rPr lang="en-US" sz="4800" dirty="0" smtClean="0">
+              <a:rPr lang="en-US" sz="3600" dirty="0" smtClean="0">
+                <a:solidFill>
+                  <a:schemeClr val="accent2">
+                    <a:lumMod val="20000"/>
+                    <a:lumOff val="80000"/>
+                  </a:schemeClr>
+                </a:solidFill>
                 <a:latin typeface="Times New Roman" pitchFamily="18" charset="0"/>
                 <a:cs typeface="Times New Roman" pitchFamily="18" charset="0"/>
               </a:rPr>
-              <a:t>House Price Prediction</a:t>
+              <a:t>Objective of the House Price Prediction</a:t>
             </a:r>
-            <a:endParaRPr lang="en-US" sz="4800" dirty="0">
+            <a:endParaRPr lang="en-US" sz="3600" dirty="0">
+              <a:solidFill>
+                <a:schemeClr val="accent2">
+                  <a:lumMod val="20000"/>
+                  <a:lumOff val="80000"/>
+                </a:schemeClr>
+              </a:solidFill>
+              <a:latin typeface="Times New Roman" pitchFamily="18" charset="0"/>
+              <a:cs typeface="Times New Roman" pitchFamily="18" charset="0"/>
+            </a:endParaRPr>
+          </a:p>
+        </p:txBody>
+      </p:sp>
+      <p:sp>
+        <p:nvSpPr>
+          <p:cNvPr id="10" name="Text Placeholder 9">
+            <a:extLst>
+              <a:ext uri="{FF2B5EF4-FFF2-40B4-BE49-F238E27FC236}">
+                <a16:creationId xmlns="" xmlns:a16="http://schemas.microsoft.com/office/drawing/2014/main" id="{EF2BC084-E6DB-4DE7-B309-042A85EBA700}"/>
+              </a:ext>
+            </a:extLst>
+          </p:cNvPr>
+          <p:cNvSpPr>
+            <a:spLocks noGrp="1"/>
+          </p:cNvSpPr>
+          <p:nvPr>
+            <p:ph type="body" sz="quarter" idx="13"/>
+          </p:nvPr>
+        </p:nvSpPr>
+        <p:spPr/>
+        <p:txBody>
+          <a:bodyPr numCol="1" anchor="ctr"/>
+          <a:lstStyle/>
+          <a:p>
+            <a:r>
+              <a:rPr lang="en-US" sz="2400" dirty="0" smtClean="0"/>
+              <a:t>The goal is to predict the price of a given house according to the market prices taking into account different “features”. </a:t>
+            </a:r>
+          </a:p>
+          <a:p>
+            <a:r>
+              <a:rPr lang="en-US" sz="2400" dirty="0" smtClean="0"/>
+              <a:t>Main objective in this project is to obtain reasonably good to predict house prices based on some variables included in the dataset.</a:t>
+            </a:r>
+            <a:endParaRPr lang="en-US" sz="1400" dirty="0">
               <a:latin typeface="Times New Roman" pitchFamily="18" charset="0"/>
               <a:cs typeface="Times New Roman" pitchFamily="18" charset="0"/>
             </a:endParaRPr>
@@ -26410,7 +25860,7 @@
           <p:cNvPr id="2" name="Slide Number Placeholder 1">
             <a:extLst>
               <a:ext uri="{FF2B5EF4-FFF2-40B4-BE49-F238E27FC236}">
-                <a16:creationId xmlns:a16="http://schemas.microsoft.com/office/drawing/2014/main" xmlns="" id="{0B24BF10-2B55-43AB-9F77-F1A1410384A9}"/>
+                <a16:creationId xmlns="" xmlns:a16="http://schemas.microsoft.com/office/drawing/2014/main" id="{BE9800F6-D571-48C4-8466-12AA1ADB6599}"/>
               </a:ext>
             </a:extLst>
           </p:cNvPr>
@@ -26438,7 +25888,7 @@
     </p:spTree>
     <p:extLst>
       <p:ext uri="{BB962C8B-B14F-4D97-AF65-F5344CB8AC3E}">
-        <p14:creationId xmlns:p14="http://schemas.microsoft.com/office/powerpoint/2010/main" xmlns="" val="2902794312"/>
+        <p14:creationId xmlns="" xmlns:p14="http://schemas.microsoft.com/office/powerpoint/2010/main" val="3733486012"/>
       </p:ext>
     </p:extLst>
   </p:cSld>
@@ -26446,7 +25896,7 @@
     <a:masterClrMapping/>
   </p:clrMapOvr>
   <mc:AlternateContent xmlns:mc="http://schemas.openxmlformats.org/markup-compatibility/2006">
-    <mc:Choice xmlns:p14="http://schemas.microsoft.com/office/powerpoint/2010/main" xmlns="" Requires="p14">
+    <mc:Choice xmlns="" xmlns:p14="http://schemas.microsoft.com/office/powerpoint/2010/main" Requires="p14">
       <p:transition spd="med" p14:dur="700">
         <p:fade/>
       </p:transition>
@@ -26489,7 +25939,7 @@
           <p:cNvPr id="7" name="Title 6">
             <a:extLst>
               <a:ext uri="{FF2B5EF4-FFF2-40B4-BE49-F238E27FC236}">
-                <a16:creationId xmlns:a16="http://schemas.microsoft.com/office/drawing/2014/main" xmlns="" id="{7875C19A-1AAE-476A-A316-A2CF92D763D3}"/>
+                <a16:creationId xmlns="" xmlns:a16="http://schemas.microsoft.com/office/drawing/2014/main" id="{7875C19A-1AAE-476A-A316-A2CF92D763D3}"/>
               </a:ext>
             </a:extLst>
           </p:cNvPr>
@@ -26511,7 +25961,7 @@
           <a:lstStyle/>
           <a:p>
             <a:r>
-              <a:rPr lang="en-US" sz="3600" dirty="0" smtClean="0">
+              <a:rPr lang="en-IN" sz="3600" dirty="0" smtClean="0">
                 <a:solidFill>
                   <a:schemeClr val="accent2">
                     <a:lumMod val="20000"/>
@@ -26521,7 +25971,7 @@
                 <a:latin typeface="Times New Roman" pitchFamily="18" charset="0"/>
                 <a:cs typeface="Times New Roman" pitchFamily="18" charset="0"/>
               </a:rPr>
-              <a:t>Objective of the House Price Prediction</a:t>
+              <a:t>Aim of Our Project</a:t>
             </a:r>
             <a:endParaRPr lang="en-US" sz="3600" dirty="0">
               <a:solidFill>
@@ -26541,7 +25991,7 @@
           <p:cNvPr id="10" name="Text Placeholder 9">
             <a:extLst>
               <a:ext uri="{FF2B5EF4-FFF2-40B4-BE49-F238E27FC236}">
-                <a16:creationId xmlns:a16="http://schemas.microsoft.com/office/drawing/2014/main" xmlns="" id="{EF2BC084-E6DB-4DE7-B309-042A85EBA700}"/>
+                <a16:creationId xmlns="" xmlns:a16="http://schemas.microsoft.com/office/drawing/2014/main" id="{EF2BC084-E6DB-4DE7-B309-042A85EBA700}"/>
               </a:ext>
             </a:extLst>
           </p:cNvPr>
@@ -26554,23 +26004,28 @@
         </p:nvSpPr>
         <p:spPr/>
         <p:txBody>
-          <a:bodyPr numCol="1" anchor="ctr"/>
+          <a:bodyPr anchor="ctr"/>
           <a:lstStyle/>
           <a:p>
+            <a:pPr lvl="0"/>
             <a:r>
-              <a:rPr lang="en-US" sz="2400" dirty="0" smtClean="0"/>
-              <a:t>The goal is to predict the price of a given house according to the market prices taking into account different “features”. </a:t>
+              <a:rPr lang="en-IN" sz="2400" dirty="0" smtClean="0"/>
+              <a:t>We will analyze data collected.</a:t>
             </a:r>
           </a:p>
           <a:p>
+            <a:pPr lvl="0"/>
             <a:r>
-              <a:rPr lang="en-US" sz="2400" dirty="0" smtClean="0"/>
-              <a:t>Main objective in this project is to obtain reasonably good to predict house prices based on some variables included in the dataset.</a:t>
+              <a:rPr lang="en-IN" sz="2400" dirty="0" smtClean="0"/>
+              <a:t>According to that we will clean and pre-process the data.</a:t>
             </a:r>
-            <a:endParaRPr lang="en-US" sz="1400" dirty="0">
-              <a:latin typeface="Times New Roman" pitchFamily="18" charset="0"/>
-              <a:cs typeface="Times New Roman" pitchFamily="18" charset="0"/>
-            </a:endParaRPr>
+          </a:p>
+          <a:p>
+            <a:pPr lvl="0"/>
+            <a:r>
+              <a:rPr lang="en-IN" sz="2400" dirty="0" smtClean="0"/>
+              <a:t>And then we will train model on this cleaned data.</a:t>
+            </a:r>
           </a:p>
         </p:txBody>
       </p:sp>
@@ -26579,7 +26034,7 @@
           <p:cNvPr id="2" name="Slide Number Placeholder 1">
             <a:extLst>
               <a:ext uri="{FF2B5EF4-FFF2-40B4-BE49-F238E27FC236}">
-                <a16:creationId xmlns:a16="http://schemas.microsoft.com/office/drawing/2014/main" xmlns="" id="{BE9800F6-D571-48C4-8466-12AA1ADB6599}"/>
+                <a16:creationId xmlns="" xmlns:a16="http://schemas.microsoft.com/office/drawing/2014/main" id="{BE9800F6-D571-48C4-8466-12AA1ADB6599}"/>
               </a:ext>
             </a:extLst>
           </p:cNvPr>
@@ -26604,10 +26059,36 @@
           </a:p>
         </p:txBody>
       </p:sp>
+      <p:pic>
+        <p:nvPicPr>
+          <p:cNvPr id="1027" name="Picture 3" descr="C:\Users\Kalp Gohil\Desktop\images1.jpeg"/>
+          <p:cNvPicPr>
+            <a:picLocks noChangeAspect="1" noChangeArrowheads="1"/>
+          </p:cNvPicPr>
+          <p:nvPr/>
+        </p:nvPicPr>
+        <p:blipFill>
+          <a:blip r:embed="rId2"/>
+          <a:srcRect/>
+          <a:stretch>
+            <a:fillRect/>
+          </a:stretch>
+        </p:blipFill>
+        <p:spPr bwMode="auto">
+          <a:xfrm>
+            <a:off x="7158039" y="3397250"/>
+            <a:ext cx="2697162" cy="2672417"/>
+          </a:xfrm>
+          <a:prstGeom prst="rect">
+            <a:avLst/>
+          </a:prstGeom>
+          <a:noFill/>
+        </p:spPr>
+      </p:pic>
     </p:spTree>
     <p:extLst>
       <p:ext uri="{BB962C8B-B14F-4D97-AF65-F5344CB8AC3E}">
-        <p14:creationId xmlns:p14="http://schemas.microsoft.com/office/powerpoint/2010/main" xmlns="" val="3733486012"/>
+        <p14:creationId xmlns="" xmlns:p14="http://schemas.microsoft.com/office/powerpoint/2010/main" val="3733486012"/>
       </p:ext>
     </p:extLst>
   </p:cSld>
@@ -26615,7 +26096,7 @@
     <a:masterClrMapping/>
   </p:clrMapOvr>
   <mc:AlternateContent xmlns:mc="http://schemas.openxmlformats.org/markup-compatibility/2006">
-    <mc:Choice xmlns:p14="http://schemas.microsoft.com/office/powerpoint/2010/main" xmlns="" Requires="p14">
+    <mc:Choice xmlns="" xmlns:p14="http://schemas.microsoft.com/office/powerpoint/2010/main" Requires="p14">
       <p:transition spd="med" p14:dur="700">
         <p:fade/>
       </p:transition>
@@ -26655,10 +26136,145 @@
       </p:grpSpPr>
       <p:sp>
         <p:nvSpPr>
-          <p:cNvPr id="7" name="Title 6">
+          <p:cNvPr id="3" name="Slide Number Placeholder 2"/>
+          <p:cNvSpPr>
+            <a:spLocks noGrp="1"/>
+          </p:cNvSpPr>
+          <p:nvPr>
+            <p:ph type="sldNum" sz="quarter" idx="12"/>
+          </p:nvPr>
+        </p:nvSpPr>
+        <p:spPr/>
+        <p:txBody>
+          <a:bodyPr/>
+          <a:lstStyle/>
+          <a:p>
+            <a:fld id="{C263D6C4-4840-40CC-AC84-17E24B3B7BDE}" type="slidenum">
+              <a:rPr lang="en-US" noProof="0" smtClean="0"/>
+              <a:pPr/>
+              <a:t>4</a:t>
+            </a:fld>
+            <a:endParaRPr lang="en-US" noProof="0" dirty="0"/>
+          </a:p>
+        </p:txBody>
+      </p:sp>
+      <p:sp>
+        <p:nvSpPr>
+          <p:cNvPr id="5" name="Text Placeholder 9">
             <a:extLst>
               <a:ext uri="{FF2B5EF4-FFF2-40B4-BE49-F238E27FC236}">
-                <a16:creationId xmlns:a16="http://schemas.microsoft.com/office/drawing/2014/main" xmlns="" id="{7875C19A-1AAE-476A-A316-A2CF92D763D3}"/>
+                <a16:creationId xmlns="" xmlns:a16="http://schemas.microsoft.com/office/drawing/2014/main" id="{EF2BC084-E6DB-4DE7-B309-042A85EBA700}"/>
+              </a:ext>
+            </a:extLst>
+          </p:cNvPr>
+          <p:cNvSpPr>
+            <a:spLocks noGrp="1"/>
+          </p:cNvSpPr>
+          <p:nvPr>
+            <p:ph type="body" sz="quarter" idx="13"/>
+          </p:nvPr>
+        </p:nvSpPr>
+        <p:spPr/>
+        <p:txBody>
+          <a:bodyPr/>
+          <a:lstStyle/>
+          <a:p>
+            <a:pPr lvl="1"/>
+            <a:r>
+              <a:rPr lang="en-IN" sz="2600" dirty="0" smtClean="0">
+                <a:latin typeface="Times New Roman" panose="02020603050405020304" charset="0"/>
+                <a:cs typeface="Times New Roman" panose="02020603050405020304" charset="0"/>
+              </a:rPr>
+              <a:t>Data Collection.</a:t>
+            </a:r>
+          </a:p>
+          <a:p>
+            <a:pPr lvl="1"/>
+            <a:r>
+              <a:rPr lang="en-IN" sz="2600" dirty="0" smtClean="0">
+                <a:latin typeface="Times New Roman" panose="02020603050405020304" charset="0"/>
+                <a:cs typeface="Times New Roman" panose="02020603050405020304" charset="0"/>
+              </a:rPr>
+              <a:t>Data Pre-Processing.</a:t>
+            </a:r>
+          </a:p>
+          <a:p>
+            <a:pPr lvl="1"/>
+            <a:r>
+              <a:rPr lang="en-IN" sz="2600" dirty="0" smtClean="0">
+                <a:latin typeface="Times New Roman" panose="02020603050405020304" charset="0"/>
+                <a:cs typeface="Times New Roman" panose="02020603050405020304" charset="0"/>
+              </a:rPr>
+              <a:t>Data Transformation.</a:t>
+            </a:r>
+          </a:p>
+          <a:p>
+            <a:pPr lvl="1"/>
+            <a:r>
+              <a:rPr lang="en-IN" sz="2600" dirty="0" smtClean="0">
+                <a:latin typeface="Times New Roman" panose="02020603050405020304" charset="0"/>
+                <a:cs typeface="Times New Roman" panose="02020603050405020304" charset="0"/>
+              </a:rPr>
+              <a:t>Signup / Login.</a:t>
+            </a:r>
+          </a:p>
+          <a:p>
+            <a:pPr lvl="1"/>
+            <a:r>
+              <a:rPr lang="en-IN" sz="2400" dirty="0" smtClean="0">
+                <a:latin typeface="Times New Roman" panose="02020603050405020304" charset="0"/>
+                <a:cs typeface="Times New Roman" panose="02020603050405020304" charset="0"/>
+              </a:rPr>
+              <a:t>Model </a:t>
+            </a:r>
+            <a:r>
+              <a:rPr lang="en-IN" sz="2400" dirty="0" smtClean="0">
+                <a:latin typeface="Times New Roman" panose="02020603050405020304" charset="0"/>
+                <a:cs typeface="Times New Roman" panose="02020603050405020304" charset="0"/>
+              </a:rPr>
+              <a:t>Training</a:t>
+            </a:r>
+          </a:p>
+          <a:p>
+            <a:pPr lvl="1"/>
+            <a:r>
+              <a:rPr lang="en-IN" sz="2400" dirty="0" smtClean="0">
+                <a:latin typeface="Times New Roman" panose="02020603050405020304" charset="0"/>
+                <a:cs typeface="Times New Roman" panose="02020603050405020304" charset="0"/>
+              </a:rPr>
+              <a:t>Designing some html pages for website.</a:t>
+            </a:r>
+          </a:p>
+          <a:p>
+            <a:pPr>
+              <a:buNone/>
+            </a:pPr>
+            <a:endParaRPr lang="en-IN" sz="2800" b="1" dirty="0" smtClean="0">
+              <a:latin typeface="Times New Roman" panose="02020603050405020304" charset="0"/>
+              <a:cs typeface="Times New Roman" panose="02020603050405020304" charset="0"/>
+            </a:endParaRPr>
+          </a:p>
+          <a:p>
+            <a:pPr lvl="1"/>
+            <a:endParaRPr lang="en-IN" sz="2600" dirty="0" smtClean="0">
+              <a:latin typeface="Times New Roman" panose="02020603050405020304" charset="0"/>
+              <a:cs typeface="Times New Roman" panose="02020603050405020304" charset="0"/>
+            </a:endParaRPr>
+          </a:p>
+          <a:p>
+            <a:endParaRPr lang="en-IN" sz="2800" dirty="0" smtClean="0">
+              <a:latin typeface="Times New Roman" panose="02020603050405020304" charset="0"/>
+              <a:cs typeface="Times New Roman" panose="02020603050405020304" charset="0"/>
+            </a:endParaRPr>
+          </a:p>
+        </p:txBody>
+      </p:sp>
+      <p:sp>
+        <p:nvSpPr>
+          <p:cNvPr id="6" name="Title 6">
+            <a:extLst>
+              <a:ext uri="{FF2B5EF4-FFF2-40B4-BE49-F238E27FC236}">
+                <a16:creationId xmlns="" xmlns:a16="http://schemas.microsoft.com/office/drawing/2014/main" id="{7875C19A-1AAE-476A-A316-A2CF92D763D3}"/>
               </a:ext>
             </a:extLst>
           </p:cNvPr>
@@ -26690,7 +26306,7 @@
                 <a:latin typeface="Times New Roman" pitchFamily="18" charset="0"/>
                 <a:cs typeface="Times New Roman" pitchFamily="18" charset="0"/>
               </a:rPr>
-              <a:t>Aim of Our Project</a:t>
+              <a:t>Modules </a:t>
             </a:r>
             <a:endParaRPr lang="en-US" sz="3600" dirty="0">
               <a:solidFill>
@@ -26705,134 +26321,11 @@
           </a:p>
         </p:txBody>
       </p:sp>
-      <p:sp>
-        <p:nvSpPr>
-          <p:cNvPr id="10" name="Text Placeholder 9">
-            <a:extLst>
-              <a:ext uri="{FF2B5EF4-FFF2-40B4-BE49-F238E27FC236}">
-                <a16:creationId xmlns:a16="http://schemas.microsoft.com/office/drawing/2014/main" xmlns="" id="{EF2BC084-E6DB-4DE7-B309-042A85EBA700}"/>
-              </a:ext>
-            </a:extLst>
-          </p:cNvPr>
-          <p:cNvSpPr>
-            <a:spLocks noGrp="1"/>
-          </p:cNvSpPr>
-          <p:nvPr>
-            <p:ph type="body" sz="quarter" idx="13"/>
-          </p:nvPr>
-        </p:nvSpPr>
-        <p:spPr/>
-        <p:txBody>
-          <a:bodyPr anchor="ctr"/>
-          <a:lstStyle/>
-          <a:p>
-            <a:pPr lvl="0"/>
-            <a:r>
-              <a:rPr lang="en-IN" sz="2400" dirty="0" smtClean="0"/>
-              <a:t>We will analyze data collected.</a:t>
-            </a:r>
-          </a:p>
-          <a:p>
-            <a:pPr lvl="0"/>
-            <a:r>
-              <a:rPr lang="en-IN" sz="2400" dirty="0" smtClean="0"/>
-              <a:t>According to that we will clean and pre-process the data.</a:t>
-            </a:r>
-          </a:p>
-          <a:p>
-            <a:pPr lvl="0"/>
-            <a:r>
-              <a:rPr lang="en-IN" sz="2400" dirty="0" smtClean="0"/>
-              <a:t>And then we will train model on this cleaned data.</a:t>
-            </a:r>
-          </a:p>
-        </p:txBody>
-      </p:sp>
-      <p:sp>
-        <p:nvSpPr>
-          <p:cNvPr id="2" name="Slide Number Placeholder 1">
-            <a:extLst>
-              <a:ext uri="{FF2B5EF4-FFF2-40B4-BE49-F238E27FC236}">
-                <a16:creationId xmlns:a16="http://schemas.microsoft.com/office/drawing/2014/main" xmlns="" id="{BE9800F6-D571-48C4-8466-12AA1ADB6599}"/>
-              </a:ext>
-            </a:extLst>
-          </p:cNvPr>
-          <p:cNvSpPr>
-            <a:spLocks noGrp="1"/>
-          </p:cNvSpPr>
-          <p:nvPr>
-            <p:ph type="sldNum" sz="quarter" idx="12"/>
-          </p:nvPr>
-        </p:nvSpPr>
-        <p:spPr/>
-        <p:txBody>
-          <a:bodyPr/>
-          <a:lstStyle/>
-          <a:p>
-            <a:fld id="{C263D6C4-4840-40CC-AC84-17E24B3B7BDE}" type="slidenum">
-              <a:rPr lang="en-US" smtClean="0"/>
-              <a:pPr/>
-              <a:t>4</a:t>
-            </a:fld>
-            <a:endParaRPr lang="en-US" dirty="0"/>
-          </a:p>
-        </p:txBody>
-      </p:sp>
-      <p:pic>
-        <p:nvPicPr>
-          <p:cNvPr id="1027" name="Picture 3" descr="C:\Users\Kalp Gohil\Desktop\images1.jpeg"/>
-          <p:cNvPicPr>
-            <a:picLocks noChangeAspect="1" noChangeArrowheads="1"/>
-          </p:cNvPicPr>
-          <p:nvPr/>
-        </p:nvPicPr>
-        <p:blipFill>
-          <a:blip r:embed="rId2"/>
-          <a:srcRect/>
-          <a:stretch>
-            <a:fillRect/>
-          </a:stretch>
-        </p:blipFill>
-        <p:spPr bwMode="auto">
-          <a:xfrm>
-            <a:off x="7158039" y="3397250"/>
-            <a:ext cx="2697162" cy="2672417"/>
-          </a:xfrm>
-          <a:prstGeom prst="rect">
-            <a:avLst/>
-          </a:prstGeom>
-          <a:noFill/>
-        </p:spPr>
-      </p:pic>
     </p:spTree>
-    <p:extLst>
-      <p:ext uri="{BB962C8B-B14F-4D97-AF65-F5344CB8AC3E}">
-        <p14:creationId xmlns:p14="http://schemas.microsoft.com/office/powerpoint/2010/main" xmlns="" val="3733486012"/>
-      </p:ext>
-    </p:extLst>
   </p:cSld>
   <p:clrMapOvr>
     <a:masterClrMapping/>
   </p:clrMapOvr>
-  <mc:AlternateContent xmlns:mc="http://schemas.openxmlformats.org/markup-compatibility/2006">
-    <mc:Choice xmlns:p14="http://schemas.microsoft.com/office/powerpoint/2010/main" xmlns="" Requires="p14">
-      <p:transition spd="med" p14:dur="700">
-        <p:fade/>
-      </p:transition>
-    </mc:Choice>
-    <mc:Fallback>
-      <p:transition spd="med">
-        <p:fade/>
-      </p:transition>
-    </mc:Fallback>
-  </mc:AlternateContent>
-  <p:timing>
-    <p:tnLst>
-      <p:par>
-        <p:cTn id="1" dur="indefinite" restart="never" nodeType="tmRoot"/>
-      </p:par>
-    </p:tnLst>
-  </p:timing>
 </p:sld>
 </file>
 
@@ -26855,151 +26348,10 @@
       </p:grpSpPr>
       <p:sp>
         <p:nvSpPr>
-          <p:cNvPr id="3" name="Slide Number Placeholder 2"/>
-          <p:cNvSpPr>
-            <a:spLocks noGrp="1"/>
-          </p:cNvSpPr>
-          <p:nvPr>
-            <p:ph type="sldNum" sz="quarter" idx="12"/>
-          </p:nvPr>
-        </p:nvSpPr>
-        <p:spPr/>
-        <p:txBody>
-          <a:bodyPr/>
-          <a:lstStyle/>
-          <a:p>
-            <a:fld id="{C263D6C4-4840-40CC-AC84-17E24B3B7BDE}" type="slidenum">
-              <a:rPr lang="en-US" noProof="0" smtClean="0"/>
-              <a:pPr/>
-              <a:t>5</a:t>
-            </a:fld>
-            <a:endParaRPr lang="en-US" noProof="0" dirty="0"/>
-          </a:p>
-        </p:txBody>
-      </p:sp>
-      <p:sp>
-        <p:nvSpPr>
-          <p:cNvPr id="5" name="Text Placeholder 9">
+          <p:cNvPr id="7" name="Title 6">
             <a:extLst>
               <a:ext uri="{FF2B5EF4-FFF2-40B4-BE49-F238E27FC236}">
-                <a16:creationId xmlns:a16="http://schemas.microsoft.com/office/drawing/2014/main" xmlns="" id="{EF2BC084-E6DB-4DE7-B309-042A85EBA700}"/>
-              </a:ext>
-            </a:extLst>
-          </p:cNvPr>
-          <p:cNvSpPr>
-            <a:spLocks noGrp="1"/>
-          </p:cNvSpPr>
-          <p:nvPr>
-            <p:ph type="body" sz="quarter" idx="13"/>
-          </p:nvPr>
-        </p:nvSpPr>
-        <p:spPr/>
-        <p:txBody>
-          <a:bodyPr/>
-          <a:lstStyle/>
-          <a:p>
-            <a:pPr lvl="1"/>
-            <a:r>
-              <a:rPr lang="en-IN" sz="2600" dirty="0" smtClean="0">
-                <a:latin typeface="Times New Roman" panose="02020603050405020304" charset="0"/>
-                <a:cs typeface="Times New Roman" panose="02020603050405020304" charset="0"/>
-              </a:rPr>
-              <a:t>Data Collection.</a:t>
-            </a:r>
-          </a:p>
-          <a:p>
-            <a:pPr lvl="1"/>
-            <a:r>
-              <a:rPr lang="en-IN" sz="2600" dirty="0" smtClean="0">
-                <a:latin typeface="Times New Roman" panose="02020603050405020304" charset="0"/>
-                <a:cs typeface="Times New Roman" panose="02020603050405020304" charset="0"/>
-              </a:rPr>
-              <a:t>Data Pre-Processing.</a:t>
-            </a:r>
-          </a:p>
-          <a:p>
-            <a:pPr lvl="1"/>
-            <a:r>
-              <a:rPr lang="en-IN" sz="2600" dirty="0" smtClean="0">
-                <a:latin typeface="Times New Roman" panose="02020603050405020304" charset="0"/>
-                <a:cs typeface="Times New Roman" panose="02020603050405020304" charset="0"/>
-              </a:rPr>
-              <a:t>Data Transformation.</a:t>
-            </a:r>
-          </a:p>
-          <a:p>
-            <a:pPr lvl="1"/>
-            <a:r>
-              <a:rPr lang="en-IN" sz="2600" dirty="0" smtClean="0">
-                <a:latin typeface="Times New Roman" panose="02020603050405020304" charset="0"/>
-                <a:cs typeface="Times New Roman" panose="02020603050405020304" charset="0"/>
-              </a:rPr>
-              <a:t>Signup / Login.</a:t>
-            </a:r>
-          </a:p>
-          <a:p>
-            <a:pPr>
-              <a:buFont typeface="Wingdings" pitchFamily="2" charset="2"/>
-              <a:buChar char="ü"/>
-            </a:pPr>
-            <a:r>
-              <a:rPr lang="en-IN" sz="2800" b="1" dirty="0" smtClean="0">
-                <a:latin typeface="Times New Roman" panose="02020603050405020304" charset="0"/>
-                <a:cs typeface="Times New Roman" panose="02020603050405020304" charset="0"/>
-              </a:rPr>
-              <a:t> Remaining Work :- </a:t>
-            </a:r>
-          </a:p>
-          <a:p>
-            <a:pPr lvl="1"/>
-            <a:r>
-              <a:rPr lang="en-IN" sz="2400" dirty="0" smtClean="0">
-                <a:latin typeface="Times New Roman" panose="02020603050405020304" charset="0"/>
-                <a:cs typeface="Times New Roman" panose="02020603050405020304" charset="0"/>
-              </a:rPr>
-              <a:t>Model Training</a:t>
-            </a:r>
-          </a:p>
-          <a:p>
-            <a:pPr lvl="1"/>
-            <a:r>
-              <a:rPr lang="en-IN" sz="2400" dirty="0" smtClean="0">
-                <a:latin typeface="Times New Roman" panose="02020603050405020304" charset="0"/>
-                <a:cs typeface="Times New Roman" panose="02020603050405020304" charset="0"/>
-              </a:rPr>
-              <a:t>Designing some html pages for website.</a:t>
-            </a:r>
-          </a:p>
-          <a:p>
-            <a:pPr>
-              <a:buNone/>
-            </a:pPr>
-            <a:endParaRPr lang="en-IN" sz="2800" b="1" dirty="0" smtClean="0">
-              <a:latin typeface="Times New Roman" panose="02020603050405020304" charset="0"/>
-              <a:cs typeface="Times New Roman" panose="02020603050405020304" charset="0"/>
-            </a:endParaRPr>
-          </a:p>
-          <a:p>
-            <a:pPr lvl="1"/>
-            <a:endParaRPr lang="en-IN" sz="2600" dirty="0" smtClean="0">
-              <a:latin typeface="Times New Roman" panose="02020603050405020304" charset="0"/>
-              <a:cs typeface="Times New Roman" panose="02020603050405020304" charset="0"/>
-            </a:endParaRPr>
-          </a:p>
-          <a:p>
-            <a:endParaRPr lang="en-IN" sz="2800" dirty="0" smtClean="0">
-              <a:latin typeface="Times New Roman" panose="02020603050405020304" charset="0"/>
-              <a:cs typeface="Times New Roman" panose="02020603050405020304" charset="0"/>
-            </a:endParaRPr>
-          </a:p>
-        </p:txBody>
-      </p:sp>
-      <p:sp>
-        <p:nvSpPr>
-          <p:cNvPr id="6" name="Title 6">
-            <a:extLst>
-              <a:ext uri="{FF2B5EF4-FFF2-40B4-BE49-F238E27FC236}">
-                <a16:creationId xmlns:a16="http://schemas.microsoft.com/office/drawing/2014/main" xmlns="" id="{7875C19A-1AAE-476A-A316-A2CF92D763D3}"/>
+                <a16:creationId xmlns="" xmlns:a16="http://schemas.microsoft.com/office/drawing/2014/main" id="{7875C19A-1AAE-476A-A316-A2CF92D763D3}"/>
               </a:ext>
             </a:extLst>
           </p:cNvPr>
@@ -27031,7 +26383,7 @@
                 <a:latin typeface="Times New Roman" pitchFamily="18" charset="0"/>
                 <a:cs typeface="Times New Roman" pitchFamily="18" charset="0"/>
               </a:rPr>
-              <a:t>Work Done on Modules </a:t>
+              <a:t>Description of Modules </a:t>
             </a:r>
             <a:endParaRPr lang="en-US" sz="3600" dirty="0">
               <a:solidFill>
@@ -27046,11 +26398,155 @@
           </a:p>
         </p:txBody>
       </p:sp>
+      <p:sp>
+        <p:nvSpPr>
+          <p:cNvPr id="10" name="Text Placeholder 9">
+            <a:extLst>
+              <a:ext uri="{FF2B5EF4-FFF2-40B4-BE49-F238E27FC236}">
+                <a16:creationId xmlns="" xmlns:a16="http://schemas.microsoft.com/office/drawing/2014/main" id="{EF2BC084-E6DB-4DE7-B309-042A85EBA700}"/>
+              </a:ext>
+            </a:extLst>
+          </p:cNvPr>
+          <p:cNvSpPr>
+            <a:spLocks noGrp="1"/>
+          </p:cNvSpPr>
+          <p:nvPr>
+            <p:ph type="body" sz="quarter" idx="13"/>
+          </p:nvPr>
+        </p:nvSpPr>
+        <p:spPr>
+          <a:xfrm>
+            <a:off x="393700" y="1625385"/>
+            <a:ext cx="9867900" cy="4775415"/>
+          </a:xfrm>
+        </p:spPr>
+        <p:txBody>
+          <a:bodyPr/>
+          <a:lstStyle/>
+          <a:p>
+            <a:pPr marL="514350" indent="-514350">
+              <a:buFont typeface="Wingdings" pitchFamily="2" charset="2"/>
+              <a:buChar char="Ø"/>
+            </a:pPr>
+            <a:r>
+              <a:rPr lang="en-IN" sz="2800" b="1" dirty="0" smtClean="0">
+                <a:latin typeface="Times New Roman" panose="02020603050405020304" charset="0"/>
+                <a:cs typeface="Times New Roman" panose="02020603050405020304" charset="0"/>
+              </a:rPr>
+              <a:t>Data Pre-Processing :-</a:t>
+            </a:r>
+          </a:p>
+          <a:p>
+            <a:pPr marL="971550" lvl="1" indent="-514350"/>
+            <a:r>
+              <a:rPr lang="en-IN" sz="2400" dirty="0" smtClean="0">
+                <a:latin typeface="Times New Roman" panose="02020603050405020304" charset="0"/>
+                <a:cs typeface="Times New Roman" panose="02020603050405020304" charset="0"/>
+              </a:rPr>
+              <a:t>After having dataset in hands, its important to pre-process that raw data into useful form.</a:t>
+            </a:r>
+          </a:p>
+          <a:p>
+            <a:pPr marL="971550" lvl="1" indent="-514350"/>
+            <a:r>
+              <a:rPr lang="en-IN" sz="2400" b="1" dirty="0" smtClean="0">
+                <a:latin typeface="Times New Roman" panose="02020603050405020304" charset="0"/>
+                <a:cs typeface="Times New Roman" panose="02020603050405020304" charset="0"/>
+              </a:rPr>
+              <a:t>Data Cleaning :- </a:t>
+            </a:r>
+          </a:p>
+          <a:p>
+            <a:pPr marL="1428750" lvl="2" indent="-514350"/>
+            <a:r>
+              <a:rPr lang="en-IN" sz="2200" b="1" dirty="0" smtClean="0">
+                <a:latin typeface="Times New Roman" panose="02020603050405020304" charset="0"/>
+                <a:cs typeface="Times New Roman" panose="02020603050405020304" charset="0"/>
+              </a:rPr>
+              <a:t>In this module we had cleaned our dataset if it gas any null values using following techniques..</a:t>
+            </a:r>
+          </a:p>
+          <a:p>
+            <a:pPr marL="1885950" lvl="3" indent="-514350"/>
+            <a:r>
+              <a:rPr lang="en-IN" sz="2400" b="1" dirty="0" smtClean="0">
+                <a:latin typeface="Times New Roman" panose="02020603050405020304" charset="0"/>
+                <a:cs typeface="Times New Roman" panose="02020603050405020304" charset="0"/>
+              </a:rPr>
+              <a:t>Drop that null data.</a:t>
+            </a:r>
+          </a:p>
+          <a:p>
+            <a:pPr marL="1885950" lvl="3" indent="-514350"/>
+            <a:r>
+              <a:rPr lang="en-IN" sz="2400" b="1" dirty="0" smtClean="0">
+                <a:latin typeface="Times New Roman" panose="02020603050405020304" charset="0"/>
+                <a:cs typeface="Times New Roman" panose="02020603050405020304" charset="0"/>
+              </a:rPr>
+              <a:t>Fill that null data with some meaning full statistical value.</a:t>
+            </a:r>
+          </a:p>
+        </p:txBody>
+      </p:sp>
+      <p:sp>
+        <p:nvSpPr>
+          <p:cNvPr id="2" name="Slide Number Placeholder 1">
+            <a:extLst>
+              <a:ext uri="{FF2B5EF4-FFF2-40B4-BE49-F238E27FC236}">
+                <a16:creationId xmlns="" xmlns:a16="http://schemas.microsoft.com/office/drawing/2014/main" id="{BE9800F6-D571-48C4-8466-12AA1ADB6599}"/>
+              </a:ext>
+            </a:extLst>
+          </p:cNvPr>
+          <p:cNvSpPr>
+            <a:spLocks noGrp="1"/>
+          </p:cNvSpPr>
+          <p:nvPr>
+            <p:ph type="sldNum" sz="quarter" idx="12"/>
+          </p:nvPr>
+        </p:nvSpPr>
+        <p:spPr/>
+        <p:txBody>
+          <a:bodyPr/>
+          <a:lstStyle/>
+          <a:p>
+            <a:fld id="{C263D6C4-4840-40CC-AC84-17E24B3B7BDE}" type="slidenum">
+              <a:rPr lang="en-US" smtClean="0"/>
+              <a:pPr/>
+              <a:t>5</a:t>
+            </a:fld>
+            <a:endParaRPr lang="en-US" dirty="0"/>
+          </a:p>
+        </p:txBody>
+      </p:sp>
     </p:spTree>
+    <p:extLst>
+      <p:ext uri="{BB962C8B-B14F-4D97-AF65-F5344CB8AC3E}">
+        <p14:creationId xmlns="" xmlns:p14="http://schemas.microsoft.com/office/powerpoint/2010/main" val="3733486012"/>
+      </p:ext>
+    </p:extLst>
   </p:cSld>
   <p:clrMapOvr>
     <a:masterClrMapping/>
   </p:clrMapOvr>
+  <mc:AlternateContent xmlns:mc="http://schemas.openxmlformats.org/markup-compatibility/2006">
+    <mc:Choice xmlns="" xmlns:p14="http://schemas.microsoft.com/office/powerpoint/2010/main" Requires="p14">
+      <p:transition spd="med" p14:dur="700">
+        <p:fade/>
+      </p:transition>
+    </mc:Choice>
+    <mc:Fallback>
+      <p:transition spd="med">
+        <p:fade/>
+      </p:transition>
+    </mc:Fallback>
+  </mc:AlternateContent>
+  <p:timing>
+    <p:tnLst>
+      <p:par>
+        <p:cTn id="1" dur="indefinite" restart="never" nodeType="tmRoot"/>
+      </p:par>
+    </p:tnLst>
+  </p:timing>
 </p:sld>
 </file>
 
@@ -27076,7 +26572,7 @@
           <p:cNvPr id="7" name="Title 6">
             <a:extLst>
               <a:ext uri="{FF2B5EF4-FFF2-40B4-BE49-F238E27FC236}">
-                <a16:creationId xmlns:a16="http://schemas.microsoft.com/office/drawing/2014/main" xmlns="" id="{7875C19A-1AAE-476A-A316-A2CF92D763D3}"/>
+                <a16:creationId xmlns="" xmlns:a16="http://schemas.microsoft.com/office/drawing/2014/main" id="{7875C19A-1AAE-476A-A316-A2CF92D763D3}"/>
               </a:ext>
             </a:extLst>
           </p:cNvPr>
@@ -27128,7 +26624,7 @@
           <p:cNvPr id="10" name="Text Placeholder 9">
             <a:extLst>
               <a:ext uri="{FF2B5EF4-FFF2-40B4-BE49-F238E27FC236}">
-                <a16:creationId xmlns:a16="http://schemas.microsoft.com/office/drawing/2014/main" xmlns="" id="{EF2BC084-E6DB-4DE7-B309-042A85EBA700}"/>
+                <a16:creationId xmlns="" xmlns:a16="http://schemas.microsoft.com/office/drawing/2014/main" id="{EF2BC084-E6DB-4DE7-B309-042A85EBA700}"/>
               </a:ext>
             </a:extLst>
           </p:cNvPr>
@@ -27149,7 +26645,7 @@
           <a:bodyPr/>
           <a:lstStyle/>
           <a:p>
-            <a:pPr marL="514350" indent="-514350">
+            <a:pPr marL="514350" lvl="1" indent="-514350">
               <a:buFont typeface="Wingdings" pitchFamily="2" charset="2"/>
               <a:buChar char="Ø"/>
             </a:pPr>
@@ -27158,7 +26654,7 @@
                 <a:latin typeface="Times New Roman" panose="02020603050405020304" charset="0"/>
                 <a:cs typeface="Times New Roman" panose="02020603050405020304" charset="0"/>
               </a:rPr>
-              <a:t>Data Pre-Processing :-</a:t>
+              <a:t>Data Transformation.</a:t>
             </a:r>
           </a:p>
           <a:p>
@@ -27168,48 +26664,47 @@
                 <a:latin typeface="Times New Roman" panose="02020603050405020304" charset="0"/>
                 <a:cs typeface="Times New Roman" panose="02020603050405020304" charset="0"/>
               </a:rPr>
-              <a:t>After having dataset in hands, its important to pre-process that raw data into useful form.</a:t>
+              <a:t>After data cleaning, we had transformed our data in appropriate form to remove outliers.</a:t>
             </a:r>
           </a:p>
           <a:p>
             <a:pPr marL="971550" lvl="1" indent="-514350"/>
             <a:r>
-              <a:rPr lang="en-IN" sz="2400" b="1" dirty="0" smtClean="0">
+              <a:rPr lang="en-IN" sz="2800" b="1" dirty="0" smtClean="0">
                 <a:latin typeface="Times New Roman" panose="02020603050405020304" charset="0"/>
                 <a:cs typeface="Times New Roman" panose="02020603050405020304" charset="0"/>
               </a:rPr>
-              <a:t>Data Cleaning :- </a:t>
+              <a:t>Attribute Selection :- </a:t>
             </a:r>
           </a:p>
           <a:p>
             <a:pPr marL="1428750" lvl="2" indent="-514350"/>
             <a:r>
-              <a:rPr lang="en-IN" sz="2200" b="1" dirty="0" smtClean="0">
+              <a:rPr lang="en-IN" sz="2400" dirty="0" smtClean="0">
                 <a:latin typeface="Times New Roman" panose="02020603050405020304" charset="0"/>
                 <a:cs typeface="Times New Roman" panose="02020603050405020304" charset="0"/>
               </a:rPr>
-              <a:t>In this module we had cleaned our dataset if it gas any null values using following techniques..</a:t>
+              <a:t>In this strategy we had add some new columns to our data set from existing ones to have look inside from data.</a:t>
             </a:r>
           </a:p>
           <a:p>
-            <a:pPr marL="1885950" lvl="3" indent="-514350"/>
-            <a:r>
-              <a:rPr lang="en-IN" sz="2400" b="1" dirty="0" smtClean="0">
-                <a:latin typeface="Times New Roman" panose="02020603050405020304" charset="0"/>
-                <a:cs typeface="Times New Roman" panose="02020603050405020304" charset="0"/>
-              </a:rPr>
-              <a:t>Drop that null data.</a:t>
-            </a:r>
-          </a:p>
-          <a:p>
-            <a:pPr marL="1885950" lvl="3" indent="-514350"/>
-            <a:r>
-              <a:rPr lang="en-IN" sz="2400" b="1" dirty="0" smtClean="0">
-                <a:latin typeface="Times New Roman" panose="02020603050405020304" charset="0"/>
-                <a:cs typeface="Times New Roman" panose="02020603050405020304" charset="0"/>
-              </a:rPr>
-              <a:t>Fill that null data with some meaning full statistical value.</a:t>
-            </a:r>
+            <a:pPr marL="1428750" lvl="2" indent="-514350">
+              <a:buNone/>
+            </a:pPr>
+            <a:endParaRPr lang="en-IN" sz="2200" b="1" dirty="0" smtClean="0">
+              <a:latin typeface="Times New Roman" panose="02020603050405020304" charset="0"/>
+              <a:cs typeface="Times New Roman" panose="02020603050405020304" charset="0"/>
+            </a:endParaRPr>
+          </a:p>
+          <a:p>
+            <a:pPr marL="514350" indent="-514350">
+              <a:buFont typeface="Wingdings" pitchFamily="2" charset="2"/>
+              <a:buChar char="Ø"/>
+            </a:pPr>
+            <a:endParaRPr lang="en-IN" sz="2400" dirty="0" smtClean="0">
+              <a:latin typeface="Times New Roman" panose="02020603050405020304" charset="0"/>
+              <a:cs typeface="Times New Roman" panose="02020603050405020304" charset="0"/>
+            </a:endParaRPr>
           </a:p>
         </p:txBody>
       </p:sp>
@@ -27218,7 +26713,7 @@
           <p:cNvPr id="2" name="Slide Number Placeholder 1">
             <a:extLst>
               <a:ext uri="{FF2B5EF4-FFF2-40B4-BE49-F238E27FC236}">
-                <a16:creationId xmlns:a16="http://schemas.microsoft.com/office/drawing/2014/main" xmlns="" id="{BE9800F6-D571-48C4-8466-12AA1ADB6599}"/>
+                <a16:creationId xmlns="" xmlns:a16="http://schemas.microsoft.com/office/drawing/2014/main" id="{BE9800F6-D571-48C4-8466-12AA1ADB6599}"/>
               </a:ext>
             </a:extLst>
           </p:cNvPr>
@@ -27246,7 +26741,7 @@
     </p:spTree>
     <p:extLst>
       <p:ext uri="{BB962C8B-B14F-4D97-AF65-F5344CB8AC3E}">
-        <p14:creationId xmlns:p14="http://schemas.microsoft.com/office/powerpoint/2010/main" xmlns="" val="3733486012"/>
+        <p14:creationId xmlns="" xmlns:p14="http://schemas.microsoft.com/office/powerpoint/2010/main" val="3733486012"/>
       </p:ext>
     </p:extLst>
   </p:cSld>
@@ -27254,7 +26749,7 @@
     <a:masterClrMapping/>
   </p:clrMapOvr>
   <mc:AlternateContent xmlns:mc="http://schemas.openxmlformats.org/markup-compatibility/2006">
-    <mc:Choice xmlns:p14="http://schemas.microsoft.com/office/powerpoint/2010/main" xmlns="" Requires="p14">
+    <mc:Choice xmlns="" xmlns:p14="http://schemas.microsoft.com/office/powerpoint/2010/main" Requires="p14">
       <p:transition spd="med" p14:dur="700">
         <p:fade/>
       </p:transition>
@@ -27297,7 +26792,7 @@
           <p:cNvPr id="7" name="Title 6">
             <a:extLst>
               <a:ext uri="{FF2B5EF4-FFF2-40B4-BE49-F238E27FC236}">
-                <a16:creationId xmlns:a16="http://schemas.microsoft.com/office/drawing/2014/main" xmlns="" id="{7875C19A-1AAE-476A-A316-A2CF92D763D3}"/>
+                <a16:creationId xmlns="" xmlns:a16="http://schemas.microsoft.com/office/drawing/2014/main" id="{7875C19A-1AAE-476A-A316-A2CF92D763D3}"/>
               </a:ext>
             </a:extLst>
           </p:cNvPr>
@@ -27349,7 +26844,7 @@
           <p:cNvPr id="10" name="Text Placeholder 9">
             <a:extLst>
               <a:ext uri="{FF2B5EF4-FFF2-40B4-BE49-F238E27FC236}">
-                <a16:creationId xmlns:a16="http://schemas.microsoft.com/office/drawing/2014/main" xmlns="" id="{EF2BC084-E6DB-4DE7-B309-042A85EBA700}"/>
+                <a16:creationId xmlns="" xmlns:a16="http://schemas.microsoft.com/office/drawing/2014/main" id="{EF2BC084-E6DB-4DE7-B309-042A85EBA700}"/>
               </a:ext>
             </a:extLst>
           </p:cNvPr>
@@ -27379,7 +26874,7 @@
                 <a:latin typeface="Times New Roman" panose="02020603050405020304" charset="0"/>
                 <a:cs typeface="Times New Roman" panose="02020603050405020304" charset="0"/>
               </a:rPr>
-              <a:t>Data Transformation.</a:t>
+              <a:t>Signup / Login.</a:t>
             </a:r>
           </a:p>
           <a:p>
@@ -27389,27 +26884,27 @@
                 <a:latin typeface="Times New Roman" panose="02020603050405020304" charset="0"/>
                 <a:cs typeface="Times New Roman" panose="02020603050405020304" charset="0"/>
               </a:rPr>
-              <a:t>After data cleaning, we had transformed our data in appropriate form to remove outliers.</a:t>
+              <a:t>In this module we had designed one simple website.</a:t>
             </a:r>
           </a:p>
           <a:p>
             <a:pPr marL="971550" lvl="1" indent="-514350"/>
-            <a:r>
-              <a:rPr lang="en-IN" sz="2800" b="1" dirty="0" smtClean="0">
-                <a:latin typeface="Times New Roman" panose="02020603050405020304" charset="0"/>
-                <a:cs typeface="Times New Roman" panose="02020603050405020304" charset="0"/>
-              </a:rPr>
-              <a:t>Attribute Selection :- </a:t>
-            </a:r>
-          </a:p>
-          <a:p>
-            <a:pPr marL="1428750" lvl="2" indent="-514350"/>
             <a:r>
               <a:rPr lang="en-IN" sz="2400" dirty="0" smtClean="0">
                 <a:latin typeface="Times New Roman" panose="02020603050405020304" charset="0"/>
                 <a:cs typeface="Times New Roman" panose="02020603050405020304" charset="0"/>
               </a:rPr>
-              <a:t>In this strategy we had add some new columns to our data set from existing ones to have look inside from data.</a:t>
+              <a:t>We had added static home page.</a:t>
+            </a:r>
+          </a:p>
+          <a:p>
+            <a:pPr marL="971550" lvl="1" indent="-514350"/>
+            <a:r>
+              <a:rPr lang="en-IN" sz="2400" dirty="0" smtClean="0">
+                <a:latin typeface="Times New Roman" panose="02020603050405020304" charset="0"/>
+                <a:cs typeface="Times New Roman" panose="02020603050405020304" charset="0"/>
+              </a:rPr>
+              <a:t>We had also added Signup / Login page just to insure that only registered user can accesses our website.</a:t>
             </a:r>
           </a:p>
           <a:p>
@@ -27438,7 +26933,7 @@
           <p:cNvPr id="2" name="Slide Number Placeholder 1">
             <a:extLst>
               <a:ext uri="{FF2B5EF4-FFF2-40B4-BE49-F238E27FC236}">
-                <a16:creationId xmlns:a16="http://schemas.microsoft.com/office/drawing/2014/main" xmlns="" id="{BE9800F6-D571-48C4-8466-12AA1ADB6599}"/>
+                <a16:creationId xmlns="" xmlns:a16="http://schemas.microsoft.com/office/drawing/2014/main" id="{BE9800F6-D571-48C4-8466-12AA1ADB6599}"/>
               </a:ext>
             </a:extLst>
           </p:cNvPr>
@@ -27466,7 +26961,7 @@
     </p:spTree>
     <p:extLst>
       <p:ext uri="{BB962C8B-B14F-4D97-AF65-F5344CB8AC3E}">
-        <p14:creationId xmlns:p14="http://schemas.microsoft.com/office/powerpoint/2010/main" xmlns="" val="3733486012"/>
+        <p14:creationId xmlns="" xmlns:p14="http://schemas.microsoft.com/office/powerpoint/2010/main" val="3733486012"/>
       </p:ext>
     </p:extLst>
   </p:cSld>
@@ -27474,7 +26969,7 @@
     <a:masterClrMapping/>
   </p:clrMapOvr>
   <mc:AlternateContent xmlns:mc="http://schemas.openxmlformats.org/markup-compatibility/2006">
-    <mc:Choice xmlns:p14="http://schemas.microsoft.com/office/powerpoint/2010/main" xmlns="" Requires="p14">
+    <mc:Choice xmlns="" xmlns:p14="http://schemas.microsoft.com/office/powerpoint/2010/main" Requires="p14">
       <p:transition spd="med" p14:dur="700">
         <p:fade/>
       </p:transition>
@@ -27517,7 +27012,7 @@
           <p:cNvPr id="7" name="Title 6">
             <a:extLst>
               <a:ext uri="{FF2B5EF4-FFF2-40B4-BE49-F238E27FC236}">
-                <a16:creationId xmlns:a16="http://schemas.microsoft.com/office/drawing/2014/main" xmlns="" id="{7875C19A-1AAE-476A-A316-A2CF92D763D3}"/>
+                <a16:creationId xmlns="" xmlns:a16="http://schemas.microsoft.com/office/drawing/2014/main" id="{7875C19A-1AAE-476A-A316-A2CF92D763D3}"/>
               </a:ext>
             </a:extLst>
           </p:cNvPr>
@@ -27569,7 +27064,7 @@
           <p:cNvPr id="10" name="Text Placeholder 9">
             <a:extLst>
               <a:ext uri="{FF2B5EF4-FFF2-40B4-BE49-F238E27FC236}">
-                <a16:creationId xmlns:a16="http://schemas.microsoft.com/office/drawing/2014/main" xmlns="" id="{EF2BC084-E6DB-4DE7-B309-042A85EBA700}"/>
+                <a16:creationId xmlns="" xmlns:a16="http://schemas.microsoft.com/office/drawing/2014/main" id="{EF2BC084-E6DB-4DE7-B309-042A85EBA700}"/>
               </a:ext>
             </a:extLst>
           </p:cNvPr>
@@ -27583,7 +27078,7 @@
         <p:spPr>
           <a:xfrm>
             <a:off x="393700" y="1625385"/>
-            <a:ext cx="9867900" cy="4775415"/>
+            <a:ext cx="9898380" cy="4856695"/>
           </a:xfrm>
         </p:spPr>
         <p:txBody>
@@ -27599,7 +27094,7 @@
                 <a:latin typeface="Times New Roman" panose="02020603050405020304" charset="0"/>
                 <a:cs typeface="Times New Roman" panose="02020603050405020304" charset="0"/>
               </a:rPr>
-              <a:t>Signup / Login.</a:t>
+              <a:t>Model Training.</a:t>
             </a:r>
           </a:p>
           <a:p>
@@ -27609,28 +27104,60 @@
                 <a:latin typeface="Times New Roman" panose="02020603050405020304" charset="0"/>
                 <a:cs typeface="Times New Roman" panose="02020603050405020304" charset="0"/>
               </a:rPr>
-              <a:t>In this module we had designed one simple website.</a:t>
+              <a:t>In this module we will train our data using Linear Regression.</a:t>
             </a:r>
           </a:p>
           <a:p>
-            <a:pPr marL="971550" lvl="1" indent="-514350"/>
+            <a:pPr marL="514350" lvl="1" indent="-514350">
+              <a:lnSpc>
+                <a:spcPct val="150000"/>
+              </a:lnSpc>
+              <a:buFont typeface="Wingdings" pitchFamily="2" charset="2"/>
+              <a:buChar char="Ø"/>
+            </a:pPr>
             <a:r>
-              <a:rPr lang="en-IN" sz="2400" dirty="0" smtClean="0">
+              <a:rPr lang="en-IN" sz="2800" b="1" dirty="0" smtClean="0">
                 <a:latin typeface="Times New Roman" panose="02020603050405020304" charset="0"/>
                 <a:cs typeface="Times New Roman" panose="02020603050405020304" charset="0"/>
               </a:rPr>
-              <a:t>We had added static home page.</a:t>
+              <a:t>Designing some html pages for website.</a:t>
             </a:r>
           </a:p>
           <a:p>
-            <a:pPr marL="971550" lvl="1" indent="-514350"/>
+            <a:pPr marL="971550" lvl="2" indent="-514350"/>
             <a:r>
-              <a:rPr lang="en-IN" sz="2400" dirty="0" smtClean="0">
+              <a:rPr lang="en-IN" sz="2600" dirty="0" smtClean="0">
                 <a:latin typeface="Times New Roman" panose="02020603050405020304" charset="0"/>
                 <a:cs typeface="Times New Roman" panose="02020603050405020304" charset="0"/>
               </a:rPr>
-              <a:t>We had also added Signup / Login page just to insure that only registered user can accesses our website.</a:t>
+              <a:t>In this module we need to design html page that will take input from user (parameters of the house).</a:t>
             </a:r>
+          </a:p>
+          <a:p>
+            <a:pPr marL="971550" lvl="2" indent="-514350"/>
+            <a:r>
+              <a:rPr lang="en-IN" sz="2600" dirty="0" smtClean="0">
+                <a:latin typeface="Times New Roman" panose="02020603050405020304" charset="0"/>
+                <a:cs typeface="Times New Roman" panose="02020603050405020304" charset="0"/>
+              </a:rPr>
+              <a:t>Then we need to attach our trained model to this website.</a:t>
+            </a:r>
+          </a:p>
+          <a:p>
+            <a:pPr marL="971550" lvl="2" indent="-514350"/>
+            <a:endParaRPr lang="en-IN" sz="2600" b="1" dirty="0" smtClean="0">
+              <a:latin typeface="Times New Roman" panose="02020603050405020304" charset="0"/>
+              <a:cs typeface="Times New Roman" panose="02020603050405020304" charset="0"/>
+            </a:endParaRPr>
+          </a:p>
+          <a:p>
+            <a:pPr marL="971550" lvl="1" indent="-514350">
+              <a:buNone/>
+            </a:pPr>
+            <a:endParaRPr lang="en-IN" sz="2400" dirty="0" smtClean="0">
+              <a:latin typeface="Times New Roman" panose="02020603050405020304" charset="0"/>
+              <a:cs typeface="Times New Roman" panose="02020603050405020304" charset="0"/>
+            </a:endParaRPr>
           </a:p>
           <a:p>
             <a:pPr marL="1428750" lvl="2" indent="-514350">
@@ -27658,7 +27185,7 @@
           <p:cNvPr id="2" name="Slide Number Placeholder 1">
             <a:extLst>
               <a:ext uri="{FF2B5EF4-FFF2-40B4-BE49-F238E27FC236}">
-                <a16:creationId xmlns:a16="http://schemas.microsoft.com/office/drawing/2014/main" xmlns="" id="{BE9800F6-D571-48C4-8466-12AA1ADB6599}"/>
+                <a16:creationId xmlns="" xmlns:a16="http://schemas.microsoft.com/office/drawing/2014/main" id="{BE9800F6-D571-48C4-8466-12AA1ADB6599}"/>
               </a:ext>
             </a:extLst>
           </p:cNvPr>
@@ -27686,7 +27213,7 @@
     </p:spTree>
     <p:extLst>
       <p:ext uri="{BB962C8B-B14F-4D97-AF65-F5344CB8AC3E}">
-        <p14:creationId xmlns:p14="http://schemas.microsoft.com/office/powerpoint/2010/main" xmlns="" val="3733486012"/>
+        <p14:creationId xmlns="" xmlns:p14="http://schemas.microsoft.com/office/powerpoint/2010/main" val="3733486012"/>
       </p:ext>
     </p:extLst>
   </p:cSld>
@@ -27694,7 +27221,7 @@
     <a:masterClrMapping/>
   </p:clrMapOvr>
   <mc:AlternateContent xmlns:mc="http://schemas.openxmlformats.org/markup-compatibility/2006">
-    <mc:Choice xmlns:p14="http://schemas.microsoft.com/office/powerpoint/2010/main" xmlns="" Requires="p14">
+    <mc:Choice xmlns="" xmlns:p14="http://schemas.microsoft.com/office/powerpoint/2010/main" Requires="p14">
       <p:transition spd="med" p14:dur="700">
         <p:fade/>
       </p:transition>
@@ -27737,7 +27264,7 @@
           <p:cNvPr id="7" name="Title 6">
             <a:extLst>
               <a:ext uri="{FF2B5EF4-FFF2-40B4-BE49-F238E27FC236}">
-                <a16:creationId xmlns:a16="http://schemas.microsoft.com/office/drawing/2014/main" xmlns="" id="{7875C19A-1AAE-476A-A316-A2CF92D763D3}"/>
+                <a16:creationId xmlns="" xmlns:a16="http://schemas.microsoft.com/office/drawing/2014/main" id="{7875C19A-1AAE-476A-A316-A2CF92D763D3}"/>
               </a:ext>
             </a:extLst>
           </p:cNvPr>
@@ -27750,8 +27277,8 @@
         </p:nvSpPr>
         <p:spPr>
           <a:xfrm>
-            <a:off x="497840" y="664845"/>
-            <a:ext cx="11214100" cy="590931"/>
+            <a:off x="518160" y="2635885"/>
+            <a:ext cx="4612640" cy="840230"/>
           </a:xfrm>
         </p:spPr>
         <p:txBody>
@@ -27759,148 +27286,15 @@
           <a:lstStyle/>
           <a:p>
             <a:r>
-              <a:rPr lang="en-IN" sz="3600" dirty="0" smtClean="0">
-                <a:solidFill>
-                  <a:schemeClr val="accent2">
-                    <a:lumMod val="20000"/>
-                    <a:lumOff val="80000"/>
-                  </a:schemeClr>
-                </a:solidFill>
+              <a:rPr lang="en-US" sz="5400" dirty="0" smtClean="0">
                 <a:latin typeface="Times New Roman" pitchFamily="18" charset="0"/>
                 <a:cs typeface="Times New Roman" pitchFamily="18" charset="0"/>
               </a:rPr>
-              <a:t>Remaining Work</a:t>
+              <a:t>Thank You…!!</a:t>
             </a:r>
-            <a:endParaRPr lang="en-US" sz="3600" dirty="0">
-              <a:solidFill>
-                <a:schemeClr val="accent2">
-                  <a:lumMod val="20000"/>
-                  <a:lumOff val="80000"/>
-                </a:schemeClr>
-              </a:solidFill>
+            <a:endParaRPr lang="en-US" sz="5400" dirty="0">
               <a:latin typeface="Times New Roman" pitchFamily="18" charset="0"/>
               <a:cs typeface="Times New Roman" pitchFamily="18" charset="0"/>
-            </a:endParaRPr>
-          </a:p>
-        </p:txBody>
-      </p:sp>
-      <p:sp>
-        <p:nvSpPr>
-          <p:cNvPr id="10" name="Text Placeholder 9">
-            <a:extLst>
-              <a:ext uri="{FF2B5EF4-FFF2-40B4-BE49-F238E27FC236}">
-                <a16:creationId xmlns:a16="http://schemas.microsoft.com/office/drawing/2014/main" xmlns="" id="{EF2BC084-E6DB-4DE7-B309-042A85EBA700}"/>
-              </a:ext>
-            </a:extLst>
-          </p:cNvPr>
-          <p:cNvSpPr>
-            <a:spLocks noGrp="1"/>
-          </p:cNvSpPr>
-          <p:nvPr>
-            <p:ph type="body" sz="quarter" idx="13"/>
-          </p:nvPr>
-        </p:nvSpPr>
-        <p:spPr>
-          <a:xfrm>
-            <a:off x="393700" y="1625385"/>
-            <a:ext cx="9898380" cy="4856695"/>
-          </a:xfrm>
-        </p:spPr>
-        <p:txBody>
-          <a:bodyPr/>
-          <a:lstStyle/>
-          <a:p>
-            <a:pPr marL="514350" lvl="1" indent="-514350">
-              <a:buFont typeface="Wingdings" pitchFamily="2" charset="2"/>
-              <a:buChar char="Ø"/>
-            </a:pPr>
-            <a:r>
-              <a:rPr lang="en-IN" sz="2800" b="1" dirty="0" smtClean="0">
-                <a:latin typeface="Times New Roman" panose="02020603050405020304" charset="0"/>
-                <a:cs typeface="Times New Roman" panose="02020603050405020304" charset="0"/>
-              </a:rPr>
-              <a:t>Model Training.</a:t>
-            </a:r>
-          </a:p>
-          <a:p>
-            <a:pPr marL="971550" lvl="1" indent="-514350"/>
-            <a:r>
-              <a:rPr lang="en-IN" sz="2400" dirty="0" smtClean="0">
-                <a:latin typeface="Times New Roman" panose="02020603050405020304" charset="0"/>
-                <a:cs typeface="Times New Roman" panose="02020603050405020304" charset="0"/>
-              </a:rPr>
-              <a:t>In this module we will train our data using Linear Regression.</a:t>
-            </a:r>
-          </a:p>
-          <a:p>
-            <a:pPr marL="514350" lvl="1" indent="-514350">
-              <a:lnSpc>
-                <a:spcPct val="150000"/>
-              </a:lnSpc>
-              <a:buFont typeface="Wingdings" pitchFamily="2" charset="2"/>
-              <a:buChar char="Ø"/>
-            </a:pPr>
-            <a:r>
-              <a:rPr lang="en-IN" sz="2800" b="1" dirty="0" smtClean="0">
-                <a:latin typeface="Times New Roman" panose="02020603050405020304" charset="0"/>
-                <a:cs typeface="Times New Roman" panose="02020603050405020304" charset="0"/>
-              </a:rPr>
-              <a:t>Designing some html pages for website.</a:t>
-            </a:r>
-          </a:p>
-          <a:p>
-            <a:pPr marL="971550" lvl="2" indent="-514350"/>
-            <a:r>
-              <a:rPr lang="en-IN" sz="2600" dirty="0" smtClean="0">
-                <a:latin typeface="Times New Roman" panose="02020603050405020304" charset="0"/>
-                <a:cs typeface="Times New Roman" panose="02020603050405020304" charset="0"/>
-              </a:rPr>
-              <a:t>In this module we need to design html page that will take input from user (parameters of the house).</a:t>
-            </a:r>
-          </a:p>
-          <a:p>
-            <a:pPr marL="971550" lvl="2" indent="-514350"/>
-            <a:r>
-              <a:rPr lang="en-IN" sz="2600" dirty="0" smtClean="0">
-                <a:latin typeface="Times New Roman" panose="02020603050405020304" charset="0"/>
-                <a:cs typeface="Times New Roman" panose="02020603050405020304" charset="0"/>
-              </a:rPr>
-              <a:t>Then we need to attach our trained model to this website.</a:t>
-            </a:r>
-          </a:p>
-          <a:p>
-            <a:pPr marL="971550" lvl="2" indent="-514350"/>
-            <a:endParaRPr lang="en-IN" sz="2600" b="1" dirty="0" smtClean="0">
-              <a:latin typeface="Times New Roman" panose="02020603050405020304" charset="0"/>
-              <a:cs typeface="Times New Roman" panose="02020603050405020304" charset="0"/>
-            </a:endParaRPr>
-          </a:p>
-          <a:p>
-            <a:pPr marL="971550" lvl="1" indent="-514350">
-              <a:buNone/>
-            </a:pPr>
-            <a:endParaRPr lang="en-IN" sz="2400" dirty="0" smtClean="0">
-              <a:latin typeface="Times New Roman" panose="02020603050405020304" charset="0"/>
-              <a:cs typeface="Times New Roman" panose="02020603050405020304" charset="0"/>
-            </a:endParaRPr>
-          </a:p>
-          <a:p>
-            <a:pPr marL="1428750" lvl="2" indent="-514350">
-              <a:buNone/>
-            </a:pPr>
-            <a:endParaRPr lang="en-IN" sz="2200" b="1" dirty="0" smtClean="0">
-              <a:latin typeface="Times New Roman" panose="02020603050405020304" charset="0"/>
-              <a:cs typeface="Times New Roman" panose="02020603050405020304" charset="0"/>
-            </a:endParaRPr>
-          </a:p>
-          <a:p>
-            <a:pPr marL="514350" indent="-514350">
-              <a:buFont typeface="Wingdings" pitchFamily="2" charset="2"/>
-              <a:buChar char="Ø"/>
-            </a:pPr>
-            <a:endParaRPr lang="en-IN" sz="2400" dirty="0" smtClean="0">
-              <a:latin typeface="Times New Roman" panose="02020603050405020304" charset="0"/>
-              <a:cs typeface="Times New Roman" panose="02020603050405020304" charset="0"/>
             </a:endParaRPr>
           </a:p>
         </p:txBody>
@@ -27910,7 +27304,7 @@
           <p:cNvPr id="2" name="Slide Number Placeholder 1">
             <a:extLst>
               <a:ext uri="{FF2B5EF4-FFF2-40B4-BE49-F238E27FC236}">
-                <a16:creationId xmlns:a16="http://schemas.microsoft.com/office/drawing/2014/main" xmlns="" id="{BE9800F6-D571-48C4-8466-12AA1ADB6599}"/>
+                <a16:creationId xmlns="" xmlns:a16="http://schemas.microsoft.com/office/drawing/2014/main" id="{BE9800F6-D571-48C4-8466-12AA1ADB6599}"/>
               </a:ext>
             </a:extLst>
           </p:cNvPr>
@@ -27938,7 +27332,7 @@
     </p:spTree>
     <p:extLst>
       <p:ext uri="{BB962C8B-B14F-4D97-AF65-F5344CB8AC3E}">
-        <p14:creationId xmlns:p14="http://schemas.microsoft.com/office/powerpoint/2010/main" xmlns="" val="3733486012"/>
+        <p14:creationId xmlns="" xmlns:p14="http://schemas.microsoft.com/office/powerpoint/2010/main" val="3733486012"/>
       </p:ext>
     </p:extLst>
   </p:cSld>
@@ -27946,7 +27340,7 @@
     <a:masterClrMapping/>
   </p:clrMapOvr>
   <mc:AlternateContent xmlns:mc="http://schemas.openxmlformats.org/markup-compatibility/2006">
-    <mc:Choice xmlns:p14="http://schemas.microsoft.com/office/powerpoint/2010/main" xmlns="" Requires="p14">
+    <mc:Choice xmlns="" xmlns:p14="http://schemas.microsoft.com/office/powerpoint/2010/main" Requires="p14">
       <p:transition spd="med" p14:dur="700">
         <p:fade/>
       </p:transition>
@@ -27957,13 +27351,6 @@
       </p:transition>
     </mc:Fallback>
   </mc:AlternateContent>
-  <p:timing>
-    <p:tnLst>
-      <p:par>
-        <p:cTn id="1" dur="indefinite" restart="never" nodeType="tmRoot"/>
-      </p:par>
-    </p:tnLst>
-  </p:timing>
 </p:sld>
 </file>
 
@@ -28162,7 +27549,7 @@
   <a:extraClrSchemeLst/>
   <a:extLst>
     <a:ext uri="{05A4C25C-085E-4340-85A3-A5531E510DB2}">
-      <thm15:themeFamily xmlns:thm15="http://schemas.microsoft.com/office/thememl/2012/main" xmlns="" name="TF66687569_Modern blue presentation_AAS_v5" id="{C7B59113-CD15-4341-96CA-86E715D5BE98}" vid="{5A8FDAEB-3DF3-4B3C-A708-49813F8D6F85}"/>
+      <thm15:themeFamily xmlns="" xmlns:thm15="http://schemas.microsoft.com/office/thememl/2012/main" name="TF66687569_Modern blue presentation_AAS_v5" id="{C7B59113-CD15-4341-96CA-86E715D5BE98}" vid="{5A8FDAEB-3DF3-4B3C-A708-49813F8D6F85}"/>
     </a:ext>
   </a:extLst>
 </a:theme>
@@ -28457,7 +27844,7 @@
   <a:extraClrSchemeLst/>
   <a:extLst>
     <a:ext uri="{05A4C25C-085E-4340-85A3-A5531E510DB2}">
-      <thm15:themeFamily xmlns:thm15="http://schemas.microsoft.com/office/thememl/2012/main" xmlns="" name="Office Theme" id="{62F939B6-93AF-4DB8-9C6B-D6C7DFDC589F}" vid="{4A3C46E8-61CC-4603-A589-7422A47A8E4A}"/>
+      <thm15:themeFamily xmlns="" xmlns:thm15="http://schemas.microsoft.com/office/thememl/2012/main" name="Office Theme" id="{62F939B6-93AF-4DB8-9C6B-D6C7DFDC589F}" vid="{4A3C46E8-61CC-4603-A589-7422A47A8E4A}"/>
     </a:ext>
   </a:extLst>
 </a:theme>
@@ -28752,30 +28139,13 @@
   <a:extraClrSchemeLst/>
   <a:extLst>
     <a:ext uri="{05A4C25C-085E-4340-85A3-A5531E510DB2}">
-      <thm15:themeFamily xmlns:thm15="http://schemas.microsoft.com/office/thememl/2012/main" xmlns="" name="Office Theme" id="{62F939B6-93AF-4DB8-9C6B-D6C7DFDC589F}" vid="{4A3C46E8-61CC-4603-A589-7422A47A8E4A}"/>
+      <thm15:themeFamily xmlns="" xmlns:thm15="http://schemas.microsoft.com/office/thememl/2012/main" name="Office Theme" id="{62F939B6-93AF-4DB8-9C6B-D6C7DFDC589F}" vid="{4A3C46E8-61CC-4603-A589-7422A47A8E4A}"/>
     </a:ext>
   </a:extLst>
 </a:theme>
 </file>
 
 <file path=customXml/item1.xml><?xml version="1.0" encoding="utf-8"?>
-<p:properties xmlns:p="http://schemas.microsoft.com/office/2006/metadata/properties" xmlns:xsi="http://www.w3.org/2001/XMLSchema-instance" xmlns:pc="http://schemas.microsoft.com/office/infopath/2007/PartnerControls">
-  <documentManagement>
-    <MediaServiceKeyPoints xmlns="71af3243-3dd4-4a8d-8c0d-dd76da1f02a5" xsi:nil="true"/>
-  </documentManagement>
-</p:properties>
-</file>
-
-<file path=customXml/item2.xml><?xml version="1.0" encoding="utf-8"?>
-<?mso-contentType ?>
-<FormTemplates xmlns="http://schemas.microsoft.com/sharepoint/v3/contenttype/forms">
-  <Display>DocumentLibraryForm</Display>
-  <Edit>DocumentLibraryForm</Edit>
-  <New>DocumentLibraryForm</New>
-</FormTemplates>
-</file>
-
-<file path=customXml/item3.xml><?xml version="1.0" encoding="utf-8"?>
 <ct:contentTypeSchema xmlns:ct="http://schemas.microsoft.com/office/2006/metadata/contentType" xmlns:ma="http://schemas.microsoft.com/office/2006/metadata/properties/metaAttributes" ct:_="" ma:_="" ma:contentTypeName="Document" ma:contentTypeID="0x01010079F111ED35F8CC479449609E8A0923A6" ma:contentTypeVersion="11" ma:contentTypeDescription="Create a new document." ma:contentTypeScope="" ma:versionID="96291512c1ee715ab617f4c07df79fc1">
   <xsd:schema xmlns:xsd="http://www.w3.org/2001/XMLSchema" xmlns:xs="http://www.w3.org/2001/XMLSchema" xmlns:p="http://schemas.microsoft.com/office/2006/metadata/properties" xmlns:ns2="71af3243-3dd4-4a8d-8c0d-dd76da1f02a5" xmlns:ns3="16c05727-aa75-4e4a-9b5f-8a80a1165891" targetNamespace="http://schemas.microsoft.com/office/2006/metadata/properties" ma:root="true" ma:fieldsID="8256c27c40ca5c40ce1cf6c44f0205df" ns2:_="" ns3:_="">
     <xsd:import namespace="71af3243-3dd4-4a8d-8c0d-dd76da1f02a5"/>
@@ -28986,25 +28356,24 @@
 </ct:contentTypeSchema>
 </file>
 
-<file path=customXml/itemProps1.xml><?xml version="1.0" encoding="utf-8"?>
-<ds:datastoreItem xmlns:ds="http://schemas.openxmlformats.org/officeDocument/2006/customXml" ds:itemID="{F5757914-1161-4661-9696-421FD6935CDD}">
-  <ds:schemaRefs>
-    <ds:schemaRef ds:uri="http://schemas.microsoft.com/office/2006/metadata/properties"/>
-    <ds:schemaRef ds:uri="http://schemas.microsoft.com/office/infopath/2007/PartnerControls"/>
-    <ds:schemaRef ds:uri="71af3243-3dd4-4a8d-8c0d-dd76da1f02a5"/>
-  </ds:schemaRefs>
-</ds:datastoreItem>
+<file path=customXml/item2.xml><?xml version="1.0" encoding="utf-8"?>
+<?mso-contentType ?>
+<FormTemplates xmlns="http://schemas.microsoft.com/sharepoint/v3/contenttype/forms">
+  <Display>DocumentLibraryForm</Display>
+  <Edit>DocumentLibraryForm</Edit>
+  <New>DocumentLibraryForm</New>
+</FormTemplates>
 </file>
 
-<file path=customXml/itemProps2.xml><?xml version="1.0" encoding="utf-8"?>
-<ds:datastoreItem xmlns:ds="http://schemas.openxmlformats.org/officeDocument/2006/customXml" ds:itemID="{5B26E0C9-B2AA-42E6-97B6-E1B7D9EAF129}">
-  <ds:schemaRefs>
-    <ds:schemaRef ds:uri="http://schemas.microsoft.com/sharepoint/v3/contenttype/forms"/>
-  </ds:schemaRefs>
-</ds:datastoreItem>
+<file path=customXml/item3.xml><?xml version="1.0" encoding="utf-8"?>
+<p:properties xmlns:p="http://schemas.microsoft.com/office/2006/metadata/properties" xmlns:xsi="http://www.w3.org/2001/XMLSchema-instance" xmlns:pc="http://schemas.microsoft.com/office/infopath/2007/PartnerControls">
+  <documentManagement>
+    <MediaServiceKeyPoints xmlns="71af3243-3dd4-4a8d-8c0d-dd76da1f02a5" xsi:nil="true"/>
+  </documentManagement>
+</p:properties>
 </file>
 
-<file path=customXml/itemProps3.xml><?xml version="1.0" encoding="utf-8"?>
+<file path=customXml/itemProps1.xml><?xml version="1.0" encoding="utf-8"?>
 <ds:datastoreItem xmlns:ds="http://schemas.openxmlformats.org/officeDocument/2006/customXml" ds:itemID="{4C103400-4A22-4E35-B588-4C4D42638959}">
   <ds:schemaRefs>
     <ds:schemaRef ds:uri="http://schemas.microsoft.com/office/2006/metadata/contentType"/>
@@ -29021,4 +28390,22 @@
     <ds:schemaRef ds:uri="http://schemas.microsoft.com/internal/obd"/>
   </ds:schemaRefs>
 </ds:datastoreItem>
+</file>
+
+<file path=customXml/itemProps2.xml><?xml version="1.0" encoding="utf-8"?>
+<ds:datastoreItem xmlns:ds="http://schemas.openxmlformats.org/officeDocument/2006/customXml" ds:itemID="{5B26E0C9-B2AA-42E6-97B6-E1B7D9EAF129}">
+  <ds:schemaRefs>
+    <ds:schemaRef ds:uri="http://schemas.microsoft.com/sharepoint/v3/contenttype/forms"/>
+  </ds:schemaRefs>
+</ds:datastoreItem>
+</file>
+
+<file path=customXml/itemProps3.xml><?xml version="1.0" encoding="utf-8"?>
+<ds:datastoreItem xmlns:ds="http://schemas.openxmlformats.org/officeDocument/2006/customXml" ds:itemID="{F5757914-1161-4661-9696-421FD6935CDD}">
+  <ds:schemaRefs>
+    <ds:schemaRef ds:uri="http://schemas.microsoft.com/office/2006/metadata/properties"/>
+    <ds:schemaRef ds:uri="http://schemas.microsoft.com/office/infopath/2007/PartnerControls"/>
+    <ds:schemaRef ds:uri="71af3243-3dd4-4a8d-8c0d-dd76da1f02a5"/>
+  </ds:schemaRefs>
+</ds:datastoreItem>
 </file>